--- a/Documents/Presentation.pptx
+++ b/Documents/Presentation.pptx
@@ -2,23 +2,26 @@
 <file path=ppt/presentation.xml><?xml version="1.0" encoding="utf-8"?>
 <p:presentation xmlns:a="http://schemas.openxmlformats.org/drawingml/2006/main" xmlns:r="http://schemas.openxmlformats.org/officeDocument/2006/relationships" xmlns:p="http://schemas.openxmlformats.org/presentationml/2006/main" saveSubsetFonts="1">
   <p:sldMasterIdLst>
-    <p:sldMasterId id="2147483648" r:id="rId1"/>
+    <p:sldMasterId id="2147483696" r:id="rId1"/>
   </p:sldMasterIdLst>
   <p:sldIdLst>
     <p:sldId id="256" r:id="rId2"/>
     <p:sldId id="257" r:id="rId3"/>
     <p:sldId id="258" r:id="rId4"/>
-    <p:sldId id="259" r:id="rId5"/>
-    <p:sldId id="260" r:id="rId6"/>
-    <p:sldId id="261" r:id="rId7"/>
-    <p:sldId id="262" r:id="rId8"/>
-    <p:sldId id="263" r:id="rId9"/>
-    <p:sldId id="264" r:id="rId10"/>
-    <p:sldId id="265" r:id="rId11"/>
-    <p:sldId id="266" r:id="rId12"/>
-    <p:sldId id="267" r:id="rId13"/>
-    <p:sldId id="268" r:id="rId14"/>
-    <p:sldId id="269" r:id="rId15"/>
+    <p:sldId id="271" r:id="rId5"/>
+    <p:sldId id="272" r:id="rId6"/>
+    <p:sldId id="259" r:id="rId7"/>
+    <p:sldId id="260" r:id="rId8"/>
+    <p:sldId id="261" r:id="rId9"/>
+    <p:sldId id="262" r:id="rId10"/>
+    <p:sldId id="263" r:id="rId11"/>
+    <p:sldId id="264" r:id="rId12"/>
+    <p:sldId id="270" r:id="rId13"/>
+    <p:sldId id="265" r:id="rId14"/>
+    <p:sldId id="266" r:id="rId15"/>
+    <p:sldId id="267" r:id="rId16"/>
+    <p:sldId id="268" r:id="rId17"/>
+    <p:sldId id="269" r:id="rId18"/>
   </p:sldIdLst>
   <p:sldSz cx="12192000" cy="6858000"/>
   <p:notesSz cx="6858000" cy="9144000"/>
@@ -26,7 +29,7 @@
     <a:defPPr>
       <a:defRPr lang="en-US"/>
     </a:defPPr>
-    <a:lvl1pPr marL="0" algn="l" defTabSz="914400" rtl="0" eaLnBrk="1" latinLnBrk="0" hangingPunct="1">
+    <a:lvl1pPr marL="0" algn="l" defTabSz="457200" rtl="0" eaLnBrk="1" latinLnBrk="0" hangingPunct="1">
       <a:defRPr sz="1800" kern="1200">
         <a:solidFill>
           <a:schemeClr val="tx1"/>
@@ -36,7 +39,7 @@
         <a:cs typeface="+mn-cs"/>
       </a:defRPr>
     </a:lvl1pPr>
-    <a:lvl2pPr marL="457200" algn="l" defTabSz="914400" rtl="0" eaLnBrk="1" latinLnBrk="0" hangingPunct="1">
+    <a:lvl2pPr marL="457200" algn="l" defTabSz="457200" rtl="0" eaLnBrk="1" latinLnBrk="0" hangingPunct="1">
       <a:defRPr sz="1800" kern="1200">
         <a:solidFill>
           <a:schemeClr val="tx1"/>
@@ -46,7 +49,7 @@
         <a:cs typeface="+mn-cs"/>
       </a:defRPr>
     </a:lvl2pPr>
-    <a:lvl3pPr marL="914400" algn="l" defTabSz="914400" rtl="0" eaLnBrk="1" latinLnBrk="0" hangingPunct="1">
+    <a:lvl3pPr marL="914400" algn="l" defTabSz="457200" rtl="0" eaLnBrk="1" latinLnBrk="0" hangingPunct="1">
       <a:defRPr sz="1800" kern="1200">
         <a:solidFill>
           <a:schemeClr val="tx1"/>
@@ -56,7 +59,7 @@
         <a:cs typeface="+mn-cs"/>
       </a:defRPr>
     </a:lvl3pPr>
-    <a:lvl4pPr marL="1371600" algn="l" defTabSz="914400" rtl="0" eaLnBrk="1" latinLnBrk="0" hangingPunct="1">
+    <a:lvl4pPr marL="1371600" algn="l" defTabSz="457200" rtl="0" eaLnBrk="1" latinLnBrk="0" hangingPunct="1">
       <a:defRPr sz="1800" kern="1200">
         <a:solidFill>
           <a:schemeClr val="tx1"/>
@@ -66,7 +69,7 @@
         <a:cs typeface="+mn-cs"/>
       </a:defRPr>
     </a:lvl4pPr>
-    <a:lvl5pPr marL="1828800" algn="l" defTabSz="914400" rtl="0" eaLnBrk="1" latinLnBrk="0" hangingPunct="1">
+    <a:lvl5pPr marL="1828800" algn="l" defTabSz="457200" rtl="0" eaLnBrk="1" latinLnBrk="0" hangingPunct="1">
       <a:defRPr sz="1800" kern="1200">
         <a:solidFill>
           <a:schemeClr val="tx1"/>
@@ -76,7 +79,7 @@
         <a:cs typeface="+mn-cs"/>
       </a:defRPr>
     </a:lvl5pPr>
-    <a:lvl6pPr marL="2286000" algn="l" defTabSz="914400" rtl="0" eaLnBrk="1" latinLnBrk="0" hangingPunct="1">
+    <a:lvl6pPr marL="2286000" algn="l" defTabSz="457200" rtl="0" eaLnBrk="1" latinLnBrk="0" hangingPunct="1">
       <a:defRPr sz="1800" kern="1200">
         <a:solidFill>
           <a:schemeClr val="tx1"/>
@@ -86,7 +89,7 @@
         <a:cs typeface="+mn-cs"/>
       </a:defRPr>
     </a:lvl6pPr>
-    <a:lvl7pPr marL="2743200" algn="l" defTabSz="914400" rtl="0" eaLnBrk="1" latinLnBrk="0" hangingPunct="1">
+    <a:lvl7pPr marL="2743200" algn="l" defTabSz="457200" rtl="0" eaLnBrk="1" latinLnBrk="0" hangingPunct="1">
       <a:defRPr sz="1800" kern="1200">
         <a:solidFill>
           <a:schemeClr val="tx1"/>
@@ -96,7 +99,7 @@
         <a:cs typeface="+mn-cs"/>
       </a:defRPr>
     </a:lvl7pPr>
-    <a:lvl8pPr marL="3200400" algn="l" defTabSz="914400" rtl="0" eaLnBrk="1" latinLnBrk="0" hangingPunct="1">
+    <a:lvl8pPr marL="3200400" algn="l" defTabSz="457200" rtl="0" eaLnBrk="1" latinLnBrk="0" hangingPunct="1">
       <a:defRPr sz="1800" kern="1200">
         <a:solidFill>
           <a:schemeClr val="tx1"/>
@@ -106,7 +109,7 @@
         <a:cs typeface="+mn-cs"/>
       </a:defRPr>
     </a:lvl8pPr>
-    <a:lvl9pPr marL="3657600" algn="l" defTabSz="914400" rtl="0" eaLnBrk="1" latinLnBrk="0" hangingPunct="1">
+    <a:lvl9pPr marL="3657600" algn="l" defTabSz="457200" rtl="0" eaLnBrk="1" latinLnBrk="0" hangingPunct="1">
       <a:defRPr sz="1800" kern="1200">
         <a:solidFill>
           <a:schemeClr val="tx1"/>
@@ -117,6 +120,11 @@
       </a:defRPr>
     </a:lvl9pPr>
   </p:defaultTextStyle>
+  <p:extLst>
+    <p:ext uri="{EFAFB233-063F-42B5-8137-9DF3F51BA10A}">
+      <p15:sldGuideLst xmlns:p15="http://schemas.microsoft.com/office/powerpoint/2012/main"/>
+    </p:ext>
+  </p:extLst>
 </p:presentation>
 </file>
 
@@ -149,22 +157,25 @@
         </p:nvSpPr>
         <p:spPr>
           <a:xfrm>
-            <a:off x="1524000" y="1122363"/>
-            <a:ext cx="9144000" cy="2387600"/>
+            <a:off x="2589213" y="2514600"/>
+            <a:ext cx="8915399" cy="2262781"/>
           </a:xfrm>
         </p:spPr>
         <p:txBody>
-          <a:bodyPr anchor="b"/>
+          <a:bodyPr anchor="b">
+            <a:normAutofit/>
+          </a:bodyPr>
           <a:lstStyle>
-            <a:lvl1pPr algn="ctr">
-              <a:defRPr sz="6000"/>
+            <a:lvl1pPr>
+              <a:defRPr sz="5400"/>
             </a:lvl1pPr>
           </a:lstStyle>
           <a:p>
             <a:r>
-              <a:rPr lang="en-US"/>
+              <a:rPr lang="en-US" smtClean="0"/>
               <a:t>Click to edit Master title style</a:t>
             </a:r>
+            <a:endParaRPr lang="en-US" dirty="0"/>
           </a:p>
         </p:txBody>
       </p:sp>
@@ -180,55 +191,111 @@
         </p:nvSpPr>
         <p:spPr>
           <a:xfrm>
-            <a:off x="1524000" y="3602038"/>
-            <a:ext cx="9144000" cy="1655762"/>
+            <a:off x="2589213" y="4777379"/>
+            <a:ext cx="8915399" cy="1126283"/>
           </a:xfrm>
         </p:spPr>
         <p:txBody>
-          <a:bodyPr/>
+          <a:bodyPr anchor="t"/>
           <a:lstStyle>
-            <a:lvl1pPr marL="0" indent="0" algn="ctr">
-              <a:buNone/>
-              <a:defRPr sz="2400"/>
+            <a:lvl1pPr marL="0" indent="0" algn="l">
+              <a:buNone/>
+              <a:defRPr>
+                <a:solidFill>
+                  <a:schemeClr val="tx1">
+                    <a:lumMod val="65000"/>
+                    <a:lumOff val="35000"/>
+                  </a:schemeClr>
+                </a:solidFill>
+              </a:defRPr>
             </a:lvl1pPr>
             <a:lvl2pPr marL="457200" indent="0" algn="ctr">
               <a:buNone/>
-              <a:defRPr sz="2000"/>
+              <a:defRPr>
+                <a:solidFill>
+                  <a:schemeClr val="tx1">
+                    <a:tint val="75000"/>
+                  </a:schemeClr>
+                </a:solidFill>
+              </a:defRPr>
             </a:lvl2pPr>
             <a:lvl3pPr marL="914400" indent="0" algn="ctr">
               <a:buNone/>
-              <a:defRPr sz="1800"/>
+              <a:defRPr>
+                <a:solidFill>
+                  <a:schemeClr val="tx1">
+                    <a:tint val="75000"/>
+                  </a:schemeClr>
+                </a:solidFill>
+              </a:defRPr>
             </a:lvl3pPr>
             <a:lvl4pPr marL="1371600" indent="0" algn="ctr">
               <a:buNone/>
-              <a:defRPr sz="1600"/>
+              <a:defRPr>
+                <a:solidFill>
+                  <a:schemeClr val="tx1">
+                    <a:tint val="75000"/>
+                  </a:schemeClr>
+                </a:solidFill>
+              </a:defRPr>
             </a:lvl4pPr>
             <a:lvl5pPr marL="1828800" indent="0" algn="ctr">
               <a:buNone/>
-              <a:defRPr sz="1600"/>
+              <a:defRPr>
+                <a:solidFill>
+                  <a:schemeClr val="tx1">
+                    <a:tint val="75000"/>
+                  </a:schemeClr>
+                </a:solidFill>
+              </a:defRPr>
             </a:lvl5pPr>
             <a:lvl6pPr marL="2286000" indent="0" algn="ctr">
               <a:buNone/>
-              <a:defRPr sz="1600"/>
+              <a:defRPr>
+                <a:solidFill>
+                  <a:schemeClr val="tx1">
+                    <a:tint val="75000"/>
+                  </a:schemeClr>
+                </a:solidFill>
+              </a:defRPr>
             </a:lvl6pPr>
             <a:lvl7pPr marL="2743200" indent="0" algn="ctr">
               <a:buNone/>
-              <a:defRPr sz="1600"/>
+              <a:defRPr>
+                <a:solidFill>
+                  <a:schemeClr val="tx1">
+                    <a:tint val="75000"/>
+                  </a:schemeClr>
+                </a:solidFill>
+              </a:defRPr>
             </a:lvl7pPr>
             <a:lvl8pPr marL="3200400" indent="0" algn="ctr">
               <a:buNone/>
-              <a:defRPr sz="1600"/>
+              <a:defRPr>
+                <a:solidFill>
+                  <a:schemeClr val="tx1">
+                    <a:tint val="75000"/>
+                  </a:schemeClr>
+                </a:solidFill>
+              </a:defRPr>
             </a:lvl8pPr>
             <a:lvl9pPr marL="3657600" indent="0" algn="ctr">
               <a:buNone/>
-              <a:defRPr sz="1600"/>
+              <a:defRPr>
+                <a:solidFill>
+                  <a:schemeClr val="tx1">
+                    <a:tint val="75000"/>
+                  </a:schemeClr>
+                </a:solidFill>
+              </a:defRPr>
             </a:lvl9pPr>
           </a:lstStyle>
           <a:p>
             <a:r>
-              <a:rPr lang="en-US"/>
+              <a:rPr lang="en-US" smtClean="0"/>
               <a:t>Click to edit Master subtitle style</a:t>
             </a:r>
+            <a:endParaRPr lang="en-US" dirty="0"/>
           </a:p>
         </p:txBody>
       </p:sp>
@@ -249,7 +316,7 @@
           <a:p>
             <a:fld id="{471BC982-A0E7-442A-901D-C3ABBEC01FFB}" type="datetimeFigureOut">
               <a:rPr lang="en-US" smtClean="0"/>
-              <a:t>4/1/2017</a:t>
+              <a:t>4/2/2017</a:t>
             </a:fld>
             <a:endParaRPr lang="en-US"/>
           </a:p>
@@ -276,6 +343,88 @@
       </p:sp>
       <p:sp>
         <p:nvSpPr>
+          <p:cNvPr id="7" name="Freeform 6"/>
+          <p:cNvSpPr/>
+          <p:nvPr/>
+        </p:nvSpPr>
+        <p:spPr bwMode="auto">
+          <a:xfrm>
+            <a:off x="0" y="4323810"/>
+            <a:ext cx="1744652" cy="778589"/>
+          </a:xfrm>
+          <a:custGeom>
+            <a:avLst/>
+            <a:gdLst/>
+            <a:ahLst/>
+            <a:cxnLst/>
+            <a:rect l="0" t="0" r="r" b="b"/>
+            <a:pathLst>
+              <a:path w="372" h="166">
+                <a:moveTo>
+                  <a:pt x="287" y="166"/>
+                </a:moveTo>
+                <a:cubicBezTo>
+                  <a:pt x="290" y="166"/>
+                  <a:pt x="292" y="165"/>
+                  <a:pt x="293" y="164"/>
+                </a:cubicBezTo>
+                <a:cubicBezTo>
+                  <a:pt x="293" y="163"/>
+                  <a:pt x="294" y="163"/>
+                  <a:pt x="294" y="163"/>
+                </a:cubicBezTo>
+                <a:cubicBezTo>
+                  <a:pt x="370" y="87"/>
+                  <a:pt x="370" y="87"/>
+                  <a:pt x="370" y="87"/>
+                </a:cubicBezTo>
+                <a:cubicBezTo>
+                  <a:pt x="372" y="85"/>
+                  <a:pt x="372" y="81"/>
+                  <a:pt x="370" y="78"/>
+                </a:cubicBezTo>
+                <a:cubicBezTo>
+                  <a:pt x="294" y="3"/>
+                  <a:pt x="294" y="3"/>
+                  <a:pt x="294" y="3"/>
+                </a:cubicBezTo>
+                <a:cubicBezTo>
+                  <a:pt x="294" y="2"/>
+                  <a:pt x="293" y="2"/>
+                  <a:pt x="293" y="2"/>
+                </a:cubicBezTo>
+                <a:cubicBezTo>
+                  <a:pt x="292" y="1"/>
+                  <a:pt x="290" y="0"/>
+                  <a:pt x="287" y="0"/>
+                </a:cubicBezTo>
+                <a:cubicBezTo>
+                  <a:pt x="0" y="0"/>
+                  <a:pt x="0" y="0"/>
+                  <a:pt x="0" y="0"/>
+                </a:cubicBezTo>
+                <a:cubicBezTo>
+                  <a:pt x="0" y="166"/>
+                  <a:pt x="0" y="166"/>
+                  <a:pt x="0" y="166"/>
+                </a:cubicBezTo>
+                <a:lnTo>
+                  <a:pt x="287" y="166"/>
+                </a:lnTo>
+                <a:close/>
+              </a:path>
+            </a:pathLst>
+          </a:custGeom>
+          <a:solidFill>
+            <a:schemeClr val="accent1"/>
+          </a:solidFill>
+          <a:ln>
+            <a:noFill/>
+          </a:ln>
+        </p:spPr>
+      </p:sp>
+      <p:sp>
+        <p:nvSpPr>
           <p:cNvPr id="6" name="Slide Number Placeholder 5"/>
           <p:cNvSpPr>
             <a:spLocks noGrp="1"/>
@@ -284,7 +433,12 @@
             <p:ph type="sldNum" sz="quarter" idx="12"/>
           </p:nvPr>
         </p:nvSpPr>
-        <p:spPr/>
+        <p:spPr>
+          <a:xfrm>
+            <a:off x="531812" y="4529540"/>
+            <a:ext cx="779767" cy="365125"/>
+          </a:xfrm>
+        </p:spPr>
         <p:txBody>
           <a:bodyPr/>
           <a:lstStyle/>
@@ -300,7 +454,7 @@
     </p:spTree>
     <p:extLst>
       <p:ext uri="{BB962C8B-B14F-4D97-AF65-F5344CB8AC3E}">
-        <p14:creationId xmlns:p14="http://schemas.microsoft.com/office/powerpoint/2010/main" val="1046411820"/>
+        <p14:creationId xmlns:p14="http://schemas.microsoft.com/office/powerpoint/2010/main" val="2162903824"/>
       </p:ext>
     </p:extLst>
   </p:cSld>
@@ -311,6 +465,1797 @@
 </file>
 
 <file path=ppt/slideLayouts/slideLayout10.xml><?xml version="1.0" encoding="utf-8"?>
+<p:sldLayout xmlns:a="http://schemas.openxmlformats.org/drawingml/2006/main" xmlns:r="http://schemas.openxmlformats.org/officeDocument/2006/relationships" xmlns:p="http://schemas.openxmlformats.org/presentationml/2006/main" preserve="1">
+  <p:cSld name="Title and Caption">
+    <p:spTree>
+      <p:nvGrpSpPr>
+        <p:cNvPr id="1" name=""/>
+        <p:cNvGrpSpPr/>
+        <p:nvPr/>
+      </p:nvGrpSpPr>
+      <p:grpSpPr>
+        <a:xfrm>
+          <a:off x="0" y="0"/>
+          <a:ext cx="0" cy="0"/>
+          <a:chOff x="0" y="0"/>
+          <a:chExt cx="0" cy="0"/>
+        </a:xfrm>
+      </p:grpSpPr>
+      <p:sp>
+        <p:nvSpPr>
+          <p:cNvPr id="2" name="Title 1"/>
+          <p:cNvSpPr>
+            <a:spLocks noGrp="1"/>
+          </p:cNvSpPr>
+          <p:nvPr>
+            <p:ph type="title"/>
+          </p:nvPr>
+        </p:nvSpPr>
+        <p:spPr>
+          <a:xfrm>
+            <a:off x="2589212" y="609600"/>
+            <a:ext cx="8915399" cy="3117040"/>
+          </a:xfrm>
+        </p:spPr>
+        <p:txBody>
+          <a:bodyPr anchor="ctr">
+            <a:normAutofit/>
+          </a:bodyPr>
+          <a:lstStyle>
+            <a:lvl1pPr algn="l">
+              <a:defRPr sz="4800" b="0" cap="none"/>
+            </a:lvl1pPr>
+          </a:lstStyle>
+          <a:p>
+            <a:r>
+              <a:rPr lang="en-US" smtClean="0"/>
+              <a:t>Click to edit Master title style</a:t>
+            </a:r>
+            <a:endParaRPr lang="en-US" dirty="0"/>
+          </a:p>
+        </p:txBody>
+      </p:sp>
+      <p:sp>
+        <p:nvSpPr>
+          <p:cNvPr id="3" name="Text Placeholder 2"/>
+          <p:cNvSpPr>
+            <a:spLocks noGrp="1"/>
+          </p:cNvSpPr>
+          <p:nvPr>
+            <p:ph type="body" idx="1"/>
+          </p:nvPr>
+        </p:nvSpPr>
+        <p:spPr>
+          <a:xfrm>
+            <a:off x="2589212" y="4354046"/>
+            <a:ext cx="8915399" cy="1555864"/>
+          </a:xfrm>
+        </p:spPr>
+        <p:txBody>
+          <a:bodyPr anchor="ctr">
+            <a:normAutofit/>
+          </a:bodyPr>
+          <a:lstStyle>
+            <a:lvl1pPr marL="0" indent="0" algn="l">
+              <a:buNone/>
+              <a:defRPr sz="1800">
+                <a:solidFill>
+                  <a:schemeClr val="tx1">
+                    <a:lumMod val="65000"/>
+                    <a:lumOff val="35000"/>
+                  </a:schemeClr>
+                </a:solidFill>
+              </a:defRPr>
+            </a:lvl1pPr>
+            <a:lvl2pPr marL="457200" indent="0">
+              <a:buNone/>
+              <a:defRPr sz="1800">
+                <a:solidFill>
+                  <a:schemeClr val="tx1">
+                    <a:tint val="75000"/>
+                  </a:schemeClr>
+                </a:solidFill>
+              </a:defRPr>
+            </a:lvl2pPr>
+            <a:lvl3pPr marL="914400" indent="0">
+              <a:buNone/>
+              <a:defRPr sz="1600">
+                <a:solidFill>
+                  <a:schemeClr val="tx1">
+                    <a:tint val="75000"/>
+                  </a:schemeClr>
+                </a:solidFill>
+              </a:defRPr>
+            </a:lvl3pPr>
+            <a:lvl4pPr marL="1371600" indent="0">
+              <a:buNone/>
+              <a:defRPr sz="1400">
+                <a:solidFill>
+                  <a:schemeClr val="tx1">
+                    <a:tint val="75000"/>
+                  </a:schemeClr>
+                </a:solidFill>
+              </a:defRPr>
+            </a:lvl4pPr>
+            <a:lvl5pPr marL="1828800" indent="0">
+              <a:buNone/>
+              <a:defRPr sz="1400">
+                <a:solidFill>
+                  <a:schemeClr val="tx1">
+                    <a:tint val="75000"/>
+                  </a:schemeClr>
+                </a:solidFill>
+              </a:defRPr>
+            </a:lvl5pPr>
+            <a:lvl6pPr marL="2286000" indent="0">
+              <a:buNone/>
+              <a:defRPr sz="1400">
+                <a:solidFill>
+                  <a:schemeClr val="tx1">
+                    <a:tint val="75000"/>
+                  </a:schemeClr>
+                </a:solidFill>
+              </a:defRPr>
+            </a:lvl6pPr>
+            <a:lvl7pPr marL="2743200" indent="0">
+              <a:buNone/>
+              <a:defRPr sz="1400">
+                <a:solidFill>
+                  <a:schemeClr val="tx1">
+                    <a:tint val="75000"/>
+                  </a:schemeClr>
+                </a:solidFill>
+              </a:defRPr>
+            </a:lvl7pPr>
+            <a:lvl8pPr marL="3200400" indent="0">
+              <a:buNone/>
+              <a:defRPr sz="1400">
+                <a:solidFill>
+                  <a:schemeClr val="tx1">
+                    <a:tint val="75000"/>
+                  </a:schemeClr>
+                </a:solidFill>
+              </a:defRPr>
+            </a:lvl8pPr>
+            <a:lvl9pPr marL="3657600" indent="0">
+              <a:buNone/>
+              <a:defRPr sz="1400">
+                <a:solidFill>
+                  <a:schemeClr val="tx1">
+                    <a:tint val="75000"/>
+                  </a:schemeClr>
+                </a:solidFill>
+              </a:defRPr>
+            </a:lvl9pPr>
+          </a:lstStyle>
+          <a:p>
+            <a:pPr lvl="0"/>
+            <a:r>
+              <a:rPr lang="en-US" smtClean="0"/>
+              <a:t>Edit Master text styles</a:t>
+            </a:r>
+          </a:p>
+        </p:txBody>
+      </p:sp>
+      <p:sp>
+        <p:nvSpPr>
+          <p:cNvPr id="4" name="Date Placeholder 3"/>
+          <p:cNvSpPr>
+            <a:spLocks noGrp="1"/>
+          </p:cNvSpPr>
+          <p:nvPr>
+            <p:ph type="dt" sz="half" idx="10"/>
+          </p:nvPr>
+        </p:nvSpPr>
+        <p:spPr/>
+        <p:txBody>
+          <a:bodyPr/>
+          <a:lstStyle/>
+          <a:p>
+            <a:fld id="{471BC982-A0E7-442A-901D-C3ABBEC01FFB}" type="datetimeFigureOut">
+              <a:rPr lang="en-US" smtClean="0"/>
+              <a:t>4/2/2017</a:t>
+            </a:fld>
+            <a:endParaRPr lang="en-US"/>
+          </a:p>
+        </p:txBody>
+      </p:sp>
+      <p:sp>
+        <p:nvSpPr>
+          <p:cNvPr id="5" name="Footer Placeholder 4"/>
+          <p:cNvSpPr>
+            <a:spLocks noGrp="1"/>
+          </p:cNvSpPr>
+          <p:nvPr>
+            <p:ph type="ftr" sz="quarter" idx="11"/>
+          </p:nvPr>
+        </p:nvSpPr>
+        <p:spPr/>
+        <p:txBody>
+          <a:bodyPr/>
+          <a:lstStyle/>
+          <a:p>
+            <a:endParaRPr lang="en-US"/>
+          </a:p>
+        </p:txBody>
+      </p:sp>
+      <p:sp>
+        <p:nvSpPr>
+          <p:cNvPr id="9" name="Freeform 11"/>
+          <p:cNvSpPr/>
+          <p:nvPr/>
+        </p:nvSpPr>
+        <p:spPr bwMode="auto">
+          <a:xfrm flipV="1">
+            <a:off x="-4189" y="3178175"/>
+            <a:ext cx="1588527" cy="507297"/>
+          </a:xfrm>
+          <a:custGeom>
+            <a:avLst/>
+            <a:gdLst/>
+            <a:ahLst/>
+            <a:cxnLst/>
+            <a:rect l="l" t="t" r="r" b="b"/>
+            <a:pathLst>
+              <a:path w="9248" h="10000">
+                <a:moveTo>
+                  <a:pt x="9248" y="4701"/>
+                </a:moveTo>
+                <a:lnTo>
+                  <a:pt x="7915" y="188"/>
+                </a:lnTo>
+                <a:cubicBezTo>
+                  <a:pt x="7906" y="156"/>
+                  <a:pt x="7895" y="126"/>
+                  <a:pt x="7886" y="94"/>
+                </a:cubicBezTo>
+                <a:cubicBezTo>
+                  <a:pt x="7859" y="0"/>
+                  <a:pt x="7831" y="0"/>
+                  <a:pt x="7803" y="0"/>
+                </a:cubicBezTo>
+                <a:lnTo>
+                  <a:pt x="7275" y="0"/>
+                </a:lnTo>
+                <a:lnTo>
+                  <a:pt x="0" y="70"/>
+                </a:lnTo>
+                <a:cubicBezTo>
+                  <a:pt x="8" y="3380"/>
+                  <a:pt x="17" y="6690"/>
+                  <a:pt x="25" y="10000"/>
+                </a:cubicBezTo>
+                <a:lnTo>
+                  <a:pt x="7275" y="9966"/>
+                </a:lnTo>
+                <a:lnTo>
+                  <a:pt x="7803" y="9966"/>
+                </a:lnTo>
+                <a:cubicBezTo>
+                  <a:pt x="7831" y="9966"/>
+                  <a:pt x="7859" y="9872"/>
+                  <a:pt x="7886" y="9872"/>
+                </a:cubicBezTo>
+                <a:cubicBezTo>
+                  <a:pt x="7886" y="9778"/>
+                  <a:pt x="7915" y="9778"/>
+                  <a:pt x="7915" y="9778"/>
+                </a:cubicBezTo>
+                <a:lnTo>
+                  <a:pt x="9248" y="5265"/>
+                </a:lnTo>
+                <a:cubicBezTo>
+                  <a:pt x="9303" y="5077"/>
+                  <a:pt x="9303" y="4889"/>
+                  <a:pt x="9248" y="4701"/>
+                </a:cubicBezTo>
+                <a:close/>
+              </a:path>
+            </a:pathLst>
+          </a:custGeom>
+          <a:solidFill>
+            <a:schemeClr val="accent1"/>
+          </a:solidFill>
+          <a:ln>
+            <a:noFill/>
+          </a:ln>
+        </p:spPr>
+      </p:sp>
+      <p:sp>
+        <p:nvSpPr>
+          <p:cNvPr id="6" name="Slide Number Placeholder 5"/>
+          <p:cNvSpPr>
+            <a:spLocks noGrp="1"/>
+          </p:cNvSpPr>
+          <p:nvPr>
+            <p:ph type="sldNum" sz="quarter" idx="12"/>
+          </p:nvPr>
+        </p:nvSpPr>
+        <p:spPr>
+          <a:xfrm>
+            <a:off x="531812" y="3244139"/>
+            <a:ext cx="779767" cy="365125"/>
+          </a:xfrm>
+        </p:spPr>
+        <p:txBody>
+          <a:bodyPr/>
+          <a:lstStyle/>
+          <a:p>
+            <a:fld id="{03EF8629-4C6E-4CA9-97C5-DD4BF5FE8262}" type="slidenum">
+              <a:rPr lang="en-US" smtClean="0"/>
+              <a:t>‹#›</a:t>
+            </a:fld>
+            <a:endParaRPr lang="en-US"/>
+          </a:p>
+        </p:txBody>
+      </p:sp>
+    </p:spTree>
+    <p:extLst>
+      <p:ext uri="{BB962C8B-B14F-4D97-AF65-F5344CB8AC3E}">
+        <p14:creationId xmlns:p14="http://schemas.microsoft.com/office/powerpoint/2010/main" val="644162407"/>
+      </p:ext>
+    </p:extLst>
+  </p:cSld>
+  <p:clrMapOvr>
+    <a:masterClrMapping/>
+  </p:clrMapOvr>
+</p:sldLayout>
+</file>
+
+<file path=ppt/slideLayouts/slideLayout11.xml><?xml version="1.0" encoding="utf-8"?>
+<p:sldLayout xmlns:a="http://schemas.openxmlformats.org/drawingml/2006/main" xmlns:r="http://schemas.openxmlformats.org/officeDocument/2006/relationships" xmlns:p="http://schemas.openxmlformats.org/presentationml/2006/main" preserve="1">
+  <p:cSld name="Quote with Caption">
+    <p:spTree>
+      <p:nvGrpSpPr>
+        <p:cNvPr id="1" name=""/>
+        <p:cNvGrpSpPr/>
+        <p:nvPr/>
+      </p:nvGrpSpPr>
+      <p:grpSpPr>
+        <a:xfrm>
+          <a:off x="0" y="0"/>
+          <a:ext cx="0" cy="0"/>
+          <a:chOff x="0" y="0"/>
+          <a:chExt cx="0" cy="0"/>
+        </a:xfrm>
+      </p:grpSpPr>
+      <p:sp>
+        <p:nvSpPr>
+          <p:cNvPr id="2" name="Title 1"/>
+          <p:cNvSpPr>
+            <a:spLocks noGrp="1"/>
+          </p:cNvSpPr>
+          <p:nvPr>
+            <p:ph type="title"/>
+          </p:nvPr>
+        </p:nvSpPr>
+        <p:spPr>
+          <a:xfrm>
+            <a:off x="2849949" y="609600"/>
+            <a:ext cx="8393926" cy="2895600"/>
+          </a:xfrm>
+        </p:spPr>
+        <p:txBody>
+          <a:bodyPr anchor="ctr">
+            <a:normAutofit/>
+          </a:bodyPr>
+          <a:lstStyle>
+            <a:lvl1pPr algn="l">
+              <a:defRPr sz="4800" b="0" cap="none"/>
+            </a:lvl1pPr>
+          </a:lstStyle>
+          <a:p>
+            <a:r>
+              <a:rPr lang="en-US" smtClean="0"/>
+              <a:t>Click to edit Master title style</a:t>
+            </a:r>
+            <a:endParaRPr lang="en-US" dirty="0"/>
+          </a:p>
+        </p:txBody>
+      </p:sp>
+      <p:sp>
+        <p:nvSpPr>
+          <p:cNvPr id="13" name="Text Placeholder 9"/>
+          <p:cNvSpPr>
+            <a:spLocks noGrp="1"/>
+          </p:cNvSpPr>
+          <p:nvPr>
+            <p:ph type="body" sz="quarter" idx="13"/>
+          </p:nvPr>
+        </p:nvSpPr>
+        <p:spPr>
+          <a:xfrm>
+            <a:off x="3275012" y="3505200"/>
+            <a:ext cx="7536554" cy="381000"/>
+          </a:xfrm>
+        </p:spPr>
+        <p:txBody>
+          <a:bodyPr anchor="ctr">
+            <a:noAutofit/>
+          </a:bodyPr>
+          <a:lstStyle>
+            <a:lvl1pPr marL="0" indent="0">
+              <a:buFontTx/>
+              <a:buNone/>
+              <a:defRPr sz="1600">
+                <a:solidFill>
+                  <a:schemeClr val="tx1">
+                    <a:lumMod val="50000"/>
+                    <a:lumOff val="50000"/>
+                  </a:schemeClr>
+                </a:solidFill>
+              </a:defRPr>
+            </a:lvl1pPr>
+            <a:lvl2pPr marL="457200" indent="0">
+              <a:buFontTx/>
+              <a:buNone/>
+              <a:defRPr/>
+            </a:lvl2pPr>
+            <a:lvl3pPr marL="914400" indent="0">
+              <a:buFontTx/>
+              <a:buNone/>
+              <a:defRPr/>
+            </a:lvl3pPr>
+            <a:lvl4pPr marL="1371600" indent="0">
+              <a:buFontTx/>
+              <a:buNone/>
+              <a:defRPr/>
+            </a:lvl4pPr>
+            <a:lvl5pPr marL="1828800" indent="0">
+              <a:buFontTx/>
+              <a:buNone/>
+              <a:defRPr/>
+            </a:lvl5pPr>
+          </a:lstStyle>
+          <a:p>
+            <a:pPr lvl="0"/>
+            <a:r>
+              <a:rPr lang="en-US" smtClean="0"/>
+              <a:t>Edit Master text styles</a:t>
+            </a:r>
+          </a:p>
+        </p:txBody>
+      </p:sp>
+      <p:sp>
+        <p:nvSpPr>
+          <p:cNvPr id="3" name="Text Placeholder 2"/>
+          <p:cNvSpPr>
+            <a:spLocks noGrp="1"/>
+          </p:cNvSpPr>
+          <p:nvPr>
+            <p:ph type="body" idx="1"/>
+          </p:nvPr>
+        </p:nvSpPr>
+        <p:spPr>
+          <a:xfrm>
+            <a:off x="2589212" y="4354046"/>
+            <a:ext cx="8915399" cy="1555864"/>
+          </a:xfrm>
+        </p:spPr>
+        <p:txBody>
+          <a:bodyPr anchor="ctr">
+            <a:normAutofit/>
+          </a:bodyPr>
+          <a:lstStyle>
+            <a:lvl1pPr marL="0" indent="0" algn="l">
+              <a:buNone/>
+              <a:defRPr sz="1800">
+                <a:solidFill>
+                  <a:schemeClr val="tx1">
+                    <a:lumMod val="65000"/>
+                    <a:lumOff val="35000"/>
+                  </a:schemeClr>
+                </a:solidFill>
+              </a:defRPr>
+            </a:lvl1pPr>
+            <a:lvl2pPr marL="457200" indent="0">
+              <a:buNone/>
+              <a:defRPr sz="1800">
+                <a:solidFill>
+                  <a:schemeClr val="tx1">
+                    <a:tint val="75000"/>
+                  </a:schemeClr>
+                </a:solidFill>
+              </a:defRPr>
+            </a:lvl2pPr>
+            <a:lvl3pPr marL="914400" indent="0">
+              <a:buNone/>
+              <a:defRPr sz="1600">
+                <a:solidFill>
+                  <a:schemeClr val="tx1">
+                    <a:tint val="75000"/>
+                  </a:schemeClr>
+                </a:solidFill>
+              </a:defRPr>
+            </a:lvl3pPr>
+            <a:lvl4pPr marL="1371600" indent="0">
+              <a:buNone/>
+              <a:defRPr sz="1400">
+                <a:solidFill>
+                  <a:schemeClr val="tx1">
+                    <a:tint val="75000"/>
+                  </a:schemeClr>
+                </a:solidFill>
+              </a:defRPr>
+            </a:lvl4pPr>
+            <a:lvl5pPr marL="1828800" indent="0">
+              <a:buNone/>
+              <a:defRPr sz="1400">
+                <a:solidFill>
+                  <a:schemeClr val="tx1">
+                    <a:tint val="75000"/>
+                  </a:schemeClr>
+                </a:solidFill>
+              </a:defRPr>
+            </a:lvl5pPr>
+            <a:lvl6pPr marL="2286000" indent="0">
+              <a:buNone/>
+              <a:defRPr sz="1400">
+                <a:solidFill>
+                  <a:schemeClr val="tx1">
+                    <a:tint val="75000"/>
+                  </a:schemeClr>
+                </a:solidFill>
+              </a:defRPr>
+            </a:lvl6pPr>
+            <a:lvl7pPr marL="2743200" indent="0">
+              <a:buNone/>
+              <a:defRPr sz="1400">
+                <a:solidFill>
+                  <a:schemeClr val="tx1">
+                    <a:tint val="75000"/>
+                  </a:schemeClr>
+                </a:solidFill>
+              </a:defRPr>
+            </a:lvl7pPr>
+            <a:lvl8pPr marL="3200400" indent="0">
+              <a:buNone/>
+              <a:defRPr sz="1400">
+                <a:solidFill>
+                  <a:schemeClr val="tx1">
+                    <a:tint val="75000"/>
+                  </a:schemeClr>
+                </a:solidFill>
+              </a:defRPr>
+            </a:lvl8pPr>
+            <a:lvl9pPr marL="3657600" indent="0">
+              <a:buNone/>
+              <a:defRPr sz="1400">
+                <a:solidFill>
+                  <a:schemeClr val="tx1">
+                    <a:tint val="75000"/>
+                  </a:schemeClr>
+                </a:solidFill>
+              </a:defRPr>
+            </a:lvl9pPr>
+          </a:lstStyle>
+          <a:p>
+            <a:pPr lvl="0"/>
+            <a:r>
+              <a:rPr lang="en-US" smtClean="0"/>
+              <a:t>Edit Master text styles</a:t>
+            </a:r>
+          </a:p>
+        </p:txBody>
+      </p:sp>
+      <p:sp>
+        <p:nvSpPr>
+          <p:cNvPr id="4" name="Date Placeholder 3"/>
+          <p:cNvSpPr>
+            <a:spLocks noGrp="1"/>
+          </p:cNvSpPr>
+          <p:nvPr>
+            <p:ph type="dt" sz="half" idx="10"/>
+          </p:nvPr>
+        </p:nvSpPr>
+        <p:spPr/>
+        <p:txBody>
+          <a:bodyPr/>
+          <a:lstStyle/>
+          <a:p>
+            <a:fld id="{471BC982-A0E7-442A-901D-C3ABBEC01FFB}" type="datetimeFigureOut">
+              <a:rPr lang="en-US" smtClean="0"/>
+              <a:t>4/2/2017</a:t>
+            </a:fld>
+            <a:endParaRPr lang="en-US"/>
+          </a:p>
+        </p:txBody>
+      </p:sp>
+      <p:sp>
+        <p:nvSpPr>
+          <p:cNvPr id="5" name="Footer Placeholder 4"/>
+          <p:cNvSpPr>
+            <a:spLocks noGrp="1"/>
+          </p:cNvSpPr>
+          <p:nvPr>
+            <p:ph type="ftr" sz="quarter" idx="11"/>
+          </p:nvPr>
+        </p:nvSpPr>
+        <p:spPr/>
+        <p:txBody>
+          <a:bodyPr/>
+          <a:lstStyle/>
+          <a:p>
+            <a:endParaRPr lang="en-US"/>
+          </a:p>
+        </p:txBody>
+      </p:sp>
+      <p:sp>
+        <p:nvSpPr>
+          <p:cNvPr id="11" name="Freeform 11"/>
+          <p:cNvSpPr/>
+          <p:nvPr/>
+        </p:nvSpPr>
+        <p:spPr bwMode="auto">
+          <a:xfrm flipV="1">
+            <a:off x="-4189" y="3178175"/>
+            <a:ext cx="1588527" cy="507297"/>
+          </a:xfrm>
+          <a:custGeom>
+            <a:avLst/>
+            <a:gdLst/>
+            <a:ahLst/>
+            <a:cxnLst/>
+            <a:rect l="l" t="t" r="r" b="b"/>
+            <a:pathLst>
+              <a:path w="9248" h="10000">
+                <a:moveTo>
+                  <a:pt x="9248" y="4701"/>
+                </a:moveTo>
+                <a:lnTo>
+                  <a:pt x="7915" y="188"/>
+                </a:lnTo>
+                <a:cubicBezTo>
+                  <a:pt x="7906" y="156"/>
+                  <a:pt x="7895" y="126"/>
+                  <a:pt x="7886" y="94"/>
+                </a:cubicBezTo>
+                <a:cubicBezTo>
+                  <a:pt x="7859" y="0"/>
+                  <a:pt x="7831" y="0"/>
+                  <a:pt x="7803" y="0"/>
+                </a:cubicBezTo>
+                <a:lnTo>
+                  <a:pt x="7275" y="0"/>
+                </a:lnTo>
+                <a:lnTo>
+                  <a:pt x="0" y="70"/>
+                </a:lnTo>
+                <a:cubicBezTo>
+                  <a:pt x="8" y="3380"/>
+                  <a:pt x="17" y="6690"/>
+                  <a:pt x="25" y="10000"/>
+                </a:cubicBezTo>
+                <a:lnTo>
+                  <a:pt x="7275" y="9966"/>
+                </a:lnTo>
+                <a:lnTo>
+                  <a:pt x="7803" y="9966"/>
+                </a:lnTo>
+                <a:cubicBezTo>
+                  <a:pt x="7831" y="9966"/>
+                  <a:pt x="7859" y="9872"/>
+                  <a:pt x="7886" y="9872"/>
+                </a:cubicBezTo>
+                <a:cubicBezTo>
+                  <a:pt x="7886" y="9778"/>
+                  <a:pt x="7915" y="9778"/>
+                  <a:pt x="7915" y="9778"/>
+                </a:cubicBezTo>
+                <a:lnTo>
+                  <a:pt x="9248" y="5265"/>
+                </a:lnTo>
+                <a:cubicBezTo>
+                  <a:pt x="9303" y="5077"/>
+                  <a:pt x="9303" y="4889"/>
+                  <a:pt x="9248" y="4701"/>
+                </a:cubicBezTo>
+                <a:close/>
+              </a:path>
+            </a:pathLst>
+          </a:custGeom>
+          <a:solidFill>
+            <a:schemeClr val="accent1"/>
+          </a:solidFill>
+          <a:ln>
+            <a:noFill/>
+          </a:ln>
+        </p:spPr>
+      </p:sp>
+      <p:sp>
+        <p:nvSpPr>
+          <p:cNvPr id="6" name="Slide Number Placeholder 5"/>
+          <p:cNvSpPr>
+            <a:spLocks noGrp="1"/>
+          </p:cNvSpPr>
+          <p:nvPr>
+            <p:ph type="sldNum" sz="quarter" idx="12"/>
+          </p:nvPr>
+        </p:nvSpPr>
+        <p:spPr>
+          <a:xfrm>
+            <a:off x="531812" y="3244139"/>
+            <a:ext cx="779767" cy="365125"/>
+          </a:xfrm>
+        </p:spPr>
+        <p:txBody>
+          <a:bodyPr/>
+          <a:lstStyle/>
+          <a:p>
+            <a:fld id="{03EF8629-4C6E-4CA9-97C5-DD4BF5FE8262}" type="slidenum">
+              <a:rPr lang="en-US" smtClean="0"/>
+              <a:t>‹#›</a:t>
+            </a:fld>
+            <a:endParaRPr lang="en-US"/>
+          </a:p>
+        </p:txBody>
+      </p:sp>
+      <p:sp>
+        <p:nvSpPr>
+          <p:cNvPr id="14" name="TextBox 13"/>
+          <p:cNvSpPr txBox="1"/>
+          <p:nvPr/>
+        </p:nvSpPr>
+        <p:spPr>
+          <a:xfrm>
+            <a:off x="2467652" y="648005"/>
+            <a:ext cx="609600" cy="584776"/>
+          </a:xfrm>
+          <a:prstGeom prst="rect">
+            <a:avLst/>
+          </a:prstGeom>
+        </p:spPr>
+        <p:txBody>
+          <a:bodyPr vert="horz" lIns="91440" tIns="45720" rIns="91440" bIns="45720" rtlCol="0" anchor="ctr">
+            <a:noAutofit/>
+          </a:bodyPr>
+          <a:lstStyle/>
+          <a:p>
+            <a:pPr lvl="0"/>
+            <a:r>
+              <a:rPr lang="en-US" sz="8000" baseline="0" dirty="0">
+                <a:ln w="3175" cmpd="sng">
+                  <a:noFill/>
+                </a:ln>
+                <a:solidFill>
+                  <a:schemeClr val="accent1"/>
+                </a:solidFill>
+                <a:effectLst/>
+                <a:latin typeface="Arial"/>
+              </a:rPr>
+              <a:t>“</a:t>
+            </a:r>
+          </a:p>
+        </p:txBody>
+      </p:sp>
+      <p:sp>
+        <p:nvSpPr>
+          <p:cNvPr id="15" name="TextBox 14"/>
+          <p:cNvSpPr txBox="1"/>
+          <p:nvPr/>
+        </p:nvSpPr>
+        <p:spPr>
+          <a:xfrm>
+            <a:off x="11114852" y="2905306"/>
+            <a:ext cx="609600" cy="584776"/>
+          </a:xfrm>
+          <a:prstGeom prst="rect">
+            <a:avLst/>
+          </a:prstGeom>
+        </p:spPr>
+        <p:txBody>
+          <a:bodyPr vert="horz" lIns="91440" tIns="45720" rIns="91440" bIns="45720" rtlCol="0" anchor="ctr">
+            <a:noAutofit/>
+          </a:bodyPr>
+          <a:lstStyle/>
+          <a:p>
+            <a:pPr lvl="0"/>
+            <a:r>
+              <a:rPr lang="en-US" sz="8000" baseline="0" dirty="0">
+                <a:ln w="3175" cmpd="sng">
+                  <a:noFill/>
+                </a:ln>
+                <a:solidFill>
+                  <a:schemeClr val="accent1"/>
+                </a:solidFill>
+                <a:effectLst/>
+                <a:latin typeface="Arial"/>
+              </a:rPr>
+              <a:t>”</a:t>
+            </a:r>
+          </a:p>
+        </p:txBody>
+      </p:sp>
+    </p:spTree>
+    <p:extLst>
+      <p:ext uri="{BB962C8B-B14F-4D97-AF65-F5344CB8AC3E}">
+        <p14:creationId xmlns:p14="http://schemas.microsoft.com/office/powerpoint/2010/main" val="876708724"/>
+      </p:ext>
+    </p:extLst>
+  </p:cSld>
+  <p:clrMapOvr>
+    <a:masterClrMapping/>
+  </p:clrMapOvr>
+</p:sldLayout>
+</file>
+
+<file path=ppt/slideLayouts/slideLayout12.xml><?xml version="1.0" encoding="utf-8"?>
+<p:sldLayout xmlns:a="http://schemas.openxmlformats.org/drawingml/2006/main" xmlns:r="http://schemas.openxmlformats.org/officeDocument/2006/relationships" xmlns:p="http://schemas.openxmlformats.org/presentationml/2006/main" preserve="1">
+  <p:cSld name="Name Card">
+    <p:spTree>
+      <p:nvGrpSpPr>
+        <p:cNvPr id="1" name=""/>
+        <p:cNvGrpSpPr/>
+        <p:nvPr/>
+      </p:nvGrpSpPr>
+      <p:grpSpPr>
+        <a:xfrm>
+          <a:off x="0" y="0"/>
+          <a:ext cx="0" cy="0"/>
+          <a:chOff x="0" y="0"/>
+          <a:chExt cx="0" cy="0"/>
+        </a:xfrm>
+      </p:grpSpPr>
+      <p:sp>
+        <p:nvSpPr>
+          <p:cNvPr id="2" name="Title 1"/>
+          <p:cNvSpPr>
+            <a:spLocks noGrp="1"/>
+          </p:cNvSpPr>
+          <p:nvPr>
+            <p:ph type="title"/>
+          </p:nvPr>
+        </p:nvSpPr>
+        <p:spPr>
+          <a:xfrm>
+            <a:off x="2589213" y="2438400"/>
+            <a:ext cx="8915400" cy="2724845"/>
+          </a:xfrm>
+        </p:spPr>
+        <p:txBody>
+          <a:bodyPr anchor="b">
+            <a:normAutofit/>
+          </a:bodyPr>
+          <a:lstStyle>
+            <a:lvl1pPr algn="l">
+              <a:defRPr sz="4800" b="0"/>
+            </a:lvl1pPr>
+          </a:lstStyle>
+          <a:p>
+            <a:r>
+              <a:rPr lang="en-US" smtClean="0"/>
+              <a:t>Click to edit Master title style</a:t>
+            </a:r>
+            <a:endParaRPr lang="en-US" dirty="0"/>
+          </a:p>
+        </p:txBody>
+      </p:sp>
+      <p:sp>
+        <p:nvSpPr>
+          <p:cNvPr id="4" name="Text Placeholder 3"/>
+          <p:cNvSpPr>
+            <a:spLocks noGrp="1"/>
+          </p:cNvSpPr>
+          <p:nvPr>
+            <p:ph type="body" sz="half" idx="2"/>
+          </p:nvPr>
+        </p:nvSpPr>
+        <p:spPr>
+          <a:xfrm>
+            <a:off x="2589213" y="5181600"/>
+            <a:ext cx="8915400" cy="729622"/>
+          </a:xfrm>
+        </p:spPr>
+        <p:txBody>
+          <a:bodyPr vert="horz" lIns="91440" tIns="45720" rIns="91440" bIns="45720" rtlCol="0" anchor="t">
+            <a:normAutofit/>
+          </a:bodyPr>
+          <a:lstStyle>
+            <a:lvl1pPr>
+              <a:buNone/>
+              <a:defRPr lang="en-US">
+                <a:solidFill>
+                  <a:schemeClr val="tx1">
+                    <a:lumMod val="65000"/>
+                    <a:lumOff val="35000"/>
+                  </a:schemeClr>
+                </a:solidFill>
+              </a:defRPr>
+            </a:lvl1pPr>
+          </a:lstStyle>
+          <a:p>
+            <a:pPr marL="0" lvl="0" indent="0">
+              <a:buNone/>
+            </a:pPr>
+            <a:r>
+              <a:rPr lang="en-US" smtClean="0"/>
+              <a:t>Edit Master text styles</a:t>
+            </a:r>
+          </a:p>
+        </p:txBody>
+      </p:sp>
+      <p:sp>
+        <p:nvSpPr>
+          <p:cNvPr id="5" name="Date Placeholder 4"/>
+          <p:cNvSpPr>
+            <a:spLocks noGrp="1"/>
+          </p:cNvSpPr>
+          <p:nvPr>
+            <p:ph type="dt" sz="half" idx="10"/>
+          </p:nvPr>
+        </p:nvSpPr>
+        <p:spPr/>
+        <p:txBody>
+          <a:bodyPr/>
+          <a:lstStyle/>
+          <a:p>
+            <a:fld id="{471BC982-A0E7-442A-901D-C3ABBEC01FFB}" type="datetimeFigureOut">
+              <a:rPr lang="en-US" smtClean="0"/>
+              <a:t>4/2/2017</a:t>
+            </a:fld>
+            <a:endParaRPr lang="en-US"/>
+          </a:p>
+        </p:txBody>
+      </p:sp>
+      <p:sp>
+        <p:nvSpPr>
+          <p:cNvPr id="6" name="Footer Placeholder 5"/>
+          <p:cNvSpPr>
+            <a:spLocks noGrp="1"/>
+          </p:cNvSpPr>
+          <p:nvPr>
+            <p:ph type="ftr" sz="quarter" idx="11"/>
+          </p:nvPr>
+        </p:nvSpPr>
+        <p:spPr/>
+        <p:txBody>
+          <a:bodyPr/>
+          <a:lstStyle/>
+          <a:p>
+            <a:endParaRPr lang="en-US"/>
+          </a:p>
+        </p:txBody>
+      </p:sp>
+      <p:sp>
+        <p:nvSpPr>
+          <p:cNvPr id="9" name="Freeform 11"/>
+          <p:cNvSpPr/>
+          <p:nvPr/>
+        </p:nvSpPr>
+        <p:spPr bwMode="auto">
+          <a:xfrm flipV="1">
+            <a:off x="-4189" y="4911725"/>
+            <a:ext cx="1588527" cy="507297"/>
+          </a:xfrm>
+          <a:custGeom>
+            <a:avLst/>
+            <a:gdLst/>
+            <a:ahLst/>
+            <a:cxnLst/>
+            <a:rect l="l" t="t" r="r" b="b"/>
+            <a:pathLst>
+              <a:path w="9248" h="10000">
+                <a:moveTo>
+                  <a:pt x="9248" y="4701"/>
+                </a:moveTo>
+                <a:lnTo>
+                  <a:pt x="7915" y="188"/>
+                </a:lnTo>
+                <a:cubicBezTo>
+                  <a:pt x="7906" y="156"/>
+                  <a:pt x="7895" y="126"/>
+                  <a:pt x="7886" y="94"/>
+                </a:cubicBezTo>
+                <a:cubicBezTo>
+                  <a:pt x="7859" y="0"/>
+                  <a:pt x="7831" y="0"/>
+                  <a:pt x="7803" y="0"/>
+                </a:cubicBezTo>
+                <a:lnTo>
+                  <a:pt x="7275" y="0"/>
+                </a:lnTo>
+                <a:lnTo>
+                  <a:pt x="0" y="70"/>
+                </a:lnTo>
+                <a:cubicBezTo>
+                  <a:pt x="8" y="3380"/>
+                  <a:pt x="17" y="6690"/>
+                  <a:pt x="25" y="10000"/>
+                </a:cubicBezTo>
+                <a:lnTo>
+                  <a:pt x="7275" y="9966"/>
+                </a:lnTo>
+                <a:lnTo>
+                  <a:pt x="7803" y="9966"/>
+                </a:lnTo>
+                <a:cubicBezTo>
+                  <a:pt x="7831" y="9966"/>
+                  <a:pt x="7859" y="9872"/>
+                  <a:pt x="7886" y="9872"/>
+                </a:cubicBezTo>
+                <a:cubicBezTo>
+                  <a:pt x="7886" y="9778"/>
+                  <a:pt x="7915" y="9778"/>
+                  <a:pt x="7915" y="9778"/>
+                </a:cubicBezTo>
+                <a:lnTo>
+                  <a:pt x="9248" y="5265"/>
+                </a:lnTo>
+                <a:cubicBezTo>
+                  <a:pt x="9303" y="5077"/>
+                  <a:pt x="9303" y="4889"/>
+                  <a:pt x="9248" y="4701"/>
+                </a:cubicBezTo>
+                <a:close/>
+              </a:path>
+            </a:pathLst>
+          </a:custGeom>
+          <a:solidFill>
+            <a:schemeClr val="accent1"/>
+          </a:solidFill>
+          <a:ln>
+            <a:noFill/>
+          </a:ln>
+        </p:spPr>
+      </p:sp>
+      <p:sp>
+        <p:nvSpPr>
+          <p:cNvPr id="7" name="Slide Number Placeholder 6"/>
+          <p:cNvSpPr>
+            <a:spLocks noGrp="1"/>
+          </p:cNvSpPr>
+          <p:nvPr>
+            <p:ph type="sldNum" sz="quarter" idx="12"/>
+          </p:nvPr>
+        </p:nvSpPr>
+        <p:spPr>
+          <a:xfrm>
+            <a:off x="531812" y="4983087"/>
+            <a:ext cx="779767" cy="365125"/>
+          </a:xfrm>
+        </p:spPr>
+        <p:txBody>
+          <a:bodyPr/>
+          <a:lstStyle/>
+          <a:p>
+            <a:fld id="{03EF8629-4C6E-4CA9-97C5-DD4BF5FE8262}" type="slidenum">
+              <a:rPr lang="en-US" smtClean="0"/>
+              <a:t>‹#›</a:t>
+            </a:fld>
+            <a:endParaRPr lang="en-US"/>
+          </a:p>
+        </p:txBody>
+      </p:sp>
+    </p:spTree>
+    <p:extLst>
+      <p:ext uri="{BB962C8B-B14F-4D97-AF65-F5344CB8AC3E}">
+        <p14:creationId xmlns:p14="http://schemas.microsoft.com/office/powerpoint/2010/main" val="1464063316"/>
+      </p:ext>
+    </p:extLst>
+  </p:cSld>
+  <p:clrMapOvr>
+    <a:masterClrMapping/>
+  </p:clrMapOvr>
+</p:sldLayout>
+</file>
+
+<file path=ppt/slideLayouts/slideLayout13.xml><?xml version="1.0" encoding="utf-8"?>
+<p:sldLayout xmlns:a="http://schemas.openxmlformats.org/drawingml/2006/main" xmlns:r="http://schemas.openxmlformats.org/officeDocument/2006/relationships" xmlns:p="http://schemas.openxmlformats.org/presentationml/2006/main" preserve="1">
+  <p:cSld name="Quote Name Card">
+    <p:spTree>
+      <p:nvGrpSpPr>
+        <p:cNvPr id="1" name=""/>
+        <p:cNvGrpSpPr/>
+        <p:nvPr/>
+      </p:nvGrpSpPr>
+      <p:grpSpPr>
+        <a:xfrm>
+          <a:off x="0" y="0"/>
+          <a:ext cx="0" cy="0"/>
+          <a:chOff x="0" y="0"/>
+          <a:chExt cx="0" cy="0"/>
+        </a:xfrm>
+      </p:grpSpPr>
+      <p:sp>
+        <p:nvSpPr>
+          <p:cNvPr id="12" name="Title 1"/>
+          <p:cNvSpPr>
+            <a:spLocks noGrp="1"/>
+          </p:cNvSpPr>
+          <p:nvPr>
+            <p:ph type="title"/>
+          </p:nvPr>
+        </p:nvSpPr>
+        <p:spPr>
+          <a:xfrm>
+            <a:off x="2849949" y="609600"/>
+            <a:ext cx="8393926" cy="2895600"/>
+          </a:xfrm>
+        </p:spPr>
+        <p:txBody>
+          <a:bodyPr anchor="ctr">
+            <a:normAutofit/>
+          </a:bodyPr>
+          <a:lstStyle>
+            <a:lvl1pPr algn="l">
+              <a:defRPr sz="4800" b="0" cap="none"/>
+            </a:lvl1pPr>
+          </a:lstStyle>
+          <a:p>
+            <a:r>
+              <a:rPr lang="en-US" smtClean="0"/>
+              <a:t>Click to edit Master title style</a:t>
+            </a:r>
+            <a:endParaRPr lang="en-US" dirty="0"/>
+          </a:p>
+        </p:txBody>
+      </p:sp>
+      <p:sp>
+        <p:nvSpPr>
+          <p:cNvPr id="21" name="Text Placeholder 9"/>
+          <p:cNvSpPr>
+            <a:spLocks noGrp="1"/>
+          </p:cNvSpPr>
+          <p:nvPr>
+            <p:ph type="body" sz="quarter" idx="13"/>
+          </p:nvPr>
+        </p:nvSpPr>
+        <p:spPr>
+          <a:xfrm>
+            <a:off x="2589212" y="4343400"/>
+            <a:ext cx="8915400" cy="838200"/>
+          </a:xfrm>
+        </p:spPr>
+        <p:txBody>
+          <a:bodyPr anchor="b">
+            <a:noAutofit/>
+          </a:bodyPr>
+          <a:lstStyle>
+            <a:lvl1pPr marL="0" indent="0">
+              <a:buFontTx/>
+              <a:buNone/>
+              <a:defRPr sz="2400">
+                <a:solidFill>
+                  <a:schemeClr val="accent1"/>
+                </a:solidFill>
+              </a:defRPr>
+            </a:lvl1pPr>
+            <a:lvl2pPr marL="457200" indent="0">
+              <a:buFontTx/>
+              <a:buNone/>
+              <a:defRPr/>
+            </a:lvl2pPr>
+            <a:lvl3pPr marL="914400" indent="0">
+              <a:buFontTx/>
+              <a:buNone/>
+              <a:defRPr/>
+            </a:lvl3pPr>
+            <a:lvl4pPr marL="1371600" indent="0">
+              <a:buFontTx/>
+              <a:buNone/>
+              <a:defRPr/>
+            </a:lvl4pPr>
+            <a:lvl5pPr marL="1828800" indent="0">
+              <a:buFontTx/>
+              <a:buNone/>
+              <a:defRPr/>
+            </a:lvl5pPr>
+          </a:lstStyle>
+          <a:p>
+            <a:pPr lvl="0"/>
+            <a:r>
+              <a:rPr lang="en-US" smtClean="0"/>
+              <a:t>Edit Master text styles</a:t>
+            </a:r>
+          </a:p>
+        </p:txBody>
+      </p:sp>
+      <p:sp>
+        <p:nvSpPr>
+          <p:cNvPr id="4" name="Text Placeholder 3"/>
+          <p:cNvSpPr>
+            <a:spLocks noGrp="1"/>
+          </p:cNvSpPr>
+          <p:nvPr>
+            <p:ph type="body" sz="half" idx="2"/>
+          </p:nvPr>
+        </p:nvSpPr>
+        <p:spPr>
+          <a:xfrm>
+            <a:off x="2589213" y="5181600"/>
+            <a:ext cx="8915400" cy="729622"/>
+          </a:xfrm>
+        </p:spPr>
+        <p:txBody>
+          <a:bodyPr vert="horz" lIns="91440" tIns="45720" rIns="91440" bIns="45720" rtlCol="0" anchor="t">
+            <a:normAutofit/>
+          </a:bodyPr>
+          <a:lstStyle>
+            <a:lvl1pPr>
+              <a:buNone/>
+              <a:defRPr lang="en-US">
+                <a:solidFill>
+                  <a:schemeClr val="tx1">
+                    <a:lumMod val="65000"/>
+                    <a:lumOff val="35000"/>
+                  </a:schemeClr>
+                </a:solidFill>
+              </a:defRPr>
+            </a:lvl1pPr>
+          </a:lstStyle>
+          <a:p>
+            <a:pPr marL="0" lvl="0" indent="0">
+              <a:buNone/>
+            </a:pPr>
+            <a:r>
+              <a:rPr lang="en-US" smtClean="0"/>
+              <a:t>Edit Master text styles</a:t>
+            </a:r>
+          </a:p>
+        </p:txBody>
+      </p:sp>
+      <p:sp>
+        <p:nvSpPr>
+          <p:cNvPr id="5" name="Date Placeholder 4"/>
+          <p:cNvSpPr>
+            <a:spLocks noGrp="1"/>
+          </p:cNvSpPr>
+          <p:nvPr>
+            <p:ph type="dt" sz="half" idx="10"/>
+          </p:nvPr>
+        </p:nvSpPr>
+        <p:spPr/>
+        <p:txBody>
+          <a:bodyPr/>
+          <a:lstStyle/>
+          <a:p>
+            <a:fld id="{471BC982-A0E7-442A-901D-C3ABBEC01FFB}" type="datetimeFigureOut">
+              <a:rPr lang="en-US" smtClean="0"/>
+              <a:t>4/2/2017</a:t>
+            </a:fld>
+            <a:endParaRPr lang="en-US"/>
+          </a:p>
+        </p:txBody>
+      </p:sp>
+      <p:sp>
+        <p:nvSpPr>
+          <p:cNvPr id="6" name="Footer Placeholder 5"/>
+          <p:cNvSpPr>
+            <a:spLocks noGrp="1"/>
+          </p:cNvSpPr>
+          <p:nvPr>
+            <p:ph type="ftr" sz="quarter" idx="11"/>
+          </p:nvPr>
+        </p:nvSpPr>
+        <p:spPr/>
+        <p:txBody>
+          <a:bodyPr/>
+          <a:lstStyle/>
+          <a:p>
+            <a:endParaRPr lang="en-US"/>
+          </a:p>
+        </p:txBody>
+      </p:sp>
+      <p:sp>
+        <p:nvSpPr>
+          <p:cNvPr id="11" name="Freeform 11"/>
+          <p:cNvSpPr/>
+          <p:nvPr/>
+        </p:nvSpPr>
+        <p:spPr bwMode="auto">
+          <a:xfrm flipV="1">
+            <a:off x="-4189" y="4911725"/>
+            <a:ext cx="1588527" cy="507297"/>
+          </a:xfrm>
+          <a:custGeom>
+            <a:avLst/>
+            <a:gdLst/>
+            <a:ahLst/>
+            <a:cxnLst/>
+            <a:rect l="l" t="t" r="r" b="b"/>
+            <a:pathLst>
+              <a:path w="9248" h="10000">
+                <a:moveTo>
+                  <a:pt x="9248" y="4701"/>
+                </a:moveTo>
+                <a:lnTo>
+                  <a:pt x="7915" y="188"/>
+                </a:lnTo>
+                <a:cubicBezTo>
+                  <a:pt x="7906" y="156"/>
+                  <a:pt x="7895" y="126"/>
+                  <a:pt x="7886" y="94"/>
+                </a:cubicBezTo>
+                <a:cubicBezTo>
+                  <a:pt x="7859" y="0"/>
+                  <a:pt x="7831" y="0"/>
+                  <a:pt x="7803" y="0"/>
+                </a:cubicBezTo>
+                <a:lnTo>
+                  <a:pt x="7275" y="0"/>
+                </a:lnTo>
+                <a:lnTo>
+                  <a:pt x="0" y="70"/>
+                </a:lnTo>
+                <a:cubicBezTo>
+                  <a:pt x="8" y="3380"/>
+                  <a:pt x="17" y="6690"/>
+                  <a:pt x="25" y="10000"/>
+                </a:cubicBezTo>
+                <a:lnTo>
+                  <a:pt x="7275" y="9966"/>
+                </a:lnTo>
+                <a:lnTo>
+                  <a:pt x="7803" y="9966"/>
+                </a:lnTo>
+                <a:cubicBezTo>
+                  <a:pt x="7831" y="9966"/>
+                  <a:pt x="7859" y="9872"/>
+                  <a:pt x="7886" y="9872"/>
+                </a:cubicBezTo>
+                <a:cubicBezTo>
+                  <a:pt x="7886" y="9778"/>
+                  <a:pt x="7915" y="9778"/>
+                  <a:pt x="7915" y="9778"/>
+                </a:cubicBezTo>
+                <a:lnTo>
+                  <a:pt x="9248" y="5265"/>
+                </a:lnTo>
+                <a:cubicBezTo>
+                  <a:pt x="9303" y="5077"/>
+                  <a:pt x="9303" y="4889"/>
+                  <a:pt x="9248" y="4701"/>
+                </a:cubicBezTo>
+                <a:close/>
+              </a:path>
+            </a:pathLst>
+          </a:custGeom>
+          <a:solidFill>
+            <a:schemeClr val="accent1"/>
+          </a:solidFill>
+          <a:ln>
+            <a:noFill/>
+          </a:ln>
+        </p:spPr>
+      </p:sp>
+      <p:sp>
+        <p:nvSpPr>
+          <p:cNvPr id="7" name="Slide Number Placeholder 6"/>
+          <p:cNvSpPr>
+            <a:spLocks noGrp="1"/>
+          </p:cNvSpPr>
+          <p:nvPr>
+            <p:ph type="sldNum" sz="quarter" idx="12"/>
+          </p:nvPr>
+        </p:nvSpPr>
+        <p:spPr>
+          <a:xfrm>
+            <a:off x="531812" y="4983087"/>
+            <a:ext cx="779767" cy="365125"/>
+          </a:xfrm>
+        </p:spPr>
+        <p:txBody>
+          <a:bodyPr/>
+          <a:lstStyle/>
+          <a:p>
+            <a:fld id="{03EF8629-4C6E-4CA9-97C5-DD4BF5FE8262}" type="slidenum">
+              <a:rPr lang="en-US" smtClean="0"/>
+              <a:t>‹#›</a:t>
+            </a:fld>
+            <a:endParaRPr lang="en-US"/>
+          </a:p>
+        </p:txBody>
+      </p:sp>
+      <p:sp>
+        <p:nvSpPr>
+          <p:cNvPr id="17" name="TextBox 16"/>
+          <p:cNvSpPr txBox="1"/>
+          <p:nvPr/>
+        </p:nvSpPr>
+        <p:spPr>
+          <a:xfrm>
+            <a:off x="2467652" y="648005"/>
+            <a:ext cx="609600" cy="584776"/>
+          </a:xfrm>
+          <a:prstGeom prst="rect">
+            <a:avLst/>
+          </a:prstGeom>
+        </p:spPr>
+        <p:txBody>
+          <a:bodyPr vert="horz" lIns="91440" tIns="45720" rIns="91440" bIns="45720" rtlCol="0" anchor="ctr">
+            <a:noAutofit/>
+          </a:bodyPr>
+          <a:lstStyle/>
+          <a:p>
+            <a:pPr lvl="0"/>
+            <a:r>
+              <a:rPr lang="en-US" sz="8000" baseline="0" dirty="0">
+                <a:ln w="3175" cmpd="sng">
+                  <a:noFill/>
+                </a:ln>
+                <a:solidFill>
+                  <a:schemeClr val="accent1"/>
+                </a:solidFill>
+                <a:effectLst/>
+                <a:latin typeface="Arial"/>
+              </a:rPr>
+              <a:t>“</a:t>
+            </a:r>
+          </a:p>
+        </p:txBody>
+      </p:sp>
+      <p:sp>
+        <p:nvSpPr>
+          <p:cNvPr id="18" name="TextBox 17"/>
+          <p:cNvSpPr txBox="1"/>
+          <p:nvPr/>
+        </p:nvSpPr>
+        <p:spPr>
+          <a:xfrm>
+            <a:off x="11114852" y="2905306"/>
+            <a:ext cx="609600" cy="584776"/>
+          </a:xfrm>
+          <a:prstGeom prst="rect">
+            <a:avLst/>
+          </a:prstGeom>
+        </p:spPr>
+        <p:txBody>
+          <a:bodyPr vert="horz" lIns="91440" tIns="45720" rIns="91440" bIns="45720" rtlCol="0" anchor="ctr">
+            <a:noAutofit/>
+          </a:bodyPr>
+          <a:lstStyle/>
+          <a:p>
+            <a:pPr lvl="0"/>
+            <a:r>
+              <a:rPr lang="en-US" sz="8000" baseline="0" dirty="0">
+                <a:ln w="3175" cmpd="sng">
+                  <a:noFill/>
+                </a:ln>
+                <a:solidFill>
+                  <a:schemeClr val="accent1"/>
+                </a:solidFill>
+                <a:effectLst/>
+                <a:latin typeface="Arial"/>
+              </a:rPr>
+              <a:t>”</a:t>
+            </a:r>
+          </a:p>
+        </p:txBody>
+      </p:sp>
+    </p:spTree>
+    <p:extLst>
+      <p:ext uri="{BB962C8B-B14F-4D97-AF65-F5344CB8AC3E}">
+        <p14:creationId xmlns:p14="http://schemas.microsoft.com/office/powerpoint/2010/main" val="147102312"/>
+      </p:ext>
+    </p:extLst>
+  </p:cSld>
+  <p:clrMapOvr>
+    <a:masterClrMapping/>
+  </p:clrMapOvr>
+</p:sldLayout>
+</file>
+
+<file path=ppt/slideLayouts/slideLayout14.xml><?xml version="1.0" encoding="utf-8"?>
+<p:sldLayout xmlns:a="http://schemas.openxmlformats.org/drawingml/2006/main" xmlns:r="http://schemas.openxmlformats.org/officeDocument/2006/relationships" xmlns:p="http://schemas.openxmlformats.org/presentationml/2006/main" preserve="1">
+  <p:cSld name="True or False">
+    <p:spTree>
+      <p:nvGrpSpPr>
+        <p:cNvPr id="1" name=""/>
+        <p:cNvGrpSpPr/>
+        <p:nvPr/>
+      </p:nvGrpSpPr>
+      <p:grpSpPr>
+        <a:xfrm>
+          <a:off x="0" y="0"/>
+          <a:ext cx="0" cy="0"/>
+          <a:chOff x="0" y="0"/>
+          <a:chExt cx="0" cy="0"/>
+        </a:xfrm>
+      </p:grpSpPr>
+      <p:sp>
+        <p:nvSpPr>
+          <p:cNvPr id="2" name="Title 1"/>
+          <p:cNvSpPr>
+            <a:spLocks noGrp="1"/>
+          </p:cNvSpPr>
+          <p:nvPr>
+            <p:ph type="title"/>
+          </p:nvPr>
+        </p:nvSpPr>
+        <p:spPr>
+          <a:xfrm>
+            <a:off x="2589212" y="627407"/>
+            <a:ext cx="8915399" cy="2880020"/>
+          </a:xfrm>
+        </p:spPr>
+        <p:txBody>
+          <a:bodyPr anchor="ctr">
+            <a:normAutofit/>
+          </a:bodyPr>
+          <a:lstStyle>
+            <a:lvl1pPr algn="l">
+              <a:defRPr sz="4800" b="0"/>
+            </a:lvl1pPr>
+          </a:lstStyle>
+          <a:p>
+            <a:r>
+              <a:rPr lang="en-US" smtClean="0"/>
+              <a:t>Click to edit Master title style</a:t>
+            </a:r>
+            <a:endParaRPr lang="en-US" dirty="0"/>
+          </a:p>
+        </p:txBody>
+      </p:sp>
+      <p:sp>
+        <p:nvSpPr>
+          <p:cNvPr id="21" name="Text Placeholder 9"/>
+          <p:cNvSpPr>
+            <a:spLocks noGrp="1"/>
+          </p:cNvSpPr>
+          <p:nvPr>
+            <p:ph type="body" sz="quarter" idx="13"/>
+          </p:nvPr>
+        </p:nvSpPr>
+        <p:spPr>
+          <a:xfrm>
+            <a:off x="2589212" y="4343400"/>
+            <a:ext cx="8915400" cy="838200"/>
+          </a:xfrm>
+        </p:spPr>
+        <p:txBody>
+          <a:bodyPr anchor="b">
+            <a:noAutofit/>
+          </a:bodyPr>
+          <a:lstStyle>
+            <a:lvl1pPr marL="0" indent="0">
+              <a:buFontTx/>
+              <a:buNone/>
+              <a:defRPr sz="2400">
+                <a:solidFill>
+                  <a:schemeClr val="accent1"/>
+                </a:solidFill>
+              </a:defRPr>
+            </a:lvl1pPr>
+            <a:lvl2pPr marL="457200" indent="0">
+              <a:buFontTx/>
+              <a:buNone/>
+              <a:defRPr/>
+            </a:lvl2pPr>
+            <a:lvl3pPr marL="914400" indent="0">
+              <a:buFontTx/>
+              <a:buNone/>
+              <a:defRPr/>
+            </a:lvl3pPr>
+            <a:lvl4pPr marL="1371600" indent="0">
+              <a:buFontTx/>
+              <a:buNone/>
+              <a:defRPr/>
+            </a:lvl4pPr>
+            <a:lvl5pPr marL="1828800" indent="0">
+              <a:buFontTx/>
+              <a:buNone/>
+              <a:defRPr/>
+            </a:lvl5pPr>
+          </a:lstStyle>
+          <a:p>
+            <a:pPr lvl="0"/>
+            <a:r>
+              <a:rPr lang="en-US" smtClean="0"/>
+              <a:t>Edit Master text styles</a:t>
+            </a:r>
+          </a:p>
+        </p:txBody>
+      </p:sp>
+      <p:sp>
+        <p:nvSpPr>
+          <p:cNvPr id="4" name="Text Placeholder 3"/>
+          <p:cNvSpPr>
+            <a:spLocks noGrp="1"/>
+          </p:cNvSpPr>
+          <p:nvPr>
+            <p:ph type="body" sz="half" idx="2"/>
+          </p:nvPr>
+        </p:nvSpPr>
+        <p:spPr>
+          <a:xfrm>
+            <a:off x="2589213" y="5181600"/>
+            <a:ext cx="8915400" cy="729622"/>
+          </a:xfrm>
+        </p:spPr>
+        <p:txBody>
+          <a:bodyPr vert="horz" lIns="91440" tIns="45720" rIns="91440" bIns="45720" rtlCol="0" anchor="t">
+            <a:normAutofit/>
+          </a:bodyPr>
+          <a:lstStyle>
+            <a:lvl1pPr>
+              <a:buNone/>
+              <a:defRPr lang="en-US">
+                <a:solidFill>
+                  <a:schemeClr val="tx1">
+                    <a:lumMod val="65000"/>
+                    <a:lumOff val="35000"/>
+                  </a:schemeClr>
+                </a:solidFill>
+              </a:defRPr>
+            </a:lvl1pPr>
+          </a:lstStyle>
+          <a:p>
+            <a:pPr marL="0" lvl="0" indent="0">
+              <a:buNone/>
+            </a:pPr>
+            <a:r>
+              <a:rPr lang="en-US" smtClean="0"/>
+              <a:t>Edit Master text styles</a:t>
+            </a:r>
+          </a:p>
+        </p:txBody>
+      </p:sp>
+      <p:sp>
+        <p:nvSpPr>
+          <p:cNvPr id="5" name="Date Placeholder 4"/>
+          <p:cNvSpPr>
+            <a:spLocks noGrp="1"/>
+          </p:cNvSpPr>
+          <p:nvPr>
+            <p:ph type="dt" sz="half" idx="10"/>
+          </p:nvPr>
+        </p:nvSpPr>
+        <p:spPr/>
+        <p:txBody>
+          <a:bodyPr/>
+          <a:lstStyle/>
+          <a:p>
+            <a:fld id="{471BC982-A0E7-442A-901D-C3ABBEC01FFB}" type="datetimeFigureOut">
+              <a:rPr lang="en-US" smtClean="0"/>
+              <a:t>4/2/2017</a:t>
+            </a:fld>
+            <a:endParaRPr lang="en-US"/>
+          </a:p>
+        </p:txBody>
+      </p:sp>
+      <p:sp>
+        <p:nvSpPr>
+          <p:cNvPr id="6" name="Footer Placeholder 5"/>
+          <p:cNvSpPr>
+            <a:spLocks noGrp="1"/>
+          </p:cNvSpPr>
+          <p:nvPr>
+            <p:ph type="ftr" sz="quarter" idx="11"/>
+          </p:nvPr>
+        </p:nvSpPr>
+        <p:spPr/>
+        <p:txBody>
+          <a:bodyPr/>
+          <a:lstStyle/>
+          <a:p>
+            <a:endParaRPr lang="en-US"/>
+          </a:p>
+        </p:txBody>
+      </p:sp>
+      <p:sp>
+        <p:nvSpPr>
+          <p:cNvPr id="9" name="Freeform 11"/>
+          <p:cNvSpPr/>
+          <p:nvPr/>
+        </p:nvSpPr>
+        <p:spPr bwMode="auto">
+          <a:xfrm flipV="1">
+            <a:off x="-4189" y="4911725"/>
+            <a:ext cx="1588527" cy="507297"/>
+          </a:xfrm>
+          <a:custGeom>
+            <a:avLst/>
+            <a:gdLst/>
+            <a:ahLst/>
+            <a:cxnLst/>
+            <a:rect l="l" t="t" r="r" b="b"/>
+            <a:pathLst>
+              <a:path w="9248" h="10000">
+                <a:moveTo>
+                  <a:pt x="9248" y="4701"/>
+                </a:moveTo>
+                <a:lnTo>
+                  <a:pt x="7915" y="188"/>
+                </a:lnTo>
+                <a:cubicBezTo>
+                  <a:pt x="7906" y="156"/>
+                  <a:pt x="7895" y="126"/>
+                  <a:pt x="7886" y="94"/>
+                </a:cubicBezTo>
+                <a:cubicBezTo>
+                  <a:pt x="7859" y="0"/>
+                  <a:pt x="7831" y="0"/>
+                  <a:pt x="7803" y="0"/>
+                </a:cubicBezTo>
+                <a:lnTo>
+                  <a:pt x="7275" y="0"/>
+                </a:lnTo>
+                <a:lnTo>
+                  <a:pt x="0" y="70"/>
+                </a:lnTo>
+                <a:cubicBezTo>
+                  <a:pt x="8" y="3380"/>
+                  <a:pt x="17" y="6690"/>
+                  <a:pt x="25" y="10000"/>
+                </a:cubicBezTo>
+                <a:lnTo>
+                  <a:pt x="7275" y="9966"/>
+                </a:lnTo>
+                <a:lnTo>
+                  <a:pt x="7803" y="9966"/>
+                </a:lnTo>
+                <a:cubicBezTo>
+                  <a:pt x="7831" y="9966"/>
+                  <a:pt x="7859" y="9872"/>
+                  <a:pt x="7886" y="9872"/>
+                </a:cubicBezTo>
+                <a:cubicBezTo>
+                  <a:pt x="7886" y="9778"/>
+                  <a:pt x="7915" y="9778"/>
+                  <a:pt x="7915" y="9778"/>
+                </a:cubicBezTo>
+                <a:lnTo>
+                  <a:pt x="9248" y="5265"/>
+                </a:lnTo>
+                <a:cubicBezTo>
+                  <a:pt x="9303" y="5077"/>
+                  <a:pt x="9303" y="4889"/>
+                  <a:pt x="9248" y="4701"/>
+                </a:cubicBezTo>
+                <a:close/>
+              </a:path>
+            </a:pathLst>
+          </a:custGeom>
+          <a:solidFill>
+            <a:schemeClr val="accent1"/>
+          </a:solidFill>
+          <a:ln>
+            <a:noFill/>
+          </a:ln>
+        </p:spPr>
+      </p:sp>
+      <p:sp>
+        <p:nvSpPr>
+          <p:cNvPr id="7" name="Slide Number Placeholder 6"/>
+          <p:cNvSpPr>
+            <a:spLocks noGrp="1"/>
+          </p:cNvSpPr>
+          <p:nvPr>
+            <p:ph type="sldNum" sz="quarter" idx="12"/>
+          </p:nvPr>
+        </p:nvSpPr>
+        <p:spPr>
+          <a:xfrm>
+            <a:off x="531812" y="4983087"/>
+            <a:ext cx="779767" cy="365125"/>
+          </a:xfrm>
+        </p:spPr>
+        <p:txBody>
+          <a:bodyPr/>
+          <a:lstStyle/>
+          <a:p>
+            <a:fld id="{03EF8629-4C6E-4CA9-97C5-DD4BF5FE8262}" type="slidenum">
+              <a:rPr lang="en-US" smtClean="0"/>
+              <a:t>‹#›</a:t>
+            </a:fld>
+            <a:endParaRPr lang="en-US"/>
+          </a:p>
+        </p:txBody>
+      </p:sp>
+    </p:spTree>
+    <p:extLst>
+      <p:ext uri="{BB962C8B-B14F-4D97-AF65-F5344CB8AC3E}">
+        <p14:creationId xmlns:p14="http://schemas.microsoft.com/office/powerpoint/2010/main" val="3206982948"/>
+      </p:ext>
+    </p:extLst>
+  </p:cSld>
+  <p:clrMapOvr>
+    <a:masterClrMapping/>
+  </p:clrMapOvr>
+</p:sldLayout>
+</file>
+
+<file path=ppt/slideLayouts/slideLayout15.xml><?xml version="1.0" encoding="utf-8"?>
 <p:sldLayout xmlns:a="http://schemas.openxmlformats.org/drawingml/2006/main" xmlns:r="http://schemas.openxmlformats.org/officeDocument/2006/relationships" xmlns:p="http://schemas.openxmlformats.org/presentationml/2006/main" type="vertTx" preserve="1">
   <p:cSld name="Title and Vertical Text">
     <p:spTree>
@@ -343,9 +2288,10 @@
           <a:lstStyle/>
           <a:p>
             <a:r>
-              <a:rPr lang="en-US"/>
+              <a:rPr lang="en-US" smtClean="0"/>
               <a:t>Click to edit Master title style</a:t>
             </a:r>
+            <a:endParaRPr lang="en-US" dirty="0"/>
           </a:p>
         </p:txBody>
       </p:sp>
@@ -361,42 +2307,43 @@
         </p:nvSpPr>
         <p:spPr/>
         <p:txBody>
-          <a:bodyPr vert="eaVert"/>
+          <a:bodyPr vert="eaVert" anchor="t"/>
           <a:lstStyle/>
           <a:p>
             <a:pPr lvl="0"/>
             <a:r>
-              <a:rPr lang="en-US"/>
+              <a:rPr lang="en-US" smtClean="0"/>
               <a:t>Edit Master text styles</a:t>
             </a:r>
           </a:p>
           <a:p>
             <a:pPr lvl="1"/>
             <a:r>
-              <a:rPr lang="en-US"/>
+              <a:rPr lang="en-US" smtClean="0"/>
               <a:t>Second level</a:t>
             </a:r>
           </a:p>
           <a:p>
             <a:pPr lvl="2"/>
             <a:r>
-              <a:rPr lang="en-US"/>
+              <a:rPr lang="en-US" smtClean="0"/>
               <a:t>Third level</a:t>
             </a:r>
           </a:p>
           <a:p>
             <a:pPr lvl="3"/>
             <a:r>
-              <a:rPr lang="en-US"/>
+              <a:rPr lang="en-US" smtClean="0"/>
               <a:t>Fourth level</a:t>
             </a:r>
           </a:p>
           <a:p>
             <a:pPr lvl="4"/>
             <a:r>
-              <a:rPr lang="en-US"/>
+              <a:rPr lang="en-US" smtClean="0"/>
               <a:t>Fifth level</a:t>
             </a:r>
+            <a:endParaRPr lang="en-US" dirty="0"/>
           </a:p>
         </p:txBody>
       </p:sp>
@@ -417,7 +2364,7 @@
           <a:p>
             <a:fld id="{471BC982-A0E7-442A-901D-C3ABBEC01FFB}" type="datetimeFigureOut">
               <a:rPr lang="en-US" smtClean="0"/>
-              <a:t>4/1/2017</a:t>
+              <a:t>4/2/2017</a:t>
             </a:fld>
             <a:endParaRPr lang="en-US"/>
           </a:p>
@@ -441,6 +2388,88 @@
             <a:endParaRPr lang="en-US"/>
           </a:p>
         </p:txBody>
+      </p:sp>
+      <p:sp>
+        <p:nvSpPr>
+          <p:cNvPr id="8" name="Freeform 11"/>
+          <p:cNvSpPr/>
+          <p:nvPr/>
+        </p:nvSpPr>
+        <p:spPr bwMode="auto">
+          <a:xfrm flipV="1">
+            <a:off x="-4189" y="714375"/>
+            <a:ext cx="1588527" cy="507297"/>
+          </a:xfrm>
+          <a:custGeom>
+            <a:avLst/>
+            <a:gdLst/>
+            <a:ahLst/>
+            <a:cxnLst/>
+            <a:rect l="l" t="t" r="r" b="b"/>
+            <a:pathLst>
+              <a:path w="9248" h="10000">
+                <a:moveTo>
+                  <a:pt x="9248" y="4701"/>
+                </a:moveTo>
+                <a:lnTo>
+                  <a:pt x="7915" y="188"/>
+                </a:lnTo>
+                <a:cubicBezTo>
+                  <a:pt x="7906" y="156"/>
+                  <a:pt x="7895" y="126"/>
+                  <a:pt x="7886" y="94"/>
+                </a:cubicBezTo>
+                <a:cubicBezTo>
+                  <a:pt x="7859" y="0"/>
+                  <a:pt x="7831" y="0"/>
+                  <a:pt x="7803" y="0"/>
+                </a:cubicBezTo>
+                <a:lnTo>
+                  <a:pt x="7275" y="0"/>
+                </a:lnTo>
+                <a:lnTo>
+                  <a:pt x="0" y="70"/>
+                </a:lnTo>
+                <a:cubicBezTo>
+                  <a:pt x="8" y="3380"/>
+                  <a:pt x="17" y="6690"/>
+                  <a:pt x="25" y="10000"/>
+                </a:cubicBezTo>
+                <a:lnTo>
+                  <a:pt x="7275" y="9966"/>
+                </a:lnTo>
+                <a:lnTo>
+                  <a:pt x="7803" y="9966"/>
+                </a:lnTo>
+                <a:cubicBezTo>
+                  <a:pt x="7831" y="9966"/>
+                  <a:pt x="7859" y="9872"/>
+                  <a:pt x="7886" y="9872"/>
+                </a:cubicBezTo>
+                <a:cubicBezTo>
+                  <a:pt x="7886" y="9778"/>
+                  <a:pt x="7915" y="9778"/>
+                  <a:pt x="7915" y="9778"/>
+                </a:cubicBezTo>
+                <a:lnTo>
+                  <a:pt x="9248" y="5265"/>
+                </a:lnTo>
+                <a:cubicBezTo>
+                  <a:pt x="9303" y="5077"/>
+                  <a:pt x="9303" y="4889"/>
+                  <a:pt x="9248" y="4701"/>
+                </a:cubicBezTo>
+                <a:close/>
+              </a:path>
+            </a:pathLst>
+          </a:custGeom>
+          <a:solidFill>
+            <a:schemeClr val="accent1"/>
+          </a:solidFill>
+          <a:ln>
+            <a:noFill/>
+          </a:ln>
+        </p:spPr>
       </p:sp>
       <p:sp>
         <p:nvSpPr>
@@ -468,7 +2497,7 @@
     </p:spTree>
     <p:extLst>
       <p:ext uri="{BB962C8B-B14F-4D97-AF65-F5344CB8AC3E}">
-        <p14:creationId xmlns:p14="http://schemas.microsoft.com/office/powerpoint/2010/main" val="21970752"/>
+        <p14:creationId xmlns:p14="http://schemas.microsoft.com/office/powerpoint/2010/main" val="997183831"/>
       </p:ext>
     </p:extLst>
   </p:cSld>
@@ -478,7 +2507,7 @@
 </p:sldLayout>
 </file>
 
-<file path=ppt/slideLayouts/slideLayout11.xml><?xml version="1.0" encoding="utf-8"?>
+<file path=ppt/slideLayouts/slideLayout16.xml><?xml version="1.0" encoding="utf-8"?>
 <p:sldLayout xmlns:a="http://schemas.openxmlformats.org/drawingml/2006/main" xmlns:r="http://schemas.openxmlformats.org/officeDocument/2006/relationships" xmlns:p="http://schemas.openxmlformats.org/presentationml/2006/main" type="vertTitleAndTx" preserve="1">
   <p:cSld name="Vertical Title and Text">
     <p:spTree>
@@ -507,18 +2536,19 @@
         </p:nvSpPr>
         <p:spPr>
           <a:xfrm>
-            <a:off x="8724900" y="365125"/>
-            <a:ext cx="2628900" cy="5811838"/>
+            <a:off x="9294812" y="627405"/>
+            <a:ext cx="2207601" cy="5283817"/>
           </a:xfrm>
         </p:spPr>
         <p:txBody>
-          <a:bodyPr vert="eaVert"/>
-          <a:lstStyle/>
-          <a:p>
-            <a:r>
-              <a:rPr lang="en-US"/>
+          <a:bodyPr vert="eaVert" anchor="ctr"/>
+          <a:lstStyle/>
+          <a:p>
+            <a:r>
+              <a:rPr lang="en-US" smtClean="0"/>
               <a:t>Click to edit Master title style</a:t>
             </a:r>
+            <a:endParaRPr lang="en-US" dirty="0"/>
           </a:p>
         </p:txBody>
       </p:sp>
@@ -534,8 +2564,8 @@
         </p:nvSpPr>
         <p:spPr>
           <a:xfrm>
-            <a:off x="838200" y="365125"/>
-            <a:ext cx="7734300" cy="5811838"/>
+            <a:off x="2589212" y="627405"/>
+            <a:ext cx="6477000" cy="5283817"/>
           </a:xfrm>
         </p:spPr>
         <p:txBody>
@@ -544,37 +2574,38 @@
           <a:p>
             <a:pPr lvl="0"/>
             <a:r>
-              <a:rPr lang="en-US"/>
+              <a:rPr lang="en-US" smtClean="0"/>
               <a:t>Edit Master text styles</a:t>
             </a:r>
           </a:p>
           <a:p>
             <a:pPr lvl="1"/>
             <a:r>
-              <a:rPr lang="en-US"/>
+              <a:rPr lang="en-US" smtClean="0"/>
               <a:t>Second level</a:t>
             </a:r>
           </a:p>
           <a:p>
             <a:pPr lvl="2"/>
             <a:r>
-              <a:rPr lang="en-US"/>
+              <a:rPr lang="en-US" smtClean="0"/>
               <a:t>Third level</a:t>
             </a:r>
           </a:p>
           <a:p>
             <a:pPr lvl="3"/>
             <a:r>
-              <a:rPr lang="en-US"/>
+              <a:rPr lang="en-US" smtClean="0"/>
               <a:t>Fourth level</a:t>
             </a:r>
           </a:p>
           <a:p>
             <a:pPr lvl="4"/>
             <a:r>
-              <a:rPr lang="en-US"/>
+              <a:rPr lang="en-US" smtClean="0"/>
               <a:t>Fifth level</a:t>
             </a:r>
+            <a:endParaRPr lang="en-US" dirty="0"/>
           </a:p>
         </p:txBody>
       </p:sp>
@@ -595,7 +2626,7 @@
           <a:p>
             <a:fld id="{471BC982-A0E7-442A-901D-C3ABBEC01FFB}" type="datetimeFigureOut">
               <a:rPr lang="en-US" smtClean="0"/>
-              <a:t>4/1/2017</a:t>
+              <a:t>4/2/2017</a:t>
             </a:fld>
             <a:endParaRPr lang="en-US"/>
           </a:p>
@@ -619,6 +2650,88 @@
             <a:endParaRPr lang="en-US"/>
           </a:p>
         </p:txBody>
+      </p:sp>
+      <p:sp>
+        <p:nvSpPr>
+          <p:cNvPr id="8" name="Freeform 11"/>
+          <p:cNvSpPr/>
+          <p:nvPr/>
+        </p:nvSpPr>
+        <p:spPr bwMode="auto">
+          <a:xfrm flipV="1">
+            <a:off x="-4189" y="714375"/>
+            <a:ext cx="1588527" cy="507297"/>
+          </a:xfrm>
+          <a:custGeom>
+            <a:avLst/>
+            <a:gdLst/>
+            <a:ahLst/>
+            <a:cxnLst/>
+            <a:rect l="l" t="t" r="r" b="b"/>
+            <a:pathLst>
+              <a:path w="9248" h="10000">
+                <a:moveTo>
+                  <a:pt x="9248" y="4701"/>
+                </a:moveTo>
+                <a:lnTo>
+                  <a:pt x="7915" y="188"/>
+                </a:lnTo>
+                <a:cubicBezTo>
+                  <a:pt x="7906" y="156"/>
+                  <a:pt x="7895" y="126"/>
+                  <a:pt x="7886" y="94"/>
+                </a:cubicBezTo>
+                <a:cubicBezTo>
+                  <a:pt x="7859" y="0"/>
+                  <a:pt x="7831" y="0"/>
+                  <a:pt x="7803" y="0"/>
+                </a:cubicBezTo>
+                <a:lnTo>
+                  <a:pt x="7275" y="0"/>
+                </a:lnTo>
+                <a:lnTo>
+                  <a:pt x="0" y="70"/>
+                </a:lnTo>
+                <a:cubicBezTo>
+                  <a:pt x="8" y="3380"/>
+                  <a:pt x="17" y="6690"/>
+                  <a:pt x="25" y="10000"/>
+                </a:cubicBezTo>
+                <a:lnTo>
+                  <a:pt x="7275" y="9966"/>
+                </a:lnTo>
+                <a:lnTo>
+                  <a:pt x="7803" y="9966"/>
+                </a:lnTo>
+                <a:cubicBezTo>
+                  <a:pt x="7831" y="9966"/>
+                  <a:pt x="7859" y="9872"/>
+                  <a:pt x="7886" y="9872"/>
+                </a:cubicBezTo>
+                <a:cubicBezTo>
+                  <a:pt x="7886" y="9778"/>
+                  <a:pt x="7915" y="9778"/>
+                  <a:pt x="7915" y="9778"/>
+                </a:cubicBezTo>
+                <a:lnTo>
+                  <a:pt x="9248" y="5265"/>
+                </a:lnTo>
+                <a:cubicBezTo>
+                  <a:pt x="9303" y="5077"/>
+                  <a:pt x="9303" y="4889"/>
+                  <a:pt x="9248" y="4701"/>
+                </a:cubicBezTo>
+                <a:close/>
+              </a:path>
+            </a:pathLst>
+          </a:custGeom>
+          <a:solidFill>
+            <a:schemeClr val="accent1"/>
+          </a:solidFill>
+          <a:ln>
+            <a:noFill/>
+          </a:ln>
+        </p:spPr>
       </p:sp>
       <p:sp>
         <p:nvSpPr>
@@ -646,7 +2759,7 @@
     </p:spTree>
     <p:extLst>
       <p:ext uri="{BB962C8B-B14F-4D97-AF65-F5344CB8AC3E}">
-        <p14:creationId xmlns:p14="http://schemas.microsoft.com/office/powerpoint/2010/main" val="331451027"/>
+        <p14:creationId xmlns:p14="http://schemas.microsoft.com/office/powerpoint/2010/main" val="2553552280"/>
       </p:ext>
     </p:extLst>
   </p:cSld>
@@ -683,87 +2796,99 @@
             <p:ph type="title"/>
           </p:nvPr>
         </p:nvSpPr>
+        <p:spPr>
+          <a:xfrm>
+            <a:off x="2592925" y="624110"/>
+            <a:ext cx="8911687" cy="1280890"/>
+          </a:xfrm>
+        </p:spPr>
+        <p:txBody>
+          <a:bodyPr/>
+          <a:lstStyle/>
+          <a:p>
+            <a:r>
+              <a:rPr lang="en-US" smtClean="0"/>
+              <a:t>Click to edit Master title style</a:t>
+            </a:r>
+            <a:endParaRPr lang="en-US" dirty="0"/>
+          </a:p>
+        </p:txBody>
+      </p:sp>
+      <p:sp>
+        <p:nvSpPr>
+          <p:cNvPr id="3" name="Content Placeholder 2"/>
+          <p:cNvSpPr>
+            <a:spLocks noGrp="1"/>
+          </p:cNvSpPr>
+          <p:nvPr>
+            <p:ph idx="1"/>
+          </p:nvPr>
+        </p:nvSpPr>
+        <p:spPr>
+          <a:xfrm>
+            <a:off x="2589212" y="2133600"/>
+            <a:ext cx="8915400" cy="3777622"/>
+          </a:xfrm>
+        </p:spPr>
+        <p:txBody>
+          <a:bodyPr/>
+          <a:lstStyle/>
+          <a:p>
+            <a:pPr lvl="0"/>
+            <a:r>
+              <a:rPr lang="en-US" smtClean="0"/>
+              <a:t>Edit Master text styles</a:t>
+            </a:r>
+          </a:p>
+          <a:p>
+            <a:pPr lvl="1"/>
+            <a:r>
+              <a:rPr lang="en-US" smtClean="0"/>
+              <a:t>Second level</a:t>
+            </a:r>
+          </a:p>
+          <a:p>
+            <a:pPr lvl="2"/>
+            <a:r>
+              <a:rPr lang="en-US" smtClean="0"/>
+              <a:t>Third level</a:t>
+            </a:r>
+          </a:p>
+          <a:p>
+            <a:pPr lvl="3"/>
+            <a:r>
+              <a:rPr lang="en-US" smtClean="0"/>
+              <a:t>Fourth level</a:t>
+            </a:r>
+          </a:p>
+          <a:p>
+            <a:pPr lvl="4"/>
+            <a:r>
+              <a:rPr lang="en-US" smtClean="0"/>
+              <a:t>Fifth level</a:t>
+            </a:r>
+            <a:endParaRPr lang="en-US" dirty="0"/>
+          </a:p>
+        </p:txBody>
+      </p:sp>
+      <p:sp>
+        <p:nvSpPr>
+          <p:cNvPr id="4" name="Date Placeholder 3"/>
+          <p:cNvSpPr>
+            <a:spLocks noGrp="1"/>
+          </p:cNvSpPr>
+          <p:nvPr>
+            <p:ph type="dt" sz="half" idx="10"/>
+          </p:nvPr>
+        </p:nvSpPr>
         <p:spPr/>
         <p:txBody>
           <a:bodyPr/>
           <a:lstStyle/>
           <a:p>
-            <a:r>
-              <a:rPr lang="en-US"/>
-              <a:t>Click to edit Master title style</a:t>
-            </a:r>
-          </a:p>
-        </p:txBody>
-      </p:sp>
-      <p:sp>
-        <p:nvSpPr>
-          <p:cNvPr id="3" name="Content Placeholder 2"/>
-          <p:cNvSpPr>
-            <a:spLocks noGrp="1"/>
-          </p:cNvSpPr>
-          <p:nvPr>
-            <p:ph idx="1"/>
-          </p:nvPr>
-        </p:nvSpPr>
-        <p:spPr/>
-        <p:txBody>
-          <a:bodyPr/>
-          <a:lstStyle/>
-          <a:p>
-            <a:pPr lvl="0"/>
-            <a:r>
-              <a:rPr lang="en-US"/>
-              <a:t>Edit Master text styles</a:t>
-            </a:r>
-          </a:p>
-          <a:p>
-            <a:pPr lvl="1"/>
-            <a:r>
-              <a:rPr lang="en-US"/>
-              <a:t>Second level</a:t>
-            </a:r>
-          </a:p>
-          <a:p>
-            <a:pPr lvl="2"/>
-            <a:r>
-              <a:rPr lang="en-US"/>
-              <a:t>Third level</a:t>
-            </a:r>
-          </a:p>
-          <a:p>
-            <a:pPr lvl="3"/>
-            <a:r>
-              <a:rPr lang="en-US"/>
-              <a:t>Fourth level</a:t>
-            </a:r>
-          </a:p>
-          <a:p>
-            <a:pPr lvl="4"/>
-            <a:r>
-              <a:rPr lang="en-US"/>
-              <a:t>Fifth level</a:t>
-            </a:r>
-          </a:p>
-        </p:txBody>
-      </p:sp>
-      <p:sp>
-        <p:nvSpPr>
-          <p:cNvPr id="4" name="Date Placeholder 3"/>
-          <p:cNvSpPr>
-            <a:spLocks noGrp="1"/>
-          </p:cNvSpPr>
-          <p:nvPr>
-            <p:ph type="dt" sz="half" idx="10"/>
-          </p:nvPr>
-        </p:nvSpPr>
-        <p:spPr/>
-        <p:txBody>
-          <a:bodyPr/>
-          <a:lstStyle/>
-          <a:p>
             <a:fld id="{471BC982-A0E7-442A-901D-C3ABBEC01FFB}" type="datetimeFigureOut">
               <a:rPr lang="en-US" smtClean="0"/>
-              <a:t>4/1/2017</a:t>
+              <a:t>4/2/2017</a:t>
             </a:fld>
             <a:endParaRPr lang="en-US"/>
           </a:p>
@@ -787,6 +2912,88 @@
             <a:endParaRPr lang="en-US"/>
           </a:p>
         </p:txBody>
+      </p:sp>
+      <p:sp>
+        <p:nvSpPr>
+          <p:cNvPr id="8" name="Freeform 11"/>
+          <p:cNvSpPr/>
+          <p:nvPr/>
+        </p:nvSpPr>
+        <p:spPr bwMode="auto">
+          <a:xfrm flipV="1">
+            <a:off x="-4189" y="714375"/>
+            <a:ext cx="1588527" cy="507297"/>
+          </a:xfrm>
+          <a:custGeom>
+            <a:avLst/>
+            <a:gdLst/>
+            <a:ahLst/>
+            <a:cxnLst/>
+            <a:rect l="l" t="t" r="r" b="b"/>
+            <a:pathLst>
+              <a:path w="9248" h="10000">
+                <a:moveTo>
+                  <a:pt x="9248" y="4701"/>
+                </a:moveTo>
+                <a:lnTo>
+                  <a:pt x="7915" y="188"/>
+                </a:lnTo>
+                <a:cubicBezTo>
+                  <a:pt x="7906" y="156"/>
+                  <a:pt x="7895" y="126"/>
+                  <a:pt x="7886" y="94"/>
+                </a:cubicBezTo>
+                <a:cubicBezTo>
+                  <a:pt x="7859" y="0"/>
+                  <a:pt x="7831" y="0"/>
+                  <a:pt x="7803" y="0"/>
+                </a:cubicBezTo>
+                <a:lnTo>
+                  <a:pt x="7275" y="0"/>
+                </a:lnTo>
+                <a:lnTo>
+                  <a:pt x="0" y="70"/>
+                </a:lnTo>
+                <a:cubicBezTo>
+                  <a:pt x="8" y="3380"/>
+                  <a:pt x="17" y="6690"/>
+                  <a:pt x="25" y="10000"/>
+                </a:cubicBezTo>
+                <a:lnTo>
+                  <a:pt x="7275" y="9966"/>
+                </a:lnTo>
+                <a:lnTo>
+                  <a:pt x="7803" y="9966"/>
+                </a:lnTo>
+                <a:cubicBezTo>
+                  <a:pt x="7831" y="9966"/>
+                  <a:pt x="7859" y="9872"/>
+                  <a:pt x="7886" y="9872"/>
+                </a:cubicBezTo>
+                <a:cubicBezTo>
+                  <a:pt x="7886" y="9778"/>
+                  <a:pt x="7915" y="9778"/>
+                  <a:pt x="7915" y="9778"/>
+                </a:cubicBezTo>
+                <a:lnTo>
+                  <a:pt x="9248" y="5265"/>
+                </a:lnTo>
+                <a:cubicBezTo>
+                  <a:pt x="9303" y="5077"/>
+                  <a:pt x="9303" y="4889"/>
+                  <a:pt x="9248" y="4701"/>
+                </a:cubicBezTo>
+                <a:close/>
+              </a:path>
+            </a:pathLst>
+          </a:custGeom>
+          <a:solidFill>
+            <a:schemeClr val="accent1"/>
+          </a:solidFill>
+          <a:ln>
+            <a:noFill/>
+          </a:ln>
+        </p:spPr>
       </p:sp>
       <p:sp>
         <p:nvSpPr>
@@ -814,7 +3021,7 @@
     </p:spTree>
     <p:extLst>
       <p:ext uri="{BB962C8B-B14F-4D97-AF65-F5344CB8AC3E}">
-        <p14:creationId xmlns:p14="http://schemas.microsoft.com/office/powerpoint/2010/main" val="2630453596"/>
+        <p14:creationId xmlns:p14="http://schemas.microsoft.com/office/powerpoint/2010/main" val="2535088479"/>
       </p:ext>
     </p:extLst>
   </p:cSld>
@@ -853,22 +3060,23 @@
         </p:nvSpPr>
         <p:spPr>
           <a:xfrm>
-            <a:off x="831850" y="1709738"/>
-            <a:ext cx="10515600" cy="2852737"/>
+            <a:off x="2589212" y="2058750"/>
+            <a:ext cx="8915399" cy="1468800"/>
           </a:xfrm>
         </p:spPr>
         <p:txBody>
           <a:bodyPr anchor="b"/>
           <a:lstStyle>
-            <a:lvl1pPr>
-              <a:defRPr sz="6000"/>
+            <a:lvl1pPr algn="l">
+              <a:defRPr sz="4000" b="0" cap="none"/>
             </a:lvl1pPr>
           </a:lstStyle>
           <a:p>
             <a:r>
-              <a:rPr lang="en-US"/>
+              <a:rPr lang="en-US" smtClean="0"/>
               <a:t>Click to edit Master title style</a:t>
             </a:r>
+            <a:endParaRPr lang="en-US" dirty="0"/>
           </a:p>
         </p:txBody>
       </p:sp>
@@ -884,26 +3092,27 @@
         </p:nvSpPr>
         <p:spPr>
           <a:xfrm>
-            <a:off x="831850" y="4589463"/>
-            <a:ext cx="10515600" cy="1500187"/>
+            <a:off x="2589212" y="3530129"/>
+            <a:ext cx="8915399" cy="860400"/>
           </a:xfrm>
         </p:spPr>
         <p:txBody>
-          <a:bodyPr/>
+          <a:bodyPr anchor="t"/>
           <a:lstStyle>
-            <a:lvl1pPr marL="0" indent="0">
-              <a:buNone/>
-              <a:defRPr sz="2400">
+            <a:lvl1pPr marL="0" indent="0" algn="l">
+              <a:buNone/>
+              <a:defRPr sz="2000">
                 <a:solidFill>
                   <a:schemeClr val="tx1">
-                    <a:tint val="75000"/>
+                    <a:lumMod val="65000"/>
+                    <a:lumOff val="35000"/>
                   </a:schemeClr>
                 </a:solidFill>
               </a:defRPr>
             </a:lvl1pPr>
             <a:lvl2pPr marL="457200" indent="0">
               <a:buNone/>
-              <a:defRPr sz="2000">
+              <a:defRPr sz="1800">
                 <a:solidFill>
                   <a:schemeClr val="tx1">
                     <a:tint val="75000"/>
@@ -913,7 +3122,7 @@
             </a:lvl2pPr>
             <a:lvl3pPr marL="914400" indent="0">
               <a:buNone/>
-              <a:defRPr sz="1800">
+              <a:defRPr sz="1600">
                 <a:solidFill>
                   <a:schemeClr val="tx1">
                     <a:tint val="75000"/>
@@ -923,7 +3132,7 @@
             </a:lvl3pPr>
             <a:lvl4pPr marL="1371600" indent="0">
               <a:buNone/>
-              <a:defRPr sz="1600">
+              <a:defRPr sz="1400">
                 <a:solidFill>
                   <a:schemeClr val="tx1">
                     <a:tint val="75000"/>
@@ -933,7 +3142,7 @@
             </a:lvl4pPr>
             <a:lvl5pPr marL="1828800" indent="0">
               <a:buNone/>
-              <a:defRPr sz="1600">
+              <a:defRPr sz="1400">
                 <a:solidFill>
                   <a:schemeClr val="tx1">
                     <a:tint val="75000"/>
@@ -943,7 +3152,7 @@
             </a:lvl5pPr>
             <a:lvl6pPr marL="2286000" indent="0">
               <a:buNone/>
-              <a:defRPr sz="1600">
+              <a:defRPr sz="1400">
                 <a:solidFill>
                   <a:schemeClr val="tx1">
                     <a:tint val="75000"/>
@@ -953,7 +3162,7 @@
             </a:lvl6pPr>
             <a:lvl7pPr marL="2743200" indent="0">
               <a:buNone/>
-              <a:defRPr sz="1600">
+              <a:defRPr sz="1400">
                 <a:solidFill>
                   <a:schemeClr val="tx1">
                     <a:tint val="75000"/>
@@ -963,7 +3172,7 @@
             </a:lvl7pPr>
             <a:lvl8pPr marL="3200400" indent="0">
               <a:buNone/>
-              <a:defRPr sz="1600">
+              <a:defRPr sz="1400">
                 <a:solidFill>
                   <a:schemeClr val="tx1">
                     <a:tint val="75000"/>
@@ -973,7 +3182,7 @@
             </a:lvl8pPr>
             <a:lvl9pPr marL="3657600" indent="0">
               <a:buNone/>
-              <a:defRPr sz="1600">
+              <a:defRPr sz="1400">
                 <a:solidFill>
                   <a:schemeClr val="tx1">
                     <a:tint val="75000"/>
@@ -985,7 +3194,7 @@
           <a:p>
             <a:pPr lvl="0"/>
             <a:r>
-              <a:rPr lang="en-US"/>
+              <a:rPr lang="en-US" smtClean="0"/>
               <a:t>Edit Master text styles</a:t>
             </a:r>
           </a:p>
@@ -1008,7 +3217,7 @@
           <a:p>
             <a:fld id="{471BC982-A0E7-442A-901D-C3ABBEC01FFB}" type="datetimeFigureOut">
               <a:rPr lang="en-US" smtClean="0"/>
-              <a:t>4/1/2017</a:t>
+              <a:t>4/2/2017</a:t>
             </a:fld>
             <a:endParaRPr lang="en-US"/>
           </a:p>
@@ -1035,6 +3244,88 @@
       </p:sp>
       <p:sp>
         <p:nvSpPr>
+          <p:cNvPr id="9" name="Freeform 11"/>
+          <p:cNvSpPr/>
+          <p:nvPr/>
+        </p:nvSpPr>
+        <p:spPr bwMode="auto">
+          <a:xfrm flipV="1">
+            <a:off x="-4189" y="3178175"/>
+            <a:ext cx="1588527" cy="507297"/>
+          </a:xfrm>
+          <a:custGeom>
+            <a:avLst/>
+            <a:gdLst/>
+            <a:ahLst/>
+            <a:cxnLst/>
+            <a:rect l="l" t="t" r="r" b="b"/>
+            <a:pathLst>
+              <a:path w="9248" h="10000">
+                <a:moveTo>
+                  <a:pt x="9248" y="4701"/>
+                </a:moveTo>
+                <a:lnTo>
+                  <a:pt x="7915" y="188"/>
+                </a:lnTo>
+                <a:cubicBezTo>
+                  <a:pt x="7906" y="156"/>
+                  <a:pt x="7895" y="126"/>
+                  <a:pt x="7886" y="94"/>
+                </a:cubicBezTo>
+                <a:cubicBezTo>
+                  <a:pt x="7859" y="0"/>
+                  <a:pt x="7831" y="0"/>
+                  <a:pt x="7803" y="0"/>
+                </a:cubicBezTo>
+                <a:lnTo>
+                  <a:pt x="7275" y="0"/>
+                </a:lnTo>
+                <a:lnTo>
+                  <a:pt x="0" y="70"/>
+                </a:lnTo>
+                <a:cubicBezTo>
+                  <a:pt x="8" y="3380"/>
+                  <a:pt x="17" y="6690"/>
+                  <a:pt x="25" y="10000"/>
+                </a:cubicBezTo>
+                <a:lnTo>
+                  <a:pt x="7275" y="9966"/>
+                </a:lnTo>
+                <a:lnTo>
+                  <a:pt x="7803" y="9966"/>
+                </a:lnTo>
+                <a:cubicBezTo>
+                  <a:pt x="7831" y="9966"/>
+                  <a:pt x="7859" y="9872"/>
+                  <a:pt x="7886" y="9872"/>
+                </a:cubicBezTo>
+                <a:cubicBezTo>
+                  <a:pt x="7886" y="9778"/>
+                  <a:pt x="7915" y="9778"/>
+                  <a:pt x="7915" y="9778"/>
+                </a:cubicBezTo>
+                <a:lnTo>
+                  <a:pt x="9248" y="5265"/>
+                </a:lnTo>
+                <a:cubicBezTo>
+                  <a:pt x="9303" y="5077"/>
+                  <a:pt x="9303" y="4889"/>
+                  <a:pt x="9248" y="4701"/>
+                </a:cubicBezTo>
+                <a:close/>
+              </a:path>
+            </a:pathLst>
+          </a:custGeom>
+          <a:solidFill>
+            <a:schemeClr val="accent1"/>
+          </a:solidFill>
+          <a:ln>
+            <a:noFill/>
+          </a:ln>
+        </p:spPr>
+      </p:sp>
+      <p:sp>
+        <p:nvSpPr>
           <p:cNvPr id="6" name="Slide Number Placeholder 5"/>
           <p:cNvSpPr>
             <a:spLocks noGrp="1"/>
@@ -1043,7 +3334,12 @@
             <p:ph type="sldNum" sz="quarter" idx="12"/>
           </p:nvPr>
         </p:nvSpPr>
-        <p:spPr/>
+        <p:spPr>
+          <a:xfrm>
+            <a:off x="531812" y="3244139"/>
+            <a:ext cx="779767" cy="365125"/>
+          </a:xfrm>
+        </p:spPr>
         <p:txBody>
           <a:bodyPr/>
           <a:lstStyle/>
@@ -1059,7 +3355,7 @@
     </p:spTree>
     <p:extLst>
       <p:ext uri="{BB962C8B-B14F-4D97-AF65-F5344CB8AC3E}">
-        <p14:creationId xmlns:p14="http://schemas.microsoft.com/office/powerpoint/2010/main" val="2270686078"/>
+        <p14:creationId xmlns:p14="http://schemas.microsoft.com/office/powerpoint/2010/main" val="695026934"/>
       </p:ext>
     </p:extLst>
   </p:cSld>
@@ -1088,7 +3384,7 @@
       </p:grpSpPr>
       <p:sp>
         <p:nvSpPr>
-          <p:cNvPr id="2" name="Title 1"/>
+          <p:cNvPr id="8" name="Title 7"/>
           <p:cNvSpPr>
             <a:spLocks noGrp="1"/>
           </p:cNvSpPr>
@@ -1102,9 +3398,10 @@
           <a:lstStyle/>
           <a:p>
             <a:r>
-              <a:rPr lang="en-US"/>
+              <a:rPr lang="en-US" smtClean="0"/>
               <a:t>Click to edit Master title style</a:t>
             </a:r>
+            <a:endParaRPr lang="en-US" dirty="0"/>
           </a:p>
         </p:txBody>
       </p:sp>
@@ -1120,47 +3417,50 @@
         </p:nvSpPr>
         <p:spPr>
           <a:xfrm>
-            <a:off x="838200" y="1825625"/>
-            <a:ext cx="5181600" cy="4351338"/>
+            <a:off x="2589212" y="2133600"/>
+            <a:ext cx="4313864" cy="3777622"/>
           </a:xfrm>
         </p:spPr>
         <p:txBody>
-          <a:bodyPr/>
+          <a:bodyPr>
+            <a:normAutofit/>
+          </a:bodyPr>
           <a:lstStyle/>
           <a:p>
             <a:pPr lvl="0"/>
             <a:r>
-              <a:rPr lang="en-US"/>
+              <a:rPr lang="en-US" smtClean="0"/>
               <a:t>Edit Master text styles</a:t>
             </a:r>
           </a:p>
           <a:p>
             <a:pPr lvl="1"/>
             <a:r>
-              <a:rPr lang="en-US"/>
+              <a:rPr lang="en-US" smtClean="0"/>
               <a:t>Second level</a:t>
             </a:r>
           </a:p>
           <a:p>
             <a:pPr lvl="2"/>
             <a:r>
-              <a:rPr lang="en-US"/>
+              <a:rPr lang="en-US" smtClean="0"/>
               <a:t>Third level</a:t>
             </a:r>
           </a:p>
           <a:p>
             <a:pPr lvl="3"/>
             <a:r>
-              <a:rPr lang="en-US"/>
+              <a:rPr lang="en-US" smtClean="0"/>
               <a:t>Fourth level</a:t>
             </a:r>
           </a:p>
           <a:p>
             <a:pPr lvl="4"/>
             <a:r>
-              <a:rPr lang="en-US"/>
+              <a:rPr lang="en-US" smtClean="0"/>
               <a:t>Fifth level</a:t>
             </a:r>
+            <a:endParaRPr lang="en-US" dirty="0"/>
           </a:p>
         </p:txBody>
       </p:sp>
@@ -1176,68 +3476,71 @@
         </p:nvSpPr>
         <p:spPr>
           <a:xfrm>
-            <a:off x="6172200" y="1825625"/>
-            <a:ext cx="5181600" cy="4351338"/>
+            <a:off x="7190747" y="2126222"/>
+            <a:ext cx="4313864" cy="3777622"/>
           </a:xfrm>
         </p:spPr>
         <p:txBody>
+          <a:bodyPr>
+            <a:normAutofit/>
+          </a:bodyPr>
+          <a:lstStyle/>
+          <a:p>
+            <a:pPr lvl="0"/>
+            <a:r>
+              <a:rPr lang="en-US" smtClean="0"/>
+              <a:t>Edit Master text styles</a:t>
+            </a:r>
+          </a:p>
+          <a:p>
+            <a:pPr lvl="1"/>
+            <a:r>
+              <a:rPr lang="en-US" smtClean="0"/>
+              <a:t>Second level</a:t>
+            </a:r>
+          </a:p>
+          <a:p>
+            <a:pPr lvl="2"/>
+            <a:r>
+              <a:rPr lang="en-US" smtClean="0"/>
+              <a:t>Third level</a:t>
+            </a:r>
+          </a:p>
+          <a:p>
+            <a:pPr lvl="3"/>
+            <a:r>
+              <a:rPr lang="en-US" smtClean="0"/>
+              <a:t>Fourth level</a:t>
+            </a:r>
+          </a:p>
+          <a:p>
+            <a:pPr lvl="4"/>
+            <a:r>
+              <a:rPr lang="en-US" smtClean="0"/>
+              <a:t>Fifth level</a:t>
+            </a:r>
+            <a:endParaRPr lang="en-US" dirty="0"/>
+          </a:p>
+        </p:txBody>
+      </p:sp>
+      <p:sp>
+        <p:nvSpPr>
+          <p:cNvPr id="5" name="Date Placeholder 4"/>
+          <p:cNvSpPr>
+            <a:spLocks noGrp="1"/>
+          </p:cNvSpPr>
+          <p:nvPr>
+            <p:ph type="dt" sz="half" idx="10"/>
+          </p:nvPr>
+        </p:nvSpPr>
+        <p:spPr/>
+        <p:txBody>
           <a:bodyPr/>
           <a:lstStyle/>
           <a:p>
-            <a:pPr lvl="0"/>
-            <a:r>
-              <a:rPr lang="en-US"/>
-              <a:t>Edit Master text styles</a:t>
-            </a:r>
-          </a:p>
-          <a:p>
-            <a:pPr lvl="1"/>
-            <a:r>
-              <a:rPr lang="en-US"/>
-              <a:t>Second level</a:t>
-            </a:r>
-          </a:p>
-          <a:p>
-            <a:pPr lvl="2"/>
-            <a:r>
-              <a:rPr lang="en-US"/>
-              <a:t>Third level</a:t>
-            </a:r>
-          </a:p>
-          <a:p>
-            <a:pPr lvl="3"/>
-            <a:r>
-              <a:rPr lang="en-US"/>
-              <a:t>Fourth level</a:t>
-            </a:r>
-          </a:p>
-          <a:p>
-            <a:pPr lvl="4"/>
-            <a:r>
-              <a:rPr lang="en-US"/>
-              <a:t>Fifth level</a:t>
-            </a:r>
-          </a:p>
-        </p:txBody>
-      </p:sp>
-      <p:sp>
-        <p:nvSpPr>
-          <p:cNvPr id="5" name="Date Placeholder 4"/>
-          <p:cNvSpPr>
-            <a:spLocks noGrp="1"/>
-          </p:cNvSpPr>
-          <p:nvPr>
-            <p:ph type="dt" sz="half" idx="10"/>
-          </p:nvPr>
-        </p:nvSpPr>
-        <p:spPr/>
-        <p:txBody>
-          <a:bodyPr/>
-          <a:lstStyle/>
-          <a:p>
             <a:fld id="{471BC982-A0E7-442A-901D-C3ABBEC01FFB}" type="datetimeFigureOut">
               <a:rPr lang="en-US" smtClean="0"/>
-              <a:t>4/1/2017</a:t>
+              <a:t>4/2/2017</a:t>
             </a:fld>
             <a:endParaRPr lang="en-US"/>
           </a:p>
@@ -1264,7 +3567,89 @@
       </p:sp>
       <p:sp>
         <p:nvSpPr>
-          <p:cNvPr id="7" name="Slide Number Placeholder 6"/>
+          <p:cNvPr id="10" name="Freeform 11"/>
+          <p:cNvSpPr/>
+          <p:nvPr/>
+        </p:nvSpPr>
+        <p:spPr bwMode="auto">
+          <a:xfrm flipV="1">
+            <a:off x="-4189" y="714375"/>
+            <a:ext cx="1588527" cy="507297"/>
+          </a:xfrm>
+          <a:custGeom>
+            <a:avLst/>
+            <a:gdLst/>
+            <a:ahLst/>
+            <a:cxnLst/>
+            <a:rect l="l" t="t" r="r" b="b"/>
+            <a:pathLst>
+              <a:path w="9248" h="10000">
+                <a:moveTo>
+                  <a:pt x="9248" y="4701"/>
+                </a:moveTo>
+                <a:lnTo>
+                  <a:pt x="7915" y="188"/>
+                </a:lnTo>
+                <a:cubicBezTo>
+                  <a:pt x="7906" y="156"/>
+                  <a:pt x="7895" y="126"/>
+                  <a:pt x="7886" y="94"/>
+                </a:cubicBezTo>
+                <a:cubicBezTo>
+                  <a:pt x="7859" y="0"/>
+                  <a:pt x="7831" y="0"/>
+                  <a:pt x="7803" y="0"/>
+                </a:cubicBezTo>
+                <a:lnTo>
+                  <a:pt x="7275" y="0"/>
+                </a:lnTo>
+                <a:lnTo>
+                  <a:pt x="0" y="70"/>
+                </a:lnTo>
+                <a:cubicBezTo>
+                  <a:pt x="8" y="3380"/>
+                  <a:pt x="17" y="6690"/>
+                  <a:pt x="25" y="10000"/>
+                </a:cubicBezTo>
+                <a:lnTo>
+                  <a:pt x="7275" y="9966"/>
+                </a:lnTo>
+                <a:lnTo>
+                  <a:pt x="7803" y="9966"/>
+                </a:lnTo>
+                <a:cubicBezTo>
+                  <a:pt x="7831" y="9966"/>
+                  <a:pt x="7859" y="9872"/>
+                  <a:pt x="7886" y="9872"/>
+                </a:cubicBezTo>
+                <a:cubicBezTo>
+                  <a:pt x="7886" y="9778"/>
+                  <a:pt x="7915" y="9778"/>
+                  <a:pt x="7915" y="9778"/>
+                </a:cubicBezTo>
+                <a:lnTo>
+                  <a:pt x="9248" y="5265"/>
+                </a:lnTo>
+                <a:cubicBezTo>
+                  <a:pt x="9303" y="5077"/>
+                  <a:pt x="9303" y="4889"/>
+                  <a:pt x="9248" y="4701"/>
+                </a:cubicBezTo>
+                <a:close/>
+              </a:path>
+            </a:pathLst>
+          </a:custGeom>
+          <a:solidFill>
+            <a:schemeClr val="accent1"/>
+          </a:solidFill>
+          <a:ln>
+            <a:noFill/>
+          </a:ln>
+        </p:spPr>
+      </p:sp>
+      <p:sp>
+        <p:nvSpPr>
+          <p:cNvPr id="11" name="Slide Number Placeholder 5"/>
           <p:cNvSpPr>
             <a:spLocks noGrp="1"/>
           </p:cNvSpPr>
@@ -1272,7 +3657,12 @@
             <p:ph type="sldNum" sz="quarter" idx="12"/>
           </p:nvPr>
         </p:nvSpPr>
-        <p:spPr/>
+        <p:spPr>
+          <a:xfrm>
+            <a:off x="531812" y="787782"/>
+            <a:ext cx="779767" cy="365125"/>
+          </a:xfrm>
+        </p:spPr>
         <p:txBody>
           <a:bodyPr/>
           <a:lstStyle/>
@@ -1288,7 +3678,7 @@
     </p:spTree>
     <p:extLst>
       <p:ext uri="{BB962C8B-B14F-4D97-AF65-F5344CB8AC3E}">
-        <p14:creationId xmlns:p14="http://schemas.microsoft.com/office/powerpoint/2010/main" val="1074694026"/>
+        <p14:creationId xmlns:p14="http://schemas.microsoft.com/office/powerpoint/2010/main" val="2362443657"/>
       </p:ext>
     </p:extLst>
   </p:cSld>
@@ -1317,53 +3707,51 @@
       </p:grpSpPr>
       <p:sp>
         <p:nvSpPr>
-          <p:cNvPr id="2" name="Title 1"/>
+          <p:cNvPr id="10" name="Title 9"/>
           <p:cNvSpPr>
             <a:spLocks noGrp="1"/>
           </p:cNvSpPr>
           <p:nvPr>
             <p:ph type="title"/>
+          </p:nvPr>
+        </p:nvSpPr>
+        <p:spPr/>
+        <p:txBody>
+          <a:bodyPr/>
+          <a:lstStyle/>
+          <a:p>
+            <a:r>
+              <a:rPr lang="en-US" smtClean="0"/>
+              <a:t>Click to edit Master title style</a:t>
+            </a:r>
+            <a:endParaRPr lang="en-US" dirty="0"/>
+          </a:p>
+        </p:txBody>
+      </p:sp>
+      <p:sp>
+        <p:nvSpPr>
+          <p:cNvPr id="3" name="Text Placeholder 2"/>
+          <p:cNvSpPr>
+            <a:spLocks noGrp="1"/>
+          </p:cNvSpPr>
+          <p:nvPr>
+            <p:ph type="body" idx="1"/>
           </p:nvPr>
         </p:nvSpPr>
         <p:spPr>
           <a:xfrm>
-            <a:off x="839788" y="365125"/>
-            <a:ext cx="10515600" cy="1325563"/>
+            <a:off x="2939373" y="1972703"/>
+            <a:ext cx="3992732" cy="576262"/>
           </a:xfrm>
         </p:spPr>
         <p:txBody>
-          <a:bodyPr/>
-          <a:lstStyle/>
-          <a:p>
-            <a:r>
-              <a:rPr lang="en-US"/>
-              <a:t>Click to edit Master title style</a:t>
-            </a:r>
-          </a:p>
-        </p:txBody>
-      </p:sp>
-      <p:sp>
-        <p:nvSpPr>
-          <p:cNvPr id="3" name="Text Placeholder 2"/>
-          <p:cNvSpPr>
-            <a:spLocks noGrp="1"/>
-          </p:cNvSpPr>
-          <p:nvPr>
-            <p:ph type="body" idx="1"/>
-          </p:nvPr>
-        </p:nvSpPr>
-        <p:spPr>
-          <a:xfrm>
-            <a:off x="839788" y="1681163"/>
-            <a:ext cx="5157787" cy="823912"/>
-          </a:xfrm>
-        </p:spPr>
-        <p:txBody>
-          <a:bodyPr anchor="b"/>
+          <a:bodyPr anchor="b">
+            <a:noAutofit/>
+          </a:bodyPr>
           <a:lstStyle>
             <a:lvl1pPr marL="0" indent="0">
               <a:buNone/>
-              <a:defRPr sz="2400" b="1"/>
+              <a:defRPr sz="2400" b="0"/>
             </a:lvl1pPr>
             <a:lvl2pPr marL="457200" indent="0">
               <a:buNone/>
@@ -1401,7 +3789,7 @@
           <a:p>
             <a:pPr lvl="0"/>
             <a:r>
-              <a:rPr lang="en-US"/>
+              <a:rPr lang="en-US" smtClean="0"/>
               <a:t>Edit Master text styles</a:t>
             </a:r>
           </a:p>
@@ -1419,47 +3807,50 @@
         </p:nvSpPr>
         <p:spPr>
           <a:xfrm>
-            <a:off x="839788" y="2505075"/>
-            <a:ext cx="5157787" cy="3684588"/>
+            <a:off x="2589212" y="2548966"/>
+            <a:ext cx="4342893" cy="3354060"/>
           </a:xfrm>
         </p:spPr>
         <p:txBody>
-          <a:bodyPr/>
+          <a:bodyPr>
+            <a:normAutofit/>
+          </a:bodyPr>
           <a:lstStyle/>
           <a:p>
             <a:pPr lvl="0"/>
             <a:r>
-              <a:rPr lang="en-US"/>
+              <a:rPr lang="en-US" smtClean="0"/>
               <a:t>Edit Master text styles</a:t>
             </a:r>
           </a:p>
           <a:p>
             <a:pPr lvl="1"/>
             <a:r>
-              <a:rPr lang="en-US"/>
+              <a:rPr lang="en-US" smtClean="0"/>
               <a:t>Second level</a:t>
             </a:r>
           </a:p>
           <a:p>
             <a:pPr lvl="2"/>
             <a:r>
-              <a:rPr lang="en-US"/>
+              <a:rPr lang="en-US" smtClean="0"/>
               <a:t>Third level</a:t>
             </a:r>
           </a:p>
           <a:p>
             <a:pPr lvl="3"/>
             <a:r>
-              <a:rPr lang="en-US"/>
+              <a:rPr lang="en-US" smtClean="0"/>
               <a:t>Fourth level</a:t>
             </a:r>
           </a:p>
           <a:p>
             <a:pPr lvl="4"/>
             <a:r>
-              <a:rPr lang="en-US"/>
+              <a:rPr lang="en-US" smtClean="0"/>
               <a:t>Fifth level</a:t>
             </a:r>
+            <a:endParaRPr lang="en-US" dirty="0"/>
           </a:p>
         </p:txBody>
       </p:sp>
@@ -1475,16 +3866,18 @@
         </p:nvSpPr>
         <p:spPr>
           <a:xfrm>
-            <a:off x="6172200" y="1681163"/>
-            <a:ext cx="5183188" cy="823912"/>
+            <a:off x="7506629" y="1969475"/>
+            <a:ext cx="3999001" cy="576262"/>
           </a:xfrm>
         </p:spPr>
         <p:txBody>
-          <a:bodyPr anchor="b"/>
+          <a:bodyPr anchor="b">
+            <a:noAutofit/>
+          </a:bodyPr>
           <a:lstStyle>
             <a:lvl1pPr marL="0" indent="0">
               <a:buNone/>
-              <a:defRPr sz="2400" b="1"/>
+              <a:defRPr sz="2400" b="0"/>
             </a:lvl1pPr>
             <a:lvl2pPr marL="457200" indent="0">
               <a:buNone/>
@@ -1522,7 +3915,7 @@
           <a:p>
             <a:pPr lvl="0"/>
             <a:r>
-              <a:rPr lang="en-US"/>
+              <a:rPr lang="en-US" smtClean="0"/>
               <a:t>Edit Master text styles</a:t>
             </a:r>
           </a:p>
@@ -1540,68 +3933,71 @@
         </p:nvSpPr>
         <p:spPr>
           <a:xfrm>
-            <a:off x="6172200" y="2505075"/>
-            <a:ext cx="5183188" cy="3684588"/>
+            <a:off x="7166957" y="2545738"/>
+            <a:ext cx="4338674" cy="3354060"/>
           </a:xfrm>
         </p:spPr>
         <p:txBody>
+          <a:bodyPr>
+            <a:normAutofit/>
+          </a:bodyPr>
+          <a:lstStyle/>
+          <a:p>
+            <a:pPr lvl="0"/>
+            <a:r>
+              <a:rPr lang="en-US" smtClean="0"/>
+              <a:t>Edit Master text styles</a:t>
+            </a:r>
+          </a:p>
+          <a:p>
+            <a:pPr lvl="1"/>
+            <a:r>
+              <a:rPr lang="en-US" smtClean="0"/>
+              <a:t>Second level</a:t>
+            </a:r>
+          </a:p>
+          <a:p>
+            <a:pPr lvl="2"/>
+            <a:r>
+              <a:rPr lang="en-US" smtClean="0"/>
+              <a:t>Third level</a:t>
+            </a:r>
+          </a:p>
+          <a:p>
+            <a:pPr lvl="3"/>
+            <a:r>
+              <a:rPr lang="en-US" smtClean="0"/>
+              <a:t>Fourth level</a:t>
+            </a:r>
+          </a:p>
+          <a:p>
+            <a:pPr lvl="4"/>
+            <a:r>
+              <a:rPr lang="en-US" smtClean="0"/>
+              <a:t>Fifth level</a:t>
+            </a:r>
+            <a:endParaRPr lang="en-US" dirty="0"/>
+          </a:p>
+        </p:txBody>
+      </p:sp>
+      <p:sp>
+        <p:nvSpPr>
+          <p:cNvPr id="7" name="Date Placeholder 6"/>
+          <p:cNvSpPr>
+            <a:spLocks noGrp="1"/>
+          </p:cNvSpPr>
+          <p:nvPr>
+            <p:ph type="dt" sz="half" idx="10"/>
+          </p:nvPr>
+        </p:nvSpPr>
+        <p:spPr/>
+        <p:txBody>
           <a:bodyPr/>
           <a:lstStyle/>
           <a:p>
-            <a:pPr lvl="0"/>
-            <a:r>
-              <a:rPr lang="en-US"/>
-              <a:t>Edit Master text styles</a:t>
-            </a:r>
-          </a:p>
-          <a:p>
-            <a:pPr lvl="1"/>
-            <a:r>
-              <a:rPr lang="en-US"/>
-              <a:t>Second level</a:t>
-            </a:r>
-          </a:p>
-          <a:p>
-            <a:pPr lvl="2"/>
-            <a:r>
-              <a:rPr lang="en-US"/>
-              <a:t>Third level</a:t>
-            </a:r>
-          </a:p>
-          <a:p>
-            <a:pPr lvl="3"/>
-            <a:r>
-              <a:rPr lang="en-US"/>
-              <a:t>Fourth level</a:t>
-            </a:r>
-          </a:p>
-          <a:p>
-            <a:pPr lvl="4"/>
-            <a:r>
-              <a:rPr lang="en-US"/>
-              <a:t>Fifth level</a:t>
-            </a:r>
-          </a:p>
-        </p:txBody>
-      </p:sp>
-      <p:sp>
-        <p:nvSpPr>
-          <p:cNvPr id="7" name="Date Placeholder 6"/>
-          <p:cNvSpPr>
-            <a:spLocks noGrp="1"/>
-          </p:cNvSpPr>
-          <p:nvPr>
-            <p:ph type="dt" sz="half" idx="10"/>
-          </p:nvPr>
-        </p:nvSpPr>
-        <p:spPr/>
-        <p:txBody>
-          <a:bodyPr/>
-          <a:lstStyle/>
-          <a:p>
             <a:fld id="{471BC982-A0E7-442A-901D-C3ABBEC01FFB}" type="datetimeFigureOut">
               <a:rPr lang="en-US" smtClean="0"/>
-              <a:t>4/1/2017</a:t>
+              <a:t>4/2/2017</a:t>
             </a:fld>
             <a:endParaRPr lang="en-US"/>
           </a:p>
@@ -1628,7 +4024,89 @@
       </p:sp>
       <p:sp>
         <p:nvSpPr>
-          <p:cNvPr id="9" name="Slide Number Placeholder 8"/>
+          <p:cNvPr id="12" name="Freeform 11"/>
+          <p:cNvSpPr/>
+          <p:nvPr/>
+        </p:nvSpPr>
+        <p:spPr bwMode="auto">
+          <a:xfrm flipV="1">
+            <a:off x="-4189" y="714375"/>
+            <a:ext cx="1588527" cy="507297"/>
+          </a:xfrm>
+          <a:custGeom>
+            <a:avLst/>
+            <a:gdLst/>
+            <a:ahLst/>
+            <a:cxnLst/>
+            <a:rect l="l" t="t" r="r" b="b"/>
+            <a:pathLst>
+              <a:path w="9248" h="10000">
+                <a:moveTo>
+                  <a:pt x="9248" y="4701"/>
+                </a:moveTo>
+                <a:lnTo>
+                  <a:pt x="7915" y="188"/>
+                </a:lnTo>
+                <a:cubicBezTo>
+                  <a:pt x="7906" y="156"/>
+                  <a:pt x="7895" y="126"/>
+                  <a:pt x="7886" y="94"/>
+                </a:cubicBezTo>
+                <a:cubicBezTo>
+                  <a:pt x="7859" y="0"/>
+                  <a:pt x="7831" y="0"/>
+                  <a:pt x="7803" y="0"/>
+                </a:cubicBezTo>
+                <a:lnTo>
+                  <a:pt x="7275" y="0"/>
+                </a:lnTo>
+                <a:lnTo>
+                  <a:pt x="0" y="70"/>
+                </a:lnTo>
+                <a:cubicBezTo>
+                  <a:pt x="8" y="3380"/>
+                  <a:pt x="17" y="6690"/>
+                  <a:pt x="25" y="10000"/>
+                </a:cubicBezTo>
+                <a:lnTo>
+                  <a:pt x="7275" y="9966"/>
+                </a:lnTo>
+                <a:lnTo>
+                  <a:pt x="7803" y="9966"/>
+                </a:lnTo>
+                <a:cubicBezTo>
+                  <a:pt x="7831" y="9966"/>
+                  <a:pt x="7859" y="9872"/>
+                  <a:pt x="7886" y="9872"/>
+                </a:cubicBezTo>
+                <a:cubicBezTo>
+                  <a:pt x="7886" y="9778"/>
+                  <a:pt x="7915" y="9778"/>
+                  <a:pt x="7915" y="9778"/>
+                </a:cubicBezTo>
+                <a:lnTo>
+                  <a:pt x="9248" y="5265"/>
+                </a:lnTo>
+                <a:cubicBezTo>
+                  <a:pt x="9303" y="5077"/>
+                  <a:pt x="9303" y="4889"/>
+                  <a:pt x="9248" y="4701"/>
+                </a:cubicBezTo>
+                <a:close/>
+              </a:path>
+            </a:pathLst>
+          </a:custGeom>
+          <a:solidFill>
+            <a:schemeClr val="accent1"/>
+          </a:solidFill>
+          <a:ln>
+            <a:noFill/>
+          </a:ln>
+        </p:spPr>
+      </p:sp>
+      <p:sp>
+        <p:nvSpPr>
+          <p:cNvPr id="13" name="Slide Number Placeholder 5"/>
           <p:cNvSpPr>
             <a:spLocks noGrp="1"/>
           </p:cNvSpPr>
@@ -1636,7 +4114,12 @@
             <p:ph type="sldNum" sz="quarter" idx="12"/>
           </p:nvPr>
         </p:nvSpPr>
-        <p:spPr/>
+        <p:spPr>
+          <a:xfrm>
+            <a:off x="531812" y="787782"/>
+            <a:ext cx="779767" cy="365125"/>
+          </a:xfrm>
+        </p:spPr>
         <p:txBody>
           <a:bodyPr/>
           <a:lstStyle/>
@@ -1652,7 +4135,7 @@
     </p:spTree>
     <p:extLst>
       <p:ext uri="{BB962C8B-B14F-4D97-AF65-F5344CB8AC3E}">
-        <p14:creationId xmlns:p14="http://schemas.microsoft.com/office/powerpoint/2010/main" val="996011011"/>
+        <p14:creationId xmlns:p14="http://schemas.microsoft.com/office/powerpoint/2010/main" val="3640756256"/>
       </p:ext>
     </p:extLst>
   </p:cSld>
@@ -1695,9 +4178,10 @@
           <a:lstStyle/>
           <a:p>
             <a:r>
-              <a:rPr lang="en-US"/>
+              <a:rPr lang="en-US" smtClean="0"/>
               <a:t>Click to edit Master title style</a:t>
             </a:r>
+            <a:endParaRPr lang="en-US" dirty="0"/>
           </a:p>
         </p:txBody>
       </p:sp>
@@ -1718,7 +4202,7 @@
           <a:p>
             <a:fld id="{471BC982-A0E7-442A-901D-C3ABBEC01FFB}" type="datetimeFigureOut">
               <a:rPr lang="en-US" smtClean="0"/>
-              <a:t>4/1/2017</a:t>
+              <a:t>4/2/2017</a:t>
             </a:fld>
             <a:endParaRPr lang="en-US"/>
           </a:p>
@@ -1742,6 +4226,88 @@
             <a:endParaRPr lang="en-US"/>
           </a:p>
         </p:txBody>
+      </p:sp>
+      <p:sp>
+        <p:nvSpPr>
+          <p:cNvPr id="7" name="Freeform 11"/>
+          <p:cNvSpPr/>
+          <p:nvPr/>
+        </p:nvSpPr>
+        <p:spPr bwMode="auto">
+          <a:xfrm flipV="1">
+            <a:off x="-4189" y="714375"/>
+            <a:ext cx="1588527" cy="507297"/>
+          </a:xfrm>
+          <a:custGeom>
+            <a:avLst/>
+            <a:gdLst/>
+            <a:ahLst/>
+            <a:cxnLst/>
+            <a:rect l="l" t="t" r="r" b="b"/>
+            <a:pathLst>
+              <a:path w="9248" h="10000">
+                <a:moveTo>
+                  <a:pt x="9248" y="4701"/>
+                </a:moveTo>
+                <a:lnTo>
+                  <a:pt x="7915" y="188"/>
+                </a:lnTo>
+                <a:cubicBezTo>
+                  <a:pt x="7906" y="156"/>
+                  <a:pt x="7895" y="126"/>
+                  <a:pt x="7886" y="94"/>
+                </a:cubicBezTo>
+                <a:cubicBezTo>
+                  <a:pt x="7859" y="0"/>
+                  <a:pt x="7831" y="0"/>
+                  <a:pt x="7803" y="0"/>
+                </a:cubicBezTo>
+                <a:lnTo>
+                  <a:pt x="7275" y="0"/>
+                </a:lnTo>
+                <a:lnTo>
+                  <a:pt x="0" y="70"/>
+                </a:lnTo>
+                <a:cubicBezTo>
+                  <a:pt x="8" y="3380"/>
+                  <a:pt x="17" y="6690"/>
+                  <a:pt x="25" y="10000"/>
+                </a:cubicBezTo>
+                <a:lnTo>
+                  <a:pt x="7275" y="9966"/>
+                </a:lnTo>
+                <a:lnTo>
+                  <a:pt x="7803" y="9966"/>
+                </a:lnTo>
+                <a:cubicBezTo>
+                  <a:pt x="7831" y="9966"/>
+                  <a:pt x="7859" y="9872"/>
+                  <a:pt x="7886" y="9872"/>
+                </a:cubicBezTo>
+                <a:cubicBezTo>
+                  <a:pt x="7886" y="9778"/>
+                  <a:pt x="7915" y="9778"/>
+                  <a:pt x="7915" y="9778"/>
+                </a:cubicBezTo>
+                <a:lnTo>
+                  <a:pt x="9248" y="5265"/>
+                </a:lnTo>
+                <a:cubicBezTo>
+                  <a:pt x="9303" y="5077"/>
+                  <a:pt x="9303" y="4889"/>
+                  <a:pt x="9248" y="4701"/>
+                </a:cubicBezTo>
+                <a:close/>
+              </a:path>
+            </a:pathLst>
+          </a:custGeom>
+          <a:solidFill>
+            <a:schemeClr val="accent1"/>
+          </a:solidFill>
+          <a:ln>
+            <a:noFill/>
+          </a:ln>
+        </p:spPr>
       </p:sp>
       <p:sp>
         <p:nvSpPr>
@@ -1769,7 +4335,7 @@
     </p:spTree>
     <p:extLst>
       <p:ext uri="{BB962C8B-B14F-4D97-AF65-F5344CB8AC3E}">
-        <p14:creationId xmlns:p14="http://schemas.microsoft.com/office/powerpoint/2010/main" val="1131132392"/>
+        <p14:creationId xmlns:p14="http://schemas.microsoft.com/office/powerpoint/2010/main" val="1723920080"/>
       </p:ext>
     </p:extLst>
   </p:cSld>
@@ -1813,7 +4379,7 @@
           <a:p>
             <a:fld id="{471BC982-A0E7-442A-901D-C3ABBEC01FFB}" type="datetimeFigureOut">
               <a:rPr lang="en-US" smtClean="0"/>
-              <a:t>4/1/2017</a:t>
+              <a:t>4/2/2017</a:t>
             </a:fld>
             <a:endParaRPr lang="en-US"/>
           </a:p>
@@ -1837,6 +4403,88 @@
             <a:endParaRPr lang="en-US"/>
           </a:p>
         </p:txBody>
+      </p:sp>
+      <p:sp>
+        <p:nvSpPr>
+          <p:cNvPr id="6" name="Freeform 11"/>
+          <p:cNvSpPr/>
+          <p:nvPr/>
+        </p:nvSpPr>
+        <p:spPr bwMode="auto">
+          <a:xfrm flipV="1">
+            <a:off x="-4189" y="714375"/>
+            <a:ext cx="1588527" cy="507297"/>
+          </a:xfrm>
+          <a:custGeom>
+            <a:avLst/>
+            <a:gdLst/>
+            <a:ahLst/>
+            <a:cxnLst/>
+            <a:rect l="l" t="t" r="r" b="b"/>
+            <a:pathLst>
+              <a:path w="9248" h="10000">
+                <a:moveTo>
+                  <a:pt x="9248" y="4701"/>
+                </a:moveTo>
+                <a:lnTo>
+                  <a:pt x="7915" y="188"/>
+                </a:lnTo>
+                <a:cubicBezTo>
+                  <a:pt x="7906" y="156"/>
+                  <a:pt x="7895" y="126"/>
+                  <a:pt x="7886" y="94"/>
+                </a:cubicBezTo>
+                <a:cubicBezTo>
+                  <a:pt x="7859" y="0"/>
+                  <a:pt x="7831" y="0"/>
+                  <a:pt x="7803" y="0"/>
+                </a:cubicBezTo>
+                <a:lnTo>
+                  <a:pt x="7275" y="0"/>
+                </a:lnTo>
+                <a:lnTo>
+                  <a:pt x="0" y="70"/>
+                </a:lnTo>
+                <a:cubicBezTo>
+                  <a:pt x="8" y="3380"/>
+                  <a:pt x="17" y="6690"/>
+                  <a:pt x="25" y="10000"/>
+                </a:cubicBezTo>
+                <a:lnTo>
+                  <a:pt x="7275" y="9966"/>
+                </a:lnTo>
+                <a:lnTo>
+                  <a:pt x="7803" y="9966"/>
+                </a:lnTo>
+                <a:cubicBezTo>
+                  <a:pt x="7831" y="9966"/>
+                  <a:pt x="7859" y="9872"/>
+                  <a:pt x="7886" y="9872"/>
+                </a:cubicBezTo>
+                <a:cubicBezTo>
+                  <a:pt x="7886" y="9778"/>
+                  <a:pt x="7915" y="9778"/>
+                  <a:pt x="7915" y="9778"/>
+                </a:cubicBezTo>
+                <a:lnTo>
+                  <a:pt x="9248" y="5265"/>
+                </a:lnTo>
+                <a:cubicBezTo>
+                  <a:pt x="9303" y="5077"/>
+                  <a:pt x="9303" y="4889"/>
+                  <a:pt x="9248" y="4701"/>
+                </a:cubicBezTo>
+                <a:close/>
+              </a:path>
+            </a:pathLst>
+          </a:custGeom>
+          <a:solidFill>
+            <a:schemeClr val="accent1"/>
+          </a:solidFill>
+          <a:ln>
+            <a:noFill/>
+          </a:ln>
+        </p:spPr>
       </p:sp>
       <p:sp>
         <p:nvSpPr>
@@ -1864,7 +4512,7 @@
     </p:spTree>
     <p:extLst>
       <p:ext uri="{BB962C8B-B14F-4D97-AF65-F5344CB8AC3E}">
-        <p14:creationId xmlns:p14="http://schemas.microsoft.com/office/powerpoint/2010/main" val="288203365"/>
+        <p14:creationId xmlns:p14="http://schemas.microsoft.com/office/powerpoint/2010/main" val="504057751"/>
       </p:ext>
     </p:extLst>
   </p:cSld>
@@ -1903,22 +4551,23 @@
         </p:nvSpPr>
         <p:spPr>
           <a:xfrm>
-            <a:off x="839788" y="457200"/>
-            <a:ext cx="3932237" cy="1600200"/>
+            <a:off x="2589212" y="446088"/>
+            <a:ext cx="3505199" cy="976312"/>
           </a:xfrm>
         </p:spPr>
         <p:txBody>
           <a:bodyPr anchor="b"/>
           <a:lstStyle>
-            <a:lvl1pPr>
-              <a:defRPr sz="3200"/>
+            <a:lvl1pPr algn="l">
+              <a:defRPr sz="2000" b="0"/>
             </a:lvl1pPr>
           </a:lstStyle>
           <a:p>
             <a:r>
-              <a:rPr lang="en-US"/>
+              <a:rPr lang="en-US" smtClean="0"/>
               <a:t>Click to edit Master title style</a:t>
             </a:r>
+            <a:endParaRPr lang="en-US" dirty="0"/>
           </a:p>
         </p:txBody>
       </p:sp>
@@ -1934,75 +4583,50 @@
         </p:nvSpPr>
         <p:spPr>
           <a:xfrm>
-            <a:off x="5183188" y="987425"/>
-            <a:ext cx="6172200" cy="4873625"/>
+            <a:off x="6323012" y="446088"/>
+            <a:ext cx="5181600" cy="5414963"/>
           </a:xfrm>
         </p:spPr>
         <p:txBody>
-          <a:bodyPr/>
-          <a:lstStyle>
-            <a:lvl1pPr>
-              <a:defRPr sz="3200"/>
-            </a:lvl1pPr>
-            <a:lvl2pPr>
-              <a:defRPr sz="2800"/>
-            </a:lvl2pPr>
-            <a:lvl3pPr>
-              <a:defRPr sz="2400"/>
-            </a:lvl3pPr>
-            <a:lvl4pPr>
-              <a:defRPr sz="2000"/>
-            </a:lvl4pPr>
-            <a:lvl5pPr>
-              <a:defRPr sz="2000"/>
-            </a:lvl5pPr>
-            <a:lvl6pPr>
-              <a:defRPr sz="2000"/>
-            </a:lvl6pPr>
-            <a:lvl7pPr>
-              <a:defRPr sz="2000"/>
-            </a:lvl7pPr>
-            <a:lvl8pPr>
-              <a:defRPr sz="2000"/>
-            </a:lvl8pPr>
-            <a:lvl9pPr>
-              <a:defRPr sz="2000"/>
-            </a:lvl9pPr>
-          </a:lstStyle>
+          <a:bodyPr anchor="ctr">
+            <a:normAutofit/>
+          </a:bodyPr>
+          <a:lstStyle/>
           <a:p>
             <a:pPr lvl="0"/>
             <a:r>
-              <a:rPr lang="en-US"/>
+              <a:rPr lang="en-US" smtClean="0"/>
               <a:t>Edit Master text styles</a:t>
             </a:r>
           </a:p>
           <a:p>
             <a:pPr lvl="1"/>
             <a:r>
-              <a:rPr lang="en-US"/>
+              <a:rPr lang="en-US" smtClean="0"/>
               <a:t>Second level</a:t>
             </a:r>
           </a:p>
           <a:p>
             <a:pPr lvl="2"/>
             <a:r>
-              <a:rPr lang="en-US"/>
+              <a:rPr lang="en-US" smtClean="0"/>
               <a:t>Third level</a:t>
             </a:r>
           </a:p>
           <a:p>
             <a:pPr lvl="3"/>
             <a:r>
-              <a:rPr lang="en-US"/>
+              <a:rPr lang="en-US" smtClean="0"/>
               <a:t>Fourth level</a:t>
             </a:r>
           </a:p>
           <a:p>
             <a:pPr lvl="4"/>
             <a:r>
-              <a:rPr lang="en-US"/>
+              <a:rPr lang="en-US" smtClean="0"/>
               <a:t>Fifth level</a:t>
             </a:r>
+            <a:endParaRPr lang="en-US" dirty="0"/>
           </a:p>
         </p:txBody>
       </p:sp>
@@ -2018,8 +4642,8 @@
         </p:nvSpPr>
         <p:spPr>
           <a:xfrm>
-            <a:off x="839788" y="2057400"/>
-            <a:ext cx="3932237" cy="3811588"/>
+            <a:off x="2589212" y="1598613"/>
+            <a:ext cx="3505199" cy="4262436"/>
           </a:xfrm>
         </p:spPr>
         <p:txBody>
@@ -2027,45 +4651,45 @@
           <a:lstStyle>
             <a:lvl1pPr marL="0" indent="0">
               <a:buNone/>
-              <a:defRPr sz="1600"/>
+              <a:defRPr sz="1400"/>
             </a:lvl1pPr>
             <a:lvl2pPr marL="457200" indent="0">
               <a:buNone/>
-              <a:defRPr sz="1400"/>
+              <a:defRPr sz="1200"/>
             </a:lvl2pPr>
             <a:lvl3pPr marL="914400" indent="0">
               <a:buNone/>
-              <a:defRPr sz="1200"/>
+              <a:defRPr sz="1000"/>
             </a:lvl3pPr>
             <a:lvl4pPr marL="1371600" indent="0">
               <a:buNone/>
-              <a:defRPr sz="1000"/>
+              <a:defRPr sz="900"/>
             </a:lvl4pPr>
             <a:lvl5pPr marL="1828800" indent="0">
               <a:buNone/>
-              <a:defRPr sz="1000"/>
+              <a:defRPr sz="900"/>
             </a:lvl5pPr>
             <a:lvl6pPr marL="2286000" indent="0">
               <a:buNone/>
-              <a:defRPr sz="1000"/>
+              <a:defRPr sz="900"/>
             </a:lvl6pPr>
             <a:lvl7pPr marL="2743200" indent="0">
               <a:buNone/>
-              <a:defRPr sz="1000"/>
+              <a:defRPr sz="900"/>
             </a:lvl7pPr>
             <a:lvl8pPr marL="3200400" indent="0">
               <a:buNone/>
-              <a:defRPr sz="1000"/>
+              <a:defRPr sz="900"/>
             </a:lvl8pPr>
             <a:lvl9pPr marL="3657600" indent="0">
               <a:buNone/>
-              <a:defRPr sz="1000"/>
+              <a:defRPr sz="900"/>
             </a:lvl9pPr>
           </a:lstStyle>
           <a:p>
             <a:pPr lvl="0"/>
             <a:r>
-              <a:rPr lang="en-US"/>
+              <a:rPr lang="en-US" smtClean="0"/>
               <a:t>Edit Master text styles</a:t>
             </a:r>
           </a:p>
@@ -2088,7 +4712,7 @@
           <a:p>
             <a:fld id="{471BC982-A0E7-442A-901D-C3ABBEC01FFB}" type="datetimeFigureOut">
               <a:rPr lang="en-US" smtClean="0"/>
-              <a:t>4/1/2017</a:t>
+              <a:t>4/2/2017</a:t>
             </a:fld>
             <a:endParaRPr lang="en-US"/>
           </a:p>
@@ -2112,6 +4736,88 @@
             <a:endParaRPr lang="en-US"/>
           </a:p>
         </p:txBody>
+      </p:sp>
+      <p:sp>
+        <p:nvSpPr>
+          <p:cNvPr id="9" name="Freeform 11"/>
+          <p:cNvSpPr/>
+          <p:nvPr/>
+        </p:nvSpPr>
+        <p:spPr bwMode="auto">
+          <a:xfrm flipV="1">
+            <a:off x="-4189" y="714375"/>
+            <a:ext cx="1588527" cy="507297"/>
+          </a:xfrm>
+          <a:custGeom>
+            <a:avLst/>
+            <a:gdLst/>
+            <a:ahLst/>
+            <a:cxnLst/>
+            <a:rect l="l" t="t" r="r" b="b"/>
+            <a:pathLst>
+              <a:path w="9248" h="10000">
+                <a:moveTo>
+                  <a:pt x="9248" y="4701"/>
+                </a:moveTo>
+                <a:lnTo>
+                  <a:pt x="7915" y="188"/>
+                </a:lnTo>
+                <a:cubicBezTo>
+                  <a:pt x="7906" y="156"/>
+                  <a:pt x="7895" y="126"/>
+                  <a:pt x="7886" y="94"/>
+                </a:cubicBezTo>
+                <a:cubicBezTo>
+                  <a:pt x="7859" y="0"/>
+                  <a:pt x="7831" y="0"/>
+                  <a:pt x="7803" y="0"/>
+                </a:cubicBezTo>
+                <a:lnTo>
+                  <a:pt x="7275" y="0"/>
+                </a:lnTo>
+                <a:lnTo>
+                  <a:pt x="0" y="70"/>
+                </a:lnTo>
+                <a:cubicBezTo>
+                  <a:pt x="8" y="3380"/>
+                  <a:pt x="17" y="6690"/>
+                  <a:pt x="25" y="10000"/>
+                </a:cubicBezTo>
+                <a:lnTo>
+                  <a:pt x="7275" y="9966"/>
+                </a:lnTo>
+                <a:lnTo>
+                  <a:pt x="7803" y="9966"/>
+                </a:lnTo>
+                <a:cubicBezTo>
+                  <a:pt x="7831" y="9966"/>
+                  <a:pt x="7859" y="9872"/>
+                  <a:pt x="7886" y="9872"/>
+                </a:cubicBezTo>
+                <a:cubicBezTo>
+                  <a:pt x="7886" y="9778"/>
+                  <a:pt x="7915" y="9778"/>
+                  <a:pt x="7915" y="9778"/>
+                </a:cubicBezTo>
+                <a:lnTo>
+                  <a:pt x="9248" y="5265"/>
+                </a:lnTo>
+                <a:cubicBezTo>
+                  <a:pt x="9303" y="5077"/>
+                  <a:pt x="9303" y="4889"/>
+                  <a:pt x="9248" y="4701"/>
+                </a:cubicBezTo>
+                <a:close/>
+              </a:path>
+            </a:pathLst>
+          </a:custGeom>
+          <a:solidFill>
+            <a:schemeClr val="accent1"/>
+          </a:solidFill>
+          <a:ln>
+            <a:noFill/>
+          </a:ln>
+        </p:spPr>
       </p:sp>
       <p:sp>
         <p:nvSpPr>
@@ -2139,7 +4845,7 @@
     </p:spTree>
     <p:extLst>
       <p:ext uri="{BB962C8B-B14F-4D97-AF65-F5344CB8AC3E}">
-        <p14:creationId xmlns:p14="http://schemas.microsoft.com/office/powerpoint/2010/main" val="2187782722"/>
+        <p14:creationId xmlns:p14="http://schemas.microsoft.com/office/powerpoint/2010/main" val="2186042989"/>
       </p:ext>
     </p:extLst>
   </p:cSld>
@@ -2178,22 +4884,25 @@
         </p:nvSpPr>
         <p:spPr>
           <a:xfrm>
-            <a:off x="839788" y="457200"/>
-            <a:ext cx="3932237" cy="1600200"/>
+            <a:off x="2589213" y="4800600"/>
+            <a:ext cx="8915400" cy="566738"/>
           </a:xfrm>
         </p:spPr>
         <p:txBody>
-          <a:bodyPr anchor="b"/>
+          <a:bodyPr anchor="b">
+            <a:normAutofit/>
+          </a:bodyPr>
           <a:lstStyle>
-            <a:lvl1pPr>
-              <a:defRPr sz="3200"/>
+            <a:lvl1pPr algn="l">
+              <a:defRPr sz="2400" b="0"/>
             </a:lvl1pPr>
           </a:lstStyle>
           <a:p>
             <a:r>
-              <a:rPr lang="en-US"/>
+              <a:rPr lang="en-US" smtClean="0"/>
               <a:t>Click to edit Master title style</a:t>
             </a:r>
+            <a:endParaRPr lang="en-US" dirty="0"/>
           </a:p>
         </p:txBody>
       </p:sp>
@@ -2201,7 +4910,7 @@
         <p:nvSpPr>
           <p:cNvPr id="3" name="Picture Placeholder 2"/>
           <p:cNvSpPr>
-            <a:spLocks noGrp="1"/>
+            <a:spLocks noGrp="1" noChangeAspect="1"/>
           </p:cNvSpPr>
           <p:nvPr>
             <p:ph type="pic" idx="1"/>
@@ -2209,115 +4918,123 @@
         </p:nvSpPr>
         <p:spPr>
           <a:xfrm>
-            <a:off x="5183188" y="987425"/>
-            <a:ext cx="6172200" cy="4873625"/>
+            <a:off x="2589212" y="634965"/>
+            <a:ext cx="8915400" cy="3854970"/>
           </a:xfrm>
         </p:spPr>
         <p:txBody>
-          <a:bodyPr/>
+          <a:bodyPr anchor="t">
+            <a:normAutofit/>
+          </a:bodyPr>
           <a:lstStyle>
-            <a:lvl1pPr marL="0" indent="0">
-              <a:buNone/>
-              <a:defRPr sz="3200"/>
-            </a:lvl1pPr>
-            <a:lvl2pPr marL="457200" indent="0">
-              <a:buNone/>
-              <a:defRPr sz="2800"/>
-            </a:lvl2pPr>
-            <a:lvl3pPr marL="914400" indent="0">
-              <a:buNone/>
-              <a:defRPr sz="2400"/>
-            </a:lvl3pPr>
-            <a:lvl4pPr marL="1371600" indent="0">
-              <a:buNone/>
-              <a:defRPr sz="2000"/>
-            </a:lvl4pPr>
-            <a:lvl5pPr marL="1828800" indent="0">
-              <a:buNone/>
-              <a:defRPr sz="2000"/>
-            </a:lvl5pPr>
-            <a:lvl6pPr marL="2286000" indent="0">
-              <a:buNone/>
-              <a:defRPr sz="2000"/>
-            </a:lvl6pPr>
-            <a:lvl7pPr marL="2743200" indent="0">
-              <a:buNone/>
-              <a:defRPr sz="2000"/>
-            </a:lvl7pPr>
-            <a:lvl8pPr marL="3200400" indent="0">
-              <a:buNone/>
-              <a:defRPr sz="2000"/>
-            </a:lvl8pPr>
-            <a:lvl9pPr marL="3657600" indent="0">
-              <a:buNone/>
-              <a:defRPr sz="2000"/>
-            </a:lvl9pPr>
-          </a:lstStyle>
-          <a:p>
-            <a:endParaRPr lang="en-US"/>
-          </a:p>
-        </p:txBody>
-      </p:sp>
-      <p:sp>
-        <p:nvSpPr>
-          <p:cNvPr id="4" name="Text Placeholder 3"/>
-          <p:cNvSpPr>
-            <a:spLocks noGrp="1"/>
-          </p:cNvSpPr>
-          <p:nvPr>
-            <p:ph type="body" sz="half" idx="2"/>
-          </p:nvPr>
-        </p:nvSpPr>
-        <p:spPr>
-          <a:xfrm>
-            <a:off x="839788" y="2057400"/>
-            <a:ext cx="3932237" cy="3811588"/>
-          </a:xfrm>
-        </p:spPr>
-        <p:txBody>
-          <a:bodyPr/>
-          <a:lstStyle>
-            <a:lvl1pPr marL="0" indent="0">
+            <a:lvl1pPr marL="0" indent="0" algn="ctr">
               <a:buNone/>
               <a:defRPr sz="1600"/>
             </a:lvl1pPr>
             <a:lvl2pPr marL="457200" indent="0">
               <a:buNone/>
-              <a:defRPr sz="1400"/>
+              <a:defRPr sz="1600"/>
             </a:lvl2pPr>
             <a:lvl3pPr marL="914400" indent="0">
               <a:buNone/>
-              <a:defRPr sz="1200"/>
+              <a:defRPr sz="1600"/>
             </a:lvl3pPr>
             <a:lvl4pPr marL="1371600" indent="0">
               <a:buNone/>
-              <a:defRPr sz="1000"/>
+              <a:defRPr sz="1600"/>
             </a:lvl4pPr>
             <a:lvl5pPr marL="1828800" indent="0">
               <a:buNone/>
-              <a:defRPr sz="1000"/>
+              <a:defRPr sz="1600"/>
             </a:lvl5pPr>
             <a:lvl6pPr marL="2286000" indent="0">
               <a:buNone/>
-              <a:defRPr sz="1000"/>
+              <a:defRPr sz="1600"/>
             </a:lvl6pPr>
             <a:lvl7pPr marL="2743200" indent="0">
               <a:buNone/>
-              <a:defRPr sz="1000"/>
+              <a:defRPr sz="1600"/>
             </a:lvl7pPr>
             <a:lvl8pPr marL="3200400" indent="0">
               <a:buNone/>
-              <a:defRPr sz="1000"/>
+              <a:defRPr sz="1600"/>
             </a:lvl8pPr>
             <a:lvl9pPr marL="3657600" indent="0">
               <a:buNone/>
-              <a:defRPr sz="1000"/>
+              <a:defRPr sz="1600"/>
             </a:lvl9pPr>
           </a:lstStyle>
           <a:p>
+            <a:r>
+              <a:rPr lang="en-US" smtClean="0"/>
+              <a:t>Click icon to add picture</a:t>
+            </a:r>
+            <a:endParaRPr lang="en-US" dirty="0"/>
+          </a:p>
+        </p:txBody>
+      </p:sp>
+      <p:sp>
+        <p:nvSpPr>
+          <p:cNvPr id="4" name="Text Placeholder 3"/>
+          <p:cNvSpPr>
+            <a:spLocks noGrp="1"/>
+          </p:cNvSpPr>
+          <p:nvPr>
+            <p:ph type="body" sz="half" idx="2"/>
+          </p:nvPr>
+        </p:nvSpPr>
+        <p:spPr>
+          <a:xfrm>
+            <a:off x="2589213" y="5367338"/>
+            <a:ext cx="8915400" cy="493712"/>
+          </a:xfrm>
+        </p:spPr>
+        <p:txBody>
+          <a:bodyPr>
+            <a:normAutofit/>
+          </a:bodyPr>
+          <a:lstStyle>
+            <a:lvl1pPr marL="0" indent="0">
+              <a:buNone/>
+              <a:defRPr sz="1200"/>
+            </a:lvl1pPr>
+            <a:lvl2pPr marL="457200" indent="0">
+              <a:buNone/>
+              <a:defRPr sz="1200"/>
+            </a:lvl2pPr>
+            <a:lvl3pPr marL="914400" indent="0">
+              <a:buNone/>
+              <a:defRPr sz="1000"/>
+            </a:lvl3pPr>
+            <a:lvl4pPr marL="1371600" indent="0">
+              <a:buNone/>
+              <a:defRPr sz="900"/>
+            </a:lvl4pPr>
+            <a:lvl5pPr marL="1828800" indent="0">
+              <a:buNone/>
+              <a:defRPr sz="900"/>
+            </a:lvl5pPr>
+            <a:lvl6pPr marL="2286000" indent="0">
+              <a:buNone/>
+              <a:defRPr sz="900"/>
+            </a:lvl6pPr>
+            <a:lvl7pPr marL="2743200" indent="0">
+              <a:buNone/>
+              <a:defRPr sz="900"/>
+            </a:lvl7pPr>
+            <a:lvl8pPr marL="3200400" indent="0">
+              <a:buNone/>
+              <a:defRPr sz="900"/>
+            </a:lvl8pPr>
+            <a:lvl9pPr marL="3657600" indent="0">
+              <a:buNone/>
+              <a:defRPr sz="900"/>
+            </a:lvl9pPr>
+          </a:lstStyle>
+          <a:p>
             <a:pPr lvl="0"/>
             <a:r>
-              <a:rPr lang="en-US"/>
+              <a:rPr lang="en-US" smtClean="0"/>
               <a:t>Edit Master text styles</a:t>
             </a:r>
           </a:p>
@@ -2340,7 +5057,7 @@
           <a:p>
             <a:fld id="{471BC982-A0E7-442A-901D-C3ABBEC01FFB}" type="datetimeFigureOut">
               <a:rPr lang="en-US" smtClean="0"/>
-              <a:t>4/1/2017</a:t>
+              <a:t>4/2/2017</a:t>
             </a:fld>
             <a:endParaRPr lang="en-US"/>
           </a:p>
@@ -2367,6 +5084,88 @@
       </p:sp>
       <p:sp>
         <p:nvSpPr>
+          <p:cNvPr id="9" name="Freeform 11"/>
+          <p:cNvSpPr/>
+          <p:nvPr/>
+        </p:nvSpPr>
+        <p:spPr bwMode="auto">
+          <a:xfrm flipV="1">
+            <a:off x="-4189" y="4911725"/>
+            <a:ext cx="1588527" cy="507297"/>
+          </a:xfrm>
+          <a:custGeom>
+            <a:avLst/>
+            <a:gdLst/>
+            <a:ahLst/>
+            <a:cxnLst/>
+            <a:rect l="l" t="t" r="r" b="b"/>
+            <a:pathLst>
+              <a:path w="9248" h="10000">
+                <a:moveTo>
+                  <a:pt x="9248" y="4701"/>
+                </a:moveTo>
+                <a:lnTo>
+                  <a:pt x="7915" y="188"/>
+                </a:lnTo>
+                <a:cubicBezTo>
+                  <a:pt x="7906" y="156"/>
+                  <a:pt x="7895" y="126"/>
+                  <a:pt x="7886" y="94"/>
+                </a:cubicBezTo>
+                <a:cubicBezTo>
+                  <a:pt x="7859" y="0"/>
+                  <a:pt x="7831" y="0"/>
+                  <a:pt x="7803" y="0"/>
+                </a:cubicBezTo>
+                <a:lnTo>
+                  <a:pt x="7275" y="0"/>
+                </a:lnTo>
+                <a:lnTo>
+                  <a:pt x="0" y="70"/>
+                </a:lnTo>
+                <a:cubicBezTo>
+                  <a:pt x="8" y="3380"/>
+                  <a:pt x="17" y="6690"/>
+                  <a:pt x="25" y="10000"/>
+                </a:cubicBezTo>
+                <a:lnTo>
+                  <a:pt x="7275" y="9966"/>
+                </a:lnTo>
+                <a:lnTo>
+                  <a:pt x="7803" y="9966"/>
+                </a:lnTo>
+                <a:cubicBezTo>
+                  <a:pt x="7831" y="9966"/>
+                  <a:pt x="7859" y="9872"/>
+                  <a:pt x="7886" y="9872"/>
+                </a:cubicBezTo>
+                <a:cubicBezTo>
+                  <a:pt x="7886" y="9778"/>
+                  <a:pt x="7915" y="9778"/>
+                  <a:pt x="7915" y="9778"/>
+                </a:cubicBezTo>
+                <a:lnTo>
+                  <a:pt x="9248" y="5265"/>
+                </a:lnTo>
+                <a:cubicBezTo>
+                  <a:pt x="9303" y="5077"/>
+                  <a:pt x="9303" y="4889"/>
+                  <a:pt x="9248" y="4701"/>
+                </a:cubicBezTo>
+                <a:close/>
+              </a:path>
+            </a:pathLst>
+          </a:custGeom>
+          <a:solidFill>
+            <a:schemeClr val="accent1"/>
+          </a:solidFill>
+          <a:ln>
+            <a:noFill/>
+          </a:ln>
+        </p:spPr>
+      </p:sp>
+      <p:sp>
+        <p:nvSpPr>
           <p:cNvPr id="7" name="Slide Number Placeholder 6"/>
           <p:cNvSpPr>
             <a:spLocks noGrp="1"/>
@@ -2375,7 +5174,12 @@
             <p:ph type="sldNum" sz="quarter" idx="12"/>
           </p:nvPr>
         </p:nvSpPr>
-        <p:spPr/>
+        <p:spPr>
+          <a:xfrm>
+            <a:off x="531812" y="4983087"/>
+            <a:ext cx="779767" cy="365125"/>
+          </a:xfrm>
+        </p:spPr>
         <p:txBody>
           <a:bodyPr/>
           <a:lstStyle/>
@@ -2391,7 +5195,7 @@
     </p:spTree>
     <p:extLst>
       <p:ext uri="{BB962C8B-B14F-4D97-AF65-F5344CB8AC3E}">
-        <p14:creationId xmlns:p14="http://schemas.microsoft.com/office/powerpoint/2010/main" val="791119528"/>
+        <p14:creationId xmlns:p14="http://schemas.microsoft.com/office/powerpoint/2010/main" val="1341996399"/>
       </p:ext>
     </p:extLst>
   </p:cSld>
@@ -2405,8 +5209,8 @@
 <p:sldMaster xmlns:a="http://schemas.openxmlformats.org/drawingml/2006/main" xmlns:r="http://schemas.openxmlformats.org/officeDocument/2006/relationships" xmlns:p="http://schemas.openxmlformats.org/presentationml/2006/main">
   <p:cSld>
     <p:bg>
-      <p:bgRef idx="1001">
-        <a:schemeClr val="bg1"/>
+      <p:bgRef idx="1003">
+        <a:schemeClr val="bg2"/>
       </p:bgRef>
     </p:bg>
     <p:spTree>
@@ -2423,35 +5227,1853 @@
           <a:chExt cx="0" cy="0"/>
         </a:xfrm>
       </p:grpSpPr>
-      <p:sp>
-        <p:nvSpPr>
-          <p:cNvPr id="2" name="Title Placeholder 1"/>
-          <p:cNvSpPr>
-            <a:spLocks noGrp="1"/>
-          </p:cNvSpPr>
-          <p:nvPr>
-            <p:ph type="title"/>
-          </p:nvPr>
+      <p:grpSp>
+        <p:nvGrpSpPr>
+          <p:cNvPr id="23" name="Group 22"/>
+          <p:cNvGrpSpPr/>
+          <p:nvPr/>
+        </p:nvGrpSpPr>
+        <p:grpSpPr>
+          <a:xfrm>
+            <a:off x="1" y="228600"/>
+            <a:ext cx="2851516" cy="6638628"/>
+            <a:chOff x="2487613" y="285750"/>
+            <a:chExt cx="2428875" cy="5654676"/>
+          </a:xfrm>
+        </p:grpSpPr>
+        <p:sp>
+          <p:nvSpPr>
+            <p:cNvPr id="24" name="Freeform 11"/>
+            <p:cNvSpPr/>
+            <p:nvPr/>
+          </p:nvSpPr>
+          <p:spPr bwMode="auto">
+            <a:xfrm>
+              <a:off x="2487613" y="2284413"/>
+              <a:ext cx="85725" cy="533400"/>
+            </a:xfrm>
+            <a:custGeom>
+              <a:avLst/>
+              <a:gdLst/>
+              <a:ahLst/>
+              <a:cxnLst/>
+              <a:rect l="0" t="0" r="r" b="b"/>
+              <a:pathLst>
+                <a:path w="22" h="136">
+                  <a:moveTo>
+                    <a:pt x="22" y="136"/>
+                  </a:moveTo>
+                  <a:cubicBezTo>
+                    <a:pt x="20" y="117"/>
+                    <a:pt x="19" y="99"/>
+                    <a:pt x="17" y="80"/>
+                  </a:cubicBezTo>
+                  <a:cubicBezTo>
+                    <a:pt x="11" y="54"/>
+                    <a:pt x="6" y="27"/>
+                    <a:pt x="0" y="0"/>
+                  </a:cubicBezTo>
+                  <a:cubicBezTo>
+                    <a:pt x="0" y="35"/>
+                    <a:pt x="0" y="35"/>
+                    <a:pt x="0" y="35"/>
+                  </a:cubicBezTo>
+                  <a:cubicBezTo>
+                    <a:pt x="6" y="64"/>
+                    <a:pt x="13" y="94"/>
+                    <a:pt x="20" y="124"/>
+                  </a:cubicBezTo>
+                  <a:cubicBezTo>
+                    <a:pt x="20" y="128"/>
+                    <a:pt x="21" y="132"/>
+                    <a:pt x="22" y="136"/>
+                  </a:cubicBezTo>
+                  <a:close/>
+                </a:path>
+              </a:pathLst>
+            </a:custGeom>
+            <a:solidFill>
+              <a:schemeClr val="tx2">
+                <a:alpha val="20000"/>
+              </a:schemeClr>
+            </a:solidFill>
+            <a:ln>
+              <a:noFill/>
+            </a:ln>
+          </p:spPr>
+        </p:sp>
+        <p:sp>
+          <p:nvSpPr>
+            <p:cNvPr id="25" name="Freeform 12"/>
+            <p:cNvSpPr/>
+            <p:nvPr/>
+          </p:nvSpPr>
+          <p:spPr bwMode="auto">
+            <a:xfrm>
+              <a:off x="2597151" y="2779713"/>
+              <a:ext cx="550863" cy="1978025"/>
+            </a:xfrm>
+            <a:custGeom>
+              <a:avLst/>
+              <a:gdLst/>
+              <a:ahLst/>
+              <a:cxnLst/>
+              <a:rect l="0" t="0" r="r" b="b"/>
+              <a:pathLst>
+                <a:path w="140" h="504">
+                  <a:moveTo>
+                    <a:pt x="86" y="350"/>
+                  </a:moveTo>
+                  <a:cubicBezTo>
+                    <a:pt x="103" y="402"/>
+                    <a:pt x="120" y="453"/>
+                    <a:pt x="139" y="504"/>
+                  </a:cubicBezTo>
+                  <a:cubicBezTo>
+                    <a:pt x="139" y="495"/>
+                    <a:pt x="139" y="487"/>
+                    <a:pt x="140" y="478"/>
+                  </a:cubicBezTo>
+                  <a:cubicBezTo>
+                    <a:pt x="124" y="435"/>
+                    <a:pt x="109" y="391"/>
+                    <a:pt x="95" y="347"/>
+                  </a:cubicBezTo>
+                  <a:cubicBezTo>
+                    <a:pt x="58" y="233"/>
+                    <a:pt x="27" y="117"/>
+                    <a:pt x="0" y="0"/>
+                  </a:cubicBezTo>
+                  <a:cubicBezTo>
+                    <a:pt x="2" y="20"/>
+                    <a:pt x="4" y="41"/>
+                    <a:pt x="6" y="61"/>
+                  </a:cubicBezTo>
+                  <a:cubicBezTo>
+                    <a:pt x="30" y="158"/>
+                    <a:pt x="56" y="255"/>
+                    <a:pt x="86" y="350"/>
+                  </a:cubicBezTo>
+                  <a:close/>
+                </a:path>
+              </a:pathLst>
+            </a:custGeom>
+            <a:solidFill>
+              <a:schemeClr val="tx2">
+                <a:alpha val="20000"/>
+              </a:schemeClr>
+            </a:solidFill>
+            <a:ln>
+              <a:noFill/>
+            </a:ln>
+          </p:spPr>
+        </p:sp>
+        <p:sp>
+          <p:nvSpPr>
+            <p:cNvPr id="26" name="Freeform 13"/>
+            <p:cNvSpPr/>
+            <p:nvPr/>
+          </p:nvSpPr>
+          <p:spPr bwMode="auto">
+            <a:xfrm>
+              <a:off x="3175001" y="4730750"/>
+              <a:ext cx="519113" cy="1209675"/>
+            </a:xfrm>
+            <a:custGeom>
+              <a:avLst/>
+              <a:gdLst/>
+              <a:ahLst/>
+              <a:cxnLst/>
+              <a:rect l="0" t="0" r="r" b="b"/>
+              <a:pathLst>
+                <a:path w="132" h="308">
+                  <a:moveTo>
+                    <a:pt x="8" y="22"/>
+                  </a:moveTo>
+                  <a:cubicBezTo>
+                    <a:pt x="5" y="15"/>
+                    <a:pt x="2" y="8"/>
+                    <a:pt x="0" y="0"/>
+                  </a:cubicBezTo>
+                  <a:cubicBezTo>
+                    <a:pt x="0" y="10"/>
+                    <a:pt x="0" y="19"/>
+                    <a:pt x="0" y="29"/>
+                  </a:cubicBezTo>
+                  <a:cubicBezTo>
+                    <a:pt x="21" y="85"/>
+                    <a:pt x="44" y="140"/>
+                    <a:pt x="68" y="194"/>
+                  </a:cubicBezTo>
+                  <a:cubicBezTo>
+                    <a:pt x="85" y="232"/>
+                    <a:pt x="104" y="270"/>
+                    <a:pt x="123" y="308"/>
+                  </a:cubicBezTo>
+                  <a:cubicBezTo>
+                    <a:pt x="132" y="308"/>
+                    <a:pt x="132" y="308"/>
+                    <a:pt x="132" y="308"/>
+                  </a:cubicBezTo>
+                  <a:cubicBezTo>
+                    <a:pt x="113" y="269"/>
+                    <a:pt x="94" y="230"/>
+                    <a:pt x="77" y="190"/>
+                  </a:cubicBezTo>
+                  <a:cubicBezTo>
+                    <a:pt x="52" y="135"/>
+                    <a:pt x="29" y="79"/>
+                    <a:pt x="8" y="22"/>
+                  </a:cubicBezTo>
+                  <a:close/>
+                </a:path>
+              </a:pathLst>
+            </a:custGeom>
+            <a:solidFill>
+              <a:schemeClr val="tx2">
+                <a:alpha val="20000"/>
+              </a:schemeClr>
+            </a:solidFill>
+            <a:ln>
+              <a:noFill/>
+            </a:ln>
+          </p:spPr>
+        </p:sp>
+        <p:sp>
+          <p:nvSpPr>
+            <p:cNvPr id="27" name="Freeform 14"/>
+            <p:cNvSpPr/>
+            <p:nvPr/>
+          </p:nvSpPr>
+          <p:spPr bwMode="auto">
+            <a:xfrm>
+              <a:off x="3305176" y="5630863"/>
+              <a:ext cx="146050" cy="309563"/>
+            </a:xfrm>
+            <a:custGeom>
+              <a:avLst/>
+              <a:gdLst/>
+              <a:ahLst/>
+              <a:cxnLst/>
+              <a:rect l="0" t="0" r="r" b="b"/>
+              <a:pathLst>
+                <a:path w="37" h="79">
+                  <a:moveTo>
+                    <a:pt x="28" y="79"/>
+                  </a:moveTo>
+                  <a:cubicBezTo>
+                    <a:pt x="37" y="79"/>
+                    <a:pt x="37" y="79"/>
+                    <a:pt x="37" y="79"/>
+                  </a:cubicBezTo>
+                  <a:cubicBezTo>
+                    <a:pt x="24" y="53"/>
+                    <a:pt x="12" y="27"/>
+                    <a:pt x="0" y="0"/>
+                  </a:cubicBezTo>
+                  <a:cubicBezTo>
+                    <a:pt x="8" y="27"/>
+                    <a:pt x="17" y="53"/>
+                    <a:pt x="28" y="79"/>
+                  </a:cubicBezTo>
+                  <a:close/>
+                </a:path>
+              </a:pathLst>
+            </a:custGeom>
+            <a:solidFill>
+              <a:schemeClr val="tx2">
+                <a:alpha val="20000"/>
+              </a:schemeClr>
+            </a:solidFill>
+            <a:ln>
+              <a:noFill/>
+            </a:ln>
+          </p:spPr>
+        </p:sp>
+        <p:sp>
+          <p:nvSpPr>
+            <p:cNvPr id="28" name="Freeform 15"/>
+            <p:cNvSpPr/>
+            <p:nvPr/>
+          </p:nvSpPr>
+          <p:spPr bwMode="auto">
+            <a:xfrm>
+              <a:off x="2573338" y="2817813"/>
+              <a:ext cx="700088" cy="2835275"/>
+            </a:xfrm>
+            <a:custGeom>
+              <a:avLst/>
+              <a:gdLst/>
+              <a:ahLst/>
+              <a:cxnLst/>
+              <a:rect l="0" t="0" r="r" b="b"/>
+              <a:pathLst>
+                <a:path w="178" h="722">
+                  <a:moveTo>
+                    <a:pt x="162" y="660"/>
+                  </a:moveTo>
+                  <a:cubicBezTo>
+                    <a:pt x="145" y="618"/>
+                    <a:pt x="130" y="576"/>
+                    <a:pt x="116" y="534"/>
+                  </a:cubicBezTo>
+                  <a:cubicBezTo>
+                    <a:pt x="84" y="437"/>
+                    <a:pt x="59" y="337"/>
+                    <a:pt x="40" y="236"/>
+                  </a:cubicBezTo>
+                  <a:cubicBezTo>
+                    <a:pt x="29" y="175"/>
+                    <a:pt x="20" y="113"/>
+                    <a:pt x="12" y="51"/>
+                  </a:cubicBezTo>
+                  <a:cubicBezTo>
+                    <a:pt x="8" y="34"/>
+                    <a:pt x="4" y="17"/>
+                    <a:pt x="0" y="0"/>
+                  </a:cubicBezTo>
+                  <a:cubicBezTo>
+                    <a:pt x="8" y="79"/>
+                    <a:pt x="19" y="159"/>
+                    <a:pt x="33" y="237"/>
+                  </a:cubicBezTo>
+                  <a:cubicBezTo>
+                    <a:pt x="51" y="339"/>
+                    <a:pt x="76" y="439"/>
+                    <a:pt x="107" y="537"/>
+                  </a:cubicBezTo>
+                  <a:cubicBezTo>
+                    <a:pt x="123" y="586"/>
+                    <a:pt x="141" y="634"/>
+                    <a:pt x="160" y="681"/>
+                  </a:cubicBezTo>
+                  <a:cubicBezTo>
+                    <a:pt x="166" y="695"/>
+                    <a:pt x="172" y="708"/>
+                    <a:pt x="178" y="722"/>
+                  </a:cubicBezTo>
+                  <a:cubicBezTo>
+                    <a:pt x="176" y="717"/>
+                    <a:pt x="175" y="713"/>
+                    <a:pt x="174" y="708"/>
+                  </a:cubicBezTo>
+                  <a:cubicBezTo>
+                    <a:pt x="169" y="692"/>
+                    <a:pt x="165" y="676"/>
+                    <a:pt x="162" y="660"/>
+                  </a:cubicBezTo>
+                  <a:close/>
+                </a:path>
+              </a:pathLst>
+            </a:custGeom>
+            <a:solidFill>
+              <a:schemeClr val="tx2">
+                <a:alpha val="20000"/>
+              </a:schemeClr>
+            </a:solidFill>
+            <a:ln>
+              <a:noFill/>
+            </a:ln>
+          </p:spPr>
+        </p:sp>
+        <p:sp>
+          <p:nvSpPr>
+            <p:cNvPr id="29" name="Freeform 16"/>
+            <p:cNvSpPr/>
+            <p:nvPr/>
+          </p:nvSpPr>
+          <p:spPr bwMode="auto">
+            <a:xfrm>
+              <a:off x="2506663" y="285750"/>
+              <a:ext cx="90488" cy="2493963"/>
+            </a:xfrm>
+            <a:custGeom>
+              <a:avLst/>
+              <a:gdLst/>
+              <a:ahLst/>
+              <a:cxnLst/>
+              <a:rect l="0" t="0" r="r" b="b"/>
+              <a:pathLst>
+                <a:path w="23" h="635">
+                  <a:moveTo>
+                    <a:pt x="11" y="577"/>
+                  </a:moveTo>
+                  <a:cubicBezTo>
+                    <a:pt x="12" y="581"/>
+                    <a:pt x="12" y="585"/>
+                    <a:pt x="12" y="589"/>
+                  </a:cubicBezTo>
+                  <a:cubicBezTo>
+                    <a:pt x="15" y="603"/>
+                    <a:pt x="19" y="617"/>
+                    <a:pt x="22" y="632"/>
+                  </a:cubicBezTo>
+                  <a:cubicBezTo>
+                    <a:pt x="22" y="633"/>
+                    <a:pt x="22" y="634"/>
+                    <a:pt x="23" y="635"/>
+                  </a:cubicBezTo>
+                  <a:cubicBezTo>
+                    <a:pt x="21" y="615"/>
+                    <a:pt x="19" y="596"/>
+                    <a:pt x="17" y="576"/>
+                  </a:cubicBezTo>
+                  <a:cubicBezTo>
+                    <a:pt x="9" y="474"/>
+                    <a:pt x="5" y="372"/>
+                    <a:pt x="5" y="269"/>
+                  </a:cubicBezTo>
+                  <a:cubicBezTo>
+                    <a:pt x="6" y="179"/>
+                    <a:pt x="9" y="90"/>
+                    <a:pt x="15" y="0"/>
+                  </a:cubicBezTo>
+                  <a:cubicBezTo>
+                    <a:pt x="12" y="0"/>
+                    <a:pt x="12" y="0"/>
+                    <a:pt x="12" y="0"/>
+                  </a:cubicBezTo>
+                  <a:cubicBezTo>
+                    <a:pt x="5" y="89"/>
+                    <a:pt x="2" y="179"/>
+                    <a:pt x="1" y="269"/>
+                  </a:cubicBezTo>
+                  <a:cubicBezTo>
+                    <a:pt x="0" y="372"/>
+                    <a:pt x="3" y="474"/>
+                    <a:pt x="11" y="577"/>
+                  </a:cubicBezTo>
+                  <a:close/>
+                </a:path>
+              </a:pathLst>
+            </a:custGeom>
+            <a:solidFill>
+              <a:schemeClr val="tx2">
+                <a:alpha val="20000"/>
+              </a:schemeClr>
+            </a:solidFill>
+            <a:ln>
+              <a:noFill/>
+            </a:ln>
+          </p:spPr>
+        </p:sp>
+        <p:sp>
+          <p:nvSpPr>
+            <p:cNvPr id="30" name="Freeform 17"/>
+            <p:cNvSpPr/>
+            <p:nvPr/>
+          </p:nvSpPr>
+          <p:spPr bwMode="auto">
+            <a:xfrm>
+              <a:off x="2554288" y="2598738"/>
+              <a:ext cx="66675" cy="420688"/>
+            </a:xfrm>
+            <a:custGeom>
+              <a:avLst/>
+              <a:gdLst/>
+              <a:ahLst/>
+              <a:cxnLst/>
+              <a:rect l="0" t="0" r="r" b="b"/>
+              <a:pathLst>
+                <a:path w="17" h="107">
+                  <a:moveTo>
+                    <a:pt x="0" y="0"/>
+                  </a:moveTo>
+                  <a:cubicBezTo>
+                    <a:pt x="2" y="19"/>
+                    <a:pt x="3" y="37"/>
+                    <a:pt x="5" y="56"/>
+                  </a:cubicBezTo>
+                  <a:cubicBezTo>
+                    <a:pt x="9" y="73"/>
+                    <a:pt x="13" y="90"/>
+                    <a:pt x="17" y="107"/>
+                  </a:cubicBezTo>
+                  <a:cubicBezTo>
+                    <a:pt x="15" y="87"/>
+                    <a:pt x="13" y="66"/>
+                    <a:pt x="11" y="46"/>
+                  </a:cubicBezTo>
+                  <a:cubicBezTo>
+                    <a:pt x="10" y="45"/>
+                    <a:pt x="10" y="44"/>
+                    <a:pt x="10" y="43"/>
+                  </a:cubicBezTo>
+                  <a:cubicBezTo>
+                    <a:pt x="7" y="28"/>
+                    <a:pt x="3" y="14"/>
+                    <a:pt x="0" y="0"/>
+                  </a:cubicBezTo>
+                  <a:close/>
+                </a:path>
+              </a:pathLst>
+            </a:custGeom>
+            <a:solidFill>
+              <a:schemeClr val="tx2">
+                <a:alpha val="20000"/>
+              </a:schemeClr>
+            </a:solidFill>
+            <a:ln>
+              <a:noFill/>
+            </a:ln>
+          </p:spPr>
+        </p:sp>
+        <p:sp>
+          <p:nvSpPr>
+            <p:cNvPr id="31" name="Freeform 18"/>
+            <p:cNvSpPr/>
+            <p:nvPr/>
+          </p:nvSpPr>
+          <p:spPr bwMode="auto">
+            <a:xfrm>
+              <a:off x="3143251" y="4757738"/>
+              <a:ext cx="161925" cy="873125"/>
+            </a:xfrm>
+            <a:custGeom>
+              <a:avLst/>
+              <a:gdLst/>
+              <a:ahLst/>
+              <a:cxnLst/>
+              <a:rect l="0" t="0" r="r" b="b"/>
+              <a:pathLst>
+                <a:path w="41" h="222">
+                  <a:moveTo>
+                    <a:pt x="0" y="0"/>
+                  </a:moveTo>
+                  <a:cubicBezTo>
+                    <a:pt x="0" y="31"/>
+                    <a:pt x="2" y="62"/>
+                    <a:pt x="5" y="93"/>
+                  </a:cubicBezTo>
+                  <a:cubicBezTo>
+                    <a:pt x="8" y="117"/>
+                    <a:pt x="12" y="142"/>
+                    <a:pt x="17" y="166"/>
+                  </a:cubicBezTo>
+                  <a:cubicBezTo>
+                    <a:pt x="19" y="172"/>
+                    <a:pt x="22" y="178"/>
+                    <a:pt x="24" y="184"/>
+                  </a:cubicBezTo>
+                  <a:cubicBezTo>
+                    <a:pt x="30" y="197"/>
+                    <a:pt x="35" y="209"/>
+                    <a:pt x="41" y="222"/>
+                  </a:cubicBezTo>
+                  <a:cubicBezTo>
+                    <a:pt x="40" y="219"/>
+                    <a:pt x="39" y="215"/>
+                    <a:pt x="38" y="212"/>
+                  </a:cubicBezTo>
+                  <a:cubicBezTo>
+                    <a:pt x="26" y="172"/>
+                    <a:pt x="18" y="132"/>
+                    <a:pt x="13" y="92"/>
+                  </a:cubicBezTo>
+                  <a:cubicBezTo>
+                    <a:pt x="11" y="68"/>
+                    <a:pt x="9" y="45"/>
+                    <a:pt x="8" y="22"/>
+                  </a:cubicBezTo>
+                  <a:cubicBezTo>
+                    <a:pt x="8" y="21"/>
+                    <a:pt x="7" y="20"/>
+                    <a:pt x="7" y="18"/>
+                  </a:cubicBezTo>
+                  <a:cubicBezTo>
+                    <a:pt x="5" y="12"/>
+                    <a:pt x="2" y="6"/>
+                    <a:pt x="0" y="0"/>
+                  </a:cubicBezTo>
+                  <a:close/>
+                </a:path>
+              </a:pathLst>
+            </a:custGeom>
+            <a:solidFill>
+              <a:schemeClr val="tx2">
+                <a:alpha val="20000"/>
+              </a:schemeClr>
+            </a:solidFill>
+            <a:ln>
+              <a:noFill/>
+            </a:ln>
+          </p:spPr>
+        </p:sp>
+        <p:sp>
+          <p:nvSpPr>
+            <p:cNvPr id="32" name="Freeform 19"/>
+            <p:cNvSpPr/>
+            <p:nvPr/>
+          </p:nvSpPr>
+          <p:spPr bwMode="auto">
+            <a:xfrm>
+              <a:off x="3148013" y="1282700"/>
+              <a:ext cx="1768475" cy="3448050"/>
+            </a:xfrm>
+            <a:custGeom>
+              <a:avLst/>
+              <a:gdLst/>
+              <a:ahLst/>
+              <a:cxnLst/>
+              <a:rect l="0" t="0" r="r" b="b"/>
+              <a:pathLst>
+                <a:path w="450" h="878">
+                  <a:moveTo>
+                    <a:pt x="7" y="854"/>
+                  </a:moveTo>
+                  <a:cubicBezTo>
+                    <a:pt x="10" y="772"/>
+                    <a:pt x="26" y="691"/>
+                    <a:pt x="50" y="613"/>
+                  </a:cubicBezTo>
+                  <a:cubicBezTo>
+                    <a:pt x="75" y="535"/>
+                    <a:pt x="109" y="460"/>
+                    <a:pt x="149" y="388"/>
+                  </a:cubicBezTo>
+                  <a:cubicBezTo>
+                    <a:pt x="189" y="316"/>
+                    <a:pt x="235" y="248"/>
+                    <a:pt x="285" y="183"/>
+                  </a:cubicBezTo>
+                  <a:cubicBezTo>
+                    <a:pt x="310" y="151"/>
+                    <a:pt x="337" y="119"/>
+                    <a:pt x="364" y="89"/>
+                  </a:cubicBezTo>
+                  <a:cubicBezTo>
+                    <a:pt x="378" y="74"/>
+                    <a:pt x="392" y="58"/>
+                    <a:pt x="406" y="44"/>
+                  </a:cubicBezTo>
+                  <a:cubicBezTo>
+                    <a:pt x="421" y="29"/>
+                    <a:pt x="435" y="15"/>
+                    <a:pt x="450" y="1"/>
+                  </a:cubicBezTo>
+                  <a:cubicBezTo>
+                    <a:pt x="450" y="0"/>
+                    <a:pt x="450" y="0"/>
+                    <a:pt x="450" y="0"/>
+                  </a:cubicBezTo>
+                  <a:cubicBezTo>
+                    <a:pt x="434" y="14"/>
+                    <a:pt x="420" y="28"/>
+                    <a:pt x="405" y="43"/>
+                  </a:cubicBezTo>
+                  <a:cubicBezTo>
+                    <a:pt x="391" y="57"/>
+                    <a:pt x="377" y="72"/>
+                    <a:pt x="363" y="88"/>
+                  </a:cubicBezTo>
+                  <a:cubicBezTo>
+                    <a:pt x="335" y="118"/>
+                    <a:pt x="308" y="149"/>
+                    <a:pt x="283" y="181"/>
+                  </a:cubicBezTo>
+                  <a:cubicBezTo>
+                    <a:pt x="232" y="246"/>
+                    <a:pt x="185" y="314"/>
+                    <a:pt x="145" y="386"/>
+                  </a:cubicBezTo>
+                  <a:cubicBezTo>
+                    <a:pt x="104" y="457"/>
+                    <a:pt x="70" y="533"/>
+                    <a:pt x="45" y="611"/>
+                  </a:cubicBezTo>
+                  <a:cubicBezTo>
+                    <a:pt x="19" y="690"/>
+                    <a:pt x="3" y="771"/>
+                    <a:pt x="0" y="854"/>
+                  </a:cubicBezTo>
+                  <a:cubicBezTo>
+                    <a:pt x="0" y="856"/>
+                    <a:pt x="0" y="857"/>
+                    <a:pt x="0" y="859"/>
+                  </a:cubicBezTo>
+                  <a:cubicBezTo>
+                    <a:pt x="2" y="865"/>
+                    <a:pt x="4" y="872"/>
+                    <a:pt x="7" y="878"/>
+                  </a:cubicBezTo>
+                  <a:cubicBezTo>
+                    <a:pt x="7" y="870"/>
+                    <a:pt x="7" y="862"/>
+                    <a:pt x="7" y="854"/>
+                  </a:cubicBezTo>
+                  <a:close/>
+                </a:path>
+              </a:pathLst>
+            </a:custGeom>
+            <a:solidFill>
+              <a:schemeClr val="tx2">
+                <a:alpha val="20000"/>
+              </a:schemeClr>
+            </a:solidFill>
+            <a:ln>
+              <a:noFill/>
+            </a:ln>
+          </p:spPr>
+        </p:sp>
+        <p:sp>
+          <p:nvSpPr>
+            <p:cNvPr id="33" name="Freeform 20"/>
+            <p:cNvSpPr/>
+            <p:nvPr/>
+          </p:nvSpPr>
+          <p:spPr bwMode="auto">
+            <a:xfrm>
+              <a:off x="3273426" y="5653088"/>
+              <a:ext cx="138113" cy="287338"/>
+            </a:xfrm>
+            <a:custGeom>
+              <a:avLst/>
+              <a:gdLst/>
+              <a:ahLst/>
+              <a:cxnLst/>
+              <a:rect l="0" t="0" r="r" b="b"/>
+              <a:pathLst>
+                <a:path w="35" h="73">
+                  <a:moveTo>
+                    <a:pt x="0" y="0"/>
+                  </a:moveTo>
+                  <a:cubicBezTo>
+                    <a:pt x="7" y="24"/>
+                    <a:pt x="16" y="49"/>
+                    <a:pt x="26" y="73"/>
+                  </a:cubicBezTo>
+                  <a:cubicBezTo>
+                    <a:pt x="35" y="73"/>
+                    <a:pt x="35" y="73"/>
+                    <a:pt x="35" y="73"/>
+                  </a:cubicBezTo>
+                  <a:cubicBezTo>
+                    <a:pt x="23" y="49"/>
+                    <a:pt x="11" y="24"/>
+                    <a:pt x="0" y="0"/>
+                  </a:cubicBezTo>
+                  <a:close/>
+                </a:path>
+              </a:pathLst>
+            </a:custGeom>
+            <a:solidFill>
+              <a:schemeClr val="tx2">
+                <a:alpha val="20000"/>
+              </a:schemeClr>
+            </a:solidFill>
+            <a:ln>
+              <a:noFill/>
+            </a:ln>
+          </p:spPr>
+        </p:sp>
+        <p:sp>
+          <p:nvSpPr>
+            <p:cNvPr id="34" name="Freeform 21"/>
+            <p:cNvSpPr/>
+            <p:nvPr/>
+          </p:nvSpPr>
+          <p:spPr bwMode="auto">
+            <a:xfrm>
+              <a:off x="3143251" y="4656138"/>
+              <a:ext cx="31750" cy="188913"/>
+            </a:xfrm>
+            <a:custGeom>
+              <a:avLst/>
+              <a:gdLst/>
+              <a:ahLst/>
+              <a:cxnLst/>
+              <a:rect l="0" t="0" r="r" b="b"/>
+              <a:pathLst>
+                <a:path w="8" h="48">
+                  <a:moveTo>
+                    <a:pt x="7" y="44"/>
+                  </a:moveTo>
+                  <a:cubicBezTo>
+                    <a:pt x="7" y="46"/>
+                    <a:pt x="8" y="47"/>
+                    <a:pt x="8" y="48"/>
+                  </a:cubicBezTo>
+                  <a:cubicBezTo>
+                    <a:pt x="8" y="38"/>
+                    <a:pt x="8" y="29"/>
+                    <a:pt x="8" y="19"/>
+                  </a:cubicBezTo>
+                  <a:cubicBezTo>
+                    <a:pt x="5" y="13"/>
+                    <a:pt x="3" y="6"/>
+                    <a:pt x="1" y="0"/>
+                  </a:cubicBezTo>
+                  <a:cubicBezTo>
+                    <a:pt x="0" y="9"/>
+                    <a:pt x="0" y="17"/>
+                    <a:pt x="0" y="26"/>
+                  </a:cubicBezTo>
+                  <a:cubicBezTo>
+                    <a:pt x="2" y="32"/>
+                    <a:pt x="5" y="38"/>
+                    <a:pt x="7" y="44"/>
+                  </a:cubicBezTo>
+                  <a:close/>
+                </a:path>
+              </a:pathLst>
+            </a:custGeom>
+            <a:solidFill>
+              <a:schemeClr val="tx2">
+                <a:alpha val="20000"/>
+              </a:schemeClr>
+            </a:solidFill>
+            <a:ln>
+              <a:noFill/>
+            </a:ln>
+          </p:spPr>
+        </p:sp>
+        <p:sp>
+          <p:nvSpPr>
+            <p:cNvPr id="35" name="Freeform 22"/>
+            <p:cNvSpPr/>
+            <p:nvPr/>
+          </p:nvSpPr>
+          <p:spPr bwMode="auto">
+            <a:xfrm>
+              <a:off x="3211513" y="5410200"/>
+              <a:ext cx="203200" cy="530225"/>
+            </a:xfrm>
+            <a:custGeom>
+              <a:avLst/>
+              <a:gdLst/>
+              <a:ahLst/>
+              <a:cxnLst/>
+              <a:rect l="0" t="0" r="r" b="b"/>
+              <a:pathLst>
+                <a:path w="52" h="135">
+                  <a:moveTo>
+                    <a:pt x="7" y="18"/>
+                  </a:moveTo>
+                  <a:cubicBezTo>
+                    <a:pt x="5" y="12"/>
+                    <a:pt x="2" y="6"/>
+                    <a:pt x="0" y="0"/>
+                  </a:cubicBezTo>
+                  <a:cubicBezTo>
+                    <a:pt x="3" y="16"/>
+                    <a:pt x="7" y="32"/>
+                    <a:pt x="12" y="48"/>
+                  </a:cubicBezTo>
+                  <a:cubicBezTo>
+                    <a:pt x="13" y="53"/>
+                    <a:pt x="14" y="57"/>
+                    <a:pt x="16" y="62"/>
+                  </a:cubicBezTo>
+                  <a:cubicBezTo>
+                    <a:pt x="27" y="86"/>
+                    <a:pt x="39" y="111"/>
+                    <a:pt x="51" y="135"/>
+                  </a:cubicBezTo>
+                  <a:cubicBezTo>
+                    <a:pt x="52" y="135"/>
+                    <a:pt x="52" y="135"/>
+                    <a:pt x="52" y="135"/>
+                  </a:cubicBezTo>
+                  <a:cubicBezTo>
+                    <a:pt x="41" y="109"/>
+                    <a:pt x="32" y="83"/>
+                    <a:pt x="24" y="56"/>
+                  </a:cubicBezTo>
+                  <a:cubicBezTo>
+                    <a:pt x="18" y="43"/>
+                    <a:pt x="13" y="31"/>
+                    <a:pt x="7" y="18"/>
+                  </a:cubicBezTo>
+                  <a:close/>
+                </a:path>
+              </a:pathLst>
+            </a:custGeom>
+            <a:solidFill>
+              <a:schemeClr val="tx2">
+                <a:alpha val="20000"/>
+              </a:schemeClr>
+            </a:solidFill>
+            <a:ln>
+              <a:noFill/>
+            </a:ln>
+          </p:spPr>
+        </p:sp>
+      </p:grpSp>
+      <p:grpSp>
+        <p:nvGrpSpPr>
+          <p:cNvPr id="10" name="Group 9"/>
+          <p:cNvGrpSpPr/>
+          <p:nvPr/>
+        </p:nvGrpSpPr>
+        <p:grpSpPr>
+          <a:xfrm>
+            <a:off x="27221" y="-786"/>
+            <a:ext cx="2356674" cy="6854039"/>
+            <a:chOff x="6627813" y="194833"/>
+            <a:chExt cx="1952625" cy="5678918"/>
+          </a:xfrm>
+        </p:grpSpPr>
+        <p:sp>
+          <p:nvSpPr>
+            <p:cNvPr id="11" name="Freeform 27"/>
+            <p:cNvSpPr/>
+            <p:nvPr/>
+          </p:nvSpPr>
+          <p:spPr bwMode="auto">
+            <a:xfrm>
+              <a:off x="6627813" y="194833"/>
+              <a:ext cx="409575" cy="3646488"/>
+            </a:xfrm>
+            <a:custGeom>
+              <a:avLst/>
+              <a:gdLst/>
+              <a:ahLst/>
+              <a:cxnLst/>
+              <a:rect l="0" t="0" r="r" b="b"/>
+              <a:pathLst>
+                <a:path w="103" h="920">
+                  <a:moveTo>
+                    <a:pt x="7" y="210"/>
+                  </a:moveTo>
+                  <a:cubicBezTo>
+                    <a:pt x="11" y="288"/>
+                    <a:pt x="17" y="367"/>
+                    <a:pt x="26" y="445"/>
+                  </a:cubicBezTo>
+                  <a:cubicBezTo>
+                    <a:pt x="34" y="523"/>
+                    <a:pt x="44" y="601"/>
+                    <a:pt x="57" y="679"/>
+                  </a:cubicBezTo>
+                  <a:cubicBezTo>
+                    <a:pt x="69" y="757"/>
+                    <a:pt x="84" y="834"/>
+                    <a:pt x="101" y="911"/>
+                  </a:cubicBezTo>
+                  <a:cubicBezTo>
+                    <a:pt x="102" y="914"/>
+                    <a:pt x="103" y="917"/>
+                    <a:pt x="103" y="920"/>
+                  </a:cubicBezTo>
+                  <a:cubicBezTo>
+                    <a:pt x="102" y="905"/>
+                    <a:pt x="100" y="889"/>
+                    <a:pt x="99" y="874"/>
+                  </a:cubicBezTo>
+                  <a:cubicBezTo>
+                    <a:pt x="99" y="871"/>
+                    <a:pt x="99" y="868"/>
+                    <a:pt x="99" y="866"/>
+                  </a:cubicBezTo>
+                  <a:cubicBezTo>
+                    <a:pt x="85" y="803"/>
+                    <a:pt x="73" y="741"/>
+                    <a:pt x="63" y="678"/>
+                  </a:cubicBezTo>
+                  <a:cubicBezTo>
+                    <a:pt x="50" y="600"/>
+                    <a:pt x="39" y="523"/>
+                    <a:pt x="30" y="444"/>
+                  </a:cubicBezTo>
+                  <a:cubicBezTo>
+                    <a:pt x="21" y="366"/>
+                    <a:pt x="14" y="288"/>
+                    <a:pt x="9" y="209"/>
+                  </a:cubicBezTo>
+                  <a:cubicBezTo>
+                    <a:pt x="7" y="170"/>
+                    <a:pt x="5" y="131"/>
+                    <a:pt x="3" y="92"/>
+                  </a:cubicBezTo>
+                  <a:cubicBezTo>
+                    <a:pt x="2" y="61"/>
+                    <a:pt x="1" y="31"/>
+                    <a:pt x="1" y="0"/>
+                  </a:cubicBezTo>
+                  <a:cubicBezTo>
+                    <a:pt x="0" y="0"/>
+                    <a:pt x="0" y="0"/>
+                    <a:pt x="0" y="0"/>
+                  </a:cubicBezTo>
+                  <a:cubicBezTo>
+                    <a:pt x="0" y="31"/>
+                    <a:pt x="1" y="61"/>
+                    <a:pt x="1" y="92"/>
+                  </a:cubicBezTo>
+                  <a:cubicBezTo>
+                    <a:pt x="3" y="131"/>
+                    <a:pt x="4" y="170"/>
+                    <a:pt x="7" y="210"/>
+                  </a:cubicBezTo>
+                  <a:close/>
+                </a:path>
+              </a:pathLst>
+            </a:custGeom>
+            <a:solidFill>
+              <a:schemeClr val="tx2"/>
+            </a:solidFill>
+            <a:ln>
+              <a:noFill/>
+            </a:ln>
+          </p:spPr>
+        </p:sp>
+        <p:sp>
+          <p:nvSpPr>
+            <p:cNvPr id="12" name="Freeform 28"/>
+            <p:cNvSpPr/>
+            <p:nvPr/>
+          </p:nvSpPr>
+          <p:spPr bwMode="auto">
+            <a:xfrm>
+              <a:off x="7061201" y="3771900"/>
+              <a:ext cx="350838" cy="1309688"/>
+            </a:xfrm>
+            <a:custGeom>
+              <a:avLst/>
+              <a:gdLst/>
+              <a:ahLst/>
+              <a:cxnLst/>
+              <a:rect l="0" t="0" r="r" b="b"/>
+              <a:pathLst>
+                <a:path w="88" h="330">
+                  <a:moveTo>
+                    <a:pt x="53" y="229"/>
+                  </a:moveTo>
+                  <a:cubicBezTo>
+                    <a:pt x="64" y="263"/>
+                    <a:pt x="75" y="297"/>
+                    <a:pt x="88" y="330"/>
+                  </a:cubicBezTo>
+                  <a:cubicBezTo>
+                    <a:pt x="88" y="323"/>
+                    <a:pt x="88" y="315"/>
+                    <a:pt x="88" y="308"/>
+                  </a:cubicBezTo>
+                  <a:cubicBezTo>
+                    <a:pt x="88" y="307"/>
+                    <a:pt x="88" y="305"/>
+                    <a:pt x="88" y="304"/>
+                  </a:cubicBezTo>
+                  <a:cubicBezTo>
+                    <a:pt x="79" y="278"/>
+                    <a:pt x="70" y="252"/>
+                    <a:pt x="62" y="226"/>
+                  </a:cubicBezTo>
+                  <a:cubicBezTo>
+                    <a:pt x="38" y="152"/>
+                    <a:pt x="17" y="76"/>
+                    <a:pt x="0" y="0"/>
+                  </a:cubicBezTo>
+                  <a:cubicBezTo>
+                    <a:pt x="2" y="21"/>
+                    <a:pt x="4" y="42"/>
+                    <a:pt x="7" y="63"/>
+                  </a:cubicBezTo>
+                  <a:cubicBezTo>
+                    <a:pt x="21" y="119"/>
+                    <a:pt x="36" y="174"/>
+                    <a:pt x="53" y="229"/>
+                  </a:cubicBezTo>
+                  <a:close/>
+                </a:path>
+              </a:pathLst>
+            </a:custGeom>
+            <a:solidFill>
+              <a:schemeClr val="tx2"/>
+            </a:solidFill>
+            <a:ln>
+              <a:noFill/>
+            </a:ln>
+          </p:spPr>
+        </p:sp>
+        <p:sp>
+          <p:nvSpPr>
+            <p:cNvPr id="13" name="Freeform 29"/>
+            <p:cNvSpPr/>
+            <p:nvPr/>
+          </p:nvSpPr>
+          <p:spPr bwMode="auto">
+            <a:xfrm>
+              <a:off x="7439026" y="5053013"/>
+              <a:ext cx="357188" cy="820738"/>
+            </a:xfrm>
+            <a:custGeom>
+              <a:avLst/>
+              <a:gdLst/>
+              <a:ahLst/>
+              <a:cxnLst/>
+              <a:rect l="0" t="0" r="r" b="b"/>
+              <a:pathLst>
+                <a:path w="90" h="207">
+                  <a:moveTo>
+                    <a:pt x="6" y="15"/>
+                  </a:moveTo>
+                  <a:cubicBezTo>
+                    <a:pt x="4" y="10"/>
+                    <a:pt x="2" y="5"/>
+                    <a:pt x="0" y="0"/>
+                  </a:cubicBezTo>
+                  <a:cubicBezTo>
+                    <a:pt x="0" y="9"/>
+                    <a:pt x="0" y="19"/>
+                    <a:pt x="1" y="29"/>
+                  </a:cubicBezTo>
+                  <a:cubicBezTo>
+                    <a:pt x="14" y="62"/>
+                    <a:pt x="27" y="95"/>
+                    <a:pt x="42" y="127"/>
+                  </a:cubicBezTo>
+                  <a:cubicBezTo>
+                    <a:pt x="54" y="154"/>
+                    <a:pt x="67" y="181"/>
+                    <a:pt x="80" y="207"/>
+                  </a:cubicBezTo>
+                  <a:cubicBezTo>
+                    <a:pt x="90" y="207"/>
+                    <a:pt x="90" y="207"/>
+                    <a:pt x="90" y="207"/>
+                  </a:cubicBezTo>
+                  <a:cubicBezTo>
+                    <a:pt x="76" y="180"/>
+                    <a:pt x="63" y="152"/>
+                    <a:pt x="50" y="123"/>
+                  </a:cubicBezTo>
+                  <a:cubicBezTo>
+                    <a:pt x="34" y="88"/>
+                    <a:pt x="20" y="51"/>
+                    <a:pt x="6" y="15"/>
+                  </a:cubicBezTo>
+                  <a:close/>
+                </a:path>
+              </a:pathLst>
+            </a:custGeom>
+            <a:solidFill>
+              <a:schemeClr val="tx2"/>
+            </a:solidFill>
+            <a:ln>
+              <a:noFill/>
+            </a:ln>
+          </p:spPr>
+        </p:sp>
+        <p:sp>
+          <p:nvSpPr>
+            <p:cNvPr id="14" name="Freeform 30"/>
+            <p:cNvSpPr/>
+            <p:nvPr/>
+          </p:nvSpPr>
+          <p:spPr bwMode="auto">
+            <a:xfrm>
+              <a:off x="7037388" y="3811588"/>
+              <a:ext cx="457200" cy="1852613"/>
+            </a:xfrm>
+            <a:custGeom>
+              <a:avLst/>
+              <a:gdLst/>
+              <a:ahLst/>
+              <a:cxnLst/>
+              <a:rect l="0" t="0" r="r" b="b"/>
+              <a:pathLst>
+                <a:path w="115" h="467">
+                  <a:moveTo>
+                    <a:pt x="101" y="409"/>
+                  </a:moveTo>
+                  <a:cubicBezTo>
+                    <a:pt x="93" y="388"/>
+                    <a:pt x="85" y="366"/>
+                    <a:pt x="78" y="344"/>
+                  </a:cubicBezTo>
+                  <a:cubicBezTo>
+                    <a:pt x="57" y="281"/>
+                    <a:pt x="41" y="216"/>
+                    <a:pt x="29" y="151"/>
+                  </a:cubicBezTo>
+                  <a:cubicBezTo>
+                    <a:pt x="22" y="119"/>
+                    <a:pt x="17" y="86"/>
+                    <a:pt x="13" y="53"/>
+                  </a:cubicBezTo>
+                  <a:cubicBezTo>
+                    <a:pt x="9" y="35"/>
+                    <a:pt x="4" y="18"/>
+                    <a:pt x="0" y="0"/>
+                  </a:cubicBezTo>
+                  <a:cubicBezTo>
+                    <a:pt x="5" y="51"/>
+                    <a:pt x="12" y="102"/>
+                    <a:pt x="21" y="152"/>
+                  </a:cubicBezTo>
+                  <a:cubicBezTo>
+                    <a:pt x="33" y="218"/>
+                    <a:pt x="49" y="283"/>
+                    <a:pt x="69" y="347"/>
+                  </a:cubicBezTo>
+                  <a:cubicBezTo>
+                    <a:pt x="79" y="378"/>
+                    <a:pt x="90" y="410"/>
+                    <a:pt x="103" y="441"/>
+                  </a:cubicBezTo>
+                  <a:cubicBezTo>
+                    <a:pt x="107" y="449"/>
+                    <a:pt x="111" y="458"/>
+                    <a:pt x="115" y="467"/>
+                  </a:cubicBezTo>
+                  <a:cubicBezTo>
+                    <a:pt x="114" y="464"/>
+                    <a:pt x="113" y="461"/>
+                    <a:pt x="112" y="458"/>
+                  </a:cubicBezTo>
+                  <a:cubicBezTo>
+                    <a:pt x="108" y="442"/>
+                    <a:pt x="104" y="425"/>
+                    <a:pt x="101" y="409"/>
+                  </a:cubicBezTo>
+                  <a:close/>
+                </a:path>
+              </a:pathLst>
+            </a:custGeom>
+            <a:solidFill>
+              <a:schemeClr val="tx2"/>
+            </a:solidFill>
+            <a:ln>
+              <a:noFill/>
+            </a:ln>
+          </p:spPr>
+        </p:sp>
+        <p:sp>
+          <p:nvSpPr>
+            <p:cNvPr id="15" name="Freeform 31"/>
+            <p:cNvSpPr/>
+            <p:nvPr/>
+          </p:nvSpPr>
+          <p:spPr bwMode="auto">
+            <a:xfrm>
+              <a:off x="6992938" y="1263650"/>
+              <a:ext cx="144463" cy="2508250"/>
+            </a:xfrm>
+            <a:custGeom>
+              <a:avLst/>
+              <a:gdLst/>
+              <a:ahLst/>
+              <a:cxnLst/>
+              <a:rect l="0" t="0" r="r" b="b"/>
+              <a:pathLst>
+                <a:path w="36" h="633">
+                  <a:moveTo>
+                    <a:pt x="17" y="633"/>
+                  </a:moveTo>
+                  <a:cubicBezTo>
+                    <a:pt x="15" y="621"/>
+                    <a:pt x="14" y="609"/>
+                    <a:pt x="13" y="597"/>
+                  </a:cubicBezTo>
+                  <a:cubicBezTo>
+                    <a:pt x="8" y="530"/>
+                    <a:pt x="5" y="464"/>
+                    <a:pt x="5" y="398"/>
+                  </a:cubicBezTo>
+                  <a:cubicBezTo>
+                    <a:pt x="5" y="331"/>
+                    <a:pt x="8" y="265"/>
+                    <a:pt x="13" y="198"/>
+                  </a:cubicBezTo>
+                  <a:cubicBezTo>
+                    <a:pt x="15" y="165"/>
+                    <a:pt x="18" y="132"/>
+                    <a:pt x="22" y="99"/>
+                  </a:cubicBezTo>
+                  <a:cubicBezTo>
+                    <a:pt x="26" y="66"/>
+                    <a:pt x="30" y="33"/>
+                    <a:pt x="36" y="0"/>
+                  </a:cubicBezTo>
+                  <a:cubicBezTo>
+                    <a:pt x="35" y="0"/>
+                    <a:pt x="35" y="0"/>
+                    <a:pt x="35" y="0"/>
+                  </a:cubicBezTo>
+                  <a:cubicBezTo>
+                    <a:pt x="29" y="33"/>
+                    <a:pt x="24" y="66"/>
+                    <a:pt x="20" y="99"/>
+                  </a:cubicBezTo>
+                  <a:cubicBezTo>
+                    <a:pt x="16" y="132"/>
+                    <a:pt x="13" y="165"/>
+                    <a:pt x="10" y="198"/>
+                  </a:cubicBezTo>
+                  <a:cubicBezTo>
+                    <a:pt x="4" y="264"/>
+                    <a:pt x="1" y="331"/>
+                    <a:pt x="1" y="398"/>
+                  </a:cubicBezTo>
+                  <a:cubicBezTo>
+                    <a:pt x="0" y="461"/>
+                    <a:pt x="2" y="525"/>
+                    <a:pt x="7" y="589"/>
+                  </a:cubicBezTo>
+                  <a:cubicBezTo>
+                    <a:pt x="10" y="603"/>
+                    <a:pt x="13" y="618"/>
+                    <a:pt x="16" y="632"/>
+                  </a:cubicBezTo>
+                  <a:cubicBezTo>
+                    <a:pt x="16" y="632"/>
+                    <a:pt x="17" y="633"/>
+                    <a:pt x="17" y="633"/>
+                  </a:cubicBezTo>
+                  <a:close/>
+                </a:path>
+              </a:pathLst>
+            </a:custGeom>
+            <a:solidFill>
+              <a:schemeClr val="tx2"/>
+            </a:solidFill>
+            <a:ln>
+              <a:noFill/>
+            </a:ln>
+          </p:spPr>
+        </p:sp>
+        <p:sp>
+          <p:nvSpPr>
+            <p:cNvPr id="16" name="Freeform 32"/>
+            <p:cNvSpPr/>
+            <p:nvPr/>
+          </p:nvSpPr>
+          <p:spPr bwMode="auto">
+            <a:xfrm>
+              <a:off x="7526338" y="5640388"/>
+              <a:ext cx="111125" cy="233363"/>
+            </a:xfrm>
+            <a:custGeom>
+              <a:avLst/>
+              <a:gdLst/>
+              <a:ahLst/>
+              <a:cxnLst/>
+              <a:rect l="0" t="0" r="r" b="b"/>
+              <a:pathLst>
+                <a:path w="28" h="59">
+                  <a:moveTo>
+                    <a:pt x="22" y="59"/>
+                  </a:moveTo>
+                  <a:cubicBezTo>
+                    <a:pt x="28" y="59"/>
+                    <a:pt x="28" y="59"/>
+                    <a:pt x="28" y="59"/>
+                  </a:cubicBezTo>
+                  <a:cubicBezTo>
+                    <a:pt x="18" y="40"/>
+                    <a:pt x="9" y="20"/>
+                    <a:pt x="0" y="0"/>
+                  </a:cubicBezTo>
+                  <a:cubicBezTo>
+                    <a:pt x="6" y="20"/>
+                    <a:pt x="13" y="40"/>
+                    <a:pt x="22" y="59"/>
+                  </a:cubicBezTo>
+                  <a:close/>
+                </a:path>
+              </a:pathLst>
+            </a:custGeom>
+            <a:solidFill>
+              <a:schemeClr val="tx2"/>
+            </a:solidFill>
+            <a:ln>
+              <a:noFill/>
+            </a:ln>
+          </p:spPr>
+        </p:sp>
+        <p:sp>
+          <p:nvSpPr>
+            <p:cNvPr id="17" name="Freeform 33"/>
+            <p:cNvSpPr/>
+            <p:nvPr/>
+          </p:nvSpPr>
+          <p:spPr bwMode="auto">
+            <a:xfrm>
+              <a:off x="7021513" y="3598863"/>
+              <a:ext cx="68263" cy="423863"/>
+            </a:xfrm>
+            <a:custGeom>
+              <a:avLst/>
+              <a:gdLst/>
+              <a:ahLst/>
+              <a:cxnLst/>
+              <a:rect l="0" t="0" r="r" b="b"/>
+              <a:pathLst>
+                <a:path w="17" h="107">
+                  <a:moveTo>
+                    <a:pt x="4" y="54"/>
+                  </a:moveTo>
+                  <a:cubicBezTo>
+                    <a:pt x="8" y="72"/>
+                    <a:pt x="13" y="89"/>
+                    <a:pt x="17" y="107"/>
+                  </a:cubicBezTo>
+                  <a:cubicBezTo>
+                    <a:pt x="14" y="86"/>
+                    <a:pt x="12" y="65"/>
+                    <a:pt x="10" y="44"/>
+                  </a:cubicBezTo>
+                  <a:cubicBezTo>
+                    <a:pt x="10" y="44"/>
+                    <a:pt x="9" y="43"/>
+                    <a:pt x="9" y="43"/>
+                  </a:cubicBezTo>
+                  <a:cubicBezTo>
+                    <a:pt x="6" y="29"/>
+                    <a:pt x="3" y="14"/>
+                    <a:pt x="0" y="0"/>
+                  </a:cubicBezTo>
+                  <a:cubicBezTo>
+                    <a:pt x="0" y="2"/>
+                    <a:pt x="0" y="5"/>
+                    <a:pt x="0" y="8"/>
+                  </a:cubicBezTo>
+                  <a:cubicBezTo>
+                    <a:pt x="1" y="23"/>
+                    <a:pt x="3" y="39"/>
+                    <a:pt x="4" y="54"/>
+                  </a:cubicBezTo>
+                  <a:close/>
+                </a:path>
+              </a:pathLst>
+            </a:custGeom>
+            <a:solidFill>
+              <a:schemeClr val="tx2"/>
+            </a:solidFill>
+            <a:ln>
+              <a:noFill/>
+            </a:ln>
+          </p:spPr>
+        </p:sp>
+        <p:sp>
+          <p:nvSpPr>
+            <p:cNvPr id="18" name="Freeform 34"/>
+            <p:cNvSpPr/>
+            <p:nvPr/>
+          </p:nvSpPr>
+          <p:spPr bwMode="auto">
+            <a:xfrm>
+              <a:off x="7412038" y="2801938"/>
+              <a:ext cx="1168400" cy="2251075"/>
+            </a:xfrm>
+            <a:custGeom>
+              <a:avLst/>
+              <a:gdLst/>
+              <a:ahLst/>
+              <a:cxnLst/>
+              <a:rect l="0" t="0" r="r" b="b"/>
+              <a:pathLst>
+                <a:path w="294" h="568">
+                  <a:moveTo>
+                    <a:pt x="8" y="553"/>
+                  </a:moveTo>
+                  <a:cubicBezTo>
+                    <a:pt x="9" y="501"/>
+                    <a:pt x="19" y="448"/>
+                    <a:pt x="35" y="397"/>
+                  </a:cubicBezTo>
+                  <a:cubicBezTo>
+                    <a:pt x="51" y="347"/>
+                    <a:pt x="73" y="298"/>
+                    <a:pt x="99" y="252"/>
+                  </a:cubicBezTo>
+                  <a:cubicBezTo>
+                    <a:pt x="124" y="205"/>
+                    <a:pt x="154" y="161"/>
+                    <a:pt x="187" y="119"/>
+                  </a:cubicBezTo>
+                  <a:cubicBezTo>
+                    <a:pt x="203" y="98"/>
+                    <a:pt x="220" y="77"/>
+                    <a:pt x="238" y="58"/>
+                  </a:cubicBezTo>
+                  <a:cubicBezTo>
+                    <a:pt x="247" y="48"/>
+                    <a:pt x="256" y="38"/>
+                    <a:pt x="265" y="28"/>
+                  </a:cubicBezTo>
+                  <a:cubicBezTo>
+                    <a:pt x="274" y="19"/>
+                    <a:pt x="284" y="9"/>
+                    <a:pt x="294" y="0"/>
+                  </a:cubicBezTo>
+                  <a:cubicBezTo>
+                    <a:pt x="293" y="0"/>
+                    <a:pt x="293" y="0"/>
+                    <a:pt x="293" y="0"/>
+                  </a:cubicBezTo>
+                  <a:cubicBezTo>
+                    <a:pt x="283" y="9"/>
+                    <a:pt x="273" y="18"/>
+                    <a:pt x="264" y="27"/>
+                  </a:cubicBezTo>
+                  <a:cubicBezTo>
+                    <a:pt x="255" y="37"/>
+                    <a:pt x="246" y="47"/>
+                    <a:pt x="237" y="56"/>
+                  </a:cubicBezTo>
+                  <a:cubicBezTo>
+                    <a:pt x="218" y="76"/>
+                    <a:pt x="201" y="96"/>
+                    <a:pt x="185" y="117"/>
+                  </a:cubicBezTo>
+                  <a:cubicBezTo>
+                    <a:pt x="151" y="159"/>
+                    <a:pt x="121" y="203"/>
+                    <a:pt x="95" y="249"/>
+                  </a:cubicBezTo>
+                  <a:cubicBezTo>
+                    <a:pt x="68" y="296"/>
+                    <a:pt x="46" y="345"/>
+                    <a:pt x="30" y="396"/>
+                  </a:cubicBezTo>
+                  <a:cubicBezTo>
+                    <a:pt x="13" y="445"/>
+                    <a:pt x="3" y="497"/>
+                    <a:pt x="0" y="549"/>
+                  </a:cubicBezTo>
+                  <a:cubicBezTo>
+                    <a:pt x="3" y="555"/>
+                    <a:pt x="5" y="561"/>
+                    <a:pt x="7" y="568"/>
+                  </a:cubicBezTo>
+                  <a:cubicBezTo>
+                    <a:pt x="7" y="563"/>
+                    <a:pt x="7" y="558"/>
+                    <a:pt x="8" y="553"/>
+                  </a:cubicBezTo>
+                  <a:close/>
+                </a:path>
+              </a:pathLst>
+            </a:custGeom>
+            <a:solidFill>
+              <a:schemeClr val="tx2"/>
+            </a:solidFill>
+            <a:ln>
+              <a:noFill/>
+            </a:ln>
+          </p:spPr>
+        </p:sp>
+        <p:sp>
+          <p:nvSpPr>
+            <p:cNvPr id="19" name="Freeform 35"/>
+            <p:cNvSpPr/>
+            <p:nvPr/>
+          </p:nvSpPr>
+          <p:spPr bwMode="auto">
+            <a:xfrm>
+              <a:off x="7494588" y="5664200"/>
+              <a:ext cx="100013" cy="209550"/>
+            </a:xfrm>
+            <a:custGeom>
+              <a:avLst/>
+              <a:gdLst/>
+              <a:ahLst/>
+              <a:cxnLst/>
+              <a:rect l="0" t="0" r="r" b="b"/>
+              <a:pathLst>
+                <a:path w="25" h="53">
+                  <a:moveTo>
+                    <a:pt x="0" y="0"/>
+                  </a:moveTo>
+                  <a:cubicBezTo>
+                    <a:pt x="5" y="18"/>
+                    <a:pt x="12" y="36"/>
+                    <a:pt x="19" y="53"/>
+                  </a:cubicBezTo>
+                  <a:cubicBezTo>
+                    <a:pt x="25" y="53"/>
+                    <a:pt x="25" y="53"/>
+                    <a:pt x="25" y="53"/>
+                  </a:cubicBezTo>
+                  <a:cubicBezTo>
+                    <a:pt x="16" y="36"/>
+                    <a:pt x="8" y="18"/>
+                    <a:pt x="0" y="0"/>
+                  </a:cubicBezTo>
+                  <a:close/>
+                </a:path>
+              </a:pathLst>
+            </a:custGeom>
+            <a:solidFill>
+              <a:schemeClr val="tx2"/>
+            </a:solidFill>
+            <a:ln>
+              <a:noFill/>
+            </a:ln>
+          </p:spPr>
+        </p:sp>
+        <p:sp>
+          <p:nvSpPr>
+            <p:cNvPr id="20" name="Freeform 36"/>
+            <p:cNvSpPr/>
+            <p:nvPr/>
+          </p:nvSpPr>
+          <p:spPr bwMode="auto">
+            <a:xfrm>
+              <a:off x="7412038" y="5081588"/>
+              <a:ext cx="114300" cy="558800"/>
+            </a:xfrm>
+            <a:custGeom>
+              <a:avLst/>
+              <a:gdLst/>
+              <a:ahLst/>
+              <a:cxnLst/>
+              <a:rect l="0" t="0" r="r" b="b"/>
+              <a:pathLst>
+                <a:path w="29" h="141">
+                  <a:moveTo>
+                    <a:pt x="0" y="0"/>
+                  </a:moveTo>
+                  <a:cubicBezTo>
+                    <a:pt x="0" y="30"/>
+                    <a:pt x="2" y="60"/>
+                    <a:pt x="7" y="89"/>
+                  </a:cubicBezTo>
+                  <a:cubicBezTo>
+                    <a:pt x="11" y="98"/>
+                    <a:pt x="14" y="108"/>
+                    <a:pt x="18" y="117"/>
+                  </a:cubicBezTo>
+                  <a:cubicBezTo>
+                    <a:pt x="22" y="125"/>
+                    <a:pt x="25" y="133"/>
+                    <a:pt x="29" y="141"/>
+                  </a:cubicBezTo>
+                  <a:cubicBezTo>
+                    <a:pt x="28" y="139"/>
+                    <a:pt x="28" y="137"/>
+                    <a:pt x="27" y="135"/>
+                  </a:cubicBezTo>
+                  <a:cubicBezTo>
+                    <a:pt x="16" y="98"/>
+                    <a:pt x="10" y="60"/>
+                    <a:pt x="8" y="22"/>
+                  </a:cubicBezTo>
+                  <a:cubicBezTo>
+                    <a:pt x="7" y="18"/>
+                    <a:pt x="5" y="15"/>
+                    <a:pt x="4" y="11"/>
+                  </a:cubicBezTo>
+                  <a:cubicBezTo>
+                    <a:pt x="2" y="7"/>
+                    <a:pt x="1" y="3"/>
+                    <a:pt x="0" y="0"/>
+                  </a:cubicBezTo>
+                  <a:close/>
+                </a:path>
+              </a:pathLst>
+            </a:custGeom>
+            <a:solidFill>
+              <a:schemeClr val="tx2"/>
+            </a:solidFill>
+            <a:ln>
+              <a:noFill/>
+            </a:ln>
+          </p:spPr>
+        </p:sp>
+        <p:sp>
+          <p:nvSpPr>
+            <p:cNvPr id="21" name="Freeform 37"/>
+            <p:cNvSpPr/>
+            <p:nvPr/>
+          </p:nvSpPr>
+          <p:spPr bwMode="auto">
+            <a:xfrm>
+              <a:off x="7412038" y="4978400"/>
+              <a:ext cx="31750" cy="188913"/>
+            </a:xfrm>
+            <a:custGeom>
+              <a:avLst/>
+              <a:gdLst/>
+              <a:ahLst/>
+              <a:cxnLst/>
+              <a:rect l="0" t="0" r="r" b="b"/>
+              <a:pathLst>
+                <a:path w="8" h="48">
+                  <a:moveTo>
+                    <a:pt x="0" y="26"/>
+                  </a:moveTo>
+                  <a:cubicBezTo>
+                    <a:pt x="1" y="29"/>
+                    <a:pt x="2" y="33"/>
+                    <a:pt x="4" y="37"/>
+                  </a:cubicBezTo>
+                  <a:cubicBezTo>
+                    <a:pt x="5" y="41"/>
+                    <a:pt x="7" y="44"/>
+                    <a:pt x="8" y="48"/>
+                  </a:cubicBezTo>
+                  <a:cubicBezTo>
+                    <a:pt x="7" y="38"/>
+                    <a:pt x="7" y="28"/>
+                    <a:pt x="7" y="19"/>
+                  </a:cubicBezTo>
+                  <a:cubicBezTo>
+                    <a:pt x="5" y="12"/>
+                    <a:pt x="3" y="6"/>
+                    <a:pt x="0" y="0"/>
+                  </a:cubicBezTo>
+                  <a:cubicBezTo>
+                    <a:pt x="0" y="1"/>
+                    <a:pt x="0" y="3"/>
+                    <a:pt x="0" y="4"/>
+                  </a:cubicBezTo>
+                  <a:cubicBezTo>
+                    <a:pt x="0" y="11"/>
+                    <a:pt x="0" y="19"/>
+                    <a:pt x="0" y="26"/>
+                  </a:cubicBezTo>
+                  <a:close/>
+                </a:path>
+              </a:pathLst>
+            </a:custGeom>
+            <a:solidFill>
+              <a:schemeClr val="tx2"/>
+            </a:solidFill>
+            <a:ln>
+              <a:noFill/>
+            </a:ln>
+          </p:spPr>
+        </p:sp>
+        <p:sp>
+          <p:nvSpPr>
+            <p:cNvPr id="22" name="Freeform 38"/>
+            <p:cNvSpPr/>
+            <p:nvPr/>
+          </p:nvSpPr>
+          <p:spPr bwMode="auto">
+            <a:xfrm>
+              <a:off x="7439026" y="5434013"/>
+              <a:ext cx="174625" cy="439738"/>
+            </a:xfrm>
+            <a:custGeom>
+              <a:avLst/>
+              <a:gdLst/>
+              <a:ahLst/>
+              <a:cxnLst/>
+              <a:rect l="0" t="0" r="r" b="b"/>
+              <a:pathLst>
+                <a:path w="44" h="111">
+                  <a:moveTo>
+                    <a:pt x="11" y="28"/>
+                  </a:moveTo>
+                  <a:cubicBezTo>
+                    <a:pt x="7" y="19"/>
+                    <a:pt x="4" y="9"/>
+                    <a:pt x="0" y="0"/>
+                  </a:cubicBezTo>
+                  <a:cubicBezTo>
+                    <a:pt x="3" y="16"/>
+                    <a:pt x="7" y="33"/>
+                    <a:pt x="11" y="49"/>
+                  </a:cubicBezTo>
+                  <a:cubicBezTo>
+                    <a:pt x="12" y="52"/>
+                    <a:pt x="13" y="55"/>
+                    <a:pt x="14" y="58"/>
+                  </a:cubicBezTo>
+                  <a:cubicBezTo>
+                    <a:pt x="22" y="76"/>
+                    <a:pt x="30" y="94"/>
+                    <a:pt x="39" y="111"/>
+                  </a:cubicBezTo>
+                  <a:cubicBezTo>
+                    <a:pt x="44" y="111"/>
+                    <a:pt x="44" y="111"/>
+                    <a:pt x="44" y="111"/>
+                  </a:cubicBezTo>
+                  <a:cubicBezTo>
+                    <a:pt x="35" y="92"/>
+                    <a:pt x="28" y="72"/>
+                    <a:pt x="22" y="52"/>
+                  </a:cubicBezTo>
+                  <a:cubicBezTo>
+                    <a:pt x="18" y="44"/>
+                    <a:pt x="15" y="36"/>
+                    <a:pt x="11" y="28"/>
+                  </a:cubicBezTo>
+                  <a:close/>
+                </a:path>
+              </a:pathLst>
+            </a:custGeom>
+            <a:solidFill>
+              <a:schemeClr val="tx2"/>
+            </a:solidFill>
+            <a:ln>
+              <a:noFill/>
+            </a:ln>
+          </p:spPr>
+        </p:sp>
+      </p:grpSp>
+      <p:sp>
+        <p:nvSpPr>
+          <p:cNvPr id="7" name="Rectangle 6"/>
+          <p:cNvSpPr/>
+          <p:nvPr/>
         </p:nvSpPr>
         <p:spPr>
           <a:xfrm>
-            <a:off x="838200" y="365125"/>
-            <a:ext cx="10515600" cy="1325563"/>
+            <a:off x="0" y="0"/>
+            <a:ext cx="182880" cy="6858000"/>
+          </a:xfrm>
+          <a:prstGeom prst="rect">
+            <a:avLst/>
+          </a:prstGeom>
+          <a:solidFill>
+            <a:schemeClr val="tx2"/>
+          </a:solidFill>
+          <a:ln>
+            <a:noFill/>
+          </a:ln>
+          <a:effectLst/>
+        </p:spPr>
+        <p:style>
+          <a:lnRef idx="1">
+            <a:schemeClr val="accent1"/>
+          </a:lnRef>
+          <a:fillRef idx="3">
+            <a:schemeClr val="accent1"/>
+          </a:fillRef>
+          <a:effectRef idx="2">
+            <a:schemeClr val="accent1"/>
+          </a:effectRef>
+          <a:fontRef idx="minor">
+            <a:schemeClr val="lt1"/>
+          </a:fontRef>
+        </p:style>
+      </p:sp>
+      <p:sp>
+        <p:nvSpPr>
+          <p:cNvPr id="2" name="Title Placeholder 1"/>
+          <p:cNvSpPr>
+            <a:spLocks noGrp="1"/>
+          </p:cNvSpPr>
+          <p:nvPr>
+            <p:ph type="title"/>
+          </p:nvPr>
+        </p:nvSpPr>
+        <p:spPr>
+          <a:xfrm>
+            <a:off x="2592924" y="624110"/>
+            <a:ext cx="8911687" cy="1280890"/>
           </a:xfrm>
           <a:prstGeom prst="rect">
             <a:avLst/>
           </a:prstGeom>
         </p:spPr>
         <p:txBody>
-          <a:bodyPr vert="horz" lIns="91440" tIns="45720" rIns="91440" bIns="45720" rtlCol="0" anchor="ctr">
+          <a:bodyPr vert="horz" lIns="91440" tIns="45720" rIns="91440" bIns="45720" rtlCol="0" anchor="t">
             <a:normAutofit/>
           </a:bodyPr>
           <a:lstStyle/>
           <a:p>
             <a:r>
-              <a:rPr lang="en-US"/>
+              <a:rPr lang="en-US" smtClean="0"/>
               <a:t>Click to edit Master title style</a:t>
             </a:r>
+            <a:endParaRPr lang="en-US" dirty="0"/>
           </a:p>
         </p:txBody>
       </p:sp>
@@ -2467,8 +7089,8 @@
         </p:nvSpPr>
         <p:spPr>
           <a:xfrm>
-            <a:off x="838200" y="1825625"/>
-            <a:ext cx="10515600" cy="4351338"/>
+            <a:off x="2589212" y="2133600"/>
+            <a:ext cx="8915400" cy="3886200"/>
           </a:xfrm>
           <a:prstGeom prst="rect">
             <a:avLst/>
@@ -2482,37 +7104,38 @@
           <a:p>
             <a:pPr lvl="0"/>
             <a:r>
-              <a:rPr lang="en-US"/>
+              <a:rPr lang="en-US" smtClean="0"/>
               <a:t>Edit Master text styles</a:t>
             </a:r>
           </a:p>
           <a:p>
             <a:pPr lvl="1"/>
             <a:r>
-              <a:rPr lang="en-US"/>
+              <a:rPr lang="en-US" smtClean="0"/>
               <a:t>Second level</a:t>
             </a:r>
           </a:p>
           <a:p>
             <a:pPr lvl="2"/>
             <a:r>
-              <a:rPr lang="en-US"/>
+              <a:rPr lang="en-US" smtClean="0"/>
               <a:t>Third level</a:t>
             </a:r>
           </a:p>
           <a:p>
             <a:pPr lvl="3"/>
             <a:r>
-              <a:rPr lang="en-US"/>
+              <a:rPr lang="en-US" smtClean="0"/>
               <a:t>Fourth level</a:t>
             </a:r>
           </a:p>
           <a:p>
             <a:pPr lvl="4"/>
             <a:r>
-              <a:rPr lang="en-US"/>
+              <a:rPr lang="en-US" smtClean="0"/>
               <a:t>Fifth level</a:t>
             </a:r>
+            <a:endParaRPr lang="en-US" dirty="0"/>
           </a:p>
         </p:txBody>
       </p:sp>
@@ -2528,8 +7151,8 @@
         </p:nvSpPr>
         <p:spPr>
           <a:xfrm>
-            <a:off x="838200" y="6356350"/>
-            <a:ext cx="2743200" cy="365125"/>
+            <a:off x="10361612" y="6130437"/>
+            <a:ext cx="1146283" cy="370396"/>
           </a:xfrm>
           <a:prstGeom prst="rect">
             <a:avLst/>
@@ -2538,8 +7161,8 @@
         <p:txBody>
           <a:bodyPr vert="horz" lIns="91440" tIns="45720" rIns="91440" bIns="45720" rtlCol="0" anchor="ctr"/>
           <a:lstStyle>
-            <a:lvl1pPr algn="l">
-              <a:defRPr sz="1200">
+            <a:lvl1pPr algn="r">
+              <a:defRPr sz="900">
                 <a:solidFill>
                   <a:schemeClr val="tx1">
                     <a:tint val="75000"/>
@@ -2551,7 +7174,7 @@
           <a:p>
             <a:fld id="{471BC982-A0E7-442A-901D-C3ABBEC01FFB}" type="datetimeFigureOut">
               <a:rPr lang="en-US" smtClean="0"/>
-              <a:t>4/1/2017</a:t>
+              <a:t>4/2/2017</a:t>
             </a:fld>
             <a:endParaRPr lang="en-US"/>
           </a:p>
@@ -2569,8 +7192,8 @@
         </p:nvSpPr>
         <p:spPr>
           <a:xfrm>
-            <a:off x="4038600" y="6356350"/>
-            <a:ext cx="4114800" cy="365125"/>
+            <a:off x="2589212" y="6135808"/>
+            <a:ext cx="7619999" cy="365125"/>
           </a:xfrm>
           <a:prstGeom prst="rect">
             <a:avLst/>
@@ -2579,8 +7202,8 @@
         <p:txBody>
           <a:bodyPr vert="horz" lIns="91440" tIns="45720" rIns="91440" bIns="45720" rtlCol="0" anchor="ctr"/>
           <a:lstStyle>
-            <a:lvl1pPr algn="ctr">
-              <a:defRPr sz="1200">
+            <a:lvl1pPr algn="l">
+              <a:defRPr sz="900">
                 <a:solidFill>
                   <a:schemeClr val="tx1">
                     <a:tint val="75000"/>
@@ -2604,10 +7227,10 @@
             <p:ph type="sldNum" sz="quarter" idx="4"/>
           </p:nvPr>
         </p:nvSpPr>
-        <p:spPr>
+        <p:spPr bwMode="gray">
           <a:xfrm>
-            <a:off x="8610600" y="6356350"/>
-            <a:ext cx="2743200" cy="365125"/>
+            <a:off x="531812" y="787782"/>
+            <a:ext cx="779767" cy="365125"/>
           </a:xfrm>
           <a:prstGeom prst="rect">
             <a:avLst/>
@@ -2617,11 +7240,9 @@
           <a:bodyPr vert="horz" lIns="91440" tIns="45720" rIns="91440" bIns="45720" rtlCol="0" anchor="ctr"/>
           <a:lstStyle>
             <a:lvl1pPr algn="r">
-              <a:defRPr sz="1200">
+              <a:defRPr sz="2000">
                 <a:solidFill>
-                  <a:schemeClr val="tx1">
-                    <a:tint val="75000"/>
-                  </a:schemeClr>
+                  <a:srgbClr val="FEFFFF"/>
                 </a:solidFill>
               </a:defRPr>
             </a:lvl1pPr>
@@ -2638,201 +7259,316 @@
     </p:spTree>
     <p:extLst>
       <p:ext uri="{BB962C8B-B14F-4D97-AF65-F5344CB8AC3E}">
-        <p14:creationId xmlns:p14="http://schemas.microsoft.com/office/powerpoint/2010/main" val="2372717192"/>
+        <p14:creationId xmlns:p14="http://schemas.microsoft.com/office/powerpoint/2010/main" val="502663864"/>
       </p:ext>
     </p:extLst>
   </p:cSld>
   <p:clrMap bg1="lt1" tx1="dk1" bg2="lt2" tx2="dk2" accent1="accent1" accent2="accent2" accent3="accent3" accent4="accent4" accent5="accent5" accent6="accent6" hlink="hlink" folHlink="folHlink"/>
   <p:sldLayoutIdLst>
-    <p:sldLayoutId id="2147483649" r:id="rId1"/>
-    <p:sldLayoutId id="2147483650" r:id="rId2"/>
-    <p:sldLayoutId id="2147483651" r:id="rId3"/>
-    <p:sldLayoutId id="2147483652" r:id="rId4"/>
-    <p:sldLayoutId id="2147483653" r:id="rId5"/>
-    <p:sldLayoutId id="2147483654" r:id="rId6"/>
-    <p:sldLayoutId id="2147483655" r:id="rId7"/>
-    <p:sldLayoutId id="2147483656" r:id="rId8"/>
-    <p:sldLayoutId id="2147483657" r:id="rId9"/>
-    <p:sldLayoutId id="2147483658" r:id="rId10"/>
-    <p:sldLayoutId id="2147483659" r:id="rId11"/>
+    <p:sldLayoutId id="2147483697" r:id="rId1"/>
+    <p:sldLayoutId id="2147483698" r:id="rId2"/>
+    <p:sldLayoutId id="2147483699" r:id="rId3"/>
+    <p:sldLayoutId id="2147483700" r:id="rId4"/>
+    <p:sldLayoutId id="2147483701" r:id="rId5"/>
+    <p:sldLayoutId id="2147483702" r:id="rId6"/>
+    <p:sldLayoutId id="2147483703" r:id="rId7"/>
+    <p:sldLayoutId id="2147483704" r:id="rId8"/>
+    <p:sldLayoutId id="2147483705" r:id="rId9"/>
+    <p:sldLayoutId id="2147483706" r:id="rId10"/>
+    <p:sldLayoutId id="2147483707" r:id="rId11"/>
+    <p:sldLayoutId id="2147483708" r:id="rId12"/>
+    <p:sldLayoutId id="2147483709" r:id="rId13"/>
+    <p:sldLayoutId id="2147483710" r:id="rId14"/>
+    <p:sldLayoutId id="2147483711" r:id="rId15"/>
+    <p:sldLayoutId id="2147483712" r:id="rId16"/>
   </p:sldLayoutIdLst>
   <p:txStyles>
     <p:titleStyle>
-      <a:lvl1pPr algn="l" defTabSz="914400" rtl="0" eaLnBrk="1" latinLnBrk="0" hangingPunct="1">
-        <a:lnSpc>
-          <a:spcPct val="90000"/>
-        </a:lnSpc>
+      <a:lvl1pPr algn="l" defTabSz="457200" rtl="0" eaLnBrk="1" latinLnBrk="0" hangingPunct="1">
         <a:spcBef>
           <a:spcPct val="0"/>
         </a:spcBef>
         <a:buNone/>
-        <a:defRPr sz="4400" kern="1200">
+        <a:defRPr sz="3600" kern="1200">
           <a:solidFill>
-            <a:schemeClr val="tx1"/>
+            <a:schemeClr val="tx1">
+              <a:lumMod val="85000"/>
+              <a:lumOff val="15000"/>
+            </a:schemeClr>
           </a:solidFill>
           <a:latin typeface="+mj-lt"/>
           <a:ea typeface="+mj-ea"/>
           <a:cs typeface="+mj-cs"/>
         </a:defRPr>
       </a:lvl1pPr>
+      <a:lvl2pPr eaLnBrk="1" hangingPunct="1">
+        <a:defRPr>
+          <a:solidFill>
+            <a:schemeClr val="tx2"/>
+          </a:solidFill>
+        </a:defRPr>
+      </a:lvl2pPr>
+      <a:lvl3pPr eaLnBrk="1" hangingPunct="1">
+        <a:defRPr>
+          <a:solidFill>
+            <a:schemeClr val="tx2"/>
+          </a:solidFill>
+        </a:defRPr>
+      </a:lvl3pPr>
+      <a:lvl4pPr eaLnBrk="1" hangingPunct="1">
+        <a:defRPr>
+          <a:solidFill>
+            <a:schemeClr val="tx2"/>
+          </a:solidFill>
+        </a:defRPr>
+      </a:lvl4pPr>
+      <a:lvl5pPr eaLnBrk="1" hangingPunct="1">
+        <a:defRPr>
+          <a:solidFill>
+            <a:schemeClr val="tx2"/>
+          </a:solidFill>
+        </a:defRPr>
+      </a:lvl5pPr>
+      <a:lvl6pPr eaLnBrk="1" hangingPunct="1">
+        <a:defRPr>
+          <a:solidFill>
+            <a:schemeClr val="tx2"/>
+          </a:solidFill>
+        </a:defRPr>
+      </a:lvl6pPr>
+      <a:lvl7pPr eaLnBrk="1" hangingPunct="1">
+        <a:defRPr>
+          <a:solidFill>
+            <a:schemeClr val="tx2"/>
+          </a:solidFill>
+        </a:defRPr>
+      </a:lvl7pPr>
+      <a:lvl8pPr eaLnBrk="1" hangingPunct="1">
+        <a:defRPr>
+          <a:solidFill>
+            <a:schemeClr val="tx2"/>
+          </a:solidFill>
+        </a:defRPr>
+      </a:lvl8pPr>
+      <a:lvl9pPr eaLnBrk="1" hangingPunct="1">
+        <a:defRPr>
+          <a:solidFill>
+            <a:schemeClr val="tx2"/>
+          </a:solidFill>
+        </a:defRPr>
+      </a:lvl9pPr>
     </p:titleStyle>
     <p:bodyStyle>
-      <a:lvl1pPr marL="228600" indent="-228600" algn="l" defTabSz="914400" rtl="0" eaLnBrk="1" latinLnBrk="0" hangingPunct="1">
-        <a:lnSpc>
-          <a:spcPct val="90000"/>
-        </a:lnSpc>
+      <a:lvl1pPr marL="342900" indent="-342900" algn="l" defTabSz="457200" rtl="0" eaLnBrk="1" latinLnBrk="0" hangingPunct="1">
         <a:spcBef>
           <a:spcPts val="1000"/>
         </a:spcBef>
-        <a:buFont typeface="Arial" panose="020B0604020202020204" pitchFamily="34" charset="0"/>
-        <a:buChar char="•"/>
-        <a:defRPr sz="2800" kern="1200">
+        <a:spcAft>
+          <a:spcPts val="0"/>
+        </a:spcAft>
+        <a:buClr>
+          <a:schemeClr val="accent1"/>
+        </a:buClr>
+        <a:buFont typeface="Wingdings 3" charset="2"/>
+        <a:buChar char=""/>
+        <a:defRPr sz="1800" kern="1200">
           <a:solidFill>
-            <a:schemeClr val="tx1"/>
+            <a:schemeClr val="tx1">
+              <a:lumMod val="75000"/>
+              <a:lumOff val="25000"/>
+            </a:schemeClr>
           </a:solidFill>
           <a:latin typeface="+mn-lt"/>
           <a:ea typeface="+mn-ea"/>
           <a:cs typeface="+mn-cs"/>
         </a:defRPr>
       </a:lvl1pPr>
-      <a:lvl2pPr marL="685800" indent="-228600" algn="l" defTabSz="914400" rtl="0" eaLnBrk="1" latinLnBrk="0" hangingPunct="1">
-        <a:lnSpc>
-          <a:spcPct val="90000"/>
-        </a:lnSpc>
+      <a:lvl2pPr marL="742950" indent="-285750" algn="l" defTabSz="457200" rtl="0" eaLnBrk="1" latinLnBrk="0" hangingPunct="1">
         <a:spcBef>
-          <a:spcPts val="500"/>
+          <a:spcPts val="1000"/>
         </a:spcBef>
-        <a:buFont typeface="Arial" panose="020B0604020202020204" pitchFamily="34" charset="0"/>
-        <a:buChar char="•"/>
-        <a:defRPr sz="2400" kern="1200">
+        <a:spcAft>
+          <a:spcPts val="0"/>
+        </a:spcAft>
+        <a:buClr>
+          <a:schemeClr val="accent1"/>
+        </a:buClr>
+        <a:buFont typeface="Wingdings 3" charset="2"/>
+        <a:buChar char=""/>
+        <a:defRPr sz="1600" kern="1200">
           <a:solidFill>
-            <a:schemeClr val="tx1"/>
+            <a:schemeClr val="tx1">
+              <a:lumMod val="75000"/>
+              <a:lumOff val="25000"/>
+            </a:schemeClr>
           </a:solidFill>
           <a:latin typeface="+mn-lt"/>
           <a:ea typeface="+mn-ea"/>
           <a:cs typeface="+mn-cs"/>
         </a:defRPr>
       </a:lvl2pPr>
-      <a:lvl3pPr marL="1143000" indent="-228600" algn="l" defTabSz="914400" rtl="0" eaLnBrk="1" latinLnBrk="0" hangingPunct="1">
-        <a:lnSpc>
-          <a:spcPct val="90000"/>
-        </a:lnSpc>
+      <a:lvl3pPr marL="1143000" indent="-228600" algn="l" defTabSz="457200" rtl="0" eaLnBrk="1" latinLnBrk="0" hangingPunct="1">
         <a:spcBef>
-          <a:spcPts val="500"/>
+          <a:spcPts val="1000"/>
         </a:spcBef>
-        <a:buFont typeface="Arial" panose="020B0604020202020204" pitchFamily="34" charset="0"/>
-        <a:buChar char="•"/>
-        <a:defRPr sz="2000" kern="1200">
+        <a:spcAft>
+          <a:spcPts val="0"/>
+        </a:spcAft>
+        <a:buClr>
+          <a:schemeClr val="accent1"/>
+        </a:buClr>
+        <a:buFont typeface="Wingdings 3" charset="2"/>
+        <a:buChar char=""/>
+        <a:defRPr sz="1400" kern="1200">
           <a:solidFill>
-            <a:schemeClr val="tx1"/>
+            <a:schemeClr val="tx1">
+              <a:lumMod val="75000"/>
+              <a:lumOff val="25000"/>
+            </a:schemeClr>
           </a:solidFill>
           <a:latin typeface="+mn-lt"/>
           <a:ea typeface="+mn-ea"/>
           <a:cs typeface="+mn-cs"/>
         </a:defRPr>
       </a:lvl3pPr>
-      <a:lvl4pPr marL="1600200" indent="-228600" algn="l" defTabSz="914400" rtl="0" eaLnBrk="1" latinLnBrk="0" hangingPunct="1">
-        <a:lnSpc>
-          <a:spcPct val="90000"/>
-        </a:lnSpc>
+      <a:lvl4pPr marL="1600200" indent="-228600" algn="l" defTabSz="457200" rtl="0" eaLnBrk="1" latinLnBrk="0" hangingPunct="1">
         <a:spcBef>
-          <a:spcPts val="500"/>
+          <a:spcPts val="1000"/>
         </a:spcBef>
-        <a:buFont typeface="Arial" panose="020B0604020202020204" pitchFamily="34" charset="0"/>
-        <a:buChar char="•"/>
-        <a:defRPr sz="1800" kern="1200">
+        <a:spcAft>
+          <a:spcPts val="0"/>
+        </a:spcAft>
+        <a:buClr>
+          <a:schemeClr val="accent1"/>
+        </a:buClr>
+        <a:buFont typeface="Wingdings 3" charset="2"/>
+        <a:buChar char=""/>
+        <a:defRPr sz="1200" kern="1200">
           <a:solidFill>
-            <a:schemeClr val="tx1"/>
+            <a:schemeClr val="tx1">
+              <a:lumMod val="75000"/>
+              <a:lumOff val="25000"/>
+            </a:schemeClr>
           </a:solidFill>
           <a:latin typeface="+mn-lt"/>
           <a:ea typeface="+mn-ea"/>
           <a:cs typeface="+mn-cs"/>
         </a:defRPr>
       </a:lvl4pPr>
-      <a:lvl5pPr marL="2057400" indent="-228600" algn="l" defTabSz="914400" rtl="0" eaLnBrk="1" latinLnBrk="0" hangingPunct="1">
-        <a:lnSpc>
-          <a:spcPct val="90000"/>
-        </a:lnSpc>
+      <a:lvl5pPr marL="2057400" indent="-228600" algn="l" defTabSz="457200" rtl="0" eaLnBrk="1" latinLnBrk="0" hangingPunct="1">
         <a:spcBef>
-          <a:spcPts val="500"/>
+          <a:spcPts val="1000"/>
         </a:spcBef>
-        <a:buFont typeface="Arial" panose="020B0604020202020204" pitchFamily="34" charset="0"/>
-        <a:buChar char="•"/>
-        <a:defRPr sz="1800" kern="1200">
+        <a:spcAft>
+          <a:spcPts val="0"/>
+        </a:spcAft>
+        <a:buClr>
+          <a:schemeClr val="accent1"/>
+        </a:buClr>
+        <a:buFont typeface="Wingdings 3" charset="2"/>
+        <a:buChar char=""/>
+        <a:defRPr sz="1200" kern="1200">
           <a:solidFill>
-            <a:schemeClr val="tx1"/>
+            <a:schemeClr val="tx1">
+              <a:lumMod val="75000"/>
+              <a:lumOff val="25000"/>
+            </a:schemeClr>
           </a:solidFill>
           <a:latin typeface="+mn-lt"/>
           <a:ea typeface="+mn-ea"/>
           <a:cs typeface="+mn-cs"/>
         </a:defRPr>
       </a:lvl5pPr>
-      <a:lvl6pPr marL="2514600" indent="-228600" algn="l" defTabSz="914400" rtl="0" eaLnBrk="1" latinLnBrk="0" hangingPunct="1">
-        <a:lnSpc>
-          <a:spcPct val="90000"/>
-        </a:lnSpc>
+      <a:lvl6pPr marL="2514600" indent="-228600" algn="l" defTabSz="457200" rtl="0" eaLnBrk="1" latinLnBrk="0" hangingPunct="1">
         <a:spcBef>
-          <a:spcPts val="500"/>
+          <a:spcPts val="1000"/>
         </a:spcBef>
-        <a:buFont typeface="Arial" panose="020B0604020202020204" pitchFamily="34" charset="0"/>
-        <a:buChar char="•"/>
-        <a:defRPr sz="1800" kern="1200">
+        <a:spcAft>
+          <a:spcPts val="0"/>
+        </a:spcAft>
+        <a:buClr>
+          <a:schemeClr val="accent1"/>
+        </a:buClr>
+        <a:buFont typeface="Wingdings 3" charset="2"/>
+        <a:buChar char=""/>
+        <a:defRPr sz="1200" kern="1200">
           <a:solidFill>
-            <a:schemeClr val="tx1"/>
+            <a:schemeClr val="tx1">
+              <a:lumMod val="75000"/>
+              <a:lumOff val="25000"/>
+            </a:schemeClr>
           </a:solidFill>
           <a:latin typeface="+mn-lt"/>
           <a:ea typeface="+mn-ea"/>
           <a:cs typeface="+mn-cs"/>
         </a:defRPr>
       </a:lvl6pPr>
-      <a:lvl7pPr marL="2971800" indent="-228600" algn="l" defTabSz="914400" rtl="0" eaLnBrk="1" latinLnBrk="0" hangingPunct="1">
-        <a:lnSpc>
-          <a:spcPct val="90000"/>
-        </a:lnSpc>
+      <a:lvl7pPr marL="2971800" indent="-228600" algn="l" defTabSz="457200" rtl="0" eaLnBrk="1" latinLnBrk="0" hangingPunct="1">
         <a:spcBef>
-          <a:spcPts val="500"/>
+          <a:spcPts val="1000"/>
         </a:spcBef>
-        <a:buFont typeface="Arial" panose="020B0604020202020204" pitchFamily="34" charset="0"/>
-        <a:buChar char="•"/>
-        <a:defRPr sz="1800" kern="1200">
+        <a:spcAft>
+          <a:spcPts val="0"/>
+        </a:spcAft>
+        <a:buClr>
+          <a:schemeClr val="accent1"/>
+        </a:buClr>
+        <a:buFont typeface="Wingdings 3" charset="2"/>
+        <a:buChar char=""/>
+        <a:defRPr sz="1200" kern="1200">
           <a:solidFill>
-            <a:schemeClr val="tx1"/>
+            <a:schemeClr val="tx1">
+              <a:lumMod val="75000"/>
+              <a:lumOff val="25000"/>
+            </a:schemeClr>
           </a:solidFill>
           <a:latin typeface="+mn-lt"/>
           <a:ea typeface="+mn-ea"/>
           <a:cs typeface="+mn-cs"/>
         </a:defRPr>
       </a:lvl7pPr>
-      <a:lvl8pPr marL="3429000" indent="-228600" algn="l" defTabSz="914400" rtl="0" eaLnBrk="1" latinLnBrk="0" hangingPunct="1">
-        <a:lnSpc>
-          <a:spcPct val="90000"/>
-        </a:lnSpc>
+      <a:lvl8pPr marL="3429000" indent="-228600" algn="l" defTabSz="457200" rtl="0" eaLnBrk="1" latinLnBrk="0" hangingPunct="1">
         <a:spcBef>
-          <a:spcPts val="500"/>
+          <a:spcPts val="1000"/>
         </a:spcBef>
-        <a:buFont typeface="Arial" panose="020B0604020202020204" pitchFamily="34" charset="0"/>
-        <a:buChar char="•"/>
-        <a:defRPr sz="1800" kern="1200">
+        <a:spcAft>
+          <a:spcPts val="0"/>
+        </a:spcAft>
+        <a:buClr>
+          <a:schemeClr val="accent1"/>
+        </a:buClr>
+        <a:buFont typeface="Wingdings 3" charset="2"/>
+        <a:buChar char=""/>
+        <a:defRPr sz="1200" kern="1200">
           <a:solidFill>
-            <a:schemeClr val="tx1"/>
+            <a:schemeClr val="tx1">
+              <a:lumMod val="75000"/>
+              <a:lumOff val="25000"/>
+            </a:schemeClr>
           </a:solidFill>
           <a:latin typeface="+mn-lt"/>
           <a:ea typeface="+mn-ea"/>
           <a:cs typeface="+mn-cs"/>
         </a:defRPr>
       </a:lvl8pPr>
-      <a:lvl9pPr marL="3886200" indent="-228600" algn="l" defTabSz="914400" rtl="0" eaLnBrk="1" latinLnBrk="0" hangingPunct="1">
-        <a:lnSpc>
-          <a:spcPct val="90000"/>
-        </a:lnSpc>
+      <a:lvl9pPr marL="3886200" indent="-228600" algn="l" defTabSz="457200" rtl="0" eaLnBrk="1" latinLnBrk="0" hangingPunct="1">
         <a:spcBef>
-          <a:spcPts val="500"/>
+          <a:spcPts val="1000"/>
         </a:spcBef>
-        <a:buFont typeface="Arial" panose="020B0604020202020204" pitchFamily="34" charset="0"/>
-        <a:buChar char="•"/>
-        <a:defRPr sz="1800" kern="1200">
+        <a:spcAft>
+          <a:spcPts val="0"/>
+        </a:spcAft>
+        <a:buClr>
+          <a:schemeClr val="accent1"/>
+        </a:buClr>
+        <a:buFont typeface="Wingdings 3" charset="2"/>
+        <a:buChar char=""/>
+        <a:defRPr sz="1200" kern="1200">
           <a:solidFill>
-            <a:schemeClr val="tx1"/>
+            <a:schemeClr val="tx1">
+              <a:lumMod val="75000"/>
+              <a:lumOff val="25000"/>
+            </a:schemeClr>
           </a:solidFill>
           <a:latin typeface="+mn-lt"/>
           <a:ea typeface="+mn-ea"/>
@@ -2844,7 +7580,7 @@
       <a:defPPr>
         <a:defRPr lang="en-US"/>
       </a:defPPr>
-      <a:lvl1pPr marL="0" algn="l" defTabSz="914400" rtl="0" eaLnBrk="1" latinLnBrk="0" hangingPunct="1">
+      <a:lvl1pPr marL="0" algn="l" defTabSz="457200" rtl="0" eaLnBrk="1" latinLnBrk="0" hangingPunct="1">
         <a:defRPr sz="1800" kern="1200">
           <a:solidFill>
             <a:schemeClr val="tx1"/>
@@ -2854,7 +7590,7 @@
           <a:cs typeface="+mn-cs"/>
         </a:defRPr>
       </a:lvl1pPr>
-      <a:lvl2pPr marL="457200" algn="l" defTabSz="914400" rtl="0" eaLnBrk="1" latinLnBrk="0" hangingPunct="1">
+      <a:lvl2pPr marL="457200" algn="l" defTabSz="457200" rtl="0" eaLnBrk="1" latinLnBrk="0" hangingPunct="1">
         <a:defRPr sz="1800" kern="1200">
           <a:solidFill>
             <a:schemeClr val="tx1"/>
@@ -2864,7 +7600,7 @@
           <a:cs typeface="+mn-cs"/>
         </a:defRPr>
       </a:lvl2pPr>
-      <a:lvl3pPr marL="914400" algn="l" defTabSz="914400" rtl="0" eaLnBrk="1" latinLnBrk="0" hangingPunct="1">
+      <a:lvl3pPr marL="914400" algn="l" defTabSz="457200" rtl="0" eaLnBrk="1" latinLnBrk="0" hangingPunct="1">
         <a:defRPr sz="1800" kern="1200">
           <a:solidFill>
             <a:schemeClr val="tx1"/>
@@ -2874,7 +7610,7 @@
           <a:cs typeface="+mn-cs"/>
         </a:defRPr>
       </a:lvl3pPr>
-      <a:lvl4pPr marL="1371600" algn="l" defTabSz="914400" rtl="0" eaLnBrk="1" latinLnBrk="0" hangingPunct="1">
+      <a:lvl4pPr marL="1371600" algn="l" defTabSz="457200" rtl="0" eaLnBrk="1" latinLnBrk="0" hangingPunct="1">
         <a:defRPr sz="1800" kern="1200">
           <a:solidFill>
             <a:schemeClr val="tx1"/>
@@ -2884,7 +7620,7 @@
           <a:cs typeface="+mn-cs"/>
         </a:defRPr>
       </a:lvl4pPr>
-      <a:lvl5pPr marL="1828800" algn="l" defTabSz="914400" rtl="0" eaLnBrk="1" latinLnBrk="0" hangingPunct="1">
+      <a:lvl5pPr marL="1828800" algn="l" defTabSz="457200" rtl="0" eaLnBrk="1" latinLnBrk="0" hangingPunct="1">
         <a:defRPr sz="1800" kern="1200">
           <a:solidFill>
             <a:schemeClr val="tx1"/>
@@ -2894,7 +7630,7 @@
           <a:cs typeface="+mn-cs"/>
         </a:defRPr>
       </a:lvl5pPr>
-      <a:lvl6pPr marL="2286000" algn="l" defTabSz="914400" rtl="0" eaLnBrk="1" latinLnBrk="0" hangingPunct="1">
+      <a:lvl6pPr marL="2286000" algn="l" defTabSz="457200" rtl="0" eaLnBrk="1" latinLnBrk="0" hangingPunct="1">
         <a:defRPr sz="1800" kern="1200">
           <a:solidFill>
             <a:schemeClr val="tx1"/>
@@ -2904,7 +7640,7 @@
           <a:cs typeface="+mn-cs"/>
         </a:defRPr>
       </a:lvl6pPr>
-      <a:lvl7pPr marL="2743200" algn="l" defTabSz="914400" rtl="0" eaLnBrk="1" latinLnBrk="0" hangingPunct="1">
+      <a:lvl7pPr marL="2743200" algn="l" defTabSz="457200" rtl="0" eaLnBrk="1" latinLnBrk="0" hangingPunct="1">
         <a:defRPr sz="1800" kern="1200">
           <a:solidFill>
             <a:schemeClr val="tx1"/>
@@ -2914,7 +7650,7 @@
           <a:cs typeface="+mn-cs"/>
         </a:defRPr>
       </a:lvl7pPr>
-      <a:lvl8pPr marL="3200400" algn="l" defTabSz="914400" rtl="0" eaLnBrk="1" latinLnBrk="0" hangingPunct="1">
+      <a:lvl8pPr marL="3200400" algn="l" defTabSz="457200" rtl="0" eaLnBrk="1" latinLnBrk="0" hangingPunct="1">
         <a:defRPr sz="1800" kern="1200">
           <a:solidFill>
             <a:schemeClr val="tx1"/>
@@ -2924,7 +7660,7 @@
           <a:cs typeface="+mn-cs"/>
         </a:defRPr>
       </a:lvl8pPr>
-      <a:lvl9pPr marL="3657600" algn="l" defTabSz="914400" rtl="0" eaLnBrk="1" latinLnBrk="0" hangingPunct="1">
+      <a:lvl9pPr marL="3657600" algn="l" defTabSz="457200" rtl="0" eaLnBrk="1" latinLnBrk="0" hangingPunct="1">
         <a:defRPr sz="1800" kern="1200">
           <a:solidFill>
             <a:schemeClr val="tx1"/>
@@ -3015,6 +7751,13 @@
   <p:clrMapOvr>
     <a:masterClrMapping/>
   </p:clrMapOvr>
+  <p:timing>
+    <p:tnLst>
+      <p:par>
+        <p:cTn id="1" dur="indefinite" restart="never" nodeType="tmRoot"/>
+      </p:par>
+    </p:tnLst>
+  </p:timing>
 </p:sld>
 </file>
 
@@ -3052,7 +7795,7 @@
           <a:p>
             <a:r>
               <a:rPr lang="en-US" dirty="0"/>
-              <a:t>Difficulties</a:t>
+              <a:t>Component 3: Backend</a:t>
             </a:r>
           </a:p>
         </p:txBody>
@@ -3071,17 +7814,6 @@
         <p:txBody>
           <a:bodyPr/>
           <a:lstStyle/>
-          <a:p>
-            <a:r>
-              <a:rPr lang="en-US" dirty="0"/>
-              <a:t>Cabling and </a:t>
-            </a:r>
-            <a:r>
-              <a:rPr lang="en-US" dirty="0" err="1"/>
-              <a:t>WiFi</a:t>
-            </a:r>
-            <a:endParaRPr lang="en-US" dirty="0"/>
-          </a:p>
           <a:p>
             <a:r>
               <a:rPr lang="en-US" dirty="0" err="1"/>
@@ -3089,13 +7821,13 @@
             </a:r>
             <a:r>
               <a:rPr lang="en-US" dirty="0"/>
-              <a:t> communication</a:t>
+              <a:t> server</a:t>
             </a:r>
           </a:p>
           <a:p>
             <a:r>
               <a:rPr lang="en-US" dirty="0"/>
-              <a:t>Backend</a:t>
+              <a:t>Decision trees</a:t>
             </a:r>
           </a:p>
         </p:txBody>
@@ -3103,13 +7835,20 @@
     </p:spTree>
     <p:extLst>
       <p:ext uri="{BB962C8B-B14F-4D97-AF65-F5344CB8AC3E}">
-        <p14:creationId xmlns:p14="http://schemas.microsoft.com/office/powerpoint/2010/main" val="2728654477"/>
+        <p14:creationId xmlns:p14="http://schemas.microsoft.com/office/powerpoint/2010/main" val="1074626684"/>
       </p:ext>
     </p:extLst>
   </p:cSld>
   <p:clrMapOvr>
     <a:masterClrMapping/>
   </p:clrMapOvr>
+  <p:timing>
+    <p:tnLst>
+      <p:par>
+        <p:cTn id="1" dur="indefinite" restart="never" nodeType="tmRoot"/>
+      </p:par>
+    </p:tnLst>
+  </p:timing>
 </p:sld>
 </file>
 
@@ -3147,7 +7886,7 @@
           <a:p>
             <a:r>
               <a:rPr lang="en-US" dirty="0"/>
-              <a:t>Version changes: Hardware</a:t>
+              <a:t>Organization</a:t>
             </a:r>
           </a:p>
         </p:txBody>
@@ -3167,56 +7906,27 @@
           <a:bodyPr/>
           <a:lstStyle/>
           <a:p>
-            <a:r>
-              <a:rPr lang="en-US" dirty="0"/>
-              <a:t>Sensors</a:t>
-            </a:r>
-          </a:p>
-          <a:p>
-            <a:r>
-              <a:rPr lang="en-US" dirty="0"/>
-              <a:t>Sensor/Camera</a:t>
-            </a:r>
-          </a:p>
-          <a:p>
-            <a:r>
-              <a:rPr lang="en-US" dirty="0"/>
-              <a:t>Noise reduced sensors and </a:t>
-            </a:r>
-            <a:r>
-              <a:rPr lang="en-US" dirty="0" err="1"/>
-              <a:t>ReST</a:t>
-            </a:r>
-            <a:r>
-              <a:rPr lang="en-US" dirty="0"/>
-              <a:t> code</a:t>
-            </a:r>
-          </a:p>
-          <a:p>
-            <a:r>
-              <a:rPr lang="en-US" dirty="0" err="1"/>
-              <a:t>WiFi</a:t>
-            </a:r>
-            <a:endParaRPr lang="en-US" dirty="0"/>
-          </a:p>
-          <a:p>
-            <a:r>
-              <a:rPr lang="en-US" dirty="0"/>
-              <a:t>Solenoids</a:t>
-            </a:r>
+            <a:endParaRPr lang="en-US"/>
           </a:p>
         </p:txBody>
       </p:sp>
     </p:spTree>
     <p:extLst>
       <p:ext uri="{BB962C8B-B14F-4D97-AF65-F5344CB8AC3E}">
-        <p14:creationId xmlns:p14="http://schemas.microsoft.com/office/powerpoint/2010/main" val="1654266336"/>
+        <p14:creationId xmlns:p14="http://schemas.microsoft.com/office/powerpoint/2010/main" val="3347691264"/>
       </p:ext>
     </p:extLst>
   </p:cSld>
   <p:clrMapOvr>
     <a:masterClrMapping/>
   </p:clrMapOvr>
+  <p:timing>
+    <p:tnLst>
+      <p:par>
+        <p:cTn id="1" dur="indefinite" restart="never" nodeType="tmRoot"/>
+      </p:par>
+    </p:tnLst>
+  </p:timing>
 </p:sld>
 </file>
 
@@ -3253,9 +7963,10 @@
           <a:lstStyle/>
           <a:p>
             <a:r>
-              <a:rPr lang="en-US" dirty="0"/>
-              <a:t>Version changes: App</a:t>
-            </a:r>
+              <a:rPr lang="en-US" dirty="0" smtClean="0"/>
+              <a:t>Decision Tree</a:t>
+            </a:r>
+            <a:endParaRPr lang="en-US" dirty="0"/>
           </a:p>
         </p:txBody>
       </p:sp>
@@ -3274,46 +7985,27 @@
           <a:bodyPr/>
           <a:lstStyle/>
           <a:p>
-            <a:r>
-              <a:rPr lang="en-US" dirty="0"/>
-              <a:t>Plant info display</a:t>
-            </a:r>
-          </a:p>
-          <a:p>
-            <a:r>
-              <a:rPr lang="en-US" dirty="0" err="1"/>
-              <a:t>ReST</a:t>
-            </a:r>
-            <a:r>
-              <a:rPr lang="en-US" dirty="0"/>
-              <a:t> server pull</a:t>
-            </a:r>
-          </a:p>
-          <a:p>
-            <a:r>
-              <a:rPr lang="en-US" dirty="0" err="1"/>
-              <a:t>ReST</a:t>
-            </a:r>
-            <a:r>
-              <a:rPr lang="en-US" dirty="0"/>
-              <a:t> server update</a:t>
-            </a:r>
-          </a:p>
-          <a:p>
-            <a:endParaRPr lang="en-US" dirty="0"/>
+            <a:endParaRPr lang="en-US"/>
           </a:p>
         </p:txBody>
       </p:sp>
     </p:spTree>
     <p:extLst>
       <p:ext uri="{BB962C8B-B14F-4D97-AF65-F5344CB8AC3E}">
-        <p14:creationId xmlns:p14="http://schemas.microsoft.com/office/powerpoint/2010/main" val="1628140214"/>
+        <p14:creationId xmlns:p14="http://schemas.microsoft.com/office/powerpoint/2010/main" val="1186725986"/>
       </p:ext>
     </p:extLst>
   </p:cSld>
   <p:clrMapOvr>
     <a:masterClrMapping/>
   </p:clrMapOvr>
+  <p:timing>
+    <p:tnLst>
+      <p:par>
+        <p:cTn id="1" dur="indefinite" restart="never" nodeType="tmRoot"/>
+      </p:par>
+    </p:tnLst>
+  </p:timing>
 </p:sld>
 </file>
 
@@ -3351,7 +8043,7 @@
           <a:p>
             <a:r>
               <a:rPr lang="en-US" dirty="0"/>
-              <a:t>Version changes: Backend</a:t>
+              <a:t>Difficulties</a:t>
             </a:r>
           </a:p>
         </p:txBody>
@@ -3370,17 +8062,31 @@
         <p:txBody>
           <a:bodyPr/>
           <a:lstStyle/>
+          <a:p>
+            <a:r>
+              <a:rPr lang="en-US" dirty="0"/>
+              <a:t>Cabling and </a:t>
+            </a:r>
+            <a:r>
+              <a:rPr lang="en-US" dirty="0" err="1"/>
+              <a:t>WiFi</a:t>
+            </a:r>
+            <a:endParaRPr lang="en-US" dirty="0"/>
+          </a:p>
           <a:p>
             <a:r>
               <a:rPr lang="en-US" dirty="0" err="1"/>
               <a:t>ReST</a:t>
             </a:r>
-            <a:endParaRPr lang="en-US" dirty="0"/>
-          </a:p>
-          <a:p>
             <a:r>
               <a:rPr lang="en-US" dirty="0"/>
-              <a:t>Decision trees</a:t>
+              <a:t> communication</a:t>
+            </a:r>
+          </a:p>
+          <a:p>
+            <a:r>
+              <a:rPr lang="en-US" dirty="0"/>
+              <a:t>Backend</a:t>
             </a:r>
           </a:p>
         </p:txBody>
@@ -3388,13 +8094,20 @@
     </p:spTree>
     <p:extLst>
       <p:ext uri="{BB962C8B-B14F-4D97-AF65-F5344CB8AC3E}">
-        <p14:creationId xmlns:p14="http://schemas.microsoft.com/office/powerpoint/2010/main" val="1386798083"/>
+        <p14:creationId xmlns:p14="http://schemas.microsoft.com/office/powerpoint/2010/main" val="2728654477"/>
       </p:ext>
     </p:extLst>
   </p:cSld>
   <p:clrMapOvr>
     <a:masterClrMapping/>
   </p:clrMapOvr>
+  <p:timing>
+    <p:tnLst>
+      <p:par>
+        <p:cTn id="1" dur="indefinite" restart="never" nodeType="tmRoot"/>
+      </p:par>
+    </p:tnLst>
+  </p:timing>
 </p:sld>
 </file>
 
@@ -3432,6 +8145,312 @@
           <a:p>
             <a:r>
               <a:rPr lang="en-US" dirty="0"/>
+              <a:t>Version changes: Hardware</a:t>
+            </a:r>
+          </a:p>
+        </p:txBody>
+      </p:sp>
+      <p:sp>
+        <p:nvSpPr>
+          <p:cNvPr id="3" name="Content Placeholder 2"/>
+          <p:cNvSpPr>
+            <a:spLocks noGrp="1"/>
+          </p:cNvSpPr>
+          <p:nvPr>
+            <p:ph idx="1"/>
+          </p:nvPr>
+        </p:nvSpPr>
+        <p:spPr/>
+        <p:txBody>
+          <a:bodyPr/>
+          <a:lstStyle/>
+          <a:p>
+            <a:r>
+              <a:rPr lang="en-US" dirty="0"/>
+              <a:t>Sensors</a:t>
+            </a:r>
+          </a:p>
+          <a:p>
+            <a:r>
+              <a:rPr lang="en-US" dirty="0"/>
+              <a:t>Sensor/Camera</a:t>
+            </a:r>
+          </a:p>
+          <a:p>
+            <a:r>
+              <a:rPr lang="en-US" dirty="0"/>
+              <a:t>Noise reduced sensors and </a:t>
+            </a:r>
+            <a:r>
+              <a:rPr lang="en-US" dirty="0" err="1"/>
+              <a:t>ReST</a:t>
+            </a:r>
+            <a:r>
+              <a:rPr lang="en-US" dirty="0"/>
+              <a:t> code</a:t>
+            </a:r>
+          </a:p>
+          <a:p>
+            <a:r>
+              <a:rPr lang="en-US" dirty="0" err="1"/>
+              <a:t>WiFi</a:t>
+            </a:r>
+            <a:endParaRPr lang="en-US" dirty="0"/>
+          </a:p>
+          <a:p>
+            <a:r>
+              <a:rPr lang="en-US" dirty="0"/>
+              <a:t>Solenoids</a:t>
+            </a:r>
+          </a:p>
+        </p:txBody>
+      </p:sp>
+    </p:spTree>
+    <p:extLst>
+      <p:ext uri="{BB962C8B-B14F-4D97-AF65-F5344CB8AC3E}">
+        <p14:creationId xmlns:p14="http://schemas.microsoft.com/office/powerpoint/2010/main" val="1654266336"/>
+      </p:ext>
+    </p:extLst>
+  </p:cSld>
+  <p:clrMapOvr>
+    <a:masterClrMapping/>
+  </p:clrMapOvr>
+  <p:timing>
+    <p:tnLst>
+      <p:par>
+        <p:cTn id="1" dur="indefinite" restart="never" nodeType="tmRoot"/>
+      </p:par>
+    </p:tnLst>
+  </p:timing>
+</p:sld>
+</file>
+
+<file path=ppt/slides/slide15.xml><?xml version="1.0" encoding="utf-8"?>
+<p:sld xmlns:a="http://schemas.openxmlformats.org/drawingml/2006/main" xmlns:r="http://schemas.openxmlformats.org/officeDocument/2006/relationships" xmlns:p="http://schemas.openxmlformats.org/presentationml/2006/main">
+  <p:cSld>
+    <p:spTree>
+      <p:nvGrpSpPr>
+        <p:cNvPr id="1" name=""/>
+        <p:cNvGrpSpPr/>
+        <p:nvPr/>
+      </p:nvGrpSpPr>
+      <p:grpSpPr>
+        <a:xfrm>
+          <a:off x="0" y="0"/>
+          <a:ext cx="0" cy="0"/>
+          <a:chOff x="0" y="0"/>
+          <a:chExt cx="0" cy="0"/>
+        </a:xfrm>
+      </p:grpSpPr>
+      <p:sp>
+        <p:nvSpPr>
+          <p:cNvPr id="2" name="Title 1"/>
+          <p:cNvSpPr>
+            <a:spLocks noGrp="1"/>
+          </p:cNvSpPr>
+          <p:nvPr>
+            <p:ph type="title"/>
+          </p:nvPr>
+        </p:nvSpPr>
+        <p:spPr/>
+        <p:txBody>
+          <a:bodyPr/>
+          <a:lstStyle/>
+          <a:p>
+            <a:r>
+              <a:rPr lang="en-US" dirty="0"/>
+              <a:t>Version changes: App</a:t>
+            </a:r>
+          </a:p>
+        </p:txBody>
+      </p:sp>
+      <p:sp>
+        <p:nvSpPr>
+          <p:cNvPr id="3" name="Content Placeholder 2"/>
+          <p:cNvSpPr>
+            <a:spLocks noGrp="1"/>
+          </p:cNvSpPr>
+          <p:nvPr>
+            <p:ph idx="1"/>
+          </p:nvPr>
+        </p:nvSpPr>
+        <p:spPr/>
+        <p:txBody>
+          <a:bodyPr/>
+          <a:lstStyle/>
+          <a:p>
+            <a:r>
+              <a:rPr lang="en-US" dirty="0"/>
+              <a:t>Plant info display</a:t>
+            </a:r>
+          </a:p>
+          <a:p>
+            <a:r>
+              <a:rPr lang="en-US" dirty="0" err="1"/>
+              <a:t>ReST</a:t>
+            </a:r>
+            <a:r>
+              <a:rPr lang="en-US" dirty="0"/>
+              <a:t> server pull</a:t>
+            </a:r>
+          </a:p>
+          <a:p>
+            <a:r>
+              <a:rPr lang="en-US" dirty="0" err="1"/>
+              <a:t>ReST</a:t>
+            </a:r>
+            <a:r>
+              <a:rPr lang="en-US" dirty="0"/>
+              <a:t> server update</a:t>
+            </a:r>
+          </a:p>
+          <a:p>
+            <a:endParaRPr lang="en-US" dirty="0"/>
+          </a:p>
+        </p:txBody>
+      </p:sp>
+    </p:spTree>
+    <p:extLst>
+      <p:ext uri="{BB962C8B-B14F-4D97-AF65-F5344CB8AC3E}">
+        <p14:creationId xmlns:p14="http://schemas.microsoft.com/office/powerpoint/2010/main" val="1628140214"/>
+      </p:ext>
+    </p:extLst>
+  </p:cSld>
+  <p:clrMapOvr>
+    <a:masterClrMapping/>
+  </p:clrMapOvr>
+  <p:timing>
+    <p:tnLst>
+      <p:par>
+        <p:cTn id="1" dur="indefinite" restart="never" nodeType="tmRoot"/>
+      </p:par>
+    </p:tnLst>
+  </p:timing>
+</p:sld>
+</file>
+
+<file path=ppt/slides/slide16.xml><?xml version="1.0" encoding="utf-8"?>
+<p:sld xmlns:a="http://schemas.openxmlformats.org/drawingml/2006/main" xmlns:r="http://schemas.openxmlformats.org/officeDocument/2006/relationships" xmlns:p="http://schemas.openxmlformats.org/presentationml/2006/main">
+  <p:cSld>
+    <p:spTree>
+      <p:nvGrpSpPr>
+        <p:cNvPr id="1" name=""/>
+        <p:cNvGrpSpPr/>
+        <p:nvPr/>
+      </p:nvGrpSpPr>
+      <p:grpSpPr>
+        <a:xfrm>
+          <a:off x="0" y="0"/>
+          <a:ext cx="0" cy="0"/>
+          <a:chOff x="0" y="0"/>
+          <a:chExt cx="0" cy="0"/>
+        </a:xfrm>
+      </p:grpSpPr>
+      <p:sp>
+        <p:nvSpPr>
+          <p:cNvPr id="2" name="Title 1"/>
+          <p:cNvSpPr>
+            <a:spLocks noGrp="1"/>
+          </p:cNvSpPr>
+          <p:nvPr>
+            <p:ph type="title"/>
+          </p:nvPr>
+        </p:nvSpPr>
+        <p:spPr/>
+        <p:txBody>
+          <a:bodyPr/>
+          <a:lstStyle/>
+          <a:p>
+            <a:r>
+              <a:rPr lang="en-US" dirty="0"/>
+              <a:t>Version changes: Backend</a:t>
+            </a:r>
+          </a:p>
+        </p:txBody>
+      </p:sp>
+      <p:sp>
+        <p:nvSpPr>
+          <p:cNvPr id="3" name="Content Placeholder 2"/>
+          <p:cNvSpPr>
+            <a:spLocks noGrp="1"/>
+          </p:cNvSpPr>
+          <p:nvPr>
+            <p:ph idx="1"/>
+          </p:nvPr>
+        </p:nvSpPr>
+        <p:spPr/>
+        <p:txBody>
+          <a:bodyPr/>
+          <a:lstStyle/>
+          <a:p>
+            <a:r>
+              <a:rPr lang="en-US" dirty="0" err="1"/>
+              <a:t>ReST</a:t>
+            </a:r>
+            <a:endParaRPr lang="en-US" dirty="0"/>
+          </a:p>
+          <a:p>
+            <a:r>
+              <a:rPr lang="en-US" dirty="0"/>
+              <a:t>Decision trees</a:t>
+            </a:r>
+          </a:p>
+        </p:txBody>
+      </p:sp>
+    </p:spTree>
+    <p:extLst>
+      <p:ext uri="{BB962C8B-B14F-4D97-AF65-F5344CB8AC3E}">
+        <p14:creationId xmlns:p14="http://schemas.microsoft.com/office/powerpoint/2010/main" val="1386798083"/>
+      </p:ext>
+    </p:extLst>
+  </p:cSld>
+  <p:clrMapOvr>
+    <a:masterClrMapping/>
+  </p:clrMapOvr>
+  <p:timing>
+    <p:tnLst>
+      <p:par>
+        <p:cTn id="1" dur="indefinite" restart="never" nodeType="tmRoot"/>
+      </p:par>
+    </p:tnLst>
+  </p:timing>
+</p:sld>
+</file>
+
+<file path=ppt/slides/slide17.xml><?xml version="1.0" encoding="utf-8"?>
+<p:sld xmlns:a="http://schemas.openxmlformats.org/drawingml/2006/main" xmlns:r="http://schemas.openxmlformats.org/officeDocument/2006/relationships" xmlns:p="http://schemas.openxmlformats.org/presentationml/2006/main">
+  <p:cSld>
+    <p:spTree>
+      <p:nvGrpSpPr>
+        <p:cNvPr id="1" name=""/>
+        <p:cNvGrpSpPr/>
+        <p:nvPr/>
+      </p:nvGrpSpPr>
+      <p:grpSpPr>
+        <a:xfrm>
+          <a:off x="0" y="0"/>
+          <a:ext cx="0" cy="0"/>
+          <a:chOff x="0" y="0"/>
+          <a:chExt cx="0" cy="0"/>
+        </a:xfrm>
+      </p:grpSpPr>
+      <p:sp>
+        <p:nvSpPr>
+          <p:cNvPr id="2" name="Title 1"/>
+          <p:cNvSpPr>
+            <a:spLocks noGrp="1"/>
+          </p:cNvSpPr>
+          <p:nvPr>
+            <p:ph type="title"/>
+          </p:nvPr>
+        </p:nvSpPr>
+        <p:spPr/>
+        <p:txBody>
+          <a:bodyPr/>
+          <a:lstStyle/>
+          <a:p>
+            <a:r>
+              <a:rPr lang="en-US" dirty="0"/>
               <a:t>Final Product</a:t>
             </a:r>
           </a:p>
@@ -3473,6 +8492,13 @@
   <p:clrMapOvr>
     <a:masterClrMapping/>
   </p:clrMapOvr>
+  <p:timing>
+    <p:tnLst>
+      <p:par>
+        <p:cTn id="1" dur="indefinite" restart="never" nodeType="tmRoot"/>
+      </p:par>
+    </p:tnLst>
+  </p:timing>
 </p:sld>
 </file>
 
@@ -3561,6 +8587,13 @@
   <p:clrMapOvr>
     <a:masterClrMapping/>
   </p:clrMapOvr>
+  <p:timing>
+    <p:tnLst>
+      <p:par>
+        <p:cTn id="1" dur="indefinite" restart="never" nodeType="tmRoot"/>
+      </p:par>
+    </p:tnLst>
+  </p:timing>
 </p:sld>
 </file>
 
@@ -3669,6 +8702,13 @@
   <p:clrMapOvr>
     <a:masterClrMapping/>
   </p:clrMapOvr>
+  <p:timing>
+    <p:tnLst>
+      <p:par>
+        <p:cTn id="1" dur="indefinite" restart="never" nodeType="tmRoot"/>
+      </p:par>
+    </p:tnLst>
+  </p:timing>
 </p:sld>
 </file>
 
@@ -3706,7 +8746,7 @@
           <a:p>
             <a:r>
               <a:rPr lang="en-US" dirty="0"/>
-              <a:t>Component 2: App</a:t>
+              <a:t>Component 1: Hardware</a:t>
             </a:r>
           </a:p>
         </p:txBody>
@@ -3727,56 +8767,30 @@
           <a:lstStyle/>
           <a:p>
             <a:r>
-              <a:rPr lang="en-US" dirty="0"/>
-              <a:t>Plant health</a:t>
-            </a:r>
-          </a:p>
-          <a:p>
-            <a:pPr lvl="1"/>
+              <a:rPr lang="en-US" dirty="0" smtClean="0"/>
+              <a:t>Hardware picture</a:t>
+            </a:r>
             <a:endParaRPr lang="en-US" dirty="0"/>
           </a:p>
         </p:txBody>
       </p:sp>
-      <p:pic>
-        <p:nvPicPr>
-          <p:cNvPr id="13" name="Picture 12"/>
-          <p:cNvPicPr>
-            <a:picLocks noChangeAspect="1"/>
-          </p:cNvPicPr>
-          <p:nvPr/>
-        </p:nvPicPr>
-        <p:blipFill>
-          <a:blip r:embed="rId2">
-            <a:extLst>
-              <a:ext uri="{28A0092B-C50C-407E-A947-70E740481C1C}">
-                <a14:useLocalDpi xmlns:a14="http://schemas.microsoft.com/office/drawing/2010/main" val="0"/>
-              </a:ext>
-            </a:extLst>
-          </a:blip>
-          <a:stretch>
-            <a:fillRect/>
-          </a:stretch>
-        </p:blipFill>
-        <p:spPr>
-          <a:xfrm>
-            <a:off x="6748040" y="0"/>
-            <a:ext cx="3864980" cy="6871075"/>
-          </a:xfrm>
-          <a:prstGeom prst="rect">
-            <a:avLst/>
-          </a:prstGeom>
-        </p:spPr>
-      </p:pic>
     </p:spTree>
     <p:extLst>
       <p:ext uri="{BB962C8B-B14F-4D97-AF65-F5344CB8AC3E}">
-        <p14:creationId xmlns:p14="http://schemas.microsoft.com/office/powerpoint/2010/main" val="2933714770"/>
+        <p14:creationId xmlns:p14="http://schemas.microsoft.com/office/powerpoint/2010/main" val="2699768603"/>
       </p:ext>
     </p:extLst>
   </p:cSld>
   <p:clrMapOvr>
     <a:masterClrMapping/>
   </p:clrMapOvr>
+  <p:timing>
+    <p:tnLst>
+      <p:par>
+        <p:cTn id="1" dur="indefinite" restart="never" nodeType="tmRoot"/>
+      </p:par>
+    </p:tnLst>
+  </p:timing>
 </p:sld>
 </file>
 
@@ -3814,7 +8828,7 @@
           <a:p>
             <a:r>
               <a:rPr lang="en-US" dirty="0"/>
-              <a:t>Component 2: App</a:t>
+              <a:t>Component 1: Hardware</a:t>
             </a:r>
           </a:p>
         </p:txBody>
@@ -3835,52 +8849,30 @@
           <a:lstStyle/>
           <a:p>
             <a:r>
-              <a:rPr lang="en-US" dirty="0"/>
-              <a:t>Sensor readings</a:t>
-            </a:r>
-          </a:p>
-        </p:txBody>
-      </p:sp>
-      <p:pic>
-        <p:nvPicPr>
-          <p:cNvPr id="5" name="Picture 4"/>
-          <p:cNvPicPr>
-            <a:picLocks noChangeAspect="1"/>
-          </p:cNvPicPr>
-          <p:nvPr/>
-        </p:nvPicPr>
-        <p:blipFill>
-          <a:blip r:embed="rId2">
-            <a:extLst>
-              <a:ext uri="{28A0092B-C50C-407E-A947-70E740481C1C}">
-                <a14:useLocalDpi xmlns:a14="http://schemas.microsoft.com/office/drawing/2010/main" val="0"/>
-              </a:ext>
-            </a:extLst>
-          </a:blip>
-          <a:stretch>
-            <a:fillRect/>
-          </a:stretch>
-        </p:blipFill>
-        <p:spPr>
-          <a:xfrm>
-            <a:off x="6759917" y="0"/>
-            <a:ext cx="3857625" cy="6858000"/>
-          </a:xfrm>
-          <a:prstGeom prst="rect">
-            <a:avLst/>
-          </a:prstGeom>
-        </p:spPr>
-      </p:pic>
+              <a:rPr lang="en-US" dirty="0" smtClean="0"/>
+              <a:t>Pixy picture</a:t>
+            </a:r>
+            <a:endParaRPr lang="en-US" dirty="0"/>
+          </a:p>
+        </p:txBody>
+      </p:sp>
     </p:spTree>
     <p:extLst>
       <p:ext uri="{BB962C8B-B14F-4D97-AF65-F5344CB8AC3E}">
-        <p14:creationId xmlns:p14="http://schemas.microsoft.com/office/powerpoint/2010/main" val="1290909651"/>
+        <p14:creationId xmlns:p14="http://schemas.microsoft.com/office/powerpoint/2010/main" val="2578441148"/>
       </p:ext>
     </p:extLst>
   </p:cSld>
   <p:clrMapOvr>
     <a:masterClrMapping/>
   </p:clrMapOvr>
+  <p:timing>
+    <p:tnLst>
+      <p:par>
+        <p:cTn id="1" dur="indefinite" restart="never" nodeType="tmRoot"/>
+      </p:par>
+    </p:tnLst>
+  </p:timing>
 </p:sld>
 </file>
 
@@ -3940,21 +8932,25 @@
           <a:p>
             <a:r>
               <a:rPr lang="en-US" dirty="0"/>
-              <a:t>Settings</a:t>
-            </a:r>
+              <a:t>Plant health</a:t>
+            </a:r>
+          </a:p>
+          <a:p>
+            <a:pPr lvl="1"/>
+            <a:endParaRPr lang="en-US" dirty="0"/>
           </a:p>
         </p:txBody>
       </p:sp>
       <p:pic>
         <p:nvPicPr>
-          <p:cNvPr id="5" name="Picture 4"/>
+          <p:cNvPr id="13" name="Picture 12"/>
           <p:cNvPicPr>
             <a:picLocks noChangeAspect="1"/>
           </p:cNvPicPr>
           <p:nvPr/>
         </p:nvPicPr>
         <p:blipFill>
-          <a:blip r:embed="rId2">
+          <a:blip r:embed="rId2" cstate="hqprint">
             <a:extLst>
               <a:ext uri="{28A0092B-C50C-407E-A947-70E740481C1C}">
                 <a14:useLocalDpi xmlns:a14="http://schemas.microsoft.com/office/drawing/2010/main" val="0"/>
@@ -3967,8 +8963,8 @@
         </p:blipFill>
         <p:spPr>
           <a:xfrm>
-            <a:off x="6759915" y="0"/>
-            <a:ext cx="3857625" cy="6858000"/>
+            <a:off x="7639632" y="0"/>
+            <a:ext cx="3864980" cy="6871075"/>
           </a:xfrm>
           <a:prstGeom prst="rect">
             <a:avLst/>
@@ -3978,13 +8974,20 @@
     </p:spTree>
     <p:extLst>
       <p:ext uri="{BB962C8B-B14F-4D97-AF65-F5344CB8AC3E}">
-        <p14:creationId xmlns:p14="http://schemas.microsoft.com/office/powerpoint/2010/main" val="3280193882"/>
+        <p14:creationId xmlns:p14="http://schemas.microsoft.com/office/powerpoint/2010/main" val="2933714770"/>
       </p:ext>
     </p:extLst>
   </p:cSld>
   <p:clrMapOvr>
     <a:masterClrMapping/>
   </p:clrMapOvr>
+  <p:timing>
+    <p:tnLst>
+      <p:par>
+        <p:cTn id="1" dur="indefinite" restart="never" nodeType="tmRoot"/>
+      </p:par>
+    </p:tnLst>
+  </p:timing>
 </p:sld>
 </file>
 
@@ -4044,7 +9047,7 @@
           <a:p>
             <a:r>
               <a:rPr lang="en-US" dirty="0"/>
-              <a:t>Add plant</a:t>
+              <a:t>Sensor readings</a:t>
             </a:r>
           </a:p>
         </p:txBody>
@@ -4058,7 +9061,7 @@
           <p:nvPr/>
         </p:nvPicPr>
         <p:blipFill>
-          <a:blip r:embed="rId2">
+          <a:blip r:embed="rId2" cstate="hqprint">
             <a:extLst>
               <a:ext uri="{28A0092B-C50C-407E-A947-70E740481C1C}">
                 <a14:useLocalDpi xmlns:a14="http://schemas.microsoft.com/office/drawing/2010/main" val="0"/>
@@ -4071,7 +9074,7 @@
         </p:blipFill>
         <p:spPr>
           <a:xfrm>
-            <a:off x="6759917" y="0"/>
+            <a:off x="7646987" y="0"/>
             <a:ext cx="3857625" cy="6858000"/>
           </a:xfrm>
           <a:prstGeom prst="rect">
@@ -4082,13 +9085,20 @@
     </p:spTree>
     <p:extLst>
       <p:ext uri="{BB962C8B-B14F-4D97-AF65-F5344CB8AC3E}">
-        <p14:creationId xmlns:p14="http://schemas.microsoft.com/office/powerpoint/2010/main" val="1556028876"/>
+        <p14:creationId xmlns:p14="http://schemas.microsoft.com/office/powerpoint/2010/main" val="1290909651"/>
       </p:ext>
     </p:extLst>
   </p:cSld>
   <p:clrMapOvr>
     <a:masterClrMapping/>
   </p:clrMapOvr>
+  <p:timing>
+    <p:tnLst>
+      <p:par>
+        <p:cTn id="1" dur="indefinite" restart="never" nodeType="tmRoot"/>
+      </p:par>
+    </p:tnLst>
+  </p:timing>
 </p:sld>
 </file>
 
@@ -4126,7 +9136,7 @@
           <a:p>
             <a:r>
               <a:rPr lang="en-US" dirty="0"/>
-              <a:t>Component 3: Backend</a:t>
+              <a:t>Component 2: App</a:t>
             </a:r>
           </a:p>
         </p:txBody>
@@ -4147,32 +9157,59 @@
           <a:lstStyle/>
           <a:p>
             <a:r>
-              <a:rPr lang="en-US" dirty="0" err="1"/>
-              <a:t>ReST</a:t>
-            </a:r>
-            <a:r>
               <a:rPr lang="en-US" dirty="0"/>
-              <a:t> server</a:t>
-            </a:r>
-          </a:p>
-          <a:p>
-            <a:r>
-              <a:rPr lang="en-US" dirty="0"/>
-              <a:t>Decision trees</a:t>
-            </a:r>
-          </a:p>
-        </p:txBody>
-      </p:sp>
+              <a:t>Settings</a:t>
+            </a:r>
+          </a:p>
+        </p:txBody>
+      </p:sp>
+      <p:pic>
+        <p:nvPicPr>
+          <p:cNvPr id="5" name="Picture 4"/>
+          <p:cNvPicPr>
+            <a:picLocks noChangeAspect="1"/>
+          </p:cNvPicPr>
+          <p:nvPr/>
+        </p:nvPicPr>
+        <p:blipFill>
+          <a:blip r:embed="rId2" cstate="hqprint">
+            <a:extLst>
+              <a:ext uri="{28A0092B-C50C-407E-A947-70E740481C1C}">
+                <a14:useLocalDpi xmlns:a14="http://schemas.microsoft.com/office/drawing/2010/main" val="0"/>
+              </a:ext>
+            </a:extLst>
+          </a:blip>
+          <a:stretch>
+            <a:fillRect/>
+          </a:stretch>
+        </p:blipFill>
+        <p:spPr>
+          <a:xfrm>
+            <a:off x="7646987" y="0"/>
+            <a:ext cx="3857625" cy="6858000"/>
+          </a:xfrm>
+          <a:prstGeom prst="rect">
+            <a:avLst/>
+          </a:prstGeom>
+        </p:spPr>
+      </p:pic>
     </p:spTree>
     <p:extLst>
       <p:ext uri="{BB962C8B-B14F-4D97-AF65-F5344CB8AC3E}">
-        <p14:creationId xmlns:p14="http://schemas.microsoft.com/office/powerpoint/2010/main" val="1074626684"/>
+        <p14:creationId xmlns:p14="http://schemas.microsoft.com/office/powerpoint/2010/main" val="3280193882"/>
       </p:ext>
     </p:extLst>
   </p:cSld>
   <p:clrMapOvr>
     <a:masterClrMapping/>
   </p:clrMapOvr>
+  <p:timing>
+    <p:tnLst>
+      <p:par>
+        <p:cTn id="1" dur="indefinite" restart="never" nodeType="tmRoot"/>
+      </p:par>
+    </p:tnLst>
+  </p:timing>
 </p:sld>
 </file>
 
@@ -4210,7 +9247,7 @@
           <a:p>
             <a:r>
               <a:rPr lang="en-US" dirty="0"/>
-              <a:t>Organization</a:t>
+              <a:t>Component 2: App</a:t>
             </a:r>
           </a:p>
         </p:txBody>
@@ -4230,27 +9267,67 @@
           <a:bodyPr/>
           <a:lstStyle/>
           <a:p>
-            <a:endParaRPr lang="en-US"/>
-          </a:p>
-        </p:txBody>
-      </p:sp>
+            <a:r>
+              <a:rPr lang="en-US" dirty="0"/>
+              <a:t>Add plant</a:t>
+            </a:r>
+          </a:p>
+        </p:txBody>
+      </p:sp>
+      <p:pic>
+        <p:nvPicPr>
+          <p:cNvPr id="5" name="Picture 4"/>
+          <p:cNvPicPr>
+            <a:picLocks noChangeAspect="1"/>
+          </p:cNvPicPr>
+          <p:nvPr/>
+        </p:nvPicPr>
+        <p:blipFill>
+          <a:blip r:embed="rId2" cstate="hqprint">
+            <a:extLst>
+              <a:ext uri="{28A0092B-C50C-407E-A947-70E740481C1C}">
+                <a14:useLocalDpi xmlns:a14="http://schemas.microsoft.com/office/drawing/2010/main" val="0"/>
+              </a:ext>
+            </a:extLst>
+          </a:blip>
+          <a:stretch>
+            <a:fillRect/>
+          </a:stretch>
+        </p:blipFill>
+        <p:spPr>
+          <a:xfrm>
+            <a:off x="7646987" y="0"/>
+            <a:ext cx="3857625" cy="6858000"/>
+          </a:xfrm>
+          <a:prstGeom prst="rect">
+            <a:avLst/>
+          </a:prstGeom>
+        </p:spPr>
+      </p:pic>
     </p:spTree>
     <p:extLst>
       <p:ext uri="{BB962C8B-B14F-4D97-AF65-F5344CB8AC3E}">
-        <p14:creationId xmlns:p14="http://schemas.microsoft.com/office/powerpoint/2010/main" val="3347691264"/>
+        <p14:creationId xmlns:p14="http://schemas.microsoft.com/office/powerpoint/2010/main" val="1556028876"/>
       </p:ext>
     </p:extLst>
   </p:cSld>
   <p:clrMapOvr>
     <a:masterClrMapping/>
   </p:clrMapOvr>
+  <p:timing>
+    <p:tnLst>
+      <p:par>
+        <p:cTn id="1" dur="indefinite" restart="never" nodeType="tmRoot"/>
+      </p:par>
+    </p:tnLst>
+  </p:timing>
 </p:sld>
 </file>
 
 <file path=ppt/theme/theme1.xml><?xml version="1.0" encoding="utf-8"?>
-<a:theme xmlns:a="http://schemas.openxmlformats.org/drawingml/2006/main" name="Office Theme">
+<a:theme xmlns:a="http://schemas.openxmlformats.org/drawingml/2006/main" name="Wisp">
   <a:themeElements>
-    <a:clrScheme name="Office">
+    <a:clrScheme name="Wisp">
       <a:dk1>
         <a:sysClr val="windowText" lastClr="000000"/>
       </a:dk1>
@@ -4258,100 +9335,48 @@
         <a:sysClr val="window" lastClr="FFFFFF"/>
       </a:lt1>
       <a:dk2>
-        <a:srgbClr val="44546A"/>
+        <a:srgbClr val="766F54"/>
       </a:dk2>
       <a:lt2>
-        <a:srgbClr val="E7E6E6"/>
+        <a:srgbClr val="E3EACF"/>
       </a:lt2>
       <a:accent1>
-        <a:srgbClr val="4472C4"/>
+        <a:srgbClr val="A53010"/>
       </a:accent1>
       <a:accent2>
-        <a:srgbClr val="ED7D31"/>
+        <a:srgbClr val="DE7E18"/>
       </a:accent2>
       <a:accent3>
-        <a:srgbClr val="A5A5A5"/>
+        <a:srgbClr val="9F8351"/>
       </a:accent3>
       <a:accent4>
-        <a:srgbClr val="FFC000"/>
+        <a:srgbClr val="728653"/>
       </a:accent4>
       <a:accent5>
-        <a:srgbClr val="5B9BD5"/>
+        <a:srgbClr val="92AA4C"/>
       </a:accent5>
       <a:accent6>
-        <a:srgbClr val="70AD47"/>
+        <a:srgbClr val="6AAC91"/>
       </a:accent6>
       <a:hlink>
-        <a:srgbClr val="0563C1"/>
+        <a:srgbClr val="FB4A18"/>
       </a:hlink>
       <a:folHlink>
-        <a:srgbClr val="954F72"/>
+        <a:srgbClr val="FB9318"/>
       </a:folHlink>
     </a:clrScheme>
-    <a:fontScheme name="Office">
+    <a:fontScheme name="Wisp">
       <a:majorFont>
-        <a:latin typeface="Calibri Light" panose="020F0302020204030204"/>
+        <a:latin typeface="Century Gothic" panose="020B0502020202020204"/>
         <a:ea typeface=""/>
         <a:cs typeface=""/>
-        <a:font script="Jpan" typeface="游ゴシック Light"/>
-        <a:font script="Hang" typeface="맑은 고딕"/>
-        <a:font script="Hans" typeface="等线 Light"/>
-        <a:font script="Hant" typeface="新細明體"/>
-        <a:font script="Arab" typeface="Times New Roman"/>
-        <a:font script="Hebr" typeface="Times New Roman"/>
-        <a:font script="Thai" typeface="Angsana New"/>
-        <a:font script="Ethi" typeface="Nyala"/>
-        <a:font script="Beng" typeface="Vrinda"/>
-        <a:font script="Gujr" typeface="Shruti"/>
-        <a:font script="Khmr" typeface="MoolBoran"/>
-        <a:font script="Knda" typeface="Tunga"/>
-        <a:font script="Guru" typeface="Raavi"/>
-        <a:font script="Cans" typeface="Euphemia"/>
-        <a:font script="Cher" typeface="Plantagenet Cherokee"/>
-        <a:font script="Yiii" typeface="Microsoft Yi Baiti"/>
-        <a:font script="Tibt" typeface="Microsoft Himalaya"/>
-        <a:font script="Thaa" typeface="MV Boli"/>
-        <a:font script="Deva" typeface="Mangal"/>
-        <a:font script="Telu" typeface="Gautami"/>
-        <a:font script="Taml" typeface="Latha"/>
-        <a:font script="Syrc" typeface="Estrangelo Edessa"/>
-        <a:font script="Orya" typeface="Kalinga"/>
-        <a:font script="Mlym" typeface="Kartika"/>
-        <a:font script="Laoo" typeface="DokChampa"/>
-        <a:font script="Sinh" typeface="Iskoola Pota"/>
-        <a:font script="Mong" typeface="Mongolian Baiti"/>
-        <a:font script="Viet" typeface="Times New Roman"/>
-        <a:font script="Uigh" typeface="Microsoft Uighur"/>
-        <a:font script="Geor" typeface="Sylfaen"/>
-        <a:font script="Armn" typeface="Arial"/>
-        <a:font script="Bugi" typeface="Leelawadee UI"/>
-        <a:font script="Bopo" typeface="Microsoft JhengHei"/>
-        <a:font script="Java" typeface="Javanese Text"/>
-        <a:font script="Lisu" typeface="Segoe UI"/>
-        <a:font script="Mymr" typeface="Myanmar Text"/>
-        <a:font script="Nkoo" typeface="Ebrima"/>
-        <a:font script="Olck" typeface="Nirmala UI"/>
-        <a:font script="Osma" typeface="Ebrima"/>
-        <a:font script="Phag" typeface="Phagspa"/>
-        <a:font script="Syrn" typeface="Estrangelo Edessa"/>
-        <a:font script="Syrj" typeface="Estrangelo Edessa"/>
-        <a:font script="Syre" typeface="Estrangelo Edessa"/>
-        <a:font script="Sora" typeface="Nirmala UI"/>
-        <a:font script="Tale" typeface="Microsoft Tai Le"/>
-        <a:font script="Talu" typeface="Microsoft New Tai Lue"/>
-        <a:font script="Tfng" typeface="Ebrima"/>
-      </a:majorFont>
-      <a:minorFont>
-        <a:latin typeface="Calibri" panose="020F0502020204030204"/>
-        <a:ea typeface=""/>
-        <a:cs typeface=""/>
-        <a:font script="Jpan" typeface="游ゴシック"/>
-        <a:font script="Hang" typeface="맑은 고딕"/>
-        <a:font script="Hans" typeface="等线"/>
-        <a:font script="Hant" typeface="新細明體"/>
-        <a:font script="Arab" typeface="Arial"/>
-        <a:font script="Hebr" typeface="Arial"/>
-        <a:font script="Thai" typeface="Cordia New"/>
+        <a:font script="Jpan" typeface="メイリオ"/>
+        <a:font script="Hang" typeface="HY중고딕"/>
+        <a:font script="Hans" typeface="幼圆"/>
+        <a:font script="Hant" typeface="微軟正黑體"/>
+        <a:font script="Arab" typeface="Tahoma"/>
+        <a:font script="Hebr" typeface="Gisha"/>
+        <a:font script="Thai" typeface="DilleniaUPC"/>
         <a:font script="Ethi" typeface="Nyala"/>
         <a:font script="Beng" typeface="Vrinda"/>
         <a:font script="Gujr" typeface="Shruti"/>
@@ -4372,30 +9397,121 @@
         <a:font script="Laoo" typeface="DokChampa"/>
         <a:font script="Sinh" typeface="Iskoola Pota"/>
         <a:font script="Mong" typeface="Mongolian Baiti"/>
-        <a:font script="Viet" typeface="Arial"/>
+        <a:font script="Viet" typeface="Tahoma"/>
         <a:font script="Uigh" typeface="Microsoft Uighur"/>
         <a:font script="Geor" typeface="Sylfaen"/>
-        <a:font script="Armn" typeface="Arial"/>
-        <a:font script="Bugi" typeface="Leelawadee UI"/>
-        <a:font script="Bopo" typeface="Microsoft JhengHei"/>
-        <a:font script="Java" typeface="Javanese Text"/>
-        <a:font script="Lisu" typeface="Segoe UI"/>
-        <a:font script="Mymr" typeface="Myanmar Text"/>
-        <a:font script="Nkoo" typeface="Ebrima"/>
-        <a:font script="Olck" typeface="Nirmala UI"/>
-        <a:font script="Osma" typeface="Ebrima"/>
-        <a:font script="Phag" typeface="Phagspa"/>
-        <a:font script="Syrn" typeface="Estrangelo Edessa"/>
-        <a:font script="Syrj" typeface="Estrangelo Edessa"/>
-        <a:font script="Syre" typeface="Estrangelo Edessa"/>
-        <a:font script="Sora" typeface="Nirmala UI"/>
-        <a:font script="Tale" typeface="Microsoft Tai Le"/>
-        <a:font script="Talu" typeface="Microsoft New Tai Lue"/>
-        <a:font script="Tfng" typeface="Ebrima"/>
+      </a:majorFont>
+      <a:minorFont>
+        <a:latin typeface="Century Gothic" panose="020B0502020202020204"/>
+        <a:ea typeface=""/>
+        <a:cs typeface=""/>
+        <a:font script="Jpan" typeface="メイリオ"/>
+        <a:font script="Hang" typeface="HY중고딕"/>
+        <a:font script="Hans" typeface="幼圆"/>
+        <a:font script="Hant" typeface="微軟正黑體"/>
+        <a:font script="Arab" typeface="Tahoma"/>
+        <a:font script="Hebr" typeface="Gisha"/>
+        <a:font script="Thai" typeface="DilleniaUPC"/>
+        <a:font script="Ethi" typeface="Nyala"/>
+        <a:font script="Beng" typeface="Vrinda"/>
+        <a:font script="Gujr" typeface="Shruti"/>
+        <a:font script="Khmr" typeface="DaunPenh"/>
+        <a:font script="Knda" typeface="Tunga"/>
+        <a:font script="Guru" typeface="Raavi"/>
+        <a:font script="Cans" typeface="Euphemia"/>
+        <a:font script="Cher" typeface="Plantagenet Cherokee"/>
+        <a:font script="Yiii" typeface="Microsoft Yi Baiti"/>
+        <a:font script="Tibt" typeface="Microsoft Himalaya"/>
+        <a:font script="Thaa" typeface="MV Boli"/>
+        <a:font script="Deva" typeface="Mangal"/>
+        <a:font script="Telu" typeface="Gautami"/>
+        <a:font script="Taml" typeface="Latha"/>
+        <a:font script="Syrc" typeface="Estrangelo Edessa"/>
+        <a:font script="Orya" typeface="Kalinga"/>
+        <a:font script="Mlym" typeface="Kartika"/>
+        <a:font script="Laoo" typeface="DokChampa"/>
+        <a:font script="Sinh" typeface="Iskoola Pota"/>
+        <a:font script="Mong" typeface="Mongolian Baiti"/>
+        <a:font script="Viet" typeface="Tahoma"/>
+        <a:font script="Uigh" typeface="Microsoft Uighur"/>
+        <a:font script="Geor" typeface="Sylfaen"/>
       </a:minorFont>
     </a:fontScheme>
-    <a:fmtScheme name="Office">
+    <a:fmtScheme name="Wisp">
       <a:fillStyleLst>
+        <a:solidFill>
+          <a:schemeClr val="phClr"/>
+        </a:solidFill>
+        <a:solidFill>
+          <a:schemeClr val="phClr">
+            <a:tint val="70000"/>
+            <a:lumMod val="104000"/>
+          </a:schemeClr>
+        </a:solidFill>
+        <a:gradFill rotWithShape="1">
+          <a:gsLst>
+            <a:gs pos="0">
+              <a:schemeClr val="phClr">
+                <a:tint val="96000"/>
+                <a:lumMod val="104000"/>
+              </a:schemeClr>
+            </a:gs>
+            <a:gs pos="100000">
+              <a:schemeClr val="phClr">
+                <a:shade val="98000"/>
+                <a:lumMod val="94000"/>
+              </a:schemeClr>
+            </a:gs>
+          </a:gsLst>
+          <a:lin ang="5400000" scaled="0"/>
+        </a:gradFill>
+      </a:fillStyleLst>
+      <a:lnStyleLst>
+        <a:ln w="9525" cap="rnd" cmpd="sng" algn="ctr">
+          <a:solidFill>
+            <a:schemeClr val="phClr">
+              <a:shade val="90000"/>
+            </a:schemeClr>
+          </a:solidFill>
+          <a:prstDash val="solid"/>
+        </a:ln>
+        <a:ln w="15875" cap="rnd" cmpd="sng" algn="ctr">
+          <a:solidFill>
+            <a:schemeClr val="phClr"/>
+          </a:solidFill>
+          <a:prstDash val="solid"/>
+        </a:ln>
+        <a:ln w="22225" cap="rnd" cmpd="sng" algn="ctr">
+          <a:solidFill>
+            <a:schemeClr val="phClr"/>
+          </a:solidFill>
+          <a:prstDash val="solid"/>
+        </a:ln>
+      </a:lnStyleLst>
+      <a:effectStyleLst>
+        <a:effectStyle>
+          <a:effectLst/>
+        </a:effectStyle>
+        <a:effectStyle>
+          <a:effectLst>
+            <a:outerShdw blurRad="38100" dist="25400" dir="5400000" rotWithShape="0">
+              <a:srgbClr val="000000">
+                <a:alpha val="25000"/>
+              </a:srgbClr>
+            </a:outerShdw>
+          </a:effectLst>
+        </a:effectStyle>
+        <a:effectStyle>
+          <a:effectLst>
+            <a:outerShdw blurRad="50800" dist="38100" dir="5400000" rotWithShape="0">
+              <a:srgbClr val="000000">
+                <a:alpha val="60000"/>
+              </a:srgbClr>
+            </a:outerShdw>
+          </a:effectLst>
+        </a:effectStyle>
+      </a:effectStyleLst>
+      <a:bgFillStyleLst>
         <a:solidFill>
           <a:schemeClr val="phClr"/>
         </a:solidFill>
@@ -4403,23 +9519,15 @@
           <a:gsLst>
             <a:gs pos="0">
               <a:schemeClr val="phClr">
-                <a:lumMod val="110000"/>
-                <a:satMod val="105000"/>
-                <a:tint val="67000"/>
-              </a:schemeClr>
-            </a:gs>
-            <a:gs pos="50000">
-              <a:schemeClr val="phClr">
-                <a:lumMod val="105000"/>
-                <a:satMod val="103000"/>
-                <a:tint val="73000"/>
+                <a:tint val="90000"/>
+                <a:lumMod val="120000"/>
               </a:schemeClr>
             </a:gs>
             <a:gs pos="100000">
               <a:schemeClr val="phClr">
-                <a:lumMod val="105000"/>
-                <a:satMod val="109000"/>
-                <a:tint val="81000"/>
+                <a:shade val="98000"/>
+                <a:satMod val="120000"/>
+                <a:lumMod val="98000"/>
               </a:schemeClr>
             </a:gs>
           </a:gsLst>
@@ -4429,105 +9537,22 @@
           <a:gsLst>
             <a:gs pos="0">
               <a:schemeClr val="phClr">
-                <a:satMod val="103000"/>
-                <a:lumMod val="102000"/>
-                <a:tint val="94000"/>
-              </a:schemeClr>
-            </a:gs>
-            <a:gs pos="50000">
-              <a:schemeClr val="phClr">
-                <a:satMod val="110000"/>
-                <a:lumMod val="100000"/>
-                <a:shade val="100000"/>
+                <a:tint val="90000"/>
+                <a:satMod val="92000"/>
+                <a:lumMod val="120000"/>
               </a:schemeClr>
             </a:gs>
             <a:gs pos="100000">
               <a:schemeClr val="phClr">
-                <a:lumMod val="99000"/>
+                <a:shade val="98000"/>
                 <a:satMod val="120000"/>
-                <a:shade val="78000"/>
+                <a:lumMod val="98000"/>
               </a:schemeClr>
             </a:gs>
           </a:gsLst>
-          <a:lin ang="5400000" scaled="0"/>
-        </a:gradFill>
-      </a:fillStyleLst>
-      <a:lnStyleLst>
-        <a:ln w="6350" cap="flat" cmpd="sng" algn="ctr">
-          <a:solidFill>
-            <a:schemeClr val="phClr"/>
-          </a:solidFill>
-          <a:prstDash val="solid"/>
-          <a:miter lim="800000"/>
-        </a:ln>
-        <a:ln w="12700" cap="flat" cmpd="sng" algn="ctr">
-          <a:solidFill>
-            <a:schemeClr val="phClr"/>
-          </a:solidFill>
-          <a:prstDash val="solid"/>
-          <a:miter lim="800000"/>
-        </a:ln>
-        <a:ln w="19050" cap="flat" cmpd="sng" algn="ctr">
-          <a:solidFill>
-            <a:schemeClr val="phClr"/>
-          </a:solidFill>
-          <a:prstDash val="solid"/>
-          <a:miter lim="800000"/>
-        </a:ln>
-      </a:lnStyleLst>
-      <a:effectStyleLst>
-        <a:effectStyle>
-          <a:effectLst/>
-        </a:effectStyle>
-        <a:effectStyle>
-          <a:effectLst/>
-        </a:effectStyle>
-        <a:effectStyle>
-          <a:effectLst>
-            <a:outerShdw blurRad="57150" dist="19050" dir="5400000" algn="ctr" rotWithShape="0">
-              <a:srgbClr val="000000">
-                <a:alpha val="63000"/>
-              </a:srgbClr>
-            </a:outerShdw>
-          </a:effectLst>
-        </a:effectStyle>
-      </a:effectStyleLst>
-      <a:bgFillStyleLst>
-        <a:solidFill>
-          <a:schemeClr val="phClr"/>
-        </a:solidFill>
-        <a:solidFill>
-          <a:schemeClr val="phClr">
-            <a:tint val="95000"/>
-            <a:satMod val="170000"/>
-          </a:schemeClr>
-        </a:solidFill>
-        <a:gradFill rotWithShape="1">
-          <a:gsLst>
-            <a:gs pos="0">
-              <a:schemeClr val="phClr">
-                <a:tint val="93000"/>
-                <a:satMod val="150000"/>
-                <a:shade val="98000"/>
-                <a:lumMod val="102000"/>
-              </a:schemeClr>
-            </a:gs>
-            <a:gs pos="50000">
-              <a:schemeClr val="phClr">
-                <a:tint val="98000"/>
-                <a:satMod val="130000"/>
-                <a:shade val="90000"/>
-                <a:lumMod val="103000"/>
-              </a:schemeClr>
-            </a:gs>
-            <a:gs pos="100000">
-              <a:schemeClr val="phClr">
-                <a:shade val="63000"/>
-                <a:satMod val="120000"/>
-              </a:schemeClr>
-            </a:gs>
-          </a:gsLst>
-          <a:lin ang="5400000" scaled="0"/>
+          <a:path path="circle">
+            <a:fillToRect l="50000" t="50000" r="100000" b="100000"/>
+          </a:path>
         </a:gradFill>
       </a:bgFillStyleLst>
     </a:fmtScheme>
@@ -4536,7 +9561,7 @@
   <a:extraClrSchemeLst/>
   <a:extLst>
     <a:ext uri="{05A4C25C-085E-4340-85A3-A5531E510DB2}">
-      <thm15:themeFamily xmlns:thm15="http://schemas.microsoft.com/office/thememl/2012/main" name="Office Theme" id="{62F939B6-93AF-4DB8-9C6B-D6C7DFDC589F}" vid="{4A3C46E8-61CC-4603-A589-7422A47A8E4A}"/>
+      <thm15:themeFamily xmlns:thm15="http://schemas.microsoft.com/office/thememl/2012/main" name="Wisp" id="{7CB32D59-10C0-40DD-B7BD-2E94284A981C}" vid="{24B1A44C-C006-48B2-A4D7-E5549B3D8CD4}"/>
     </a:ext>
   </a:extLst>
 </a:theme>

--- a/Documents/Presentation.pptx
+++ b/Documents/Presentation.pptx
@@ -9,19 +9,20 @@
     <p:sldId id="257" r:id="rId3"/>
     <p:sldId id="258" r:id="rId4"/>
     <p:sldId id="271" r:id="rId5"/>
-    <p:sldId id="272" r:id="rId6"/>
-    <p:sldId id="259" r:id="rId7"/>
-    <p:sldId id="260" r:id="rId8"/>
-    <p:sldId id="261" r:id="rId9"/>
-    <p:sldId id="262" r:id="rId10"/>
-    <p:sldId id="263" r:id="rId11"/>
-    <p:sldId id="264" r:id="rId12"/>
-    <p:sldId id="270" r:id="rId13"/>
-    <p:sldId id="265" r:id="rId14"/>
-    <p:sldId id="266" r:id="rId15"/>
-    <p:sldId id="267" r:id="rId16"/>
-    <p:sldId id="268" r:id="rId17"/>
-    <p:sldId id="269" r:id="rId18"/>
+    <p:sldId id="273" r:id="rId6"/>
+    <p:sldId id="272" r:id="rId7"/>
+    <p:sldId id="259" r:id="rId8"/>
+    <p:sldId id="260" r:id="rId9"/>
+    <p:sldId id="261" r:id="rId10"/>
+    <p:sldId id="262" r:id="rId11"/>
+    <p:sldId id="263" r:id="rId12"/>
+    <p:sldId id="264" r:id="rId13"/>
+    <p:sldId id="270" r:id="rId14"/>
+    <p:sldId id="265" r:id="rId15"/>
+    <p:sldId id="266" r:id="rId16"/>
+    <p:sldId id="267" r:id="rId17"/>
+    <p:sldId id="268" r:id="rId18"/>
+    <p:sldId id="269" r:id="rId19"/>
   </p:sldIdLst>
   <p:sldSz cx="12192000" cy="6858000"/>
   <p:notesSz cx="6858000" cy="9144000"/>
@@ -128,6 +129,3142 @@
 </p:presentation>
 </file>
 
+<file path=ppt/diagrams/colors1.xml><?xml version="1.0" encoding="utf-8"?>
+<dgm:colorsDef xmlns:dgm="http://schemas.openxmlformats.org/drawingml/2006/diagram" xmlns:a="http://schemas.openxmlformats.org/drawingml/2006/main" uniqueId="urn:microsoft.com/office/officeart/2005/8/colors/accent1_2">
+  <dgm:title val=""/>
+  <dgm:desc val=""/>
+  <dgm:catLst>
+    <dgm:cat type="accent1" pri="11200"/>
+  </dgm:catLst>
+  <dgm:styleLbl name="node0">
+    <dgm:fillClrLst meth="repeat">
+      <a:schemeClr val="accent1"/>
+    </dgm:fillClrLst>
+    <dgm:linClrLst meth="repeat">
+      <a:schemeClr val="lt1"/>
+    </dgm:linClrLst>
+    <dgm:effectClrLst/>
+    <dgm:txLinClrLst/>
+    <dgm:txFillClrLst/>
+    <dgm:txEffectClrLst/>
+  </dgm:styleLbl>
+  <dgm:styleLbl name="alignNode1">
+    <dgm:fillClrLst meth="repeat">
+      <a:schemeClr val="accent1"/>
+    </dgm:fillClrLst>
+    <dgm:linClrLst meth="repeat">
+      <a:schemeClr val="accent1"/>
+    </dgm:linClrLst>
+    <dgm:effectClrLst/>
+    <dgm:txLinClrLst/>
+    <dgm:txFillClrLst/>
+    <dgm:txEffectClrLst/>
+  </dgm:styleLbl>
+  <dgm:styleLbl name="node1">
+    <dgm:fillClrLst meth="repeat">
+      <a:schemeClr val="accent1"/>
+    </dgm:fillClrLst>
+    <dgm:linClrLst meth="repeat">
+      <a:schemeClr val="lt1"/>
+    </dgm:linClrLst>
+    <dgm:effectClrLst/>
+    <dgm:txLinClrLst/>
+    <dgm:txFillClrLst/>
+    <dgm:txEffectClrLst/>
+  </dgm:styleLbl>
+  <dgm:styleLbl name="lnNode1">
+    <dgm:fillClrLst meth="repeat">
+      <a:schemeClr val="accent1"/>
+    </dgm:fillClrLst>
+    <dgm:linClrLst meth="repeat">
+      <a:schemeClr val="lt1"/>
+    </dgm:linClrLst>
+    <dgm:effectClrLst/>
+    <dgm:txLinClrLst/>
+    <dgm:txFillClrLst/>
+    <dgm:txEffectClrLst/>
+  </dgm:styleLbl>
+  <dgm:styleLbl name="vennNode1">
+    <dgm:fillClrLst meth="repeat">
+      <a:schemeClr val="accent1">
+        <a:alpha val="50000"/>
+      </a:schemeClr>
+    </dgm:fillClrLst>
+    <dgm:linClrLst meth="repeat">
+      <a:schemeClr val="lt1"/>
+    </dgm:linClrLst>
+    <dgm:effectClrLst/>
+    <dgm:txLinClrLst/>
+    <dgm:txFillClrLst/>
+    <dgm:txEffectClrLst/>
+  </dgm:styleLbl>
+  <dgm:styleLbl name="node2">
+    <dgm:fillClrLst meth="repeat">
+      <a:schemeClr val="accent1"/>
+    </dgm:fillClrLst>
+    <dgm:linClrLst meth="repeat">
+      <a:schemeClr val="lt1"/>
+    </dgm:linClrLst>
+    <dgm:effectClrLst/>
+    <dgm:txLinClrLst/>
+    <dgm:txFillClrLst/>
+    <dgm:txEffectClrLst/>
+  </dgm:styleLbl>
+  <dgm:styleLbl name="node3">
+    <dgm:fillClrLst meth="repeat">
+      <a:schemeClr val="accent1"/>
+    </dgm:fillClrLst>
+    <dgm:linClrLst meth="repeat">
+      <a:schemeClr val="lt1"/>
+    </dgm:linClrLst>
+    <dgm:effectClrLst/>
+    <dgm:txLinClrLst/>
+    <dgm:txFillClrLst/>
+    <dgm:txEffectClrLst/>
+  </dgm:styleLbl>
+  <dgm:styleLbl name="node4">
+    <dgm:fillClrLst meth="repeat">
+      <a:schemeClr val="accent1"/>
+    </dgm:fillClrLst>
+    <dgm:linClrLst meth="repeat">
+      <a:schemeClr val="lt1"/>
+    </dgm:linClrLst>
+    <dgm:effectClrLst/>
+    <dgm:txLinClrLst/>
+    <dgm:txFillClrLst/>
+    <dgm:txEffectClrLst/>
+  </dgm:styleLbl>
+  <dgm:styleLbl name="fgImgPlace1">
+    <dgm:fillClrLst meth="repeat">
+      <a:schemeClr val="accent1">
+        <a:tint val="50000"/>
+      </a:schemeClr>
+    </dgm:fillClrLst>
+    <dgm:linClrLst meth="repeat">
+      <a:schemeClr val="lt1"/>
+    </dgm:linClrLst>
+    <dgm:effectClrLst/>
+    <dgm:txLinClrLst/>
+    <dgm:txFillClrLst meth="repeat">
+      <a:schemeClr val="lt1"/>
+    </dgm:txFillClrLst>
+    <dgm:txEffectClrLst/>
+  </dgm:styleLbl>
+  <dgm:styleLbl name="alignImgPlace1">
+    <dgm:fillClrLst meth="repeat">
+      <a:schemeClr val="accent1">
+        <a:tint val="50000"/>
+      </a:schemeClr>
+    </dgm:fillClrLst>
+    <dgm:linClrLst meth="repeat">
+      <a:schemeClr val="lt1"/>
+    </dgm:linClrLst>
+    <dgm:effectClrLst/>
+    <dgm:txLinClrLst/>
+    <dgm:txFillClrLst meth="repeat">
+      <a:schemeClr val="lt1"/>
+    </dgm:txFillClrLst>
+    <dgm:txEffectClrLst/>
+  </dgm:styleLbl>
+  <dgm:styleLbl name="bgImgPlace1">
+    <dgm:fillClrLst meth="repeat">
+      <a:schemeClr val="accent1">
+        <a:tint val="50000"/>
+      </a:schemeClr>
+    </dgm:fillClrLst>
+    <dgm:linClrLst meth="repeat">
+      <a:schemeClr val="lt1"/>
+    </dgm:linClrLst>
+    <dgm:effectClrLst/>
+    <dgm:txLinClrLst/>
+    <dgm:txFillClrLst meth="repeat">
+      <a:schemeClr val="lt1"/>
+    </dgm:txFillClrLst>
+    <dgm:txEffectClrLst/>
+  </dgm:styleLbl>
+  <dgm:styleLbl name="sibTrans2D1">
+    <dgm:fillClrLst meth="repeat">
+      <a:schemeClr val="accent1">
+        <a:tint val="60000"/>
+      </a:schemeClr>
+    </dgm:fillClrLst>
+    <dgm:linClrLst meth="repeat">
+      <a:schemeClr val="accent1">
+        <a:tint val="60000"/>
+      </a:schemeClr>
+    </dgm:linClrLst>
+    <dgm:effectClrLst/>
+    <dgm:txLinClrLst/>
+    <dgm:txFillClrLst/>
+    <dgm:txEffectClrLst/>
+  </dgm:styleLbl>
+  <dgm:styleLbl name="fgSibTrans2D1">
+    <dgm:fillClrLst meth="repeat">
+      <a:schemeClr val="accent1">
+        <a:tint val="60000"/>
+      </a:schemeClr>
+    </dgm:fillClrLst>
+    <dgm:linClrLst meth="repeat">
+      <a:schemeClr val="accent1">
+        <a:tint val="60000"/>
+      </a:schemeClr>
+    </dgm:linClrLst>
+    <dgm:effectClrLst/>
+    <dgm:txLinClrLst/>
+    <dgm:txFillClrLst/>
+    <dgm:txEffectClrLst/>
+  </dgm:styleLbl>
+  <dgm:styleLbl name="bgSibTrans2D1">
+    <dgm:fillClrLst meth="repeat">
+      <a:schemeClr val="accent1">
+        <a:tint val="60000"/>
+      </a:schemeClr>
+    </dgm:fillClrLst>
+    <dgm:linClrLst meth="repeat">
+      <a:schemeClr val="accent1">
+        <a:tint val="60000"/>
+      </a:schemeClr>
+    </dgm:linClrLst>
+    <dgm:effectClrLst/>
+    <dgm:txLinClrLst/>
+    <dgm:txFillClrLst/>
+    <dgm:txEffectClrLst/>
+  </dgm:styleLbl>
+  <dgm:styleLbl name="sibTrans1D1">
+    <dgm:fillClrLst meth="repeat">
+      <a:schemeClr val="accent1"/>
+    </dgm:fillClrLst>
+    <dgm:linClrLst meth="repeat">
+      <a:schemeClr val="accent1"/>
+    </dgm:linClrLst>
+    <dgm:effectClrLst/>
+    <dgm:txLinClrLst/>
+    <dgm:txFillClrLst meth="repeat">
+      <a:schemeClr val="tx1"/>
+    </dgm:txFillClrLst>
+    <dgm:txEffectClrLst/>
+  </dgm:styleLbl>
+  <dgm:styleLbl name="callout">
+    <dgm:fillClrLst meth="repeat">
+      <a:schemeClr val="accent1"/>
+    </dgm:fillClrLst>
+    <dgm:linClrLst meth="repeat">
+      <a:schemeClr val="accent1">
+        <a:tint val="50000"/>
+      </a:schemeClr>
+    </dgm:linClrLst>
+    <dgm:effectClrLst/>
+    <dgm:txLinClrLst/>
+    <dgm:txFillClrLst meth="repeat">
+      <a:schemeClr val="tx1"/>
+    </dgm:txFillClrLst>
+    <dgm:txEffectClrLst/>
+  </dgm:styleLbl>
+  <dgm:styleLbl name="asst0">
+    <dgm:fillClrLst meth="repeat">
+      <a:schemeClr val="accent1"/>
+    </dgm:fillClrLst>
+    <dgm:linClrLst meth="repeat">
+      <a:schemeClr val="lt1"/>
+    </dgm:linClrLst>
+    <dgm:effectClrLst/>
+    <dgm:txLinClrLst/>
+    <dgm:txFillClrLst/>
+    <dgm:txEffectClrLst/>
+  </dgm:styleLbl>
+  <dgm:styleLbl name="asst1">
+    <dgm:fillClrLst meth="repeat">
+      <a:schemeClr val="accent1"/>
+    </dgm:fillClrLst>
+    <dgm:linClrLst meth="repeat">
+      <a:schemeClr val="lt1"/>
+    </dgm:linClrLst>
+    <dgm:effectClrLst/>
+    <dgm:txLinClrLst/>
+    <dgm:txFillClrLst/>
+    <dgm:txEffectClrLst/>
+  </dgm:styleLbl>
+  <dgm:styleLbl name="asst2">
+    <dgm:fillClrLst meth="repeat">
+      <a:schemeClr val="accent1"/>
+    </dgm:fillClrLst>
+    <dgm:linClrLst meth="repeat">
+      <a:schemeClr val="lt1"/>
+    </dgm:linClrLst>
+    <dgm:effectClrLst/>
+    <dgm:txLinClrLst/>
+    <dgm:txFillClrLst/>
+    <dgm:txEffectClrLst/>
+  </dgm:styleLbl>
+  <dgm:styleLbl name="asst3">
+    <dgm:fillClrLst meth="repeat">
+      <a:schemeClr val="accent1"/>
+    </dgm:fillClrLst>
+    <dgm:linClrLst meth="repeat">
+      <a:schemeClr val="lt1"/>
+    </dgm:linClrLst>
+    <dgm:effectClrLst/>
+    <dgm:txLinClrLst/>
+    <dgm:txFillClrLst/>
+    <dgm:txEffectClrLst/>
+  </dgm:styleLbl>
+  <dgm:styleLbl name="asst4">
+    <dgm:fillClrLst meth="repeat">
+      <a:schemeClr val="accent1"/>
+    </dgm:fillClrLst>
+    <dgm:linClrLst meth="repeat">
+      <a:schemeClr val="lt1"/>
+    </dgm:linClrLst>
+    <dgm:effectClrLst/>
+    <dgm:txLinClrLst/>
+    <dgm:txFillClrLst/>
+    <dgm:txEffectClrLst/>
+  </dgm:styleLbl>
+  <dgm:styleLbl name="parChTrans2D1">
+    <dgm:fillClrLst meth="repeat">
+      <a:schemeClr val="accent1">
+        <a:tint val="60000"/>
+      </a:schemeClr>
+    </dgm:fillClrLst>
+    <dgm:linClrLst meth="repeat">
+      <a:schemeClr val="accent1">
+        <a:tint val="60000"/>
+      </a:schemeClr>
+    </dgm:linClrLst>
+    <dgm:effectClrLst/>
+    <dgm:txLinClrLst/>
+    <dgm:txFillClrLst meth="repeat">
+      <a:schemeClr val="lt1"/>
+    </dgm:txFillClrLst>
+    <dgm:txEffectClrLst/>
+  </dgm:styleLbl>
+  <dgm:styleLbl name="parChTrans2D2">
+    <dgm:fillClrLst meth="repeat">
+      <a:schemeClr val="accent1"/>
+    </dgm:fillClrLst>
+    <dgm:linClrLst meth="repeat">
+      <a:schemeClr val="accent1"/>
+    </dgm:linClrLst>
+    <dgm:effectClrLst/>
+    <dgm:txLinClrLst/>
+    <dgm:txFillClrLst meth="repeat">
+      <a:schemeClr val="lt1"/>
+    </dgm:txFillClrLst>
+    <dgm:txEffectClrLst/>
+  </dgm:styleLbl>
+  <dgm:styleLbl name="parChTrans2D3">
+    <dgm:fillClrLst meth="repeat">
+      <a:schemeClr val="accent1"/>
+    </dgm:fillClrLst>
+    <dgm:linClrLst meth="repeat">
+      <a:schemeClr val="accent1"/>
+    </dgm:linClrLst>
+    <dgm:effectClrLst/>
+    <dgm:txLinClrLst/>
+    <dgm:txFillClrLst meth="repeat">
+      <a:schemeClr val="lt1"/>
+    </dgm:txFillClrLst>
+    <dgm:txEffectClrLst/>
+  </dgm:styleLbl>
+  <dgm:styleLbl name="parChTrans2D4">
+    <dgm:fillClrLst meth="repeat">
+      <a:schemeClr val="accent1"/>
+    </dgm:fillClrLst>
+    <dgm:linClrLst meth="repeat">
+      <a:schemeClr val="accent1"/>
+    </dgm:linClrLst>
+    <dgm:effectClrLst/>
+    <dgm:txLinClrLst/>
+    <dgm:txFillClrLst meth="repeat">
+      <a:schemeClr val="lt1"/>
+    </dgm:txFillClrLst>
+    <dgm:txEffectClrLst/>
+  </dgm:styleLbl>
+  <dgm:styleLbl name="parChTrans1D1">
+    <dgm:fillClrLst meth="repeat">
+      <a:schemeClr val="accent1"/>
+    </dgm:fillClrLst>
+    <dgm:linClrLst meth="repeat">
+      <a:schemeClr val="accent1">
+        <a:shade val="60000"/>
+      </a:schemeClr>
+    </dgm:linClrLst>
+    <dgm:effectClrLst/>
+    <dgm:txLinClrLst/>
+    <dgm:txFillClrLst meth="repeat">
+      <a:schemeClr val="tx1"/>
+    </dgm:txFillClrLst>
+    <dgm:txEffectClrLst/>
+  </dgm:styleLbl>
+  <dgm:styleLbl name="parChTrans1D2">
+    <dgm:fillClrLst meth="repeat">
+      <a:schemeClr val="accent1"/>
+    </dgm:fillClrLst>
+    <dgm:linClrLst meth="repeat">
+      <a:schemeClr val="accent1">
+        <a:shade val="60000"/>
+      </a:schemeClr>
+    </dgm:linClrLst>
+    <dgm:effectClrLst/>
+    <dgm:txLinClrLst/>
+    <dgm:txFillClrLst meth="repeat">
+      <a:schemeClr val="tx1"/>
+    </dgm:txFillClrLst>
+    <dgm:txEffectClrLst/>
+  </dgm:styleLbl>
+  <dgm:styleLbl name="parChTrans1D3">
+    <dgm:fillClrLst meth="repeat">
+      <a:schemeClr val="accent1"/>
+    </dgm:fillClrLst>
+    <dgm:linClrLst meth="repeat">
+      <a:schemeClr val="accent1">
+        <a:shade val="80000"/>
+      </a:schemeClr>
+    </dgm:linClrLst>
+    <dgm:effectClrLst/>
+    <dgm:txLinClrLst/>
+    <dgm:txFillClrLst meth="repeat">
+      <a:schemeClr val="tx1"/>
+    </dgm:txFillClrLst>
+    <dgm:txEffectClrLst/>
+  </dgm:styleLbl>
+  <dgm:styleLbl name="parChTrans1D4">
+    <dgm:fillClrLst meth="repeat">
+      <a:schemeClr val="accent1"/>
+    </dgm:fillClrLst>
+    <dgm:linClrLst meth="repeat">
+      <a:schemeClr val="accent1">
+        <a:shade val="80000"/>
+      </a:schemeClr>
+    </dgm:linClrLst>
+    <dgm:effectClrLst/>
+    <dgm:txLinClrLst/>
+    <dgm:txFillClrLst meth="repeat">
+      <a:schemeClr val="tx1"/>
+    </dgm:txFillClrLst>
+    <dgm:txEffectClrLst/>
+  </dgm:styleLbl>
+  <dgm:styleLbl name="fgAcc1">
+    <dgm:fillClrLst meth="repeat">
+      <a:schemeClr val="lt1">
+        <a:alpha val="90000"/>
+      </a:schemeClr>
+    </dgm:fillClrLst>
+    <dgm:linClrLst meth="repeat">
+      <a:schemeClr val="accent1"/>
+    </dgm:linClrLst>
+    <dgm:effectClrLst/>
+    <dgm:txLinClrLst/>
+    <dgm:txFillClrLst meth="repeat">
+      <a:schemeClr val="dk1"/>
+    </dgm:txFillClrLst>
+    <dgm:txEffectClrLst/>
+  </dgm:styleLbl>
+  <dgm:styleLbl name="conFgAcc1">
+    <dgm:fillClrLst meth="repeat">
+      <a:schemeClr val="lt1">
+        <a:alpha val="90000"/>
+      </a:schemeClr>
+    </dgm:fillClrLst>
+    <dgm:linClrLst meth="repeat">
+      <a:schemeClr val="accent1"/>
+    </dgm:linClrLst>
+    <dgm:effectClrLst/>
+    <dgm:txLinClrLst/>
+    <dgm:txFillClrLst meth="repeat">
+      <a:schemeClr val="dk1"/>
+    </dgm:txFillClrLst>
+    <dgm:txEffectClrLst/>
+  </dgm:styleLbl>
+  <dgm:styleLbl name="alignAcc1">
+    <dgm:fillClrLst meth="repeat">
+      <a:schemeClr val="lt1">
+        <a:alpha val="90000"/>
+      </a:schemeClr>
+    </dgm:fillClrLst>
+    <dgm:linClrLst meth="repeat">
+      <a:schemeClr val="accent1"/>
+    </dgm:linClrLst>
+    <dgm:effectClrLst/>
+    <dgm:txLinClrLst/>
+    <dgm:txFillClrLst meth="repeat">
+      <a:schemeClr val="dk1"/>
+    </dgm:txFillClrLst>
+    <dgm:txEffectClrLst/>
+  </dgm:styleLbl>
+  <dgm:styleLbl name="trAlignAcc1">
+    <dgm:fillClrLst meth="repeat">
+      <a:schemeClr val="lt1">
+        <a:alpha val="40000"/>
+      </a:schemeClr>
+    </dgm:fillClrLst>
+    <dgm:linClrLst meth="repeat">
+      <a:schemeClr val="accent1"/>
+    </dgm:linClrLst>
+    <dgm:effectClrLst/>
+    <dgm:txLinClrLst/>
+    <dgm:txFillClrLst meth="repeat">
+      <a:schemeClr val="dk1"/>
+    </dgm:txFillClrLst>
+    <dgm:txEffectClrLst/>
+  </dgm:styleLbl>
+  <dgm:styleLbl name="bgAcc1">
+    <dgm:fillClrLst meth="repeat">
+      <a:schemeClr val="lt1">
+        <a:alpha val="90000"/>
+      </a:schemeClr>
+    </dgm:fillClrLst>
+    <dgm:linClrLst meth="repeat">
+      <a:schemeClr val="accent1"/>
+    </dgm:linClrLst>
+    <dgm:effectClrLst/>
+    <dgm:txLinClrLst/>
+    <dgm:txFillClrLst meth="repeat">
+      <a:schemeClr val="dk1"/>
+    </dgm:txFillClrLst>
+    <dgm:txEffectClrLst/>
+  </dgm:styleLbl>
+  <dgm:styleLbl name="solidFgAcc1">
+    <dgm:fillClrLst meth="repeat">
+      <a:schemeClr val="lt1"/>
+    </dgm:fillClrLst>
+    <dgm:linClrLst meth="repeat">
+      <a:schemeClr val="accent1"/>
+    </dgm:linClrLst>
+    <dgm:effectClrLst/>
+    <dgm:txLinClrLst/>
+    <dgm:txFillClrLst meth="repeat">
+      <a:schemeClr val="dk1"/>
+    </dgm:txFillClrLst>
+    <dgm:txEffectClrLst/>
+  </dgm:styleLbl>
+  <dgm:styleLbl name="solidAlignAcc1">
+    <dgm:fillClrLst meth="repeat">
+      <a:schemeClr val="lt1"/>
+    </dgm:fillClrLst>
+    <dgm:linClrLst meth="repeat">
+      <a:schemeClr val="accent1"/>
+    </dgm:linClrLst>
+    <dgm:effectClrLst/>
+    <dgm:txLinClrLst/>
+    <dgm:txFillClrLst meth="repeat">
+      <a:schemeClr val="dk1"/>
+    </dgm:txFillClrLst>
+    <dgm:txEffectClrLst/>
+  </dgm:styleLbl>
+  <dgm:styleLbl name="solidBgAcc1">
+    <dgm:fillClrLst meth="repeat">
+      <a:schemeClr val="lt1"/>
+    </dgm:fillClrLst>
+    <dgm:linClrLst meth="repeat">
+      <a:schemeClr val="accent1"/>
+    </dgm:linClrLst>
+    <dgm:effectClrLst/>
+    <dgm:txLinClrLst/>
+    <dgm:txFillClrLst meth="repeat">
+      <a:schemeClr val="dk1"/>
+    </dgm:txFillClrLst>
+    <dgm:txEffectClrLst/>
+  </dgm:styleLbl>
+  <dgm:styleLbl name="fgAccFollowNode1">
+    <dgm:fillClrLst meth="repeat">
+      <a:schemeClr val="accent1">
+        <a:alpha val="90000"/>
+        <a:tint val="40000"/>
+      </a:schemeClr>
+    </dgm:fillClrLst>
+    <dgm:linClrLst meth="repeat">
+      <a:schemeClr val="accent1">
+        <a:alpha val="90000"/>
+        <a:tint val="40000"/>
+      </a:schemeClr>
+    </dgm:linClrLst>
+    <dgm:effectClrLst/>
+    <dgm:txLinClrLst/>
+    <dgm:txFillClrLst meth="repeat">
+      <a:schemeClr val="dk1"/>
+    </dgm:txFillClrLst>
+    <dgm:txEffectClrLst/>
+  </dgm:styleLbl>
+  <dgm:styleLbl name="alignAccFollowNode1">
+    <dgm:fillClrLst meth="repeat">
+      <a:schemeClr val="accent1">
+        <a:alpha val="90000"/>
+        <a:tint val="40000"/>
+      </a:schemeClr>
+    </dgm:fillClrLst>
+    <dgm:linClrLst meth="repeat">
+      <a:schemeClr val="accent1">
+        <a:alpha val="90000"/>
+        <a:tint val="40000"/>
+      </a:schemeClr>
+    </dgm:linClrLst>
+    <dgm:effectClrLst/>
+    <dgm:txLinClrLst/>
+    <dgm:txFillClrLst meth="repeat">
+      <a:schemeClr val="dk1"/>
+    </dgm:txFillClrLst>
+    <dgm:txEffectClrLst/>
+  </dgm:styleLbl>
+  <dgm:styleLbl name="bgAccFollowNode1">
+    <dgm:fillClrLst meth="repeat">
+      <a:schemeClr val="accent1">
+        <a:alpha val="90000"/>
+        <a:tint val="40000"/>
+      </a:schemeClr>
+    </dgm:fillClrLst>
+    <dgm:linClrLst meth="repeat">
+      <a:schemeClr val="accent1">
+        <a:alpha val="90000"/>
+        <a:tint val="40000"/>
+      </a:schemeClr>
+    </dgm:linClrLst>
+    <dgm:effectClrLst/>
+    <dgm:txLinClrLst/>
+    <dgm:txFillClrLst meth="repeat">
+      <a:schemeClr val="dk1"/>
+    </dgm:txFillClrLst>
+    <dgm:txEffectClrLst/>
+  </dgm:styleLbl>
+  <dgm:styleLbl name="fgAcc0">
+    <dgm:fillClrLst meth="repeat">
+      <a:schemeClr val="lt1">
+        <a:alpha val="90000"/>
+      </a:schemeClr>
+    </dgm:fillClrLst>
+    <dgm:linClrLst meth="repeat">
+      <a:schemeClr val="accent1"/>
+    </dgm:linClrLst>
+    <dgm:effectClrLst/>
+    <dgm:txLinClrLst/>
+    <dgm:txFillClrLst meth="repeat">
+      <a:schemeClr val="dk1"/>
+    </dgm:txFillClrLst>
+    <dgm:txEffectClrLst/>
+  </dgm:styleLbl>
+  <dgm:styleLbl name="fgAcc2">
+    <dgm:fillClrLst meth="repeat">
+      <a:schemeClr val="lt1">
+        <a:alpha val="90000"/>
+      </a:schemeClr>
+    </dgm:fillClrLst>
+    <dgm:linClrLst meth="repeat">
+      <a:schemeClr val="accent1"/>
+    </dgm:linClrLst>
+    <dgm:effectClrLst/>
+    <dgm:txLinClrLst/>
+    <dgm:txFillClrLst meth="repeat">
+      <a:schemeClr val="dk1"/>
+    </dgm:txFillClrLst>
+    <dgm:txEffectClrLst/>
+  </dgm:styleLbl>
+  <dgm:styleLbl name="fgAcc3">
+    <dgm:fillClrLst meth="repeat">
+      <a:schemeClr val="lt1">
+        <a:alpha val="90000"/>
+      </a:schemeClr>
+    </dgm:fillClrLst>
+    <dgm:linClrLst meth="repeat">
+      <a:schemeClr val="accent1"/>
+    </dgm:linClrLst>
+    <dgm:effectClrLst/>
+    <dgm:txLinClrLst/>
+    <dgm:txFillClrLst meth="repeat">
+      <a:schemeClr val="dk1"/>
+    </dgm:txFillClrLst>
+    <dgm:txEffectClrLst/>
+  </dgm:styleLbl>
+  <dgm:styleLbl name="fgAcc4">
+    <dgm:fillClrLst meth="repeat">
+      <a:schemeClr val="lt1">
+        <a:alpha val="90000"/>
+      </a:schemeClr>
+    </dgm:fillClrLst>
+    <dgm:linClrLst meth="repeat">
+      <a:schemeClr val="accent1"/>
+    </dgm:linClrLst>
+    <dgm:effectClrLst/>
+    <dgm:txLinClrLst/>
+    <dgm:txFillClrLst meth="repeat">
+      <a:schemeClr val="dk1"/>
+    </dgm:txFillClrLst>
+    <dgm:txEffectClrLst/>
+  </dgm:styleLbl>
+  <dgm:styleLbl name="bgShp">
+    <dgm:fillClrLst meth="repeat">
+      <a:schemeClr val="accent1">
+        <a:tint val="40000"/>
+      </a:schemeClr>
+    </dgm:fillClrLst>
+    <dgm:linClrLst meth="repeat">
+      <a:schemeClr val="accent1"/>
+    </dgm:linClrLst>
+    <dgm:effectClrLst/>
+    <dgm:txLinClrLst/>
+    <dgm:txFillClrLst meth="repeat">
+      <a:schemeClr val="dk1"/>
+    </dgm:txFillClrLst>
+    <dgm:txEffectClrLst/>
+  </dgm:styleLbl>
+  <dgm:styleLbl name="dkBgShp">
+    <dgm:fillClrLst meth="repeat">
+      <a:schemeClr val="accent1">
+        <a:shade val="80000"/>
+      </a:schemeClr>
+    </dgm:fillClrLst>
+    <dgm:linClrLst meth="repeat">
+      <a:schemeClr val="accent1"/>
+    </dgm:linClrLst>
+    <dgm:effectClrLst/>
+    <dgm:txLinClrLst/>
+    <dgm:txFillClrLst meth="repeat">
+      <a:schemeClr val="lt1"/>
+    </dgm:txFillClrLst>
+    <dgm:txEffectClrLst/>
+  </dgm:styleLbl>
+  <dgm:styleLbl name="trBgShp">
+    <dgm:fillClrLst meth="repeat">
+      <a:schemeClr val="accent1">
+        <a:tint val="50000"/>
+        <a:alpha val="40000"/>
+      </a:schemeClr>
+    </dgm:fillClrLst>
+    <dgm:linClrLst meth="repeat">
+      <a:schemeClr val="accent1"/>
+    </dgm:linClrLst>
+    <dgm:effectClrLst/>
+    <dgm:txLinClrLst/>
+    <dgm:txFillClrLst meth="repeat">
+      <a:schemeClr val="lt1"/>
+    </dgm:txFillClrLst>
+    <dgm:txEffectClrLst/>
+  </dgm:styleLbl>
+  <dgm:styleLbl name="fgShp">
+    <dgm:fillClrLst meth="repeat">
+      <a:schemeClr val="accent1">
+        <a:tint val="60000"/>
+      </a:schemeClr>
+    </dgm:fillClrLst>
+    <dgm:linClrLst meth="repeat">
+      <a:schemeClr val="lt1"/>
+    </dgm:linClrLst>
+    <dgm:effectClrLst/>
+    <dgm:txLinClrLst/>
+    <dgm:txFillClrLst meth="repeat">
+      <a:schemeClr val="dk1"/>
+    </dgm:txFillClrLst>
+    <dgm:txEffectClrLst/>
+  </dgm:styleLbl>
+  <dgm:styleLbl name="revTx">
+    <dgm:fillClrLst meth="repeat">
+      <a:schemeClr val="lt1">
+        <a:alpha val="0"/>
+      </a:schemeClr>
+    </dgm:fillClrLst>
+    <dgm:linClrLst meth="repeat">
+      <a:schemeClr val="dk1">
+        <a:alpha val="0"/>
+      </a:schemeClr>
+    </dgm:linClrLst>
+    <dgm:effectClrLst/>
+    <dgm:txLinClrLst/>
+    <dgm:txFillClrLst meth="repeat">
+      <a:schemeClr val="tx1"/>
+    </dgm:txFillClrLst>
+    <dgm:txEffectClrLst/>
+  </dgm:styleLbl>
+</dgm:colorsDef>
+</file>
+
+<file path=ppt/diagrams/data1.xml><?xml version="1.0" encoding="utf-8"?>
+<dgm:dataModel xmlns:dgm="http://schemas.openxmlformats.org/drawingml/2006/diagram" xmlns:a="http://schemas.openxmlformats.org/drawingml/2006/main">
+  <dgm:ptLst>
+    <dgm:pt modelId="{3D643CB3-8392-48C2-988B-E458F801E2E4}" type="doc">
+      <dgm:prSet loTypeId="urn:microsoft.com/office/officeart/2005/8/layout/radial5" loCatId="relationship" qsTypeId="urn:microsoft.com/office/officeart/2005/8/quickstyle/simple1" qsCatId="simple" csTypeId="urn:microsoft.com/office/officeart/2005/8/colors/accent1_2" csCatId="accent1" phldr="1"/>
+      <dgm:spPr/>
+      <dgm:t>
+        <a:bodyPr/>
+        <a:lstStyle/>
+        <a:p>
+          <a:endParaRPr lang="en-US"/>
+        </a:p>
+      </dgm:t>
+    </dgm:pt>
+    <dgm:pt modelId="{03D9AA2C-B979-46D5-A2C2-F6844121FC41}">
+      <dgm:prSet phldrT="[Text]" custT="1"/>
+      <dgm:spPr>
+        <a:ln w="38100">
+          <a:solidFill>
+            <a:schemeClr val="tx1">
+              <a:lumMod val="75000"/>
+              <a:lumOff val="25000"/>
+            </a:schemeClr>
+          </a:solidFill>
+        </a:ln>
+      </dgm:spPr>
+      <dgm:t>
+        <a:bodyPr/>
+        <a:lstStyle/>
+        <a:p>
+          <a:pPr marL="0" lvl="0" algn="ctr" defTabSz="1244600">
+            <a:lnSpc>
+              <a:spcPct val="90000"/>
+            </a:lnSpc>
+            <a:spcBef>
+              <a:spcPct val="0"/>
+            </a:spcBef>
+            <a:spcAft>
+              <a:spcPct val="35000"/>
+            </a:spcAft>
+            <a:buNone/>
+          </a:pPr>
+          <a:r>
+            <a:rPr lang="en-US" sz="2800" dirty="0"/>
+            <a:t>Python</a:t>
+          </a:r>
+        </a:p>
+        <a:p>
+          <a:pPr marL="0" lvl="0" algn="l" defTabSz="1244600">
+            <a:lnSpc>
+              <a:spcPct val="90000"/>
+            </a:lnSpc>
+            <a:spcBef>
+              <a:spcPct val="0"/>
+            </a:spcBef>
+            <a:spcAft>
+              <a:spcPct val="35000"/>
+            </a:spcAft>
+            <a:buNone/>
+          </a:pPr>
+          <a:r>
+            <a:rPr lang="en-US" sz="2000" dirty="0"/>
+            <a:t>            </a:t>
+          </a:r>
+          <a:r>
+            <a:rPr lang="en-US" sz="2400" dirty="0" err="1"/>
+            <a:t>ReST</a:t>
+          </a:r>
+          <a:r>
+            <a:rPr lang="en-US" sz="2400" dirty="0"/>
+            <a:t> Server		          Decision Tree AI</a:t>
+          </a:r>
+        </a:p>
+        <a:p>
+          <a:pPr marL="0" lvl="0" indent="0" algn="l" defTabSz="1244600">
+            <a:lnSpc>
+              <a:spcPct val="100000"/>
+            </a:lnSpc>
+            <a:spcBef>
+              <a:spcPts val="0"/>
+            </a:spcBef>
+            <a:spcAft>
+              <a:spcPts val="0"/>
+            </a:spcAft>
+            <a:buNone/>
+          </a:pPr>
+          <a:r>
+            <a:rPr lang="en-US" sz="2000" dirty="0"/>
+            <a:t>  </a:t>
+          </a:r>
+          <a:r>
+            <a:rPr lang="en-US" sz="1800" dirty="0"/>
+            <a:t>        </a:t>
+          </a:r>
+          <a:r>
+            <a:rPr lang="en-US" sz="1600" dirty="0"/>
+            <a:t>Add/Remove Plants	                             Format Data (Attach Timestamp)</a:t>
+          </a:r>
+        </a:p>
+        <a:p>
+          <a:pPr marL="0" marR="0" lvl="0" indent="0" algn="l" defTabSz="914400" eaLnBrk="1" fontAlgn="auto" latinLnBrk="0" hangingPunct="1">
+            <a:lnSpc>
+              <a:spcPct val="100000"/>
+            </a:lnSpc>
+            <a:spcBef>
+              <a:spcPts val="0"/>
+            </a:spcBef>
+            <a:spcAft>
+              <a:spcPts val="0"/>
+            </a:spcAft>
+            <a:buClrTx/>
+            <a:buSzTx/>
+            <a:buFontTx/>
+            <a:buNone/>
+            <a:tabLst/>
+            <a:defRPr/>
+          </a:pPr>
+          <a:r>
+            <a:rPr lang="en-US" sz="1600" dirty="0"/>
+            <a:t>         Calculate Plant Health                                                          </a:t>
+          </a:r>
+          <a:r>
+            <a:rPr lang="en-US" sz="1600" dirty="0"/>
+            <a:t>Builds Decision Trees</a:t>
+          </a:r>
+        </a:p>
+        <a:p>
+          <a:pPr marL="0" lvl="0" indent="0" algn="l" defTabSz="1244600">
+            <a:lnSpc>
+              <a:spcPct val="100000"/>
+            </a:lnSpc>
+            <a:spcBef>
+              <a:spcPts val="0"/>
+            </a:spcBef>
+            <a:spcAft>
+              <a:spcPts val="0"/>
+            </a:spcAft>
+            <a:buNone/>
+          </a:pPr>
+          <a:r>
+            <a:rPr lang="en-US" sz="1600" dirty="0"/>
+            <a:t>           Update Plants    			                         Outputs Tree</a:t>
+          </a:r>
+        </a:p>
+        <a:p>
+          <a:pPr marL="0" lvl="0" indent="0" algn="l" defTabSz="1244600">
+            <a:lnSpc>
+              <a:spcPct val="100000"/>
+            </a:lnSpc>
+            <a:spcBef>
+              <a:spcPts val="0"/>
+            </a:spcBef>
+            <a:spcAft>
+              <a:spcPts val="0"/>
+            </a:spcAft>
+            <a:buNone/>
+          </a:pPr>
+          <a:r>
+            <a:rPr lang="en-US" sz="1600" dirty="0"/>
+            <a:t>           Track a Current Plant		                Trees Decide Settings</a:t>
+          </a:r>
+        </a:p>
+      </dgm:t>
+    </dgm:pt>
+    <dgm:pt modelId="{E1111C0F-7DCC-4BEB-A88C-205E324F0421}" type="parTrans" cxnId="{271D627E-EAD9-447E-A002-61866DCB4CE7}">
+      <dgm:prSet/>
+      <dgm:spPr/>
+      <dgm:t>
+        <a:bodyPr/>
+        <a:lstStyle/>
+        <a:p>
+          <a:endParaRPr lang="en-US"/>
+        </a:p>
+      </dgm:t>
+    </dgm:pt>
+    <dgm:pt modelId="{992174EA-DE23-4C40-BFF6-8A624113CA20}" type="sibTrans" cxnId="{271D627E-EAD9-447E-A002-61866DCB4CE7}">
+      <dgm:prSet/>
+      <dgm:spPr/>
+      <dgm:t>
+        <a:bodyPr/>
+        <a:lstStyle/>
+        <a:p>
+          <a:endParaRPr lang="en-US"/>
+        </a:p>
+      </dgm:t>
+    </dgm:pt>
+    <dgm:pt modelId="{1A388D95-0ED0-4763-B1A2-380052903136}">
+      <dgm:prSet phldrT="[Text]" custT="1"/>
+      <dgm:spPr>
+        <a:ln w="38100">
+          <a:solidFill>
+            <a:schemeClr val="tx1">
+              <a:lumMod val="75000"/>
+              <a:lumOff val="25000"/>
+            </a:schemeClr>
+          </a:solidFill>
+        </a:ln>
+      </dgm:spPr>
+      <dgm:t>
+        <a:bodyPr/>
+        <a:lstStyle/>
+        <a:p>
+          <a:pPr algn="ctr">
+            <a:lnSpc>
+              <a:spcPct val="90000"/>
+            </a:lnSpc>
+            <a:spcAft>
+              <a:spcPct val="35000"/>
+            </a:spcAft>
+            <a:buNone/>
+          </a:pPr>
+          <a:r>
+            <a:rPr lang="en-US" sz="2800" dirty="0"/>
+            <a:t>Application</a:t>
+          </a:r>
+        </a:p>
+        <a:p>
+          <a:pPr algn="l">
+            <a:lnSpc>
+              <a:spcPct val="100000"/>
+            </a:lnSpc>
+            <a:spcAft>
+              <a:spcPts val="0"/>
+            </a:spcAft>
+            <a:buFont typeface="Arial" panose="020B0604020202020204" pitchFamily="34" charset="0"/>
+            <a:buNone/>
+          </a:pPr>
+          <a:r>
+            <a:rPr lang="en-US" sz="1600" dirty="0"/>
+            <a:t>  Display Plant Info	         Display Sensor Info</a:t>
+          </a:r>
+        </a:p>
+        <a:p>
+          <a:pPr algn="l">
+            <a:lnSpc>
+              <a:spcPct val="100000"/>
+            </a:lnSpc>
+            <a:spcAft>
+              <a:spcPts val="0"/>
+            </a:spcAft>
+            <a:buNone/>
+          </a:pPr>
+          <a:r>
+            <a:rPr lang="en-US" sz="1600" dirty="0"/>
+            <a:t>Plant Status Scoring	         Set a Current Plant</a:t>
+          </a:r>
+        </a:p>
+        <a:p>
+          <a:pPr algn="l">
+            <a:lnSpc>
+              <a:spcPct val="100000"/>
+            </a:lnSpc>
+            <a:spcAft>
+              <a:spcPts val="0"/>
+            </a:spcAft>
+            <a:buNone/>
+          </a:pPr>
+          <a:r>
+            <a:rPr lang="en-US" sz="1600" dirty="0"/>
+            <a:t>   Set Water Timers              Plant Data-basing to Server</a:t>
+          </a:r>
+        </a:p>
+      </dgm:t>
+    </dgm:pt>
+    <dgm:pt modelId="{0DADE1D6-A9DB-4986-AEDF-3F9A909E5D1E}" type="parTrans" cxnId="{055F25DA-03CC-421C-BE22-D2319AE9DB60}">
+      <dgm:prSet/>
+      <dgm:spPr>
+        <a:solidFill>
+          <a:schemeClr val="accent6">
+            <a:lumMod val="60000"/>
+            <a:lumOff val="40000"/>
+          </a:schemeClr>
+        </a:solidFill>
+        <a:ln w="28575">
+          <a:solidFill>
+            <a:schemeClr val="tx1">
+              <a:lumMod val="75000"/>
+              <a:lumOff val="25000"/>
+            </a:schemeClr>
+          </a:solidFill>
+        </a:ln>
+      </dgm:spPr>
+      <dgm:t>
+        <a:bodyPr/>
+        <a:lstStyle/>
+        <a:p>
+          <a:endParaRPr lang="en-US" dirty="0"/>
+        </a:p>
+      </dgm:t>
+    </dgm:pt>
+    <dgm:pt modelId="{B657C783-552C-433C-863F-DF6002EFB2BD}" type="sibTrans" cxnId="{055F25DA-03CC-421C-BE22-D2319AE9DB60}">
+      <dgm:prSet/>
+      <dgm:spPr/>
+      <dgm:t>
+        <a:bodyPr/>
+        <a:lstStyle/>
+        <a:p>
+          <a:endParaRPr lang="en-US"/>
+        </a:p>
+      </dgm:t>
+    </dgm:pt>
+    <dgm:pt modelId="{1AF88AEA-FF9D-4000-83DD-677410FCE857}">
+      <dgm:prSet phldrT="[Text]" custT="1"/>
+      <dgm:spPr>
+        <a:ln w="38100">
+          <a:solidFill>
+            <a:schemeClr val="tx1">
+              <a:lumMod val="75000"/>
+              <a:lumOff val="25000"/>
+            </a:schemeClr>
+          </a:solidFill>
+        </a:ln>
+      </dgm:spPr>
+      <dgm:t>
+        <a:bodyPr/>
+        <a:lstStyle/>
+        <a:p>
+          <a:pPr algn="ctr">
+            <a:lnSpc>
+              <a:spcPct val="90000"/>
+            </a:lnSpc>
+            <a:spcAft>
+              <a:spcPct val="35000"/>
+            </a:spcAft>
+          </a:pPr>
+          <a:r>
+            <a:rPr lang="en-US" sz="2800" dirty="0"/>
+            <a:t>Arduino</a:t>
+          </a:r>
+        </a:p>
+        <a:p>
+          <a:pPr algn="l">
+            <a:lnSpc>
+              <a:spcPct val="100000"/>
+            </a:lnSpc>
+            <a:spcAft>
+              <a:spcPts val="0"/>
+            </a:spcAft>
+          </a:pPr>
+          <a:r>
+            <a:rPr lang="en-US" sz="1800" dirty="0"/>
+            <a:t>  </a:t>
+          </a:r>
+          <a:r>
+            <a:rPr lang="en-US" sz="1600" dirty="0"/>
+            <a:t>    Read Settings                    Adjust Water Valve/Light</a:t>
+          </a:r>
+        </a:p>
+        <a:p>
+          <a:pPr algn="l">
+            <a:lnSpc>
+              <a:spcPct val="100000"/>
+            </a:lnSpc>
+            <a:spcAft>
+              <a:spcPts val="0"/>
+            </a:spcAft>
+          </a:pPr>
+          <a:r>
+            <a:rPr lang="en-US" sz="1600" dirty="0"/>
+            <a:t>      Read Sensors	              Read Camera</a:t>
+          </a:r>
+        </a:p>
+        <a:p>
+          <a:pPr algn="l">
+            <a:lnSpc>
+              <a:spcPct val="100000"/>
+            </a:lnSpc>
+            <a:spcAft>
+              <a:spcPts val="0"/>
+            </a:spcAft>
+          </a:pPr>
+          <a:r>
+            <a:rPr lang="en-US" sz="1600" dirty="0"/>
+            <a:t>   Send Sensor Data                    Send Camera Data</a:t>
+          </a:r>
+        </a:p>
+      </dgm:t>
+    </dgm:pt>
+    <dgm:pt modelId="{F02A6FDD-840A-428A-BF01-9A5617BE6E9F}" type="sibTrans" cxnId="{8AB0CD09-5639-4D0F-8C44-CE976CE8D5C7}">
+      <dgm:prSet/>
+      <dgm:spPr/>
+      <dgm:t>
+        <a:bodyPr/>
+        <a:lstStyle/>
+        <a:p>
+          <a:endParaRPr lang="en-US"/>
+        </a:p>
+      </dgm:t>
+    </dgm:pt>
+    <dgm:pt modelId="{50FC48C2-8038-4FE7-86AF-737C59249C3C}" type="parTrans" cxnId="{8AB0CD09-5639-4D0F-8C44-CE976CE8D5C7}">
+      <dgm:prSet/>
+      <dgm:spPr>
+        <a:solidFill>
+          <a:schemeClr val="accent6">
+            <a:lumMod val="60000"/>
+            <a:lumOff val="40000"/>
+          </a:schemeClr>
+        </a:solidFill>
+        <a:ln w="28575">
+          <a:solidFill>
+            <a:schemeClr val="tx1">
+              <a:lumMod val="75000"/>
+              <a:lumOff val="25000"/>
+            </a:schemeClr>
+          </a:solidFill>
+        </a:ln>
+      </dgm:spPr>
+      <dgm:t>
+        <a:bodyPr/>
+        <a:lstStyle/>
+        <a:p>
+          <a:endParaRPr lang="en-US"/>
+        </a:p>
+      </dgm:t>
+    </dgm:pt>
+    <dgm:pt modelId="{D38B1057-C169-4192-93B0-17297ADE541E}" type="pres">
+      <dgm:prSet presAssocID="{3D643CB3-8392-48C2-988B-E458F801E2E4}" presName="Name0" presStyleCnt="0">
+        <dgm:presLayoutVars>
+          <dgm:chMax val="1"/>
+          <dgm:dir/>
+          <dgm:animLvl val="ctr"/>
+          <dgm:resizeHandles val="exact"/>
+        </dgm:presLayoutVars>
+      </dgm:prSet>
+      <dgm:spPr/>
+    </dgm:pt>
+    <dgm:pt modelId="{9531BFE8-370A-4D00-A1BE-959AD9E5D58F}" type="pres">
+      <dgm:prSet presAssocID="{03D9AA2C-B979-46D5-A2C2-F6844121FC41}" presName="centerShape" presStyleLbl="node0" presStyleIdx="0" presStyleCnt="1" custScaleX="616323" custScaleY="167733" custLinFactNeighborX="19" custLinFactNeighborY="-35385"/>
+      <dgm:spPr>
+        <a:prstGeom prst="roundRect">
+          <a:avLst/>
+        </a:prstGeom>
+      </dgm:spPr>
+    </dgm:pt>
+    <dgm:pt modelId="{E3663BD5-A49D-40DD-BF79-F2039259D570}" type="pres">
+      <dgm:prSet presAssocID="{0DADE1D6-A9DB-4986-AEDF-3F9A909E5D1E}" presName="parTrans" presStyleLbl="sibTrans2D1" presStyleIdx="0" presStyleCnt="2"/>
+      <dgm:spPr>
+        <a:prstGeom prst="leftRightArrow">
+          <a:avLst/>
+        </a:prstGeom>
+      </dgm:spPr>
+    </dgm:pt>
+    <dgm:pt modelId="{E7AF24DB-50A1-4007-ABB5-69F609A1150E}" type="pres">
+      <dgm:prSet presAssocID="{0DADE1D6-A9DB-4986-AEDF-3F9A909E5D1E}" presName="connectorText" presStyleLbl="sibTrans2D1" presStyleIdx="0" presStyleCnt="2"/>
+      <dgm:spPr/>
+    </dgm:pt>
+    <dgm:pt modelId="{D09CC42E-20B0-4905-AA49-20F4B49D87B6}" type="pres">
+      <dgm:prSet presAssocID="{1A388D95-0ED0-4763-B1A2-380052903136}" presName="node" presStyleLbl="node1" presStyleIdx="0" presStyleCnt="2" custScaleX="368262" custScaleY="129055" custRadScaleRad="155107" custRadScaleInc="-129941">
+        <dgm:presLayoutVars>
+          <dgm:bulletEnabled val="1"/>
+        </dgm:presLayoutVars>
+      </dgm:prSet>
+      <dgm:spPr>
+        <a:prstGeom prst="roundRect">
+          <a:avLst/>
+        </a:prstGeom>
+      </dgm:spPr>
+    </dgm:pt>
+    <dgm:pt modelId="{51B3184C-1210-436F-AF72-A4675791399B}" type="pres">
+      <dgm:prSet presAssocID="{50FC48C2-8038-4FE7-86AF-737C59249C3C}" presName="parTrans" presStyleLbl="sibTrans2D1" presStyleIdx="1" presStyleCnt="2"/>
+      <dgm:spPr>
+        <a:prstGeom prst="leftRightArrow">
+          <a:avLst/>
+        </a:prstGeom>
+      </dgm:spPr>
+    </dgm:pt>
+    <dgm:pt modelId="{5C9980C8-D7FC-4472-ABCD-4500D7DDEE51}" type="pres">
+      <dgm:prSet presAssocID="{50FC48C2-8038-4FE7-86AF-737C59249C3C}" presName="connectorText" presStyleLbl="sibTrans2D1" presStyleIdx="1" presStyleCnt="2"/>
+      <dgm:spPr/>
+    </dgm:pt>
+    <dgm:pt modelId="{0CF54AD3-D6A2-4C36-A19D-C28BBB755645}" type="pres">
+      <dgm:prSet presAssocID="{1AF88AEA-FF9D-4000-83DD-677410FCE857}" presName="node" presStyleLbl="node1" presStyleIdx="1" presStyleCnt="2" custScaleX="368262" custScaleY="129055" custRadScaleRad="155148" custRadScaleInc="-70026">
+        <dgm:presLayoutVars>
+          <dgm:bulletEnabled val="1"/>
+        </dgm:presLayoutVars>
+      </dgm:prSet>
+      <dgm:spPr>
+        <a:prstGeom prst="roundRect">
+          <a:avLst/>
+        </a:prstGeom>
+      </dgm:spPr>
+    </dgm:pt>
+  </dgm:ptLst>
+  <dgm:cxnLst>
+    <dgm:cxn modelId="{77AB47CC-186E-4BC8-A756-B79CCCC59BD5}" type="presOf" srcId="{0DADE1D6-A9DB-4986-AEDF-3F9A909E5D1E}" destId="{E7AF24DB-50A1-4007-ABB5-69F609A1150E}" srcOrd="1" destOrd="0" presId="urn:microsoft.com/office/officeart/2005/8/layout/radial5"/>
+    <dgm:cxn modelId="{271D627E-EAD9-447E-A002-61866DCB4CE7}" srcId="{3D643CB3-8392-48C2-988B-E458F801E2E4}" destId="{03D9AA2C-B979-46D5-A2C2-F6844121FC41}" srcOrd="0" destOrd="0" parTransId="{E1111C0F-7DCC-4BEB-A88C-205E324F0421}" sibTransId="{992174EA-DE23-4C40-BFF6-8A624113CA20}"/>
+    <dgm:cxn modelId="{055F25DA-03CC-421C-BE22-D2319AE9DB60}" srcId="{03D9AA2C-B979-46D5-A2C2-F6844121FC41}" destId="{1A388D95-0ED0-4763-B1A2-380052903136}" srcOrd="0" destOrd="0" parTransId="{0DADE1D6-A9DB-4986-AEDF-3F9A909E5D1E}" sibTransId="{B657C783-552C-433C-863F-DF6002EFB2BD}"/>
+    <dgm:cxn modelId="{9CB3F4DE-0FEF-413C-81B9-8E6AAFA4762B}" type="presOf" srcId="{1AF88AEA-FF9D-4000-83DD-677410FCE857}" destId="{0CF54AD3-D6A2-4C36-A19D-C28BBB755645}" srcOrd="0" destOrd="0" presId="urn:microsoft.com/office/officeart/2005/8/layout/radial5"/>
+    <dgm:cxn modelId="{ADB2D877-01D8-466B-A606-0D59688BD1A8}" type="presOf" srcId="{03D9AA2C-B979-46D5-A2C2-F6844121FC41}" destId="{9531BFE8-370A-4D00-A1BE-959AD9E5D58F}" srcOrd="0" destOrd="0" presId="urn:microsoft.com/office/officeart/2005/8/layout/radial5"/>
+    <dgm:cxn modelId="{ECAB7BA6-1462-47D5-8718-445C02100E5A}" type="presOf" srcId="{50FC48C2-8038-4FE7-86AF-737C59249C3C}" destId="{51B3184C-1210-436F-AF72-A4675791399B}" srcOrd="0" destOrd="0" presId="urn:microsoft.com/office/officeart/2005/8/layout/radial5"/>
+    <dgm:cxn modelId="{53A20222-F52C-441F-9357-A3DA9454F2CA}" type="presOf" srcId="{50FC48C2-8038-4FE7-86AF-737C59249C3C}" destId="{5C9980C8-D7FC-4472-ABCD-4500D7DDEE51}" srcOrd="1" destOrd="0" presId="urn:microsoft.com/office/officeart/2005/8/layout/radial5"/>
+    <dgm:cxn modelId="{A284A1AF-1249-4805-8683-CA348D9F9901}" type="presOf" srcId="{3D643CB3-8392-48C2-988B-E458F801E2E4}" destId="{D38B1057-C169-4192-93B0-17297ADE541E}" srcOrd="0" destOrd="0" presId="urn:microsoft.com/office/officeart/2005/8/layout/radial5"/>
+    <dgm:cxn modelId="{8AB0CD09-5639-4D0F-8C44-CE976CE8D5C7}" srcId="{03D9AA2C-B979-46D5-A2C2-F6844121FC41}" destId="{1AF88AEA-FF9D-4000-83DD-677410FCE857}" srcOrd="1" destOrd="0" parTransId="{50FC48C2-8038-4FE7-86AF-737C59249C3C}" sibTransId="{F02A6FDD-840A-428A-BF01-9A5617BE6E9F}"/>
+    <dgm:cxn modelId="{D5982A5D-C90D-43F1-952E-0E0EA5734011}" type="presOf" srcId="{0DADE1D6-A9DB-4986-AEDF-3F9A909E5D1E}" destId="{E3663BD5-A49D-40DD-BF79-F2039259D570}" srcOrd="0" destOrd="0" presId="urn:microsoft.com/office/officeart/2005/8/layout/radial5"/>
+    <dgm:cxn modelId="{7FEF3C6B-6017-4D5A-9547-0F48A04C1F0D}" type="presOf" srcId="{1A388D95-0ED0-4763-B1A2-380052903136}" destId="{D09CC42E-20B0-4905-AA49-20F4B49D87B6}" srcOrd="0" destOrd="0" presId="urn:microsoft.com/office/officeart/2005/8/layout/radial5"/>
+    <dgm:cxn modelId="{E1720746-EB5C-4533-8CE8-44A57DAB5410}" type="presParOf" srcId="{D38B1057-C169-4192-93B0-17297ADE541E}" destId="{9531BFE8-370A-4D00-A1BE-959AD9E5D58F}" srcOrd="0" destOrd="0" presId="urn:microsoft.com/office/officeart/2005/8/layout/radial5"/>
+    <dgm:cxn modelId="{13307BCF-8CF1-40E3-A1E3-5DB9F9F5E4D1}" type="presParOf" srcId="{D38B1057-C169-4192-93B0-17297ADE541E}" destId="{E3663BD5-A49D-40DD-BF79-F2039259D570}" srcOrd="1" destOrd="0" presId="urn:microsoft.com/office/officeart/2005/8/layout/radial5"/>
+    <dgm:cxn modelId="{FC559B40-76DB-46F1-9E57-FAD7B3FEE5FB}" type="presParOf" srcId="{E3663BD5-A49D-40DD-BF79-F2039259D570}" destId="{E7AF24DB-50A1-4007-ABB5-69F609A1150E}" srcOrd="0" destOrd="0" presId="urn:microsoft.com/office/officeart/2005/8/layout/radial5"/>
+    <dgm:cxn modelId="{A091EF96-BD6C-4176-BEB4-85DB9F340251}" type="presParOf" srcId="{D38B1057-C169-4192-93B0-17297ADE541E}" destId="{D09CC42E-20B0-4905-AA49-20F4B49D87B6}" srcOrd="2" destOrd="0" presId="urn:microsoft.com/office/officeart/2005/8/layout/radial5"/>
+    <dgm:cxn modelId="{238295F6-D880-4A62-BCBF-6728F945D60A}" type="presParOf" srcId="{D38B1057-C169-4192-93B0-17297ADE541E}" destId="{51B3184C-1210-436F-AF72-A4675791399B}" srcOrd="3" destOrd="0" presId="urn:microsoft.com/office/officeart/2005/8/layout/radial5"/>
+    <dgm:cxn modelId="{C18DC2F1-F5F7-458B-8DD1-E5AC2D60E16E}" type="presParOf" srcId="{51B3184C-1210-436F-AF72-A4675791399B}" destId="{5C9980C8-D7FC-4472-ABCD-4500D7DDEE51}" srcOrd="0" destOrd="0" presId="urn:microsoft.com/office/officeart/2005/8/layout/radial5"/>
+    <dgm:cxn modelId="{D287F9B0-73E3-4534-B07A-1F395A748C74}" type="presParOf" srcId="{D38B1057-C169-4192-93B0-17297ADE541E}" destId="{0CF54AD3-D6A2-4C36-A19D-C28BBB755645}" srcOrd="4" destOrd="0" presId="urn:microsoft.com/office/officeart/2005/8/layout/radial5"/>
+  </dgm:cxnLst>
+  <dgm:bg/>
+  <dgm:whole/>
+  <dgm:extLst>
+    <a:ext uri="http://schemas.microsoft.com/office/drawing/2008/diagram">
+      <dsp:dataModelExt xmlns:dsp="http://schemas.microsoft.com/office/drawing/2008/diagram" relId="rId6" minVer="http://schemas.openxmlformats.org/drawingml/2006/diagram"/>
+    </a:ext>
+  </dgm:extLst>
+</dgm:dataModel>
+</file>
+
+<file path=ppt/diagrams/drawing1.xml><?xml version="1.0" encoding="utf-8"?>
+<dsp:drawing xmlns:dgm="http://schemas.openxmlformats.org/drawingml/2006/diagram" xmlns:dsp="http://schemas.microsoft.com/office/drawing/2008/diagram" xmlns:a="http://schemas.openxmlformats.org/drawingml/2006/main">
+  <dsp:spTree>
+    <dsp:nvGrpSpPr>
+      <dsp:cNvPr id="0" name=""/>
+      <dsp:cNvGrpSpPr/>
+    </dsp:nvGrpSpPr>
+    <dsp:grpSpPr/>
+    <dsp:sp modelId="{9531BFE8-370A-4D00-A1BE-959AD9E5D58F}">
+      <dsp:nvSpPr>
+        <dsp:cNvPr id="0" name=""/>
+        <dsp:cNvSpPr/>
+      </dsp:nvSpPr>
+      <dsp:spPr>
+        <a:xfrm>
+          <a:off x="1044973" y="109535"/>
+          <a:ext cx="9233364" cy="2512870"/>
+        </a:xfrm>
+        <a:prstGeom prst="roundRect">
+          <a:avLst/>
+        </a:prstGeom>
+        <a:solidFill>
+          <a:schemeClr val="accent1">
+            <a:hueOff val="0"/>
+            <a:satOff val="0"/>
+            <a:lumOff val="0"/>
+            <a:alphaOff val="0"/>
+          </a:schemeClr>
+        </a:solidFill>
+        <a:ln w="38100" cap="rnd" cmpd="sng" algn="ctr">
+          <a:solidFill>
+            <a:schemeClr val="tx1">
+              <a:lumMod val="75000"/>
+              <a:lumOff val="25000"/>
+            </a:schemeClr>
+          </a:solidFill>
+          <a:prstDash val="solid"/>
+        </a:ln>
+        <a:effectLst/>
+      </dsp:spPr>
+      <dsp:style>
+        <a:lnRef idx="2">
+          <a:scrgbClr r="0" g="0" b="0"/>
+        </a:lnRef>
+        <a:fillRef idx="1">
+          <a:scrgbClr r="0" g="0" b="0"/>
+        </a:fillRef>
+        <a:effectRef idx="0">
+          <a:scrgbClr r="0" g="0" b="0"/>
+        </a:effectRef>
+        <a:fontRef idx="minor">
+          <a:schemeClr val="lt1"/>
+        </a:fontRef>
+      </dsp:style>
+      <dsp:txBody>
+        <a:bodyPr spcFirstLastPara="0" vert="horz" wrap="square" lIns="35560" tIns="35560" rIns="35560" bIns="35560" numCol="1" spcCol="1270" anchor="ctr" anchorCtr="0">
+          <a:noAutofit/>
+        </a:bodyPr>
+        <a:lstStyle/>
+        <a:p>
+          <a:pPr marL="0" lvl="0" algn="ctr" defTabSz="1244600">
+            <a:lnSpc>
+              <a:spcPct val="90000"/>
+            </a:lnSpc>
+            <a:spcBef>
+              <a:spcPct val="0"/>
+            </a:spcBef>
+            <a:spcAft>
+              <a:spcPct val="35000"/>
+            </a:spcAft>
+            <a:buNone/>
+          </a:pPr>
+          <a:r>
+            <a:rPr lang="en-US" sz="2800" kern="1200" dirty="0"/>
+            <a:t>Python</a:t>
+          </a:r>
+        </a:p>
+        <a:p>
+          <a:pPr marL="0" lvl="0" algn="l" defTabSz="1244600">
+            <a:lnSpc>
+              <a:spcPct val="90000"/>
+            </a:lnSpc>
+            <a:spcBef>
+              <a:spcPct val="0"/>
+            </a:spcBef>
+            <a:spcAft>
+              <a:spcPct val="35000"/>
+            </a:spcAft>
+            <a:buNone/>
+          </a:pPr>
+          <a:r>
+            <a:rPr lang="en-US" sz="2000" kern="1200" dirty="0"/>
+            <a:t>            </a:t>
+          </a:r>
+          <a:r>
+            <a:rPr lang="en-US" sz="2400" kern="1200" dirty="0" err="1"/>
+            <a:t>ReST</a:t>
+          </a:r>
+          <a:r>
+            <a:rPr lang="en-US" sz="2400" kern="1200" dirty="0"/>
+            <a:t> Server		          Decision Tree AI</a:t>
+          </a:r>
+        </a:p>
+        <a:p>
+          <a:pPr marL="0" lvl="0" indent="0" algn="l" defTabSz="1244600">
+            <a:lnSpc>
+              <a:spcPct val="100000"/>
+            </a:lnSpc>
+            <a:spcBef>
+              <a:spcPct val="0"/>
+            </a:spcBef>
+            <a:spcAft>
+              <a:spcPts val="0"/>
+            </a:spcAft>
+            <a:buNone/>
+          </a:pPr>
+          <a:r>
+            <a:rPr lang="en-US" sz="2000" kern="1200" dirty="0"/>
+            <a:t>  </a:t>
+          </a:r>
+          <a:r>
+            <a:rPr lang="en-US" sz="1800" kern="1200" dirty="0"/>
+            <a:t>        </a:t>
+          </a:r>
+          <a:r>
+            <a:rPr lang="en-US" sz="1600" kern="1200" dirty="0"/>
+            <a:t>Add/Remove Plants	                             Format Data (Attach Timestamp)</a:t>
+          </a:r>
+        </a:p>
+        <a:p>
+          <a:pPr marL="0" marR="0" lvl="0" indent="0" algn="l" defTabSz="914400" eaLnBrk="1" fontAlgn="auto" latinLnBrk="0" hangingPunct="1">
+            <a:lnSpc>
+              <a:spcPct val="100000"/>
+            </a:lnSpc>
+            <a:spcBef>
+              <a:spcPct val="0"/>
+            </a:spcBef>
+            <a:spcAft>
+              <a:spcPts val="0"/>
+            </a:spcAft>
+            <a:buClrTx/>
+            <a:buSzTx/>
+            <a:buFontTx/>
+            <a:buNone/>
+            <a:tabLst/>
+            <a:defRPr/>
+          </a:pPr>
+          <a:r>
+            <a:rPr lang="en-US" sz="1600" kern="1200" dirty="0"/>
+            <a:t>         Calculate Plant Health                                                          </a:t>
+          </a:r>
+          <a:r>
+            <a:rPr lang="en-US" sz="1600" kern="1200" dirty="0"/>
+            <a:t>Builds Decision Trees</a:t>
+          </a:r>
+        </a:p>
+        <a:p>
+          <a:pPr marL="0" lvl="0" indent="0" algn="l" defTabSz="1244600">
+            <a:lnSpc>
+              <a:spcPct val="100000"/>
+            </a:lnSpc>
+            <a:spcBef>
+              <a:spcPct val="0"/>
+            </a:spcBef>
+            <a:spcAft>
+              <a:spcPts val="0"/>
+            </a:spcAft>
+            <a:buNone/>
+          </a:pPr>
+          <a:r>
+            <a:rPr lang="en-US" sz="1600" kern="1200" dirty="0"/>
+            <a:t>           Update Plants    			                         Outputs Tree</a:t>
+          </a:r>
+        </a:p>
+        <a:p>
+          <a:pPr marL="0" lvl="0" indent="0" algn="l" defTabSz="1244600">
+            <a:lnSpc>
+              <a:spcPct val="100000"/>
+            </a:lnSpc>
+            <a:spcBef>
+              <a:spcPct val="0"/>
+            </a:spcBef>
+            <a:spcAft>
+              <a:spcPts val="0"/>
+            </a:spcAft>
+            <a:buNone/>
+          </a:pPr>
+          <a:r>
+            <a:rPr lang="en-US" sz="1600" kern="1200" dirty="0"/>
+            <a:t>           Track a Current Plant		                Trees Decide Settings</a:t>
+          </a:r>
+        </a:p>
+      </dsp:txBody>
+      <dsp:txXfrm>
+        <a:off x="1167641" y="232203"/>
+        <a:ext cx="8988028" cy="2267534"/>
+      </dsp:txXfrm>
+    </dsp:sp>
+    <dsp:sp modelId="{E3663BD5-A49D-40DD-BF79-F2039259D570}">
+      <dsp:nvSpPr>
+        <dsp:cNvPr id="0" name=""/>
+        <dsp:cNvSpPr/>
+      </dsp:nvSpPr>
+      <dsp:spPr>
+        <a:xfrm rot="8066106">
+          <a:off x="3766371" y="2729117"/>
+          <a:ext cx="618089" cy="509366"/>
+        </a:xfrm>
+        <a:prstGeom prst="leftRightArrow">
+          <a:avLst/>
+        </a:prstGeom>
+        <a:solidFill>
+          <a:schemeClr val="accent6">
+            <a:lumMod val="60000"/>
+            <a:lumOff val="40000"/>
+          </a:schemeClr>
+        </a:solidFill>
+        <a:ln w="28575">
+          <a:solidFill>
+            <a:schemeClr val="tx1">
+              <a:lumMod val="75000"/>
+              <a:lumOff val="25000"/>
+            </a:schemeClr>
+          </a:solidFill>
+        </a:ln>
+        <a:effectLst/>
+      </dsp:spPr>
+      <dsp:style>
+        <a:lnRef idx="0">
+          <a:scrgbClr r="0" g="0" b="0"/>
+        </a:lnRef>
+        <a:fillRef idx="1">
+          <a:scrgbClr r="0" g="0" b="0"/>
+        </a:fillRef>
+        <a:effectRef idx="0">
+          <a:scrgbClr r="0" g="0" b="0"/>
+        </a:effectRef>
+        <a:fontRef idx="minor">
+          <a:schemeClr val="lt1"/>
+        </a:fontRef>
+      </dsp:style>
+      <dsp:txBody>
+        <a:bodyPr spcFirstLastPara="0" vert="horz" wrap="square" lIns="0" tIns="0" rIns="0" bIns="0" numCol="1" spcCol="1270" anchor="ctr" anchorCtr="0">
+          <a:noAutofit/>
+        </a:bodyPr>
+        <a:lstStyle/>
+        <a:p>
+          <a:pPr marL="0" lvl="0" indent="0" algn="ctr" defTabSz="933450">
+            <a:lnSpc>
+              <a:spcPct val="90000"/>
+            </a:lnSpc>
+            <a:spcBef>
+              <a:spcPct val="0"/>
+            </a:spcBef>
+            <a:spcAft>
+              <a:spcPct val="35000"/>
+            </a:spcAft>
+            <a:buNone/>
+          </a:pPr>
+          <a:endParaRPr lang="en-US" sz="2100" kern="1200" dirty="0"/>
+        </a:p>
+      </dsp:txBody>
+      <dsp:txXfrm rot="10800000">
+        <a:off x="3896267" y="2776433"/>
+        <a:ext cx="465279" cy="305620"/>
+      </dsp:txXfrm>
+    </dsp:sp>
+    <dsp:sp modelId="{D09CC42E-20B0-4905-AA49-20F4B49D87B6}">
+      <dsp:nvSpPr>
+        <dsp:cNvPr id="0" name=""/>
+        <dsp:cNvSpPr/>
+      </dsp:nvSpPr>
+      <dsp:spPr>
+        <a:xfrm>
+          <a:off x="8" y="3360189"/>
+          <a:ext cx="5517070" cy="1933420"/>
+        </a:xfrm>
+        <a:prstGeom prst="roundRect">
+          <a:avLst/>
+        </a:prstGeom>
+        <a:solidFill>
+          <a:schemeClr val="accent1">
+            <a:hueOff val="0"/>
+            <a:satOff val="0"/>
+            <a:lumOff val="0"/>
+            <a:alphaOff val="0"/>
+          </a:schemeClr>
+        </a:solidFill>
+        <a:ln w="38100" cap="rnd" cmpd="sng" algn="ctr">
+          <a:solidFill>
+            <a:schemeClr val="tx1">
+              <a:lumMod val="75000"/>
+              <a:lumOff val="25000"/>
+            </a:schemeClr>
+          </a:solidFill>
+          <a:prstDash val="solid"/>
+        </a:ln>
+        <a:effectLst/>
+      </dsp:spPr>
+      <dsp:style>
+        <a:lnRef idx="2">
+          <a:scrgbClr r="0" g="0" b="0"/>
+        </a:lnRef>
+        <a:fillRef idx="1">
+          <a:scrgbClr r="0" g="0" b="0"/>
+        </a:fillRef>
+        <a:effectRef idx="0">
+          <a:scrgbClr r="0" g="0" b="0"/>
+        </a:effectRef>
+        <a:fontRef idx="minor">
+          <a:schemeClr val="lt1"/>
+        </a:fontRef>
+      </dsp:style>
+      <dsp:txBody>
+        <a:bodyPr spcFirstLastPara="0" vert="horz" wrap="square" lIns="35560" tIns="35560" rIns="35560" bIns="35560" numCol="1" spcCol="1270" anchor="ctr" anchorCtr="0">
+          <a:noAutofit/>
+        </a:bodyPr>
+        <a:lstStyle/>
+        <a:p>
+          <a:pPr marL="0" lvl="0" indent="0" algn="ctr" defTabSz="1244600">
+            <a:lnSpc>
+              <a:spcPct val="90000"/>
+            </a:lnSpc>
+            <a:spcBef>
+              <a:spcPct val="0"/>
+            </a:spcBef>
+            <a:spcAft>
+              <a:spcPct val="35000"/>
+            </a:spcAft>
+            <a:buNone/>
+          </a:pPr>
+          <a:r>
+            <a:rPr lang="en-US" sz="2800" kern="1200" dirty="0"/>
+            <a:t>Application</a:t>
+          </a:r>
+        </a:p>
+        <a:p>
+          <a:pPr marL="0" lvl="0" indent="0" algn="l" defTabSz="1244600">
+            <a:lnSpc>
+              <a:spcPct val="100000"/>
+            </a:lnSpc>
+            <a:spcBef>
+              <a:spcPct val="0"/>
+            </a:spcBef>
+            <a:spcAft>
+              <a:spcPts val="0"/>
+            </a:spcAft>
+            <a:buFont typeface="Arial" panose="020B0604020202020204" pitchFamily="34" charset="0"/>
+            <a:buNone/>
+          </a:pPr>
+          <a:r>
+            <a:rPr lang="en-US" sz="1600" kern="1200" dirty="0"/>
+            <a:t>  Display Plant Info	         Display Sensor Info</a:t>
+          </a:r>
+        </a:p>
+        <a:p>
+          <a:pPr marL="0" lvl="0" indent="0" algn="l" defTabSz="1244600">
+            <a:lnSpc>
+              <a:spcPct val="100000"/>
+            </a:lnSpc>
+            <a:spcBef>
+              <a:spcPct val="0"/>
+            </a:spcBef>
+            <a:spcAft>
+              <a:spcPts val="0"/>
+            </a:spcAft>
+            <a:buNone/>
+          </a:pPr>
+          <a:r>
+            <a:rPr lang="en-US" sz="1600" kern="1200" dirty="0"/>
+            <a:t>Plant Status Scoring	         Set a Current Plant</a:t>
+          </a:r>
+        </a:p>
+        <a:p>
+          <a:pPr marL="0" lvl="0" indent="0" algn="l" defTabSz="1244600">
+            <a:lnSpc>
+              <a:spcPct val="100000"/>
+            </a:lnSpc>
+            <a:spcBef>
+              <a:spcPct val="0"/>
+            </a:spcBef>
+            <a:spcAft>
+              <a:spcPts val="0"/>
+            </a:spcAft>
+            <a:buNone/>
+          </a:pPr>
+          <a:r>
+            <a:rPr lang="en-US" sz="1600" kern="1200" dirty="0"/>
+            <a:t>   Set Water Timers              Plant Data-basing to Server</a:t>
+          </a:r>
+        </a:p>
+      </dsp:txBody>
+      <dsp:txXfrm>
+        <a:off x="94390" y="3454571"/>
+        <a:ext cx="5328306" cy="1744656"/>
+      </dsp:txXfrm>
+    </dsp:sp>
+    <dsp:sp modelId="{51B3184C-1210-436F-AF72-A4675791399B}">
+      <dsp:nvSpPr>
+        <dsp:cNvPr id="0" name=""/>
+        <dsp:cNvSpPr/>
+      </dsp:nvSpPr>
+      <dsp:spPr>
+        <a:xfrm rot="2735937">
+          <a:off x="6937414" y="2730030"/>
+          <a:ext cx="618978" cy="509366"/>
+        </a:xfrm>
+        <a:prstGeom prst="leftRightArrow">
+          <a:avLst/>
+        </a:prstGeom>
+        <a:solidFill>
+          <a:schemeClr val="accent6">
+            <a:lumMod val="60000"/>
+            <a:lumOff val="40000"/>
+          </a:schemeClr>
+        </a:solidFill>
+        <a:ln w="28575">
+          <a:solidFill>
+            <a:schemeClr val="tx1">
+              <a:lumMod val="75000"/>
+              <a:lumOff val="25000"/>
+            </a:schemeClr>
+          </a:solidFill>
+        </a:ln>
+        <a:effectLst/>
+      </dsp:spPr>
+      <dsp:style>
+        <a:lnRef idx="0">
+          <a:scrgbClr r="0" g="0" b="0"/>
+        </a:lnRef>
+        <a:fillRef idx="1">
+          <a:scrgbClr r="0" g="0" b="0"/>
+        </a:fillRef>
+        <a:effectRef idx="0">
+          <a:scrgbClr r="0" g="0" b="0"/>
+        </a:effectRef>
+        <a:fontRef idx="minor">
+          <a:schemeClr val="lt1"/>
+        </a:fontRef>
+      </dsp:style>
+      <dsp:txBody>
+        <a:bodyPr spcFirstLastPara="0" vert="horz" wrap="square" lIns="0" tIns="0" rIns="0" bIns="0" numCol="1" spcCol="1270" anchor="ctr" anchorCtr="0">
+          <a:noAutofit/>
+        </a:bodyPr>
+        <a:lstStyle/>
+        <a:p>
+          <a:pPr marL="0" lvl="0" indent="0" algn="ctr" defTabSz="933450">
+            <a:lnSpc>
+              <a:spcPct val="90000"/>
+            </a:lnSpc>
+            <a:spcBef>
+              <a:spcPct val="0"/>
+            </a:spcBef>
+            <a:spcAft>
+              <a:spcPct val="35000"/>
+            </a:spcAft>
+            <a:buNone/>
+          </a:pPr>
+          <a:endParaRPr lang="en-US" sz="2100" kern="1200"/>
+        </a:p>
+      </dsp:txBody>
+      <dsp:txXfrm>
+        <a:off x="6960360" y="2777315"/>
+        <a:ext cx="466168" cy="305620"/>
+      </dsp:txXfrm>
+    </dsp:sp>
+    <dsp:sp modelId="{0CF54AD3-D6A2-4C36-A19D-C28BBB755645}">
+      <dsp:nvSpPr>
+        <dsp:cNvPr id="0" name=""/>
+        <dsp:cNvSpPr/>
+      </dsp:nvSpPr>
+      <dsp:spPr>
+        <a:xfrm>
+          <a:off x="5804639" y="3362084"/>
+          <a:ext cx="5517070" cy="1933420"/>
+        </a:xfrm>
+        <a:prstGeom prst="roundRect">
+          <a:avLst/>
+        </a:prstGeom>
+        <a:solidFill>
+          <a:schemeClr val="accent1">
+            <a:hueOff val="0"/>
+            <a:satOff val="0"/>
+            <a:lumOff val="0"/>
+            <a:alphaOff val="0"/>
+          </a:schemeClr>
+        </a:solidFill>
+        <a:ln w="38100" cap="rnd" cmpd="sng" algn="ctr">
+          <a:solidFill>
+            <a:schemeClr val="tx1">
+              <a:lumMod val="75000"/>
+              <a:lumOff val="25000"/>
+            </a:schemeClr>
+          </a:solidFill>
+          <a:prstDash val="solid"/>
+        </a:ln>
+        <a:effectLst/>
+      </dsp:spPr>
+      <dsp:style>
+        <a:lnRef idx="2">
+          <a:scrgbClr r="0" g="0" b="0"/>
+        </a:lnRef>
+        <a:fillRef idx="1">
+          <a:scrgbClr r="0" g="0" b="0"/>
+        </a:fillRef>
+        <a:effectRef idx="0">
+          <a:scrgbClr r="0" g="0" b="0"/>
+        </a:effectRef>
+        <a:fontRef idx="minor">
+          <a:schemeClr val="lt1"/>
+        </a:fontRef>
+      </dsp:style>
+      <dsp:txBody>
+        <a:bodyPr spcFirstLastPara="0" vert="horz" wrap="square" lIns="35560" tIns="35560" rIns="35560" bIns="35560" numCol="1" spcCol="1270" anchor="ctr" anchorCtr="0">
+          <a:noAutofit/>
+        </a:bodyPr>
+        <a:lstStyle/>
+        <a:p>
+          <a:pPr marL="0" lvl="0" indent="0" algn="ctr" defTabSz="1244600">
+            <a:lnSpc>
+              <a:spcPct val="90000"/>
+            </a:lnSpc>
+            <a:spcBef>
+              <a:spcPct val="0"/>
+            </a:spcBef>
+            <a:spcAft>
+              <a:spcPct val="35000"/>
+            </a:spcAft>
+            <a:buNone/>
+          </a:pPr>
+          <a:r>
+            <a:rPr lang="en-US" sz="2800" kern="1200" dirty="0"/>
+            <a:t>Arduino</a:t>
+          </a:r>
+        </a:p>
+        <a:p>
+          <a:pPr marL="0" lvl="0" indent="0" algn="l" defTabSz="1244600">
+            <a:lnSpc>
+              <a:spcPct val="100000"/>
+            </a:lnSpc>
+            <a:spcBef>
+              <a:spcPct val="0"/>
+            </a:spcBef>
+            <a:spcAft>
+              <a:spcPts val="0"/>
+            </a:spcAft>
+            <a:buNone/>
+          </a:pPr>
+          <a:r>
+            <a:rPr lang="en-US" sz="1800" kern="1200" dirty="0"/>
+            <a:t>  </a:t>
+          </a:r>
+          <a:r>
+            <a:rPr lang="en-US" sz="1600" kern="1200" dirty="0"/>
+            <a:t>    Read Settings                    Adjust Water Valve/Light</a:t>
+          </a:r>
+        </a:p>
+        <a:p>
+          <a:pPr marL="0" lvl="0" indent="0" algn="l" defTabSz="1244600">
+            <a:lnSpc>
+              <a:spcPct val="100000"/>
+            </a:lnSpc>
+            <a:spcBef>
+              <a:spcPct val="0"/>
+            </a:spcBef>
+            <a:spcAft>
+              <a:spcPts val="0"/>
+            </a:spcAft>
+            <a:buNone/>
+          </a:pPr>
+          <a:r>
+            <a:rPr lang="en-US" sz="1600" kern="1200" dirty="0"/>
+            <a:t>      Read Sensors	              Read Camera</a:t>
+          </a:r>
+        </a:p>
+        <a:p>
+          <a:pPr marL="0" lvl="0" indent="0" algn="l" defTabSz="1244600">
+            <a:lnSpc>
+              <a:spcPct val="100000"/>
+            </a:lnSpc>
+            <a:spcBef>
+              <a:spcPct val="0"/>
+            </a:spcBef>
+            <a:spcAft>
+              <a:spcPts val="0"/>
+            </a:spcAft>
+            <a:buNone/>
+          </a:pPr>
+          <a:r>
+            <a:rPr lang="en-US" sz="1600" kern="1200" dirty="0"/>
+            <a:t>   Send Sensor Data                    Send Camera Data</a:t>
+          </a:r>
+        </a:p>
+      </dsp:txBody>
+      <dsp:txXfrm>
+        <a:off x="5899021" y="3456466"/>
+        <a:ext cx="5328306" cy="1744656"/>
+      </dsp:txXfrm>
+    </dsp:sp>
+  </dsp:spTree>
+</dsp:drawing>
+</file>
+
+<file path=ppt/diagrams/layout1.xml><?xml version="1.0" encoding="utf-8"?>
+<dgm:layoutDef xmlns:dgm="http://schemas.openxmlformats.org/drawingml/2006/diagram" xmlns:a="http://schemas.openxmlformats.org/drawingml/2006/main" uniqueId="urn:microsoft.com/office/officeart/2005/8/layout/radial5">
+  <dgm:title val=""/>
+  <dgm:desc val=""/>
+  <dgm:catLst>
+    <dgm:cat type="relationship" pri="23000"/>
+    <dgm:cat type="cycle" pri="11000"/>
+  </dgm:catLst>
+  <dgm:sampData>
+    <dgm:dataModel>
+      <dgm:ptLst>
+        <dgm:pt modelId="0" type="doc"/>
+        <dgm:pt modelId="1">
+          <dgm:prSet phldr="1"/>
+        </dgm:pt>
+        <dgm:pt modelId="11">
+          <dgm:prSet phldr="1"/>
+        </dgm:pt>
+        <dgm:pt modelId="12">
+          <dgm:prSet phldr="1"/>
+        </dgm:pt>
+        <dgm:pt modelId="13">
+          <dgm:prSet phldr="1"/>
+        </dgm:pt>
+        <dgm:pt modelId="14">
+          <dgm:prSet phldr="1"/>
+        </dgm:pt>
+      </dgm:ptLst>
+      <dgm:cxnLst>
+        <dgm:cxn modelId="2" srcId="0" destId="1" srcOrd="0" destOrd="0"/>
+        <dgm:cxn modelId="3" srcId="1" destId="11" srcOrd="0" destOrd="0"/>
+        <dgm:cxn modelId="4" srcId="1" destId="12" srcOrd="1" destOrd="0"/>
+        <dgm:cxn modelId="5" srcId="1" destId="13" srcOrd="2" destOrd="0"/>
+        <dgm:cxn modelId="6" srcId="1" destId="14" srcOrd="3" destOrd="0"/>
+      </dgm:cxnLst>
+      <dgm:bg/>
+      <dgm:whole/>
+    </dgm:dataModel>
+  </dgm:sampData>
+  <dgm:styleData>
+    <dgm:dataModel>
+      <dgm:ptLst>
+        <dgm:pt modelId="0" type="doc"/>
+        <dgm:pt modelId="1"/>
+        <dgm:pt modelId="11"/>
+        <dgm:pt modelId="12"/>
+        <dgm:pt modelId="13"/>
+      </dgm:ptLst>
+      <dgm:cxnLst>
+        <dgm:cxn modelId="2" srcId="0" destId="1" srcOrd="0" destOrd="0"/>
+        <dgm:cxn modelId="15" srcId="1" destId="11" srcOrd="0" destOrd="0"/>
+        <dgm:cxn modelId="16" srcId="1" destId="12" srcOrd="1" destOrd="0"/>
+        <dgm:cxn modelId="17" srcId="1" destId="13" srcOrd="2" destOrd="0"/>
+      </dgm:cxnLst>
+      <dgm:bg/>
+      <dgm:whole/>
+    </dgm:dataModel>
+  </dgm:styleData>
+  <dgm:clrData>
+    <dgm:dataModel>
+      <dgm:ptLst>
+        <dgm:pt modelId="0" type="doc"/>
+        <dgm:pt modelId="1"/>
+        <dgm:pt modelId="11"/>
+        <dgm:pt modelId="12"/>
+        <dgm:pt modelId="13"/>
+        <dgm:pt modelId="14"/>
+        <dgm:pt modelId="15"/>
+        <dgm:pt modelId="16"/>
+      </dgm:ptLst>
+      <dgm:cxnLst>
+        <dgm:cxn modelId="2" srcId="0" destId="1" srcOrd="0" destOrd="0"/>
+        <dgm:cxn modelId="16" srcId="1" destId="11" srcOrd="0" destOrd="0"/>
+        <dgm:cxn modelId="17" srcId="1" destId="12" srcOrd="1" destOrd="0"/>
+        <dgm:cxn modelId="18" srcId="1" destId="13" srcOrd="2" destOrd="0"/>
+        <dgm:cxn modelId="19" srcId="1" destId="14" srcOrd="3" destOrd="0"/>
+        <dgm:cxn modelId="20" srcId="1" destId="15" srcOrd="4" destOrd="0"/>
+        <dgm:cxn modelId="21" srcId="1" destId="16" srcOrd="5" destOrd="0"/>
+      </dgm:cxnLst>
+      <dgm:bg/>
+      <dgm:whole/>
+    </dgm:dataModel>
+  </dgm:clrData>
+  <dgm:layoutNode name="Name0">
+    <dgm:varLst>
+      <dgm:chMax val="1"/>
+      <dgm:dir/>
+      <dgm:animLvl val="ctr"/>
+      <dgm:resizeHandles val="exact"/>
+    </dgm:varLst>
+    <dgm:choose name="Name1">
+      <dgm:if name="Name2" func="var" arg="dir" op="equ" val="norm">
+        <dgm:alg type="cycle">
+          <dgm:param type="stAng" val="0"/>
+          <dgm:param type="spanAng" val="360"/>
+          <dgm:param type="ctrShpMap" val="fNode"/>
+        </dgm:alg>
+      </dgm:if>
+      <dgm:else name="Name3">
+        <dgm:alg type="cycle">
+          <dgm:param type="stAng" val="0"/>
+          <dgm:param type="spanAng" val="-360"/>
+          <dgm:param type="ctrShpMap" val="fNode"/>
+        </dgm:alg>
+      </dgm:else>
+    </dgm:choose>
+    <dgm:shape xmlns:r="http://schemas.openxmlformats.org/officeDocument/2006/relationships" r:blip="">
+      <dgm:adjLst/>
+    </dgm:shape>
+    <dgm:presOf/>
+    <dgm:constrLst>
+      <dgm:constr type="w" for="ch" forName="centerShape" refType="w"/>
+      <dgm:constr type="w" for="ch" forName="parTrans" refType="w" refFor="ch" refForName="centerShape" fact="0.4"/>
+      <dgm:constr type="w" for="ch" forName="node" refType="w" refFor="ch" refForName="centerShape" op="equ" fact="1.25"/>
+      <dgm:constr type="sp" refType="w" refFor="ch" refForName="centerShape" op="equ" fact="0.4"/>
+      <dgm:constr type="sibSp" refType="w" refFor="ch" refForName="node" fact="0.3"/>
+      <dgm:constr type="primFontSz" for="ch" forName="centerShape" val="65"/>
+      <dgm:constr type="primFontSz" for="des" forName="node" op="equ" val="65"/>
+      <dgm:constr type="primFontSz" for="des" forName="node" refType="primFontSz" refFor="ch" refForName="centerShape" op="lte"/>
+      <dgm:constr type="primFontSz" for="des" forName="connectorText" op="equ" val="55"/>
+      <dgm:constr type="primFontSz" for="des" forName="connectorText" refType="primFontSz" refFor="ch" refForName="centerShape" op="lte" fact="0.8"/>
+      <dgm:constr type="primFontSz" for="des" forName="connectorText" refType="primFontSz" refFor="des" refForName="node" op="lte"/>
+    </dgm:constrLst>
+    <dgm:choose name="Name4">
+      <dgm:if name="Name5" axis="ch ch" ptType="node node" st="1 1" cnt="1 0" func="cnt" op="lte" val="6">
+        <dgm:ruleLst>
+          <dgm:rule type="w" for="ch" forName="node" val="NaN" fact="1" max="NaN"/>
+        </dgm:ruleLst>
+      </dgm:if>
+      <dgm:if name="Name6" axis="ch ch" ptType="node node" st="1 1" cnt="1 0" func="cnt" op="lte" val="8">
+        <dgm:ruleLst>
+          <dgm:rule type="w" for="ch" forName="node" val="NaN" fact="0.9" max="NaN"/>
+        </dgm:ruleLst>
+      </dgm:if>
+      <dgm:if name="Name7" axis="ch ch" ptType="node node" st="1 1" cnt="1 0" func="cnt" op="lte" val="10">
+        <dgm:ruleLst>
+          <dgm:rule type="w" for="ch" forName="node" val="NaN" fact="0.8" max="NaN"/>
+        </dgm:ruleLst>
+      </dgm:if>
+      <dgm:if name="Name8" axis="ch ch" ptType="node node" st="1 1" cnt="1 0" func="cnt" op="lte" val="12">
+        <dgm:ruleLst>
+          <dgm:rule type="w" for="ch" forName="node" val="NaN" fact="0.7" max="NaN"/>
+        </dgm:ruleLst>
+      </dgm:if>
+      <dgm:if name="Name9" axis="ch ch" ptType="node node" st="1 1" cnt="1 0" func="cnt" op="lte" val="14">
+        <dgm:ruleLst>
+          <dgm:rule type="w" for="ch" forName="node" val="NaN" fact="0.6" max="NaN"/>
+        </dgm:ruleLst>
+      </dgm:if>
+      <dgm:else name="Name10">
+        <dgm:ruleLst>
+          <dgm:rule type="w" for="ch" forName="node" val="NaN" fact="0.5" max="NaN"/>
+        </dgm:ruleLst>
+      </dgm:else>
+    </dgm:choose>
+    <dgm:forEach name="Name11" axis="ch" ptType="node" cnt="1">
+      <dgm:layoutNode name="centerShape" styleLbl="node0">
+        <dgm:alg type="tx"/>
+        <dgm:shape xmlns:r="http://schemas.openxmlformats.org/officeDocument/2006/relationships" type="ellipse" r:blip="">
+          <dgm:adjLst/>
+        </dgm:shape>
+        <dgm:presOf axis="self"/>
+        <dgm:constrLst>
+          <dgm:constr type="h" refType="w"/>
+          <dgm:constr type="tMarg" refType="primFontSz" fact="0.1"/>
+          <dgm:constr type="bMarg" refType="primFontSz" fact="0.1"/>
+          <dgm:constr type="lMarg" refType="primFontSz" fact="0.1"/>
+          <dgm:constr type="rMarg" refType="primFontSz" fact="0.1"/>
+        </dgm:constrLst>
+        <dgm:ruleLst>
+          <dgm:rule type="primFontSz" val="5" fact="NaN" max="NaN"/>
+        </dgm:ruleLst>
+      </dgm:layoutNode>
+      <dgm:forEach name="Name12" axis="ch">
+        <dgm:forEach name="Name13" axis="self" ptType="parTrans">
+          <dgm:layoutNode name="parTrans" styleLbl="sibTrans2D1">
+            <dgm:alg type="conn">
+              <dgm:param type="begPts" val="auto"/>
+              <dgm:param type="endPts" val="auto"/>
+            </dgm:alg>
+            <dgm:shape xmlns:r="http://schemas.openxmlformats.org/officeDocument/2006/relationships" type="conn" r:blip="">
+              <dgm:adjLst/>
+            </dgm:shape>
+            <dgm:presOf axis="self"/>
+            <dgm:constrLst>
+              <dgm:constr type="h" refType="w" fact="0.85"/>
+            </dgm:constrLst>
+            <dgm:ruleLst/>
+            <dgm:layoutNode name="connectorText">
+              <dgm:alg type="tx">
+                <dgm:param type="autoTxRot" val="grav"/>
+              </dgm:alg>
+              <dgm:shape xmlns:r="http://schemas.openxmlformats.org/officeDocument/2006/relationships" type="conn" r:blip="" hideGeom="1">
+                <dgm:adjLst/>
+              </dgm:shape>
+              <dgm:presOf axis="self"/>
+              <dgm:constrLst>
+                <dgm:constr type="lMarg"/>
+                <dgm:constr type="rMarg"/>
+                <dgm:constr type="tMarg"/>
+                <dgm:constr type="bMarg"/>
+              </dgm:constrLst>
+              <dgm:ruleLst>
+                <dgm:rule type="primFontSz" val="5" fact="NaN" max="NaN"/>
+              </dgm:ruleLst>
+            </dgm:layoutNode>
+          </dgm:layoutNode>
+        </dgm:forEach>
+        <dgm:forEach name="Name14" axis="self" ptType="node">
+          <dgm:layoutNode name="node" styleLbl="node1">
+            <dgm:varLst>
+              <dgm:bulletEnabled val="1"/>
+            </dgm:varLst>
+            <dgm:alg type="tx">
+              <dgm:param type="txAnchorVertCh" val="mid"/>
+            </dgm:alg>
+            <dgm:shape xmlns:r="http://schemas.openxmlformats.org/officeDocument/2006/relationships" type="ellipse" r:blip="">
+              <dgm:adjLst/>
+            </dgm:shape>
+            <dgm:presOf axis="desOrSelf" ptType="node"/>
+            <dgm:constrLst>
+              <dgm:constr type="h" refType="w"/>
+              <dgm:constr type="tMarg" refType="primFontSz" fact="0.1"/>
+              <dgm:constr type="bMarg" refType="primFontSz" fact="0.1"/>
+              <dgm:constr type="lMarg" refType="primFontSz" fact="0.1"/>
+              <dgm:constr type="rMarg" refType="primFontSz" fact="0.1"/>
+            </dgm:constrLst>
+            <dgm:ruleLst>
+              <dgm:rule type="w" val="INF" fact="NaN" max="NaN"/>
+              <dgm:rule type="primFontSz" val="5" fact="NaN" max="NaN"/>
+            </dgm:ruleLst>
+          </dgm:layoutNode>
+        </dgm:forEach>
+      </dgm:forEach>
+    </dgm:forEach>
+  </dgm:layoutNode>
+</dgm:layoutDef>
+</file>
+
+<file path=ppt/diagrams/quickStyle1.xml><?xml version="1.0" encoding="utf-8"?>
+<dgm:styleDef xmlns:dgm="http://schemas.openxmlformats.org/drawingml/2006/diagram" xmlns:a="http://schemas.openxmlformats.org/drawingml/2006/main" uniqueId="urn:microsoft.com/office/officeart/2005/8/quickstyle/simple1">
+  <dgm:title val=""/>
+  <dgm:desc val=""/>
+  <dgm:catLst>
+    <dgm:cat type="simple" pri="10100"/>
+  </dgm:catLst>
+  <dgm:scene3d>
+    <a:camera prst="orthographicFront"/>
+    <a:lightRig rig="threePt" dir="t"/>
+  </dgm:scene3d>
+  <dgm:styleLbl name="node0">
+    <dgm:scene3d>
+      <a:camera prst="orthographicFront"/>
+      <a:lightRig rig="threePt" dir="t"/>
+    </dgm:scene3d>
+    <dgm:sp3d/>
+    <dgm:txPr/>
+    <dgm:style>
+      <a:lnRef idx="2">
+        <a:scrgbClr r="0" g="0" b="0"/>
+      </a:lnRef>
+      <a:fillRef idx="1">
+        <a:scrgbClr r="0" g="0" b="0"/>
+      </a:fillRef>
+      <a:effectRef idx="0">
+        <a:scrgbClr r="0" g="0" b="0"/>
+      </a:effectRef>
+      <a:fontRef idx="minor">
+        <a:schemeClr val="lt1"/>
+      </a:fontRef>
+    </dgm:style>
+  </dgm:styleLbl>
+  <dgm:styleLbl name="lnNode1">
+    <dgm:scene3d>
+      <a:camera prst="orthographicFront"/>
+      <a:lightRig rig="threePt" dir="t"/>
+    </dgm:scene3d>
+    <dgm:sp3d/>
+    <dgm:txPr/>
+    <dgm:style>
+      <a:lnRef idx="2">
+        <a:scrgbClr r="0" g="0" b="0"/>
+      </a:lnRef>
+      <a:fillRef idx="1">
+        <a:scrgbClr r="0" g="0" b="0"/>
+      </a:fillRef>
+      <a:effectRef idx="0">
+        <a:scrgbClr r="0" g="0" b="0"/>
+      </a:effectRef>
+      <a:fontRef idx="minor">
+        <a:schemeClr val="lt1"/>
+      </a:fontRef>
+    </dgm:style>
+  </dgm:styleLbl>
+  <dgm:styleLbl name="vennNode1">
+    <dgm:scene3d>
+      <a:camera prst="orthographicFront"/>
+      <a:lightRig rig="threePt" dir="t"/>
+    </dgm:scene3d>
+    <dgm:sp3d/>
+    <dgm:txPr/>
+    <dgm:style>
+      <a:lnRef idx="2">
+        <a:scrgbClr r="0" g="0" b="0"/>
+      </a:lnRef>
+      <a:fillRef idx="1">
+        <a:scrgbClr r="0" g="0" b="0"/>
+      </a:fillRef>
+      <a:effectRef idx="0">
+        <a:scrgbClr r="0" g="0" b="0"/>
+      </a:effectRef>
+      <a:fontRef idx="minor">
+        <a:schemeClr val="tx1"/>
+      </a:fontRef>
+    </dgm:style>
+  </dgm:styleLbl>
+  <dgm:styleLbl name="alignNode1">
+    <dgm:scene3d>
+      <a:camera prst="orthographicFront"/>
+      <a:lightRig rig="threePt" dir="t"/>
+    </dgm:scene3d>
+    <dgm:sp3d/>
+    <dgm:txPr/>
+    <dgm:style>
+      <a:lnRef idx="2">
+        <a:scrgbClr r="0" g="0" b="0"/>
+      </a:lnRef>
+      <a:fillRef idx="1">
+        <a:scrgbClr r="0" g="0" b="0"/>
+      </a:fillRef>
+      <a:effectRef idx="0">
+        <a:scrgbClr r="0" g="0" b="0"/>
+      </a:effectRef>
+      <a:fontRef idx="minor">
+        <a:schemeClr val="lt1"/>
+      </a:fontRef>
+    </dgm:style>
+  </dgm:styleLbl>
+  <dgm:styleLbl name="node1">
+    <dgm:scene3d>
+      <a:camera prst="orthographicFront"/>
+      <a:lightRig rig="threePt" dir="t"/>
+    </dgm:scene3d>
+    <dgm:sp3d/>
+    <dgm:txPr/>
+    <dgm:style>
+      <a:lnRef idx="2">
+        <a:scrgbClr r="0" g="0" b="0"/>
+      </a:lnRef>
+      <a:fillRef idx="1">
+        <a:scrgbClr r="0" g="0" b="0"/>
+      </a:fillRef>
+      <a:effectRef idx="0">
+        <a:scrgbClr r="0" g="0" b="0"/>
+      </a:effectRef>
+      <a:fontRef idx="minor">
+        <a:schemeClr val="lt1"/>
+      </a:fontRef>
+    </dgm:style>
+  </dgm:styleLbl>
+  <dgm:styleLbl name="node2">
+    <dgm:scene3d>
+      <a:camera prst="orthographicFront"/>
+      <a:lightRig rig="threePt" dir="t"/>
+    </dgm:scene3d>
+    <dgm:sp3d/>
+    <dgm:txPr/>
+    <dgm:style>
+      <a:lnRef idx="2">
+        <a:scrgbClr r="0" g="0" b="0"/>
+      </a:lnRef>
+      <a:fillRef idx="1">
+        <a:scrgbClr r="0" g="0" b="0"/>
+      </a:fillRef>
+      <a:effectRef idx="0">
+        <a:scrgbClr r="0" g="0" b="0"/>
+      </a:effectRef>
+      <a:fontRef idx="minor">
+        <a:schemeClr val="lt1"/>
+      </a:fontRef>
+    </dgm:style>
+  </dgm:styleLbl>
+  <dgm:styleLbl name="node3">
+    <dgm:scene3d>
+      <a:camera prst="orthographicFront"/>
+      <a:lightRig rig="threePt" dir="t"/>
+    </dgm:scene3d>
+    <dgm:sp3d/>
+    <dgm:txPr/>
+    <dgm:style>
+      <a:lnRef idx="2">
+        <a:scrgbClr r="0" g="0" b="0"/>
+      </a:lnRef>
+      <a:fillRef idx="1">
+        <a:scrgbClr r="0" g="0" b="0"/>
+      </a:fillRef>
+      <a:effectRef idx="0">
+        <a:scrgbClr r="0" g="0" b="0"/>
+      </a:effectRef>
+      <a:fontRef idx="minor">
+        <a:schemeClr val="lt1"/>
+      </a:fontRef>
+    </dgm:style>
+  </dgm:styleLbl>
+  <dgm:styleLbl name="node4">
+    <dgm:scene3d>
+      <a:camera prst="orthographicFront"/>
+      <a:lightRig rig="threePt" dir="t"/>
+    </dgm:scene3d>
+    <dgm:sp3d/>
+    <dgm:txPr/>
+    <dgm:style>
+      <a:lnRef idx="2">
+        <a:scrgbClr r="0" g="0" b="0"/>
+      </a:lnRef>
+      <a:fillRef idx="1">
+        <a:scrgbClr r="0" g="0" b="0"/>
+      </a:fillRef>
+      <a:effectRef idx="0">
+        <a:scrgbClr r="0" g="0" b="0"/>
+      </a:effectRef>
+      <a:fontRef idx="minor">
+        <a:schemeClr val="lt1"/>
+      </a:fontRef>
+    </dgm:style>
+  </dgm:styleLbl>
+  <dgm:styleLbl name="fgImgPlace1">
+    <dgm:scene3d>
+      <a:camera prst="orthographicFront"/>
+      <a:lightRig rig="threePt" dir="t"/>
+    </dgm:scene3d>
+    <dgm:sp3d/>
+    <dgm:txPr/>
+    <dgm:style>
+      <a:lnRef idx="2">
+        <a:scrgbClr r="0" g="0" b="0"/>
+      </a:lnRef>
+      <a:fillRef idx="1">
+        <a:scrgbClr r="0" g="0" b="0"/>
+      </a:fillRef>
+      <a:effectRef idx="0">
+        <a:scrgbClr r="0" g="0" b="0"/>
+      </a:effectRef>
+      <a:fontRef idx="minor"/>
+    </dgm:style>
+  </dgm:styleLbl>
+  <dgm:styleLbl name="alignImgPlace1">
+    <dgm:scene3d>
+      <a:camera prst="orthographicFront"/>
+      <a:lightRig rig="threePt" dir="t"/>
+    </dgm:scene3d>
+    <dgm:sp3d/>
+    <dgm:txPr/>
+    <dgm:style>
+      <a:lnRef idx="2">
+        <a:scrgbClr r="0" g="0" b="0"/>
+      </a:lnRef>
+      <a:fillRef idx="1">
+        <a:scrgbClr r="0" g="0" b="0"/>
+      </a:fillRef>
+      <a:effectRef idx="0">
+        <a:scrgbClr r="0" g="0" b="0"/>
+      </a:effectRef>
+      <a:fontRef idx="minor"/>
+    </dgm:style>
+  </dgm:styleLbl>
+  <dgm:styleLbl name="bgImgPlace1">
+    <dgm:scene3d>
+      <a:camera prst="orthographicFront"/>
+      <a:lightRig rig="threePt" dir="t"/>
+    </dgm:scene3d>
+    <dgm:sp3d/>
+    <dgm:txPr/>
+    <dgm:style>
+      <a:lnRef idx="2">
+        <a:scrgbClr r="0" g="0" b="0"/>
+      </a:lnRef>
+      <a:fillRef idx="1">
+        <a:scrgbClr r="0" g="0" b="0"/>
+      </a:fillRef>
+      <a:effectRef idx="0">
+        <a:scrgbClr r="0" g="0" b="0"/>
+      </a:effectRef>
+      <a:fontRef idx="minor"/>
+    </dgm:style>
+  </dgm:styleLbl>
+  <dgm:styleLbl name="sibTrans2D1">
+    <dgm:scene3d>
+      <a:camera prst="orthographicFront"/>
+      <a:lightRig rig="threePt" dir="t"/>
+    </dgm:scene3d>
+    <dgm:sp3d/>
+    <dgm:txPr/>
+    <dgm:style>
+      <a:lnRef idx="0">
+        <a:scrgbClr r="0" g="0" b="0"/>
+      </a:lnRef>
+      <a:fillRef idx="1">
+        <a:scrgbClr r="0" g="0" b="0"/>
+      </a:fillRef>
+      <a:effectRef idx="0">
+        <a:scrgbClr r="0" g="0" b="0"/>
+      </a:effectRef>
+      <a:fontRef idx="minor">
+        <a:schemeClr val="lt1"/>
+      </a:fontRef>
+    </dgm:style>
+  </dgm:styleLbl>
+  <dgm:styleLbl name="fgSibTrans2D1">
+    <dgm:scene3d>
+      <a:camera prst="orthographicFront"/>
+      <a:lightRig rig="threePt" dir="t"/>
+    </dgm:scene3d>
+    <dgm:sp3d/>
+    <dgm:txPr/>
+    <dgm:style>
+      <a:lnRef idx="0">
+        <a:scrgbClr r="0" g="0" b="0"/>
+      </a:lnRef>
+      <a:fillRef idx="1">
+        <a:scrgbClr r="0" g="0" b="0"/>
+      </a:fillRef>
+      <a:effectRef idx="0">
+        <a:scrgbClr r="0" g="0" b="0"/>
+      </a:effectRef>
+      <a:fontRef idx="minor">
+        <a:schemeClr val="lt1"/>
+      </a:fontRef>
+    </dgm:style>
+  </dgm:styleLbl>
+  <dgm:styleLbl name="bgSibTrans2D1">
+    <dgm:scene3d>
+      <a:camera prst="orthographicFront"/>
+      <a:lightRig rig="threePt" dir="t"/>
+    </dgm:scene3d>
+    <dgm:sp3d/>
+    <dgm:txPr/>
+    <dgm:style>
+      <a:lnRef idx="0">
+        <a:scrgbClr r="0" g="0" b="0"/>
+      </a:lnRef>
+      <a:fillRef idx="1">
+        <a:scrgbClr r="0" g="0" b="0"/>
+      </a:fillRef>
+      <a:effectRef idx="0">
+        <a:scrgbClr r="0" g="0" b="0"/>
+      </a:effectRef>
+      <a:fontRef idx="minor">
+        <a:schemeClr val="lt1"/>
+      </a:fontRef>
+    </dgm:style>
+  </dgm:styleLbl>
+  <dgm:styleLbl name="sibTrans1D1">
+    <dgm:scene3d>
+      <a:camera prst="orthographicFront"/>
+      <a:lightRig rig="threePt" dir="t"/>
+    </dgm:scene3d>
+    <dgm:sp3d/>
+    <dgm:txPr/>
+    <dgm:style>
+      <a:lnRef idx="1">
+        <a:scrgbClr r="0" g="0" b="0"/>
+      </a:lnRef>
+      <a:fillRef idx="0">
+        <a:scrgbClr r="0" g="0" b="0"/>
+      </a:fillRef>
+      <a:effectRef idx="0">
+        <a:scrgbClr r="0" g="0" b="0"/>
+      </a:effectRef>
+      <a:fontRef idx="minor"/>
+    </dgm:style>
+  </dgm:styleLbl>
+  <dgm:styleLbl name="callout">
+    <dgm:scene3d>
+      <a:camera prst="orthographicFront"/>
+      <a:lightRig rig="threePt" dir="t"/>
+    </dgm:scene3d>
+    <dgm:sp3d/>
+    <dgm:txPr/>
+    <dgm:style>
+      <a:lnRef idx="2">
+        <a:scrgbClr r="0" g="0" b="0"/>
+      </a:lnRef>
+      <a:fillRef idx="1">
+        <a:scrgbClr r="0" g="0" b="0"/>
+      </a:fillRef>
+      <a:effectRef idx="0">
+        <a:scrgbClr r="0" g="0" b="0"/>
+      </a:effectRef>
+      <a:fontRef idx="minor"/>
+    </dgm:style>
+  </dgm:styleLbl>
+  <dgm:styleLbl name="asst0">
+    <dgm:scene3d>
+      <a:camera prst="orthographicFront"/>
+      <a:lightRig rig="threePt" dir="t"/>
+    </dgm:scene3d>
+    <dgm:sp3d/>
+    <dgm:txPr/>
+    <dgm:style>
+      <a:lnRef idx="2">
+        <a:scrgbClr r="0" g="0" b="0"/>
+      </a:lnRef>
+      <a:fillRef idx="1">
+        <a:scrgbClr r="0" g="0" b="0"/>
+      </a:fillRef>
+      <a:effectRef idx="0">
+        <a:scrgbClr r="0" g="0" b="0"/>
+      </a:effectRef>
+      <a:fontRef idx="minor">
+        <a:schemeClr val="lt1"/>
+      </a:fontRef>
+    </dgm:style>
+  </dgm:styleLbl>
+  <dgm:styleLbl name="asst1">
+    <dgm:scene3d>
+      <a:camera prst="orthographicFront"/>
+      <a:lightRig rig="threePt" dir="t"/>
+    </dgm:scene3d>
+    <dgm:sp3d/>
+    <dgm:txPr/>
+    <dgm:style>
+      <a:lnRef idx="2">
+        <a:scrgbClr r="0" g="0" b="0"/>
+      </a:lnRef>
+      <a:fillRef idx="1">
+        <a:scrgbClr r="0" g="0" b="0"/>
+      </a:fillRef>
+      <a:effectRef idx="0">
+        <a:scrgbClr r="0" g="0" b="0"/>
+      </a:effectRef>
+      <a:fontRef idx="minor">
+        <a:schemeClr val="lt1"/>
+      </a:fontRef>
+    </dgm:style>
+  </dgm:styleLbl>
+  <dgm:styleLbl name="asst2">
+    <dgm:scene3d>
+      <a:camera prst="orthographicFront"/>
+      <a:lightRig rig="threePt" dir="t"/>
+    </dgm:scene3d>
+    <dgm:sp3d/>
+    <dgm:txPr/>
+    <dgm:style>
+      <a:lnRef idx="2">
+        <a:scrgbClr r="0" g="0" b="0"/>
+      </a:lnRef>
+      <a:fillRef idx="1">
+        <a:scrgbClr r="0" g="0" b="0"/>
+      </a:fillRef>
+      <a:effectRef idx="0">
+        <a:scrgbClr r="0" g="0" b="0"/>
+      </a:effectRef>
+      <a:fontRef idx="minor">
+        <a:schemeClr val="lt1"/>
+      </a:fontRef>
+    </dgm:style>
+  </dgm:styleLbl>
+  <dgm:styleLbl name="asst3">
+    <dgm:scene3d>
+      <a:camera prst="orthographicFront"/>
+      <a:lightRig rig="threePt" dir="t"/>
+    </dgm:scene3d>
+    <dgm:sp3d/>
+    <dgm:txPr/>
+    <dgm:style>
+      <a:lnRef idx="2">
+        <a:scrgbClr r="0" g="0" b="0"/>
+      </a:lnRef>
+      <a:fillRef idx="1">
+        <a:scrgbClr r="0" g="0" b="0"/>
+      </a:fillRef>
+      <a:effectRef idx="0">
+        <a:scrgbClr r="0" g="0" b="0"/>
+      </a:effectRef>
+      <a:fontRef idx="minor">
+        <a:schemeClr val="lt1"/>
+      </a:fontRef>
+    </dgm:style>
+  </dgm:styleLbl>
+  <dgm:styleLbl name="asst4">
+    <dgm:scene3d>
+      <a:camera prst="orthographicFront"/>
+      <a:lightRig rig="threePt" dir="t"/>
+    </dgm:scene3d>
+    <dgm:sp3d/>
+    <dgm:txPr/>
+    <dgm:style>
+      <a:lnRef idx="2">
+        <a:scrgbClr r="0" g="0" b="0"/>
+      </a:lnRef>
+      <a:fillRef idx="1">
+        <a:scrgbClr r="0" g="0" b="0"/>
+      </a:fillRef>
+      <a:effectRef idx="0">
+        <a:scrgbClr r="0" g="0" b="0"/>
+      </a:effectRef>
+      <a:fontRef idx="minor">
+        <a:schemeClr val="lt1"/>
+      </a:fontRef>
+    </dgm:style>
+  </dgm:styleLbl>
+  <dgm:styleLbl name="parChTrans2D1">
+    <dgm:scene3d>
+      <a:camera prst="orthographicFront"/>
+      <a:lightRig rig="threePt" dir="t"/>
+    </dgm:scene3d>
+    <dgm:sp3d/>
+    <dgm:txPr/>
+    <dgm:style>
+      <a:lnRef idx="2">
+        <a:scrgbClr r="0" g="0" b="0"/>
+      </a:lnRef>
+      <a:fillRef idx="1">
+        <a:scrgbClr r="0" g="0" b="0"/>
+      </a:fillRef>
+      <a:effectRef idx="0">
+        <a:scrgbClr r="0" g="0" b="0"/>
+      </a:effectRef>
+      <a:fontRef idx="minor">
+        <a:schemeClr val="lt1"/>
+      </a:fontRef>
+    </dgm:style>
+  </dgm:styleLbl>
+  <dgm:styleLbl name="parChTrans2D2">
+    <dgm:scene3d>
+      <a:camera prst="orthographicFront"/>
+      <a:lightRig rig="threePt" dir="t"/>
+    </dgm:scene3d>
+    <dgm:sp3d/>
+    <dgm:txPr/>
+    <dgm:style>
+      <a:lnRef idx="2">
+        <a:scrgbClr r="0" g="0" b="0"/>
+      </a:lnRef>
+      <a:fillRef idx="1">
+        <a:scrgbClr r="0" g="0" b="0"/>
+      </a:fillRef>
+      <a:effectRef idx="0">
+        <a:scrgbClr r="0" g="0" b="0"/>
+      </a:effectRef>
+      <a:fontRef idx="minor">
+        <a:schemeClr val="lt1"/>
+      </a:fontRef>
+    </dgm:style>
+  </dgm:styleLbl>
+  <dgm:styleLbl name="parChTrans2D3">
+    <dgm:scene3d>
+      <a:camera prst="orthographicFront"/>
+      <a:lightRig rig="threePt" dir="t"/>
+    </dgm:scene3d>
+    <dgm:sp3d/>
+    <dgm:txPr/>
+    <dgm:style>
+      <a:lnRef idx="2">
+        <a:scrgbClr r="0" g="0" b="0"/>
+      </a:lnRef>
+      <a:fillRef idx="1">
+        <a:scrgbClr r="0" g="0" b="0"/>
+      </a:fillRef>
+      <a:effectRef idx="0">
+        <a:scrgbClr r="0" g="0" b="0"/>
+      </a:effectRef>
+      <a:fontRef idx="minor">
+        <a:schemeClr val="lt1"/>
+      </a:fontRef>
+    </dgm:style>
+  </dgm:styleLbl>
+  <dgm:styleLbl name="parChTrans2D4">
+    <dgm:scene3d>
+      <a:camera prst="orthographicFront"/>
+      <a:lightRig rig="threePt" dir="t"/>
+    </dgm:scene3d>
+    <dgm:sp3d/>
+    <dgm:txPr/>
+    <dgm:style>
+      <a:lnRef idx="2">
+        <a:scrgbClr r="0" g="0" b="0"/>
+      </a:lnRef>
+      <a:fillRef idx="1">
+        <a:scrgbClr r="0" g="0" b="0"/>
+      </a:fillRef>
+      <a:effectRef idx="0">
+        <a:scrgbClr r="0" g="0" b="0"/>
+      </a:effectRef>
+      <a:fontRef idx="minor">
+        <a:schemeClr val="lt1"/>
+      </a:fontRef>
+    </dgm:style>
+  </dgm:styleLbl>
+  <dgm:styleLbl name="parChTrans1D1">
+    <dgm:scene3d>
+      <a:camera prst="orthographicFront"/>
+      <a:lightRig rig="threePt" dir="t"/>
+    </dgm:scene3d>
+    <dgm:sp3d/>
+    <dgm:txPr/>
+    <dgm:style>
+      <a:lnRef idx="2">
+        <a:scrgbClr r="0" g="0" b="0"/>
+      </a:lnRef>
+      <a:fillRef idx="0">
+        <a:scrgbClr r="0" g="0" b="0"/>
+      </a:fillRef>
+      <a:effectRef idx="0">
+        <a:scrgbClr r="0" g="0" b="0"/>
+      </a:effectRef>
+      <a:fontRef idx="minor"/>
+    </dgm:style>
+  </dgm:styleLbl>
+  <dgm:styleLbl name="parChTrans1D2">
+    <dgm:scene3d>
+      <a:camera prst="orthographicFront"/>
+      <a:lightRig rig="threePt" dir="t"/>
+    </dgm:scene3d>
+    <dgm:sp3d/>
+    <dgm:txPr/>
+    <dgm:style>
+      <a:lnRef idx="2">
+        <a:scrgbClr r="0" g="0" b="0"/>
+      </a:lnRef>
+      <a:fillRef idx="0">
+        <a:scrgbClr r="0" g="0" b="0"/>
+      </a:fillRef>
+      <a:effectRef idx="0">
+        <a:scrgbClr r="0" g="0" b="0"/>
+      </a:effectRef>
+      <a:fontRef idx="minor"/>
+    </dgm:style>
+  </dgm:styleLbl>
+  <dgm:styleLbl name="parChTrans1D3">
+    <dgm:scene3d>
+      <a:camera prst="orthographicFront"/>
+      <a:lightRig rig="threePt" dir="t"/>
+    </dgm:scene3d>
+    <dgm:sp3d/>
+    <dgm:txPr/>
+    <dgm:style>
+      <a:lnRef idx="2">
+        <a:scrgbClr r="0" g="0" b="0"/>
+      </a:lnRef>
+      <a:fillRef idx="0">
+        <a:scrgbClr r="0" g="0" b="0"/>
+      </a:fillRef>
+      <a:effectRef idx="0">
+        <a:scrgbClr r="0" g="0" b="0"/>
+      </a:effectRef>
+      <a:fontRef idx="minor"/>
+    </dgm:style>
+  </dgm:styleLbl>
+  <dgm:styleLbl name="parChTrans1D4">
+    <dgm:scene3d>
+      <a:camera prst="orthographicFront"/>
+      <a:lightRig rig="threePt" dir="t"/>
+    </dgm:scene3d>
+    <dgm:sp3d/>
+    <dgm:txPr/>
+    <dgm:style>
+      <a:lnRef idx="2">
+        <a:scrgbClr r="0" g="0" b="0"/>
+      </a:lnRef>
+      <a:fillRef idx="0">
+        <a:scrgbClr r="0" g="0" b="0"/>
+      </a:fillRef>
+      <a:effectRef idx="0">
+        <a:scrgbClr r="0" g="0" b="0"/>
+      </a:effectRef>
+      <a:fontRef idx="minor"/>
+    </dgm:style>
+  </dgm:styleLbl>
+  <dgm:styleLbl name="fgAcc1">
+    <dgm:scene3d>
+      <a:camera prst="orthographicFront"/>
+      <a:lightRig rig="threePt" dir="t"/>
+    </dgm:scene3d>
+    <dgm:sp3d/>
+    <dgm:txPr/>
+    <dgm:style>
+      <a:lnRef idx="2">
+        <a:scrgbClr r="0" g="0" b="0"/>
+      </a:lnRef>
+      <a:fillRef idx="1">
+        <a:scrgbClr r="0" g="0" b="0"/>
+      </a:fillRef>
+      <a:effectRef idx="0">
+        <a:scrgbClr r="0" g="0" b="0"/>
+      </a:effectRef>
+      <a:fontRef idx="minor"/>
+    </dgm:style>
+  </dgm:styleLbl>
+  <dgm:styleLbl name="conFgAcc1">
+    <dgm:scene3d>
+      <a:camera prst="orthographicFront"/>
+      <a:lightRig rig="threePt" dir="t"/>
+    </dgm:scene3d>
+    <dgm:sp3d/>
+    <dgm:txPr/>
+    <dgm:style>
+      <a:lnRef idx="2">
+        <a:scrgbClr r="0" g="0" b="0"/>
+      </a:lnRef>
+      <a:fillRef idx="1">
+        <a:scrgbClr r="0" g="0" b="0"/>
+      </a:fillRef>
+      <a:effectRef idx="0">
+        <a:scrgbClr r="0" g="0" b="0"/>
+      </a:effectRef>
+      <a:fontRef idx="minor"/>
+    </dgm:style>
+  </dgm:styleLbl>
+  <dgm:styleLbl name="alignAcc1">
+    <dgm:scene3d>
+      <a:camera prst="orthographicFront"/>
+      <a:lightRig rig="threePt" dir="t"/>
+    </dgm:scene3d>
+    <dgm:sp3d/>
+    <dgm:txPr/>
+    <dgm:style>
+      <a:lnRef idx="2">
+        <a:scrgbClr r="0" g="0" b="0"/>
+      </a:lnRef>
+      <a:fillRef idx="1">
+        <a:scrgbClr r="0" g="0" b="0"/>
+      </a:fillRef>
+      <a:effectRef idx="0">
+        <a:scrgbClr r="0" g="0" b="0"/>
+      </a:effectRef>
+      <a:fontRef idx="minor"/>
+    </dgm:style>
+  </dgm:styleLbl>
+  <dgm:styleLbl name="trAlignAcc1">
+    <dgm:scene3d>
+      <a:camera prst="orthographicFront"/>
+      <a:lightRig rig="threePt" dir="t"/>
+    </dgm:scene3d>
+    <dgm:sp3d/>
+    <dgm:txPr/>
+    <dgm:style>
+      <a:lnRef idx="1">
+        <a:scrgbClr r="0" g="0" b="0"/>
+      </a:lnRef>
+      <a:fillRef idx="1">
+        <a:scrgbClr r="0" g="0" b="0"/>
+      </a:fillRef>
+      <a:effectRef idx="0">
+        <a:scrgbClr r="0" g="0" b="0"/>
+      </a:effectRef>
+      <a:fontRef idx="minor"/>
+    </dgm:style>
+  </dgm:styleLbl>
+  <dgm:styleLbl name="bgAcc1">
+    <dgm:scene3d>
+      <a:camera prst="orthographicFront"/>
+      <a:lightRig rig="threePt" dir="t"/>
+    </dgm:scene3d>
+    <dgm:sp3d/>
+    <dgm:txPr/>
+    <dgm:style>
+      <a:lnRef idx="2">
+        <a:scrgbClr r="0" g="0" b="0"/>
+      </a:lnRef>
+      <a:fillRef idx="1">
+        <a:scrgbClr r="0" g="0" b="0"/>
+      </a:fillRef>
+      <a:effectRef idx="0">
+        <a:scrgbClr r="0" g="0" b="0"/>
+      </a:effectRef>
+      <a:fontRef idx="minor"/>
+    </dgm:style>
+  </dgm:styleLbl>
+  <dgm:styleLbl name="solidFgAcc1">
+    <dgm:scene3d>
+      <a:camera prst="orthographicFront"/>
+      <a:lightRig rig="threePt" dir="t"/>
+    </dgm:scene3d>
+    <dgm:sp3d/>
+    <dgm:txPr/>
+    <dgm:style>
+      <a:lnRef idx="2">
+        <a:scrgbClr r="0" g="0" b="0"/>
+      </a:lnRef>
+      <a:fillRef idx="1">
+        <a:scrgbClr r="0" g="0" b="0"/>
+      </a:fillRef>
+      <a:effectRef idx="0">
+        <a:scrgbClr r="0" g="0" b="0"/>
+      </a:effectRef>
+      <a:fontRef idx="minor"/>
+    </dgm:style>
+  </dgm:styleLbl>
+  <dgm:styleLbl name="solidAlignAcc1">
+    <dgm:scene3d>
+      <a:camera prst="orthographicFront"/>
+      <a:lightRig rig="threePt" dir="t"/>
+    </dgm:scene3d>
+    <dgm:sp3d/>
+    <dgm:txPr/>
+    <dgm:style>
+      <a:lnRef idx="2">
+        <a:scrgbClr r="0" g="0" b="0"/>
+      </a:lnRef>
+      <a:fillRef idx="1">
+        <a:scrgbClr r="0" g="0" b="0"/>
+      </a:fillRef>
+      <a:effectRef idx="0">
+        <a:scrgbClr r="0" g="0" b="0"/>
+      </a:effectRef>
+      <a:fontRef idx="minor"/>
+    </dgm:style>
+  </dgm:styleLbl>
+  <dgm:styleLbl name="solidBgAcc1">
+    <dgm:scene3d>
+      <a:camera prst="orthographicFront"/>
+      <a:lightRig rig="threePt" dir="t"/>
+    </dgm:scene3d>
+    <dgm:sp3d/>
+    <dgm:txPr/>
+    <dgm:style>
+      <a:lnRef idx="2">
+        <a:scrgbClr r="0" g="0" b="0"/>
+      </a:lnRef>
+      <a:fillRef idx="1">
+        <a:scrgbClr r="0" g="0" b="0"/>
+      </a:fillRef>
+      <a:effectRef idx="0">
+        <a:scrgbClr r="0" g="0" b="0"/>
+      </a:effectRef>
+      <a:fontRef idx="minor"/>
+    </dgm:style>
+  </dgm:styleLbl>
+  <dgm:styleLbl name="fgAccFollowNode1">
+    <dgm:scene3d>
+      <a:camera prst="orthographicFront"/>
+      <a:lightRig rig="threePt" dir="t"/>
+    </dgm:scene3d>
+    <dgm:sp3d/>
+    <dgm:txPr/>
+    <dgm:style>
+      <a:lnRef idx="2">
+        <a:scrgbClr r="0" g="0" b="0"/>
+      </a:lnRef>
+      <a:fillRef idx="1">
+        <a:scrgbClr r="0" g="0" b="0"/>
+      </a:fillRef>
+      <a:effectRef idx="0">
+        <a:scrgbClr r="0" g="0" b="0"/>
+      </a:effectRef>
+      <a:fontRef idx="minor"/>
+    </dgm:style>
+  </dgm:styleLbl>
+  <dgm:styleLbl name="alignAccFollowNode1">
+    <dgm:scene3d>
+      <a:camera prst="orthographicFront"/>
+      <a:lightRig rig="threePt" dir="t"/>
+    </dgm:scene3d>
+    <dgm:sp3d/>
+    <dgm:txPr/>
+    <dgm:style>
+      <a:lnRef idx="2">
+        <a:scrgbClr r="0" g="0" b="0"/>
+      </a:lnRef>
+      <a:fillRef idx="1">
+        <a:scrgbClr r="0" g="0" b="0"/>
+      </a:fillRef>
+      <a:effectRef idx="0">
+        <a:scrgbClr r="0" g="0" b="0"/>
+      </a:effectRef>
+      <a:fontRef idx="minor"/>
+    </dgm:style>
+  </dgm:styleLbl>
+  <dgm:styleLbl name="bgAccFollowNode1">
+    <dgm:scene3d>
+      <a:camera prst="orthographicFront"/>
+      <a:lightRig rig="threePt" dir="t"/>
+    </dgm:scene3d>
+    <dgm:sp3d/>
+    <dgm:txPr/>
+    <dgm:style>
+      <a:lnRef idx="2">
+        <a:scrgbClr r="0" g="0" b="0"/>
+      </a:lnRef>
+      <a:fillRef idx="1">
+        <a:scrgbClr r="0" g="0" b="0"/>
+      </a:fillRef>
+      <a:effectRef idx="0">
+        <a:scrgbClr r="0" g="0" b="0"/>
+      </a:effectRef>
+      <a:fontRef idx="minor"/>
+    </dgm:style>
+  </dgm:styleLbl>
+  <dgm:styleLbl name="fgAcc0">
+    <dgm:scene3d>
+      <a:camera prst="orthographicFront"/>
+      <a:lightRig rig="threePt" dir="t"/>
+    </dgm:scene3d>
+    <dgm:sp3d/>
+    <dgm:txPr/>
+    <dgm:style>
+      <a:lnRef idx="2">
+        <a:scrgbClr r="0" g="0" b="0"/>
+      </a:lnRef>
+      <a:fillRef idx="1">
+        <a:scrgbClr r="0" g="0" b="0"/>
+      </a:fillRef>
+      <a:effectRef idx="0">
+        <a:scrgbClr r="0" g="0" b="0"/>
+      </a:effectRef>
+      <a:fontRef idx="minor"/>
+    </dgm:style>
+  </dgm:styleLbl>
+  <dgm:styleLbl name="fgAcc2">
+    <dgm:scene3d>
+      <a:camera prst="orthographicFront"/>
+      <a:lightRig rig="threePt" dir="t"/>
+    </dgm:scene3d>
+    <dgm:sp3d/>
+    <dgm:txPr/>
+    <dgm:style>
+      <a:lnRef idx="2">
+        <a:scrgbClr r="0" g="0" b="0"/>
+      </a:lnRef>
+      <a:fillRef idx="1">
+        <a:scrgbClr r="0" g="0" b="0"/>
+      </a:fillRef>
+      <a:effectRef idx="0">
+        <a:scrgbClr r="0" g="0" b="0"/>
+      </a:effectRef>
+      <a:fontRef idx="minor"/>
+    </dgm:style>
+  </dgm:styleLbl>
+  <dgm:styleLbl name="fgAcc3">
+    <dgm:scene3d>
+      <a:camera prst="orthographicFront"/>
+      <a:lightRig rig="threePt" dir="t"/>
+    </dgm:scene3d>
+    <dgm:sp3d/>
+    <dgm:txPr/>
+    <dgm:style>
+      <a:lnRef idx="2">
+        <a:scrgbClr r="0" g="0" b="0"/>
+      </a:lnRef>
+      <a:fillRef idx="1">
+        <a:scrgbClr r="0" g="0" b="0"/>
+      </a:fillRef>
+      <a:effectRef idx="0">
+        <a:scrgbClr r="0" g="0" b="0"/>
+      </a:effectRef>
+      <a:fontRef idx="minor"/>
+    </dgm:style>
+  </dgm:styleLbl>
+  <dgm:styleLbl name="fgAcc4">
+    <dgm:scene3d>
+      <a:camera prst="orthographicFront"/>
+      <a:lightRig rig="threePt" dir="t"/>
+    </dgm:scene3d>
+    <dgm:sp3d/>
+    <dgm:txPr/>
+    <dgm:style>
+      <a:lnRef idx="2">
+        <a:scrgbClr r="0" g="0" b="0"/>
+      </a:lnRef>
+      <a:fillRef idx="1">
+        <a:scrgbClr r="0" g="0" b="0"/>
+      </a:fillRef>
+      <a:effectRef idx="0">
+        <a:scrgbClr r="0" g="0" b="0"/>
+      </a:effectRef>
+      <a:fontRef idx="minor"/>
+    </dgm:style>
+  </dgm:styleLbl>
+  <dgm:styleLbl name="bgShp">
+    <dgm:scene3d>
+      <a:camera prst="orthographicFront"/>
+      <a:lightRig rig="threePt" dir="t"/>
+    </dgm:scene3d>
+    <dgm:sp3d/>
+    <dgm:txPr/>
+    <dgm:style>
+      <a:lnRef idx="0">
+        <a:scrgbClr r="0" g="0" b="0"/>
+      </a:lnRef>
+      <a:fillRef idx="1">
+        <a:scrgbClr r="0" g="0" b="0"/>
+      </a:fillRef>
+      <a:effectRef idx="0">
+        <a:scrgbClr r="0" g="0" b="0"/>
+      </a:effectRef>
+      <a:fontRef idx="minor"/>
+    </dgm:style>
+  </dgm:styleLbl>
+  <dgm:styleLbl name="dkBgShp">
+    <dgm:scene3d>
+      <a:camera prst="orthographicFront"/>
+      <a:lightRig rig="threePt" dir="t"/>
+    </dgm:scene3d>
+    <dgm:sp3d/>
+    <dgm:txPr/>
+    <dgm:style>
+      <a:lnRef idx="0">
+        <a:scrgbClr r="0" g="0" b="0"/>
+      </a:lnRef>
+      <a:fillRef idx="1">
+        <a:scrgbClr r="0" g="0" b="0"/>
+      </a:fillRef>
+      <a:effectRef idx="0">
+        <a:scrgbClr r="0" g="0" b="0"/>
+      </a:effectRef>
+      <a:fontRef idx="minor"/>
+    </dgm:style>
+  </dgm:styleLbl>
+  <dgm:styleLbl name="trBgShp">
+    <dgm:scene3d>
+      <a:camera prst="orthographicFront"/>
+      <a:lightRig rig="threePt" dir="t"/>
+    </dgm:scene3d>
+    <dgm:sp3d/>
+    <dgm:txPr/>
+    <dgm:style>
+      <a:lnRef idx="0">
+        <a:scrgbClr r="0" g="0" b="0"/>
+      </a:lnRef>
+      <a:fillRef idx="1">
+        <a:scrgbClr r="0" g="0" b="0"/>
+      </a:fillRef>
+      <a:effectRef idx="0">
+        <a:scrgbClr r="0" g="0" b="0"/>
+      </a:effectRef>
+      <a:fontRef idx="minor"/>
+    </dgm:style>
+  </dgm:styleLbl>
+  <dgm:styleLbl name="fgShp">
+    <dgm:scene3d>
+      <a:camera prst="orthographicFront"/>
+      <a:lightRig rig="threePt" dir="t"/>
+    </dgm:scene3d>
+    <dgm:sp3d/>
+    <dgm:txPr/>
+    <dgm:style>
+      <a:lnRef idx="2">
+        <a:scrgbClr r="0" g="0" b="0"/>
+      </a:lnRef>
+      <a:fillRef idx="1">
+        <a:scrgbClr r="0" g="0" b="0"/>
+      </a:fillRef>
+      <a:effectRef idx="0">
+        <a:scrgbClr r="0" g="0" b="0"/>
+      </a:effectRef>
+      <a:fontRef idx="minor"/>
+    </dgm:style>
+  </dgm:styleLbl>
+  <dgm:styleLbl name="revTx">
+    <dgm:scene3d>
+      <a:camera prst="orthographicFront"/>
+      <a:lightRig rig="threePt" dir="t"/>
+    </dgm:scene3d>
+    <dgm:sp3d/>
+    <dgm:txPr/>
+    <dgm:style>
+      <a:lnRef idx="0">
+        <a:scrgbClr r="0" g="0" b="0"/>
+      </a:lnRef>
+      <a:fillRef idx="0">
+        <a:scrgbClr r="0" g="0" b="0"/>
+      </a:fillRef>
+      <a:effectRef idx="0">
+        <a:scrgbClr r="0" g="0" b="0"/>
+      </a:effectRef>
+      <a:fontRef idx="minor"/>
+    </dgm:style>
+  </dgm:styleLbl>
+</dgm:styleDef>
+</file>
+
 <file path=ppt/slideLayouts/slideLayout1.xml><?xml version="1.0" encoding="utf-8"?>
 <p:sldLayout xmlns:a="http://schemas.openxmlformats.org/drawingml/2006/main" xmlns:r="http://schemas.openxmlformats.org/officeDocument/2006/relationships" xmlns:p="http://schemas.openxmlformats.org/presentationml/2006/main" type="title" preserve="1">
   <p:cSld name="Title Slide">
@@ -172,7 +3309,7 @@
           </a:lstStyle>
           <a:p>
             <a:r>
-              <a:rPr lang="en-US" smtClean="0"/>
+              <a:rPr lang="en-US"/>
               <a:t>Click to edit Master title style</a:t>
             </a:r>
             <a:endParaRPr lang="en-US" dirty="0"/>
@@ -292,7 +3429,7 @@
           </a:lstStyle>
           <a:p>
             <a:r>
-              <a:rPr lang="en-US" smtClean="0"/>
+              <a:rPr lang="en-US"/>
               <a:t>Click to edit Master subtitle style</a:t>
             </a:r>
             <a:endParaRPr lang="en-US" dirty="0"/>
@@ -508,7 +3645,7 @@
           </a:lstStyle>
           <a:p>
             <a:r>
-              <a:rPr lang="en-US" smtClean="0"/>
+              <a:rPr lang="en-US"/>
               <a:t>Click to edit Master title style</a:t>
             </a:r>
             <a:endParaRPr lang="en-US" dirty="0"/>
@@ -631,7 +3768,7 @@
           <a:p>
             <a:pPr lvl="0"/>
             <a:r>
-              <a:rPr lang="en-US" smtClean="0"/>
+              <a:rPr lang="en-US"/>
               <a:t>Edit Master text styles</a:t>
             </a:r>
           </a:p>
@@ -846,7 +3983,7 @@
           </a:lstStyle>
           <a:p>
             <a:r>
-              <a:rPr lang="en-US" smtClean="0"/>
+              <a:rPr lang="en-US"/>
               <a:t>Click to edit Master title style</a:t>
             </a:r>
             <a:endParaRPr lang="en-US" dirty="0"/>
@@ -910,7 +4047,7 @@
           <a:p>
             <a:pPr lvl="0"/>
             <a:r>
-              <a:rPr lang="en-US" smtClean="0"/>
+              <a:rPr lang="en-US"/>
               <a:t>Edit Master text styles</a:t>
             </a:r>
           </a:p>
@@ -1032,7 +4169,7 @@
           <a:p>
             <a:pPr lvl="0"/>
             <a:r>
-              <a:rPr lang="en-US" smtClean="0"/>
+              <a:rPr lang="en-US"/>
               <a:t>Edit Master text styles</a:t>
             </a:r>
           </a:p>
@@ -1323,7 +4460,7 @@
           </a:lstStyle>
           <a:p>
             <a:r>
-              <a:rPr lang="en-US" smtClean="0"/>
+              <a:rPr lang="en-US"/>
               <a:t>Click to edit Master title style</a:t>
             </a:r>
             <a:endParaRPr lang="en-US" dirty="0"/>
@@ -1368,7 +4505,7 @@
               <a:buNone/>
             </a:pPr>
             <a:r>
-              <a:rPr lang="en-US" smtClean="0"/>
+              <a:rPr lang="en-US"/>
               <a:t>Edit Master text styles</a:t>
             </a:r>
           </a:p>
@@ -1583,7 +4720,7 @@
           </a:lstStyle>
           <a:p>
             <a:r>
-              <a:rPr lang="en-US" smtClean="0"/>
+              <a:rPr lang="en-US"/>
               <a:t>Click to edit Master title style</a:t>
             </a:r>
             <a:endParaRPr lang="en-US" dirty="0"/>
@@ -1644,7 +4781,7 @@
           <a:p>
             <a:pPr lvl="0"/>
             <a:r>
-              <a:rPr lang="en-US" smtClean="0"/>
+              <a:rPr lang="en-US"/>
               <a:t>Edit Master text styles</a:t>
             </a:r>
           </a:p>
@@ -1688,7 +4825,7 @@
               <a:buNone/>
             </a:pPr>
             <a:r>
-              <a:rPr lang="en-US" smtClean="0"/>
+              <a:rPr lang="en-US"/>
               <a:t>Edit Master text styles</a:t>
             </a:r>
           </a:p>
@@ -1979,7 +5116,7 @@
           </a:lstStyle>
           <a:p>
             <a:r>
-              <a:rPr lang="en-US" smtClean="0"/>
+              <a:rPr lang="en-US"/>
               <a:t>Click to edit Master title style</a:t>
             </a:r>
             <a:endParaRPr lang="en-US" dirty="0"/>
@@ -2040,7 +5177,7 @@
           <a:p>
             <a:pPr lvl="0"/>
             <a:r>
-              <a:rPr lang="en-US" smtClean="0"/>
+              <a:rPr lang="en-US"/>
               <a:t>Edit Master text styles</a:t>
             </a:r>
           </a:p>
@@ -2084,7 +5221,7 @@
               <a:buNone/>
             </a:pPr>
             <a:r>
-              <a:rPr lang="en-US" smtClean="0"/>
+              <a:rPr lang="en-US"/>
               <a:t>Edit Master text styles</a:t>
             </a:r>
           </a:p>
@@ -2288,7 +5425,7 @@
           <a:lstStyle/>
           <a:p>
             <a:r>
-              <a:rPr lang="en-US" smtClean="0"/>
+              <a:rPr lang="en-US"/>
               <a:t>Click to edit Master title style</a:t>
             </a:r>
             <a:endParaRPr lang="en-US" dirty="0"/>
@@ -2312,35 +5449,35 @@
           <a:p>
             <a:pPr lvl="0"/>
             <a:r>
-              <a:rPr lang="en-US" smtClean="0"/>
+              <a:rPr lang="en-US"/>
               <a:t>Edit Master text styles</a:t>
             </a:r>
           </a:p>
           <a:p>
             <a:pPr lvl="1"/>
             <a:r>
-              <a:rPr lang="en-US" smtClean="0"/>
+              <a:rPr lang="en-US"/>
               <a:t>Second level</a:t>
             </a:r>
           </a:p>
           <a:p>
             <a:pPr lvl="2"/>
             <a:r>
-              <a:rPr lang="en-US" smtClean="0"/>
+              <a:rPr lang="en-US"/>
               <a:t>Third level</a:t>
             </a:r>
           </a:p>
           <a:p>
             <a:pPr lvl="3"/>
             <a:r>
-              <a:rPr lang="en-US" smtClean="0"/>
+              <a:rPr lang="en-US"/>
               <a:t>Fourth level</a:t>
             </a:r>
           </a:p>
           <a:p>
             <a:pPr lvl="4"/>
             <a:r>
-              <a:rPr lang="en-US" smtClean="0"/>
+              <a:rPr lang="en-US"/>
               <a:t>Fifth level</a:t>
             </a:r>
             <a:endParaRPr lang="en-US" dirty="0"/>
@@ -2545,7 +5682,7 @@
           <a:lstStyle/>
           <a:p>
             <a:r>
-              <a:rPr lang="en-US" smtClean="0"/>
+              <a:rPr lang="en-US"/>
               <a:t>Click to edit Master title style</a:t>
             </a:r>
             <a:endParaRPr lang="en-US" dirty="0"/>
@@ -2574,35 +5711,35 @@
           <a:p>
             <a:pPr lvl="0"/>
             <a:r>
-              <a:rPr lang="en-US" smtClean="0"/>
+              <a:rPr lang="en-US"/>
               <a:t>Edit Master text styles</a:t>
             </a:r>
           </a:p>
           <a:p>
             <a:pPr lvl="1"/>
             <a:r>
-              <a:rPr lang="en-US" smtClean="0"/>
+              <a:rPr lang="en-US"/>
               <a:t>Second level</a:t>
             </a:r>
           </a:p>
           <a:p>
             <a:pPr lvl="2"/>
             <a:r>
-              <a:rPr lang="en-US" smtClean="0"/>
+              <a:rPr lang="en-US"/>
               <a:t>Third level</a:t>
             </a:r>
           </a:p>
           <a:p>
             <a:pPr lvl="3"/>
             <a:r>
-              <a:rPr lang="en-US" smtClean="0"/>
+              <a:rPr lang="en-US"/>
               <a:t>Fourth level</a:t>
             </a:r>
           </a:p>
           <a:p>
             <a:pPr lvl="4"/>
             <a:r>
-              <a:rPr lang="en-US" smtClean="0"/>
+              <a:rPr lang="en-US"/>
               <a:t>Fifth level</a:t>
             </a:r>
             <a:endParaRPr lang="en-US" dirty="0"/>
@@ -2807,7 +5944,7 @@
           <a:lstStyle/>
           <a:p>
             <a:r>
-              <a:rPr lang="en-US" smtClean="0"/>
+              <a:rPr lang="en-US"/>
               <a:t>Click to edit Master title style</a:t>
             </a:r>
             <a:endParaRPr lang="en-US" dirty="0"/>
@@ -2836,35 +5973,35 @@
           <a:p>
             <a:pPr lvl="0"/>
             <a:r>
-              <a:rPr lang="en-US" smtClean="0"/>
+              <a:rPr lang="en-US"/>
               <a:t>Edit Master text styles</a:t>
             </a:r>
           </a:p>
           <a:p>
             <a:pPr lvl="1"/>
             <a:r>
-              <a:rPr lang="en-US" smtClean="0"/>
+              <a:rPr lang="en-US"/>
               <a:t>Second level</a:t>
             </a:r>
           </a:p>
           <a:p>
             <a:pPr lvl="2"/>
             <a:r>
-              <a:rPr lang="en-US" smtClean="0"/>
+              <a:rPr lang="en-US"/>
               <a:t>Third level</a:t>
             </a:r>
           </a:p>
           <a:p>
             <a:pPr lvl="3"/>
             <a:r>
-              <a:rPr lang="en-US" smtClean="0"/>
+              <a:rPr lang="en-US"/>
               <a:t>Fourth level</a:t>
             </a:r>
           </a:p>
           <a:p>
             <a:pPr lvl="4"/>
             <a:r>
-              <a:rPr lang="en-US" smtClean="0"/>
+              <a:rPr lang="en-US"/>
               <a:t>Fifth level</a:t>
             </a:r>
             <a:endParaRPr lang="en-US" dirty="0"/>
@@ -3073,7 +6210,7 @@
           </a:lstStyle>
           <a:p>
             <a:r>
-              <a:rPr lang="en-US" smtClean="0"/>
+              <a:rPr lang="en-US"/>
               <a:t>Click to edit Master title style</a:t>
             </a:r>
             <a:endParaRPr lang="en-US" dirty="0"/>
@@ -3194,7 +6331,7 @@
           <a:p>
             <a:pPr lvl="0"/>
             <a:r>
-              <a:rPr lang="en-US" smtClean="0"/>
+              <a:rPr lang="en-US"/>
               <a:t>Edit Master text styles</a:t>
             </a:r>
           </a:p>
@@ -3398,7 +6535,7 @@
           <a:lstStyle/>
           <a:p>
             <a:r>
-              <a:rPr lang="en-US" smtClean="0"/>
+              <a:rPr lang="en-US"/>
               <a:t>Click to edit Master title style</a:t>
             </a:r>
             <a:endParaRPr lang="en-US" dirty="0"/>
@@ -3429,35 +6566,35 @@
           <a:p>
             <a:pPr lvl="0"/>
             <a:r>
-              <a:rPr lang="en-US" smtClean="0"/>
+              <a:rPr lang="en-US"/>
               <a:t>Edit Master text styles</a:t>
             </a:r>
           </a:p>
           <a:p>
             <a:pPr lvl="1"/>
             <a:r>
-              <a:rPr lang="en-US" smtClean="0"/>
+              <a:rPr lang="en-US"/>
               <a:t>Second level</a:t>
             </a:r>
           </a:p>
           <a:p>
             <a:pPr lvl="2"/>
             <a:r>
-              <a:rPr lang="en-US" smtClean="0"/>
+              <a:rPr lang="en-US"/>
               <a:t>Third level</a:t>
             </a:r>
           </a:p>
           <a:p>
             <a:pPr lvl="3"/>
             <a:r>
-              <a:rPr lang="en-US" smtClean="0"/>
+              <a:rPr lang="en-US"/>
               <a:t>Fourth level</a:t>
             </a:r>
           </a:p>
           <a:p>
             <a:pPr lvl="4"/>
             <a:r>
-              <a:rPr lang="en-US" smtClean="0"/>
+              <a:rPr lang="en-US"/>
               <a:t>Fifth level</a:t>
             </a:r>
             <a:endParaRPr lang="en-US" dirty="0"/>
@@ -3488,35 +6625,35 @@
           <a:p>
             <a:pPr lvl="0"/>
             <a:r>
-              <a:rPr lang="en-US" smtClean="0"/>
+              <a:rPr lang="en-US"/>
               <a:t>Edit Master text styles</a:t>
             </a:r>
           </a:p>
           <a:p>
             <a:pPr lvl="1"/>
             <a:r>
-              <a:rPr lang="en-US" smtClean="0"/>
+              <a:rPr lang="en-US"/>
               <a:t>Second level</a:t>
             </a:r>
           </a:p>
           <a:p>
             <a:pPr lvl="2"/>
             <a:r>
-              <a:rPr lang="en-US" smtClean="0"/>
+              <a:rPr lang="en-US"/>
               <a:t>Third level</a:t>
             </a:r>
           </a:p>
           <a:p>
             <a:pPr lvl="3"/>
             <a:r>
-              <a:rPr lang="en-US" smtClean="0"/>
+              <a:rPr lang="en-US"/>
               <a:t>Fourth level</a:t>
             </a:r>
           </a:p>
           <a:p>
             <a:pPr lvl="4"/>
             <a:r>
-              <a:rPr lang="en-US" smtClean="0"/>
+              <a:rPr lang="en-US"/>
               <a:t>Fifth level</a:t>
             </a:r>
             <a:endParaRPr lang="en-US" dirty="0"/>
@@ -3721,7 +6858,7 @@
           <a:lstStyle/>
           <a:p>
             <a:r>
-              <a:rPr lang="en-US" smtClean="0"/>
+              <a:rPr lang="en-US"/>
               <a:t>Click to edit Master title style</a:t>
             </a:r>
             <a:endParaRPr lang="en-US" dirty="0"/>
@@ -3789,7 +6926,7 @@
           <a:p>
             <a:pPr lvl="0"/>
             <a:r>
-              <a:rPr lang="en-US" smtClean="0"/>
+              <a:rPr lang="en-US"/>
               <a:t>Edit Master text styles</a:t>
             </a:r>
           </a:p>
@@ -3819,35 +6956,35 @@
           <a:p>
             <a:pPr lvl="0"/>
             <a:r>
-              <a:rPr lang="en-US" smtClean="0"/>
+              <a:rPr lang="en-US"/>
               <a:t>Edit Master text styles</a:t>
             </a:r>
           </a:p>
           <a:p>
             <a:pPr lvl="1"/>
             <a:r>
-              <a:rPr lang="en-US" smtClean="0"/>
+              <a:rPr lang="en-US"/>
               <a:t>Second level</a:t>
             </a:r>
           </a:p>
           <a:p>
             <a:pPr lvl="2"/>
             <a:r>
-              <a:rPr lang="en-US" smtClean="0"/>
+              <a:rPr lang="en-US"/>
               <a:t>Third level</a:t>
             </a:r>
           </a:p>
           <a:p>
             <a:pPr lvl="3"/>
             <a:r>
-              <a:rPr lang="en-US" smtClean="0"/>
+              <a:rPr lang="en-US"/>
               <a:t>Fourth level</a:t>
             </a:r>
           </a:p>
           <a:p>
             <a:pPr lvl="4"/>
             <a:r>
-              <a:rPr lang="en-US" smtClean="0"/>
+              <a:rPr lang="en-US"/>
               <a:t>Fifth level</a:t>
             </a:r>
             <a:endParaRPr lang="en-US" dirty="0"/>
@@ -3915,7 +7052,7 @@
           <a:p>
             <a:pPr lvl="0"/>
             <a:r>
-              <a:rPr lang="en-US" smtClean="0"/>
+              <a:rPr lang="en-US"/>
               <a:t>Edit Master text styles</a:t>
             </a:r>
           </a:p>
@@ -3945,35 +7082,35 @@
           <a:p>
             <a:pPr lvl="0"/>
             <a:r>
-              <a:rPr lang="en-US" smtClean="0"/>
+              <a:rPr lang="en-US"/>
               <a:t>Edit Master text styles</a:t>
             </a:r>
           </a:p>
           <a:p>
             <a:pPr lvl="1"/>
             <a:r>
-              <a:rPr lang="en-US" smtClean="0"/>
+              <a:rPr lang="en-US"/>
               <a:t>Second level</a:t>
             </a:r>
           </a:p>
           <a:p>
             <a:pPr lvl="2"/>
             <a:r>
-              <a:rPr lang="en-US" smtClean="0"/>
+              <a:rPr lang="en-US"/>
               <a:t>Third level</a:t>
             </a:r>
           </a:p>
           <a:p>
             <a:pPr lvl="3"/>
             <a:r>
-              <a:rPr lang="en-US" smtClean="0"/>
+              <a:rPr lang="en-US"/>
               <a:t>Fourth level</a:t>
             </a:r>
           </a:p>
           <a:p>
             <a:pPr lvl="4"/>
             <a:r>
-              <a:rPr lang="en-US" smtClean="0"/>
+              <a:rPr lang="en-US"/>
               <a:t>Fifth level</a:t>
             </a:r>
             <a:endParaRPr lang="en-US" dirty="0"/>
@@ -4178,7 +7315,7 @@
           <a:lstStyle/>
           <a:p>
             <a:r>
-              <a:rPr lang="en-US" smtClean="0"/>
+              <a:rPr lang="en-US"/>
               <a:t>Click to edit Master title style</a:t>
             </a:r>
             <a:endParaRPr lang="en-US" dirty="0"/>
@@ -4564,7 +7701,7 @@
           </a:lstStyle>
           <a:p>
             <a:r>
-              <a:rPr lang="en-US" smtClean="0"/>
+              <a:rPr lang="en-US"/>
               <a:t>Click to edit Master title style</a:t>
             </a:r>
             <a:endParaRPr lang="en-US" dirty="0"/>
@@ -4595,35 +7732,35 @@
           <a:p>
             <a:pPr lvl="0"/>
             <a:r>
-              <a:rPr lang="en-US" smtClean="0"/>
+              <a:rPr lang="en-US"/>
               <a:t>Edit Master text styles</a:t>
             </a:r>
           </a:p>
           <a:p>
             <a:pPr lvl="1"/>
             <a:r>
-              <a:rPr lang="en-US" smtClean="0"/>
+              <a:rPr lang="en-US"/>
               <a:t>Second level</a:t>
             </a:r>
           </a:p>
           <a:p>
             <a:pPr lvl="2"/>
             <a:r>
-              <a:rPr lang="en-US" smtClean="0"/>
+              <a:rPr lang="en-US"/>
               <a:t>Third level</a:t>
             </a:r>
           </a:p>
           <a:p>
             <a:pPr lvl="3"/>
             <a:r>
-              <a:rPr lang="en-US" smtClean="0"/>
+              <a:rPr lang="en-US"/>
               <a:t>Fourth level</a:t>
             </a:r>
           </a:p>
           <a:p>
             <a:pPr lvl="4"/>
             <a:r>
-              <a:rPr lang="en-US" smtClean="0"/>
+              <a:rPr lang="en-US"/>
               <a:t>Fifth level</a:t>
             </a:r>
             <a:endParaRPr lang="en-US" dirty="0"/>
@@ -4689,7 +7826,7 @@
           <a:p>
             <a:pPr lvl="0"/>
             <a:r>
-              <a:rPr lang="en-US" smtClean="0"/>
+              <a:rPr lang="en-US"/>
               <a:t>Edit Master text styles</a:t>
             </a:r>
           </a:p>
@@ -4899,7 +8036,7 @@
           </a:lstStyle>
           <a:p>
             <a:r>
-              <a:rPr lang="en-US" smtClean="0"/>
+              <a:rPr lang="en-US"/>
               <a:t>Click to edit Master title style</a:t>
             </a:r>
             <a:endParaRPr lang="en-US" dirty="0"/>
@@ -4966,7 +8103,7 @@
           </a:lstStyle>
           <a:p>
             <a:r>
-              <a:rPr lang="en-US" smtClean="0"/>
+              <a:rPr lang="en-US"/>
               <a:t>Click icon to add picture</a:t>
             </a:r>
             <a:endParaRPr lang="en-US" dirty="0"/>
@@ -5034,7 +8171,7 @@
           <a:p>
             <a:pPr lvl="0"/>
             <a:r>
-              <a:rPr lang="en-US" smtClean="0"/>
+              <a:rPr lang="en-US"/>
               <a:t>Edit Master text styles</a:t>
             </a:r>
           </a:p>
@@ -7070,7 +10207,7 @@
           <a:lstStyle/>
           <a:p>
             <a:r>
-              <a:rPr lang="en-US" smtClean="0"/>
+              <a:rPr lang="en-US"/>
               <a:t>Click to edit Master title style</a:t>
             </a:r>
             <a:endParaRPr lang="en-US" dirty="0"/>
@@ -7104,35 +10241,35 @@
           <a:p>
             <a:pPr lvl="0"/>
             <a:r>
-              <a:rPr lang="en-US" smtClean="0"/>
+              <a:rPr lang="en-US"/>
               <a:t>Edit Master text styles</a:t>
             </a:r>
           </a:p>
           <a:p>
             <a:pPr lvl="1"/>
             <a:r>
-              <a:rPr lang="en-US" smtClean="0"/>
+              <a:rPr lang="en-US"/>
               <a:t>Second level</a:t>
             </a:r>
           </a:p>
           <a:p>
             <a:pPr lvl="2"/>
             <a:r>
-              <a:rPr lang="en-US" smtClean="0"/>
+              <a:rPr lang="en-US"/>
               <a:t>Third level</a:t>
             </a:r>
           </a:p>
           <a:p>
             <a:pPr lvl="3"/>
             <a:r>
-              <a:rPr lang="en-US" smtClean="0"/>
+              <a:rPr lang="en-US"/>
               <a:t>Fourth level</a:t>
             </a:r>
           </a:p>
           <a:p>
             <a:pPr lvl="4"/>
             <a:r>
-              <a:rPr lang="en-US" smtClean="0"/>
+              <a:rPr lang="en-US"/>
               <a:t>Fifth level</a:t>
             </a:r>
             <a:endParaRPr lang="en-US" dirty="0"/>
@@ -7751,13 +10888,6 @@
   <p:clrMapOvr>
     <a:masterClrMapping/>
   </p:clrMapOvr>
-  <p:timing>
-    <p:tnLst>
-      <p:par>
-        <p:cTn id="1" dur="indefinite" restart="never" nodeType="tmRoot"/>
-      </p:par>
-    </p:tnLst>
-  </p:timing>
 </p:sld>
 </file>
 
@@ -7795,7 +10925,7 @@
           <a:p>
             <a:r>
               <a:rPr lang="en-US" dirty="0"/>
-              <a:t>Component 3: Backend</a:t>
+              <a:t>Component 2: App</a:t>
             </a:r>
           </a:p>
         </p:txBody>
@@ -7816,39 +10946,52 @@
           <a:lstStyle/>
           <a:p>
             <a:r>
-              <a:rPr lang="en-US" dirty="0" err="1"/>
-              <a:t>ReST</a:t>
-            </a:r>
-            <a:r>
               <a:rPr lang="en-US" dirty="0"/>
-              <a:t> server</a:t>
-            </a:r>
-          </a:p>
-          <a:p>
-            <a:r>
-              <a:rPr lang="en-US" dirty="0"/>
-              <a:t>Decision trees</a:t>
-            </a:r>
-          </a:p>
-        </p:txBody>
-      </p:sp>
+              <a:t>Add plant</a:t>
+            </a:r>
+          </a:p>
+        </p:txBody>
+      </p:sp>
+      <p:pic>
+        <p:nvPicPr>
+          <p:cNvPr id="5" name="Picture 4"/>
+          <p:cNvPicPr>
+            <a:picLocks noChangeAspect="1"/>
+          </p:cNvPicPr>
+          <p:nvPr/>
+        </p:nvPicPr>
+        <p:blipFill>
+          <a:blip r:embed="rId2" cstate="hqprint">
+            <a:extLst>
+              <a:ext uri="{28A0092B-C50C-407E-A947-70E740481C1C}">
+                <a14:useLocalDpi xmlns:a14="http://schemas.microsoft.com/office/drawing/2010/main" val="0"/>
+              </a:ext>
+            </a:extLst>
+          </a:blip>
+          <a:stretch>
+            <a:fillRect/>
+          </a:stretch>
+        </p:blipFill>
+        <p:spPr>
+          <a:xfrm>
+            <a:off x="7646987" y="0"/>
+            <a:ext cx="3857625" cy="6858000"/>
+          </a:xfrm>
+          <a:prstGeom prst="rect">
+            <a:avLst/>
+          </a:prstGeom>
+        </p:spPr>
+      </p:pic>
     </p:spTree>
     <p:extLst>
       <p:ext uri="{BB962C8B-B14F-4D97-AF65-F5344CB8AC3E}">
-        <p14:creationId xmlns:p14="http://schemas.microsoft.com/office/powerpoint/2010/main" val="1074626684"/>
+        <p14:creationId xmlns:p14="http://schemas.microsoft.com/office/powerpoint/2010/main" val="1556028876"/>
       </p:ext>
     </p:extLst>
   </p:cSld>
   <p:clrMapOvr>
     <a:masterClrMapping/>
   </p:clrMapOvr>
-  <p:timing>
-    <p:tnLst>
-      <p:par>
-        <p:cTn id="1" dur="indefinite" restart="never" nodeType="tmRoot"/>
-      </p:par>
-    </p:tnLst>
-  </p:timing>
 </p:sld>
 </file>
 
@@ -7886,7 +11029,7 @@
           <a:p>
             <a:r>
               <a:rPr lang="en-US" dirty="0"/>
-              <a:t>Organization</a:t>
+              <a:t>Component 3: Backend</a:t>
             </a:r>
           </a:p>
         </p:txBody>
@@ -7906,27 +11049,33 @@
           <a:bodyPr/>
           <a:lstStyle/>
           <a:p>
-            <a:endParaRPr lang="en-US"/>
+            <a:r>
+              <a:rPr lang="en-US" dirty="0" err="1"/>
+              <a:t>ReST</a:t>
+            </a:r>
+            <a:r>
+              <a:rPr lang="en-US" dirty="0"/>
+              <a:t> server</a:t>
+            </a:r>
+          </a:p>
+          <a:p>
+            <a:r>
+              <a:rPr lang="en-US" dirty="0"/>
+              <a:t>Decision trees</a:t>
+            </a:r>
           </a:p>
         </p:txBody>
       </p:sp>
     </p:spTree>
     <p:extLst>
       <p:ext uri="{BB962C8B-B14F-4D97-AF65-F5344CB8AC3E}">
-        <p14:creationId xmlns:p14="http://schemas.microsoft.com/office/powerpoint/2010/main" val="3347691264"/>
+        <p14:creationId xmlns:p14="http://schemas.microsoft.com/office/powerpoint/2010/main" val="1074626684"/>
       </p:ext>
     </p:extLst>
   </p:cSld>
   <p:clrMapOvr>
     <a:masterClrMapping/>
   </p:clrMapOvr>
-  <p:timing>
-    <p:tnLst>
-      <p:par>
-        <p:cTn id="1" dur="indefinite" restart="never" nodeType="tmRoot"/>
-      </p:par>
-    </p:tnLst>
-  </p:timing>
 </p:sld>
 </file>
 
@@ -7963,49 +11112,128 @@
           <a:lstStyle/>
           <a:p>
             <a:r>
-              <a:rPr lang="en-US" dirty="0" smtClean="0"/>
-              <a:t>Decision Tree</a:t>
-            </a:r>
-            <a:endParaRPr lang="en-US" dirty="0"/>
-          </a:p>
-        </p:txBody>
-      </p:sp>
-      <p:sp>
-        <p:nvSpPr>
-          <p:cNvPr id="3" name="Content Placeholder 2"/>
-          <p:cNvSpPr>
-            <a:spLocks noGrp="1"/>
-          </p:cNvSpPr>
+              <a:rPr lang="en-US" dirty="0"/>
+              <a:t>Organization</a:t>
+            </a:r>
+          </a:p>
+        </p:txBody>
+      </p:sp>
+      <p:graphicFrame>
+        <p:nvGraphicFramePr>
+          <p:cNvPr id="4" name="Content Placeholder 3"/>
+          <p:cNvGraphicFramePr>
+            <a:graphicFrameLocks noGrp="1"/>
+          </p:cNvGraphicFramePr>
           <p:nvPr>
             <p:ph idx="1"/>
+            <p:extLst>
+              <p:ext uri="{D42A27DB-BD31-4B8C-83A1-F6EECF244321}">
+                <p14:modId xmlns:p14="http://schemas.microsoft.com/office/powerpoint/2010/main" val="2038318528"/>
+              </p:ext>
+            </p:extLst>
           </p:nvPr>
-        </p:nvSpPr>
-        <p:spPr/>
-        <p:txBody>
-          <a:bodyPr/>
+        </p:nvGraphicFramePr>
+        <p:xfrm>
+          <a:off x="673768" y="1359568"/>
+          <a:ext cx="11321716" cy="5702967"/>
+        </p:xfrm>
+        <a:graphic>
+          <a:graphicData uri="http://schemas.openxmlformats.org/drawingml/2006/diagram">
+            <dgm:relIds xmlns:dgm="http://schemas.openxmlformats.org/drawingml/2006/diagram" xmlns:r="http://schemas.openxmlformats.org/officeDocument/2006/relationships" r:dm="rId2" r:lo="rId3" r:qs="rId4" r:cs="rId5"/>
+          </a:graphicData>
+        </a:graphic>
+      </p:graphicFrame>
+      <p:sp>
+        <p:nvSpPr>
+          <p:cNvPr id="6" name="Arrow: Left-Right 5"/>
+          <p:cNvSpPr/>
+          <p:nvPr/>
+        </p:nvSpPr>
+        <p:spPr>
+          <a:xfrm>
+            <a:off x="5911545" y="2640458"/>
+            <a:ext cx="846161" cy="512175"/>
+          </a:xfrm>
+          <a:prstGeom prst="leftRightArrow">
+            <a:avLst/>
+          </a:prstGeom>
+          <a:solidFill>
+            <a:schemeClr val="accent6">
+              <a:lumMod val="60000"/>
+              <a:lumOff val="40000"/>
+            </a:schemeClr>
+          </a:solidFill>
+          <a:ln w="22225">
+            <a:solidFill>
+              <a:schemeClr val="tx1">
+                <a:lumMod val="85000"/>
+                <a:lumOff val="15000"/>
+              </a:schemeClr>
+            </a:solidFill>
+          </a:ln>
+        </p:spPr>
+        <p:style>
+          <a:lnRef idx="2">
+            <a:schemeClr val="accent1">
+              <a:shade val="50000"/>
+            </a:schemeClr>
+          </a:lnRef>
+          <a:fillRef idx="1">
+            <a:schemeClr val="accent1"/>
+          </a:fillRef>
+          <a:effectRef idx="0">
+            <a:schemeClr val="accent1"/>
+          </a:effectRef>
+          <a:fontRef idx="minor">
+            <a:schemeClr val="lt1"/>
+          </a:fontRef>
+        </p:style>
+        <p:txBody>
+          <a:bodyPr rtlCol="0" anchor="ctr"/>
           <a:lstStyle/>
           <a:p>
-            <a:endParaRPr lang="en-US"/>
+            <a:pPr algn="ctr"/>
+            <a:endParaRPr lang="en-US" b="1">
+              <a:ln w="12700" cmpd="sng">
+                <a:solidFill>
+                  <a:schemeClr val="accent4"/>
+                </a:solidFill>
+                <a:prstDash val="solid"/>
+              </a:ln>
+              <a:gradFill>
+                <a:gsLst>
+                  <a:gs pos="0">
+                    <a:schemeClr val="accent4"/>
+                  </a:gs>
+                  <a:gs pos="4000">
+                    <a:schemeClr val="accent4">
+                      <a:lumMod val="60000"/>
+                      <a:lumOff val="40000"/>
+                    </a:schemeClr>
+                  </a:gs>
+                  <a:gs pos="87000">
+                    <a:schemeClr val="accent4">
+                      <a:lumMod val="20000"/>
+                      <a:lumOff val="80000"/>
+                    </a:schemeClr>
+                  </a:gs>
+                </a:gsLst>
+                <a:lin ang="5400000"/>
+              </a:gradFill>
+            </a:endParaRPr>
           </a:p>
         </p:txBody>
       </p:sp>
     </p:spTree>
     <p:extLst>
       <p:ext uri="{BB962C8B-B14F-4D97-AF65-F5344CB8AC3E}">
-        <p14:creationId xmlns:p14="http://schemas.microsoft.com/office/powerpoint/2010/main" val="1186725986"/>
+        <p14:creationId xmlns:p14="http://schemas.microsoft.com/office/powerpoint/2010/main" val="3347691264"/>
       </p:ext>
     </p:extLst>
   </p:cSld>
   <p:clrMapOvr>
     <a:masterClrMapping/>
   </p:clrMapOvr>
-  <p:timing>
-    <p:tnLst>
-      <p:par>
-        <p:cTn id="1" dur="indefinite" restart="never" nodeType="tmRoot"/>
-      </p:par>
-    </p:tnLst>
-  </p:timing>
 </p:sld>
 </file>
 
@@ -8043,7 +11271,7 @@
           <a:p>
             <a:r>
               <a:rPr lang="en-US" dirty="0"/>
-              <a:t>Difficulties</a:t>
+              <a:t>Decision Tree</a:t>
             </a:r>
           </a:p>
         </p:txBody>
@@ -8063,51 +11291,20 @@
           <a:bodyPr/>
           <a:lstStyle/>
           <a:p>
-            <a:r>
-              <a:rPr lang="en-US" dirty="0"/>
-              <a:t>Cabling and </a:t>
-            </a:r>
-            <a:r>
-              <a:rPr lang="en-US" dirty="0" err="1"/>
-              <a:t>WiFi</a:t>
-            </a:r>
-            <a:endParaRPr lang="en-US" dirty="0"/>
-          </a:p>
-          <a:p>
-            <a:r>
-              <a:rPr lang="en-US" dirty="0" err="1"/>
-              <a:t>ReST</a:t>
-            </a:r>
-            <a:r>
-              <a:rPr lang="en-US" dirty="0"/>
-              <a:t> communication</a:t>
-            </a:r>
-          </a:p>
-          <a:p>
-            <a:r>
-              <a:rPr lang="en-US" dirty="0"/>
-              <a:t>Backend</a:t>
-            </a:r>
+            <a:endParaRPr lang="en-US"/>
           </a:p>
         </p:txBody>
       </p:sp>
     </p:spTree>
     <p:extLst>
       <p:ext uri="{BB962C8B-B14F-4D97-AF65-F5344CB8AC3E}">
-        <p14:creationId xmlns:p14="http://schemas.microsoft.com/office/powerpoint/2010/main" val="2728654477"/>
+        <p14:creationId xmlns:p14="http://schemas.microsoft.com/office/powerpoint/2010/main" val="1186725986"/>
       </p:ext>
     </p:extLst>
   </p:cSld>
   <p:clrMapOvr>
     <a:masterClrMapping/>
   </p:clrMapOvr>
-  <p:timing>
-    <p:tnLst>
-      <p:par>
-        <p:cTn id="1" dur="indefinite" restart="never" nodeType="tmRoot"/>
-      </p:par>
-    </p:tnLst>
-  </p:timing>
 </p:sld>
 </file>
 
@@ -8145,7 +11342,7 @@
           <a:p>
             <a:r>
               <a:rPr lang="en-US" dirty="0"/>
-              <a:t>Version changes: Hardware</a:t>
+              <a:t>Difficulties</a:t>
             </a:r>
           </a:p>
         </p:txBody>
@@ -8167,40 +11364,28 @@
           <a:p>
             <a:r>
               <a:rPr lang="en-US" dirty="0"/>
-              <a:t>Sensors</a:t>
-            </a:r>
-          </a:p>
-          <a:p>
-            <a:r>
-              <a:rPr lang="en-US" dirty="0"/>
-              <a:t>Sensor/Camera</a:t>
-            </a:r>
-          </a:p>
-          <a:p>
-            <a:r>
-              <a:rPr lang="en-US" dirty="0"/>
-              <a:t>Noise reduced sensors and </a:t>
-            </a:r>
+              <a:t>Cabling and </a:t>
+            </a:r>
+            <a:r>
+              <a:rPr lang="en-US" dirty="0" err="1"/>
+              <a:t>WiFi</a:t>
+            </a:r>
+            <a:endParaRPr lang="en-US" dirty="0"/>
+          </a:p>
+          <a:p>
             <a:r>
               <a:rPr lang="en-US" dirty="0" err="1"/>
               <a:t>ReST</a:t>
             </a:r>
             <a:r>
               <a:rPr lang="en-US" dirty="0"/>
-              <a:t> code</a:t>
-            </a:r>
-          </a:p>
-          <a:p>
-            <a:r>
-              <a:rPr lang="en-US" dirty="0" err="1"/>
-              <a:t>WiFi</a:t>
-            </a:r>
-            <a:endParaRPr lang="en-US" dirty="0"/>
+              <a:t> communication</a:t>
+            </a:r>
           </a:p>
           <a:p>
             <a:r>
               <a:rPr lang="en-US" dirty="0"/>
-              <a:t>Solenoids</a:t>
+              <a:t>Backend</a:t>
             </a:r>
           </a:p>
         </p:txBody>
@@ -8208,20 +11393,13 @@
     </p:spTree>
     <p:extLst>
       <p:ext uri="{BB962C8B-B14F-4D97-AF65-F5344CB8AC3E}">
-        <p14:creationId xmlns:p14="http://schemas.microsoft.com/office/powerpoint/2010/main" val="1654266336"/>
+        <p14:creationId xmlns:p14="http://schemas.microsoft.com/office/powerpoint/2010/main" val="2728654477"/>
       </p:ext>
     </p:extLst>
   </p:cSld>
   <p:clrMapOvr>
     <a:masterClrMapping/>
   </p:clrMapOvr>
-  <p:timing>
-    <p:tnLst>
-      <p:par>
-        <p:cTn id="1" dur="indefinite" restart="never" nodeType="tmRoot"/>
-      </p:par>
-    </p:tnLst>
-  </p:timing>
 </p:sld>
 </file>
 
@@ -8259,7 +11437,7 @@
           <a:p>
             <a:r>
               <a:rPr lang="en-US" dirty="0"/>
-              <a:t>Version changes: App</a:t>
+              <a:t>Version changes: Hardware</a:t>
             </a:r>
           </a:p>
         </p:txBody>
@@ -8281,51 +11459,54 @@
           <a:p>
             <a:r>
               <a:rPr lang="en-US" dirty="0"/>
-              <a:t>Plant info display</a:t>
-            </a:r>
-          </a:p>
-          <a:p>
+              <a:t>Sensors</a:t>
+            </a:r>
+          </a:p>
+          <a:p>
+            <a:r>
+              <a:rPr lang="en-US" dirty="0"/>
+              <a:t>Sensor/Camera</a:t>
+            </a:r>
+          </a:p>
+          <a:p>
+            <a:r>
+              <a:rPr lang="en-US" dirty="0"/>
+              <a:t>Noise reduced sensors and </a:t>
+            </a:r>
             <a:r>
               <a:rPr lang="en-US" dirty="0" err="1"/>
               <a:t>ReST</a:t>
             </a:r>
             <a:r>
               <a:rPr lang="en-US" dirty="0"/>
-              <a:t> server pull</a:t>
+              <a:t> code</a:t>
             </a:r>
           </a:p>
           <a:p>
             <a:r>
               <a:rPr lang="en-US" dirty="0" err="1"/>
-              <a:t>ReST</a:t>
-            </a:r>
+              <a:t>WiFi</a:t>
+            </a:r>
+            <a:endParaRPr lang="en-US" dirty="0"/>
+          </a:p>
+          <a:p>
             <a:r>
               <a:rPr lang="en-US" dirty="0"/>
-              <a:t> server update</a:t>
-            </a:r>
-          </a:p>
-          <a:p>
-            <a:endParaRPr lang="en-US" dirty="0"/>
+              <a:t>Solenoids</a:t>
+            </a:r>
           </a:p>
         </p:txBody>
       </p:sp>
     </p:spTree>
     <p:extLst>
       <p:ext uri="{BB962C8B-B14F-4D97-AF65-F5344CB8AC3E}">
-        <p14:creationId xmlns:p14="http://schemas.microsoft.com/office/powerpoint/2010/main" val="1628140214"/>
+        <p14:creationId xmlns:p14="http://schemas.microsoft.com/office/powerpoint/2010/main" val="1654266336"/>
       </p:ext>
     </p:extLst>
   </p:cSld>
   <p:clrMapOvr>
     <a:masterClrMapping/>
   </p:clrMapOvr>
-  <p:timing>
-    <p:tnLst>
-      <p:par>
-        <p:cTn id="1" dur="indefinite" restart="never" nodeType="tmRoot"/>
-      </p:par>
-    </p:tnLst>
-  </p:timing>
 </p:sld>
 </file>
 
@@ -8363,7 +11544,7 @@
           <a:p>
             <a:r>
               <a:rPr lang="en-US" dirty="0"/>
-              <a:t>Version changes: Backend</a:t>
+              <a:t>Version changes: App</a:t>
             </a:r>
           </a:p>
         </p:txBody>
@@ -8384,36 +11565,45 @@
           <a:lstStyle/>
           <a:p>
             <a:r>
+              <a:rPr lang="en-US" dirty="0"/>
+              <a:t>Plant info display</a:t>
+            </a:r>
+          </a:p>
+          <a:p>
+            <a:r>
               <a:rPr lang="en-US" dirty="0" err="1"/>
               <a:t>ReST</a:t>
             </a:r>
+            <a:r>
+              <a:rPr lang="en-US" dirty="0"/>
+              <a:t> server pull</a:t>
+            </a:r>
+          </a:p>
+          <a:p>
+            <a:r>
+              <a:rPr lang="en-US" dirty="0" err="1"/>
+              <a:t>ReST</a:t>
+            </a:r>
+            <a:r>
+              <a:rPr lang="en-US" dirty="0"/>
+              <a:t> server update</a:t>
+            </a:r>
+          </a:p>
+          <a:p>
             <a:endParaRPr lang="en-US" dirty="0"/>
-          </a:p>
-          <a:p>
-            <a:r>
-              <a:rPr lang="en-US" dirty="0"/>
-              <a:t>Decision trees</a:t>
-            </a:r>
           </a:p>
         </p:txBody>
       </p:sp>
     </p:spTree>
     <p:extLst>
       <p:ext uri="{BB962C8B-B14F-4D97-AF65-F5344CB8AC3E}">
-        <p14:creationId xmlns:p14="http://schemas.microsoft.com/office/powerpoint/2010/main" val="1386798083"/>
+        <p14:creationId xmlns:p14="http://schemas.microsoft.com/office/powerpoint/2010/main" val="1628140214"/>
       </p:ext>
     </p:extLst>
   </p:cSld>
   <p:clrMapOvr>
     <a:masterClrMapping/>
   </p:clrMapOvr>
-  <p:timing>
-    <p:tnLst>
-      <p:par>
-        <p:cTn id="1" dur="indefinite" restart="never" nodeType="tmRoot"/>
-      </p:par>
-    </p:tnLst>
-  </p:timing>
 </p:sld>
 </file>
 
@@ -8451,6 +11641,87 @@
           <a:p>
             <a:r>
               <a:rPr lang="en-US" dirty="0"/>
+              <a:t>Version changes: Backend</a:t>
+            </a:r>
+          </a:p>
+        </p:txBody>
+      </p:sp>
+      <p:sp>
+        <p:nvSpPr>
+          <p:cNvPr id="3" name="Content Placeholder 2"/>
+          <p:cNvSpPr>
+            <a:spLocks noGrp="1"/>
+          </p:cNvSpPr>
+          <p:nvPr>
+            <p:ph idx="1"/>
+          </p:nvPr>
+        </p:nvSpPr>
+        <p:spPr/>
+        <p:txBody>
+          <a:bodyPr/>
+          <a:lstStyle/>
+          <a:p>
+            <a:r>
+              <a:rPr lang="en-US" dirty="0" err="1"/>
+              <a:t>ReST</a:t>
+            </a:r>
+            <a:endParaRPr lang="en-US" dirty="0"/>
+          </a:p>
+          <a:p>
+            <a:r>
+              <a:rPr lang="en-US" dirty="0"/>
+              <a:t>Decision trees</a:t>
+            </a:r>
+          </a:p>
+        </p:txBody>
+      </p:sp>
+    </p:spTree>
+    <p:extLst>
+      <p:ext uri="{BB962C8B-B14F-4D97-AF65-F5344CB8AC3E}">
+        <p14:creationId xmlns:p14="http://schemas.microsoft.com/office/powerpoint/2010/main" val="1386798083"/>
+      </p:ext>
+    </p:extLst>
+  </p:cSld>
+  <p:clrMapOvr>
+    <a:masterClrMapping/>
+  </p:clrMapOvr>
+</p:sld>
+</file>
+
+<file path=ppt/slides/slide18.xml><?xml version="1.0" encoding="utf-8"?>
+<p:sld xmlns:a="http://schemas.openxmlformats.org/drawingml/2006/main" xmlns:r="http://schemas.openxmlformats.org/officeDocument/2006/relationships" xmlns:p="http://schemas.openxmlformats.org/presentationml/2006/main">
+  <p:cSld>
+    <p:spTree>
+      <p:nvGrpSpPr>
+        <p:cNvPr id="1" name=""/>
+        <p:cNvGrpSpPr/>
+        <p:nvPr/>
+      </p:nvGrpSpPr>
+      <p:grpSpPr>
+        <a:xfrm>
+          <a:off x="0" y="0"/>
+          <a:ext cx="0" cy="0"/>
+          <a:chOff x="0" y="0"/>
+          <a:chExt cx="0" cy="0"/>
+        </a:xfrm>
+      </p:grpSpPr>
+      <p:sp>
+        <p:nvSpPr>
+          <p:cNvPr id="2" name="Title 1"/>
+          <p:cNvSpPr>
+            <a:spLocks noGrp="1"/>
+          </p:cNvSpPr>
+          <p:nvPr>
+            <p:ph type="title"/>
+          </p:nvPr>
+        </p:nvSpPr>
+        <p:spPr/>
+        <p:txBody>
+          <a:bodyPr/>
+          <a:lstStyle/>
+          <a:p>
+            <a:r>
+              <a:rPr lang="en-US" dirty="0"/>
               <a:t>Final Product</a:t>
             </a:r>
           </a:p>
@@ -8492,13 +11763,6 @@
   <p:clrMapOvr>
     <a:masterClrMapping/>
   </p:clrMapOvr>
-  <p:timing>
-    <p:tnLst>
-      <p:par>
-        <p:cTn id="1" dur="indefinite" restart="never" nodeType="tmRoot"/>
-      </p:par>
-    </p:tnLst>
-  </p:timing>
 </p:sld>
 </file>
 
@@ -8587,13 +11851,6 @@
   <p:clrMapOvr>
     <a:masterClrMapping/>
   </p:clrMapOvr>
-  <p:timing>
-    <p:tnLst>
-      <p:par>
-        <p:cTn id="1" dur="indefinite" restart="never" nodeType="tmRoot"/>
-      </p:par>
-    </p:tnLst>
-  </p:timing>
 </p:sld>
 </file>
 
@@ -8702,13 +11959,6 @@
   <p:clrMapOvr>
     <a:masterClrMapping/>
   </p:clrMapOvr>
-  <p:timing>
-    <p:tnLst>
-      <p:par>
-        <p:cTn id="1" dur="indefinite" restart="never" nodeType="tmRoot"/>
-      </p:par>
-    </p:tnLst>
-  </p:timing>
 </p:sld>
 </file>
 
@@ -8751,29 +12001,35 @@
           </a:p>
         </p:txBody>
       </p:sp>
-      <p:sp>
-        <p:nvSpPr>
-          <p:cNvPr id="3" name="Content Placeholder 2"/>
-          <p:cNvSpPr>
-            <a:spLocks noGrp="1"/>
-          </p:cNvSpPr>
+      <p:pic>
+        <p:nvPicPr>
+          <p:cNvPr id="5" name="Content Placeholder 4"/>
+          <p:cNvPicPr>
+            <a:picLocks noGrp="1" noChangeAspect="1"/>
+          </p:cNvPicPr>
           <p:nvPr>
             <p:ph idx="1"/>
           </p:nvPr>
-        </p:nvSpPr>
-        <p:spPr/>
-        <p:txBody>
-          <a:bodyPr/>
-          <a:lstStyle/>
-          <a:p>
-            <a:r>
-              <a:rPr lang="en-US" dirty="0" smtClean="0"/>
-              <a:t>Hardware picture</a:t>
-            </a:r>
-            <a:endParaRPr lang="en-US" dirty="0"/>
-          </a:p>
-        </p:txBody>
-      </p:sp>
+        </p:nvPicPr>
+        <p:blipFill>
+          <a:blip r:embed="rId2">
+            <a:extLst>
+              <a:ext uri="{28A0092B-C50C-407E-A947-70E740481C1C}">
+                <a14:useLocalDpi xmlns:a14="http://schemas.microsoft.com/office/drawing/2010/main" val="0"/>
+              </a:ext>
+            </a:extLst>
+          </a:blip>
+          <a:stretch>
+            <a:fillRect/>
+          </a:stretch>
+        </p:blipFill>
+        <p:spPr>
+          <a:xfrm>
+            <a:off x="2592925" y="1724891"/>
+            <a:ext cx="7866589" cy="4415559"/>
+          </a:xfrm>
+        </p:spPr>
+      </p:pic>
     </p:spTree>
     <p:extLst>
       <p:ext uri="{BB962C8B-B14F-4D97-AF65-F5344CB8AC3E}">
@@ -8784,13 +12040,6 @@
   <p:clrMapOvr>
     <a:masterClrMapping/>
   </p:clrMapOvr>
-  <p:timing>
-    <p:tnLst>
-      <p:par>
-        <p:cTn id="1" dur="indefinite" restart="never" nodeType="tmRoot"/>
-      </p:par>
-    </p:tnLst>
-  </p:timing>
 </p:sld>
 </file>
 
@@ -8830,6 +12079,88 @@
               <a:rPr lang="en-US" dirty="0"/>
               <a:t>Component 1: Hardware</a:t>
             </a:r>
+            <a:endParaRPr lang="en-US" dirty="0"/>
+          </a:p>
+        </p:txBody>
+      </p:sp>
+      <p:pic>
+        <p:nvPicPr>
+          <p:cNvPr id="6" name="Content Placeholder 5"/>
+          <p:cNvPicPr>
+            <a:picLocks noGrp="1" noChangeAspect="1"/>
+          </p:cNvPicPr>
+          <p:nvPr>
+            <p:ph idx="1"/>
+          </p:nvPr>
+        </p:nvPicPr>
+        <p:blipFill>
+          <a:blip r:embed="rId2">
+            <a:extLst>
+              <a:ext uri="{28A0092B-C50C-407E-A947-70E740481C1C}">
+                <a14:useLocalDpi xmlns:a14="http://schemas.microsoft.com/office/drawing/2010/main" val="0"/>
+              </a:ext>
+            </a:extLst>
+          </a:blip>
+          <a:stretch>
+            <a:fillRect/>
+          </a:stretch>
+        </p:blipFill>
+        <p:spPr>
+          <a:xfrm>
+            <a:off x="3396979" y="1905000"/>
+            <a:ext cx="6042567" cy="3778250"/>
+          </a:xfrm>
+        </p:spPr>
+      </p:pic>
+    </p:spTree>
+    <p:extLst>
+      <p:ext uri="{BB962C8B-B14F-4D97-AF65-F5344CB8AC3E}">
+        <p14:creationId xmlns:p14="http://schemas.microsoft.com/office/powerpoint/2010/main" val="67049924"/>
+      </p:ext>
+    </p:extLst>
+  </p:cSld>
+  <p:clrMapOvr>
+    <a:masterClrMapping/>
+  </p:clrMapOvr>
+</p:sld>
+</file>
+
+<file path=ppt/slides/slide6.xml><?xml version="1.0" encoding="utf-8"?>
+<p:sld xmlns:a="http://schemas.openxmlformats.org/drawingml/2006/main" xmlns:r="http://schemas.openxmlformats.org/officeDocument/2006/relationships" xmlns:p="http://schemas.openxmlformats.org/presentationml/2006/main">
+  <p:cSld>
+    <p:spTree>
+      <p:nvGrpSpPr>
+        <p:cNvPr id="1" name=""/>
+        <p:cNvGrpSpPr/>
+        <p:nvPr/>
+      </p:nvGrpSpPr>
+      <p:grpSpPr>
+        <a:xfrm>
+          <a:off x="0" y="0"/>
+          <a:ext cx="0" cy="0"/>
+          <a:chOff x="0" y="0"/>
+          <a:chExt cx="0" cy="0"/>
+        </a:xfrm>
+      </p:grpSpPr>
+      <p:sp>
+        <p:nvSpPr>
+          <p:cNvPr id="2" name="Title 1"/>
+          <p:cNvSpPr>
+            <a:spLocks noGrp="1"/>
+          </p:cNvSpPr>
+          <p:nvPr>
+            <p:ph type="title"/>
+          </p:nvPr>
+        </p:nvSpPr>
+        <p:spPr/>
+        <p:txBody>
+          <a:bodyPr/>
+          <a:lstStyle/>
+          <a:p>
+            <a:r>
+              <a:rPr lang="en-US" dirty="0"/>
+              <a:t>Component 1: Hardware</a:t>
+            </a:r>
           </a:p>
         </p:txBody>
       </p:sp>
@@ -8849,10 +12180,9 @@
           <a:lstStyle/>
           <a:p>
             <a:r>
-              <a:rPr lang="en-US" dirty="0" smtClean="0"/>
+              <a:rPr lang="en-US" dirty="0"/>
               <a:t>Pixy picture</a:t>
             </a:r>
-            <a:endParaRPr lang="en-US" dirty="0"/>
           </a:p>
         </p:txBody>
       </p:sp>
@@ -8866,17 +12196,10 @@
   <p:clrMapOvr>
     <a:masterClrMapping/>
   </p:clrMapOvr>
-  <p:timing>
-    <p:tnLst>
-      <p:par>
-        <p:cTn id="1" dur="indefinite" restart="never" nodeType="tmRoot"/>
-      </p:par>
-    </p:tnLst>
-  </p:timing>
 </p:sld>
 </file>
 
-<file path=ppt/slides/slide6.xml><?xml version="1.0" encoding="utf-8"?>
+<file path=ppt/slides/slide7.xml><?xml version="1.0" encoding="utf-8"?>
 <p:sld xmlns:a="http://schemas.openxmlformats.org/drawingml/2006/main" xmlns:r="http://schemas.openxmlformats.org/officeDocument/2006/relationships" xmlns:p="http://schemas.openxmlformats.org/presentationml/2006/main">
   <p:cSld>
     <p:spTree>
@@ -8981,17 +12304,10 @@
   <p:clrMapOvr>
     <a:masterClrMapping/>
   </p:clrMapOvr>
-  <p:timing>
-    <p:tnLst>
-      <p:par>
-        <p:cTn id="1" dur="indefinite" restart="never" nodeType="tmRoot"/>
-      </p:par>
-    </p:tnLst>
-  </p:timing>
 </p:sld>
 </file>
 
-<file path=ppt/slides/slide7.xml><?xml version="1.0" encoding="utf-8"?>
+<file path=ppt/slides/slide8.xml><?xml version="1.0" encoding="utf-8"?>
 <p:sld xmlns:a="http://schemas.openxmlformats.org/drawingml/2006/main" xmlns:r="http://schemas.openxmlformats.org/officeDocument/2006/relationships" xmlns:p="http://schemas.openxmlformats.org/presentationml/2006/main">
   <p:cSld>
     <p:spTree>
@@ -9092,17 +12408,10 @@
   <p:clrMapOvr>
     <a:masterClrMapping/>
   </p:clrMapOvr>
-  <p:timing>
-    <p:tnLst>
-      <p:par>
-        <p:cTn id="1" dur="indefinite" restart="never" nodeType="tmRoot"/>
-      </p:par>
-    </p:tnLst>
-  </p:timing>
 </p:sld>
 </file>
 
-<file path=ppt/slides/slide8.xml><?xml version="1.0" encoding="utf-8"?>
+<file path=ppt/slides/slide9.xml><?xml version="1.0" encoding="utf-8"?>
 <p:sld xmlns:a="http://schemas.openxmlformats.org/drawingml/2006/main" xmlns:r="http://schemas.openxmlformats.org/officeDocument/2006/relationships" xmlns:p="http://schemas.openxmlformats.org/presentationml/2006/main">
   <p:cSld>
     <p:spTree>
@@ -9203,124 +12512,6 @@
   <p:clrMapOvr>
     <a:masterClrMapping/>
   </p:clrMapOvr>
-  <p:timing>
-    <p:tnLst>
-      <p:par>
-        <p:cTn id="1" dur="indefinite" restart="never" nodeType="tmRoot"/>
-      </p:par>
-    </p:tnLst>
-  </p:timing>
-</p:sld>
-</file>
-
-<file path=ppt/slides/slide9.xml><?xml version="1.0" encoding="utf-8"?>
-<p:sld xmlns:a="http://schemas.openxmlformats.org/drawingml/2006/main" xmlns:r="http://schemas.openxmlformats.org/officeDocument/2006/relationships" xmlns:p="http://schemas.openxmlformats.org/presentationml/2006/main">
-  <p:cSld>
-    <p:spTree>
-      <p:nvGrpSpPr>
-        <p:cNvPr id="1" name=""/>
-        <p:cNvGrpSpPr/>
-        <p:nvPr/>
-      </p:nvGrpSpPr>
-      <p:grpSpPr>
-        <a:xfrm>
-          <a:off x="0" y="0"/>
-          <a:ext cx="0" cy="0"/>
-          <a:chOff x="0" y="0"/>
-          <a:chExt cx="0" cy="0"/>
-        </a:xfrm>
-      </p:grpSpPr>
-      <p:sp>
-        <p:nvSpPr>
-          <p:cNvPr id="2" name="Title 1"/>
-          <p:cNvSpPr>
-            <a:spLocks noGrp="1"/>
-          </p:cNvSpPr>
-          <p:nvPr>
-            <p:ph type="title"/>
-          </p:nvPr>
-        </p:nvSpPr>
-        <p:spPr/>
-        <p:txBody>
-          <a:bodyPr/>
-          <a:lstStyle/>
-          <a:p>
-            <a:r>
-              <a:rPr lang="en-US" dirty="0"/>
-              <a:t>Component 2: App</a:t>
-            </a:r>
-          </a:p>
-        </p:txBody>
-      </p:sp>
-      <p:sp>
-        <p:nvSpPr>
-          <p:cNvPr id="3" name="Content Placeholder 2"/>
-          <p:cNvSpPr>
-            <a:spLocks noGrp="1"/>
-          </p:cNvSpPr>
-          <p:nvPr>
-            <p:ph idx="1"/>
-          </p:nvPr>
-        </p:nvSpPr>
-        <p:spPr/>
-        <p:txBody>
-          <a:bodyPr/>
-          <a:lstStyle/>
-          <a:p>
-            <a:r>
-              <a:rPr lang="en-US" dirty="0"/>
-              <a:t>Add plant</a:t>
-            </a:r>
-          </a:p>
-        </p:txBody>
-      </p:sp>
-      <p:pic>
-        <p:nvPicPr>
-          <p:cNvPr id="5" name="Picture 4"/>
-          <p:cNvPicPr>
-            <a:picLocks noChangeAspect="1"/>
-          </p:cNvPicPr>
-          <p:nvPr/>
-        </p:nvPicPr>
-        <p:blipFill>
-          <a:blip r:embed="rId2" cstate="hqprint">
-            <a:extLst>
-              <a:ext uri="{28A0092B-C50C-407E-A947-70E740481C1C}">
-                <a14:useLocalDpi xmlns:a14="http://schemas.microsoft.com/office/drawing/2010/main" val="0"/>
-              </a:ext>
-            </a:extLst>
-          </a:blip>
-          <a:stretch>
-            <a:fillRect/>
-          </a:stretch>
-        </p:blipFill>
-        <p:spPr>
-          <a:xfrm>
-            <a:off x="7646987" y="0"/>
-            <a:ext cx="3857625" cy="6858000"/>
-          </a:xfrm>
-          <a:prstGeom prst="rect">
-            <a:avLst/>
-          </a:prstGeom>
-        </p:spPr>
-      </p:pic>
-    </p:spTree>
-    <p:extLst>
-      <p:ext uri="{BB962C8B-B14F-4D97-AF65-F5344CB8AC3E}">
-        <p14:creationId xmlns:p14="http://schemas.microsoft.com/office/powerpoint/2010/main" val="1556028876"/>
-      </p:ext>
-    </p:extLst>
-  </p:cSld>
-  <p:clrMapOvr>
-    <a:masterClrMapping/>
-  </p:clrMapOvr>
-  <p:timing>
-    <p:tnLst>
-      <p:par>
-        <p:cTn id="1" dur="indefinite" restart="never" nodeType="tmRoot"/>
-      </p:par>
-    </p:tnLst>
-  </p:timing>
 </p:sld>
 </file>
 

--- a/Documents/Presentation.pptx
+++ b/Documents/Presentation.pptx
@@ -10,19 +10,20 @@
     <p:sldId id="258" r:id="rId4"/>
     <p:sldId id="271" r:id="rId5"/>
     <p:sldId id="273" r:id="rId6"/>
-    <p:sldId id="272" r:id="rId7"/>
-    <p:sldId id="259" r:id="rId8"/>
-    <p:sldId id="260" r:id="rId9"/>
-    <p:sldId id="261" r:id="rId10"/>
-    <p:sldId id="262" r:id="rId11"/>
-    <p:sldId id="263" r:id="rId12"/>
-    <p:sldId id="264" r:id="rId13"/>
-    <p:sldId id="270" r:id="rId14"/>
-    <p:sldId id="265" r:id="rId15"/>
-    <p:sldId id="266" r:id="rId16"/>
-    <p:sldId id="267" r:id="rId17"/>
-    <p:sldId id="268" r:id="rId18"/>
-    <p:sldId id="269" r:id="rId19"/>
+    <p:sldId id="259" r:id="rId7"/>
+    <p:sldId id="274" r:id="rId8"/>
+    <p:sldId id="275" r:id="rId9"/>
+    <p:sldId id="276" r:id="rId10"/>
+    <p:sldId id="260" r:id="rId11"/>
+    <p:sldId id="261" r:id="rId12"/>
+    <p:sldId id="263" r:id="rId13"/>
+    <p:sldId id="264" r:id="rId14"/>
+    <p:sldId id="270" r:id="rId15"/>
+    <p:sldId id="265" r:id="rId16"/>
+    <p:sldId id="266" r:id="rId17"/>
+    <p:sldId id="267" r:id="rId18"/>
+    <p:sldId id="268" r:id="rId19"/>
+    <p:sldId id="269" r:id="rId20"/>
   </p:sldIdLst>
   <p:sldSz cx="12192000" cy="6858000"/>
   <p:notesSz cx="6858000" cy="9144000"/>
@@ -995,11 +996,7 @@
           </a:pPr>
           <a:r>
             <a:rPr lang="en-US" sz="1600" dirty="0"/>
-            <a:t>         Calculate Plant Health                                                          </a:t>
-          </a:r>
-          <a:r>
-            <a:rPr lang="en-US" sz="1600" dirty="0"/>
-            <a:t>Builds Decision Trees</a:t>
+            <a:t>         Calculate Plant Health                                                          Builds Decision Trees</a:t>
           </a:r>
         </a:p>
         <a:p>
@@ -1538,11 +1535,7 @@
           </a:pPr>
           <a:r>
             <a:rPr lang="en-US" sz="1600" kern="1200" dirty="0"/>
-            <a:t>         Calculate Plant Health                                                          </a:t>
-          </a:r>
-          <a:r>
-            <a:rPr lang="en-US" sz="1600" kern="1200" dirty="0"/>
-            <a:t>Builds Decision Trees</a:t>
+            <a:t>         Calculate Plant Health                                                          Builds Decision Trees</a:t>
           </a:r>
         </a:p>
         <a:p>
@@ -3453,7 +3446,7 @@
           <a:p>
             <a:fld id="{471BC982-A0E7-442A-901D-C3ABBEC01FFB}" type="datetimeFigureOut">
               <a:rPr lang="en-US" smtClean="0"/>
-              <a:t>4/2/2017</a:t>
+              <a:t>4/3/2017</a:t>
             </a:fld>
             <a:endParaRPr lang="en-US"/>
           </a:p>
@@ -3791,7 +3784,7 @@
           <a:p>
             <a:fld id="{471BC982-A0E7-442A-901D-C3ABBEC01FFB}" type="datetimeFigureOut">
               <a:rPr lang="en-US" smtClean="0"/>
-              <a:t>4/2/2017</a:t>
+              <a:t>4/3/2017</a:t>
             </a:fld>
             <a:endParaRPr lang="en-US"/>
           </a:p>
@@ -4192,7 +4185,7 @@
           <a:p>
             <a:fld id="{471BC982-A0E7-442A-901D-C3ABBEC01FFB}" type="datetimeFigureOut">
               <a:rPr lang="en-US" smtClean="0"/>
-              <a:t>4/2/2017</a:t>
+              <a:t>4/3/2017</a:t>
             </a:fld>
             <a:endParaRPr lang="en-US"/>
           </a:p>
@@ -4528,7 +4521,7 @@
           <a:p>
             <a:fld id="{471BC982-A0E7-442A-901D-C3ABBEC01FFB}" type="datetimeFigureOut">
               <a:rPr lang="en-US" smtClean="0"/>
-              <a:t>4/2/2017</a:t>
+              <a:t>4/3/2017</a:t>
             </a:fld>
             <a:endParaRPr lang="en-US"/>
           </a:p>
@@ -4848,7 +4841,7 @@
           <a:p>
             <a:fld id="{471BC982-A0E7-442A-901D-C3ABBEC01FFB}" type="datetimeFigureOut">
               <a:rPr lang="en-US" smtClean="0"/>
-              <a:t>4/2/2017</a:t>
+              <a:t>4/3/2017</a:t>
             </a:fld>
             <a:endParaRPr lang="en-US"/>
           </a:p>
@@ -5244,7 +5237,7 @@
           <a:p>
             <a:fld id="{471BC982-A0E7-442A-901D-C3ABBEC01FFB}" type="datetimeFigureOut">
               <a:rPr lang="en-US" smtClean="0"/>
-              <a:t>4/2/2017</a:t>
+              <a:t>4/3/2017</a:t>
             </a:fld>
             <a:endParaRPr lang="en-US"/>
           </a:p>
@@ -5501,7 +5494,7 @@
           <a:p>
             <a:fld id="{471BC982-A0E7-442A-901D-C3ABBEC01FFB}" type="datetimeFigureOut">
               <a:rPr lang="en-US" smtClean="0"/>
-              <a:t>4/2/2017</a:t>
+              <a:t>4/3/2017</a:t>
             </a:fld>
             <a:endParaRPr lang="en-US"/>
           </a:p>
@@ -5763,7 +5756,7 @@
           <a:p>
             <a:fld id="{471BC982-A0E7-442A-901D-C3ABBEC01FFB}" type="datetimeFigureOut">
               <a:rPr lang="en-US" smtClean="0"/>
-              <a:t>4/2/2017</a:t>
+              <a:t>4/3/2017</a:t>
             </a:fld>
             <a:endParaRPr lang="en-US"/>
           </a:p>
@@ -6025,7 +6018,7 @@
           <a:p>
             <a:fld id="{471BC982-A0E7-442A-901D-C3ABBEC01FFB}" type="datetimeFigureOut">
               <a:rPr lang="en-US" smtClean="0"/>
-              <a:t>4/2/2017</a:t>
+              <a:t>4/3/2017</a:t>
             </a:fld>
             <a:endParaRPr lang="en-US"/>
           </a:p>
@@ -6354,7 +6347,7 @@
           <a:p>
             <a:fld id="{471BC982-A0E7-442A-901D-C3ABBEC01FFB}" type="datetimeFigureOut">
               <a:rPr lang="en-US" smtClean="0"/>
-              <a:t>4/2/2017</a:t>
+              <a:t>4/3/2017</a:t>
             </a:fld>
             <a:endParaRPr lang="en-US"/>
           </a:p>
@@ -6677,7 +6670,7 @@
           <a:p>
             <a:fld id="{471BC982-A0E7-442A-901D-C3ABBEC01FFB}" type="datetimeFigureOut">
               <a:rPr lang="en-US" smtClean="0"/>
-              <a:t>4/2/2017</a:t>
+              <a:t>4/3/2017</a:t>
             </a:fld>
             <a:endParaRPr lang="en-US"/>
           </a:p>
@@ -7134,7 +7127,7 @@
           <a:p>
             <a:fld id="{471BC982-A0E7-442A-901D-C3ABBEC01FFB}" type="datetimeFigureOut">
               <a:rPr lang="en-US" smtClean="0"/>
-              <a:t>4/2/2017</a:t>
+              <a:t>4/3/2017</a:t>
             </a:fld>
             <a:endParaRPr lang="en-US"/>
           </a:p>
@@ -7339,7 +7332,7 @@
           <a:p>
             <a:fld id="{471BC982-A0E7-442A-901D-C3ABBEC01FFB}" type="datetimeFigureOut">
               <a:rPr lang="en-US" smtClean="0"/>
-              <a:t>4/2/2017</a:t>
+              <a:t>4/3/2017</a:t>
             </a:fld>
             <a:endParaRPr lang="en-US"/>
           </a:p>
@@ -7516,7 +7509,7 @@
           <a:p>
             <a:fld id="{471BC982-A0E7-442A-901D-C3ABBEC01FFB}" type="datetimeFigureOut">
               <a:rPr lang="en-US" smtClean="0"/>
-              <a:t>4/2/2017</a:t>
+              <a:t>4/3/2017</a:t>
             </a:fld>
             <a:endParaRPr lang="en-US"/>
           </a:p>
@@ -7849,7 +7842,7 @@
           <a:p>
             <a:fld id="{471BC982-A0E7-442A-901D-C3ABBEC01FFB}" type="datetimeFigureOut">
               <a:rPr lang="en-US" smtClean="0"/>
-              <a:t>4/2/2017</a:t>
+              <a:t>4/3/2017</a:t>
             </a:fld>
             <a:endParaRPr lang="en-US"/>
           </a:p>
@@ -8194,7 +8187,7 @@
           <a:p>
             <a:fld id="{471BC982-A0E7-442A-901D-C3ABBEC01FFB}" type="datetimeFigureOut">
               <a:rPr lang="en-US" smtClean="0"/>
-              <a:t>4/2/2017</a:t>
+              <a:t>4/3/2017</a:t>
             </a:fld>
             <a:endParaRPr lang="en-US"/>
           </a:p>
@@ -10311,7 +10304,7 @@
           <a:p>
             <a:fld id="{471BC982-A0E7-442A-901D-C3ABBEC01FFB}" type="datetimeFigureOut">
               <a:rPr lang="en-US" smtClean="0"/>
-              <a:t>4/2/2017</a:t>
+              <a:t>4/3/2017</a:t>
             </a:fld>
             <a:endParaRPr lang="en-US"/>
           </a:p>
@@ -10947,7 +10940,7 @@
           <a:p>
             <a:r>
               <a:rPr lang="en-US" dirty="0"/>
-              <a:t>Add plant</a:t>
+              <a:t>Sensor readings</a:t>
             </a:r>
           </a:p>
         </p:txBody>
@@ -10974,8 +10967,8 @@
         </p:blipFill>
         <p:spPr>
           <a:xfrm>
-            <a:off x="7646987" y="0"/>
-            <a:ext cx="3857625" cy="6858000"/>
+            <a:off x="7647710" y="0"/>
+            <a:ext cx="4100946" cy="6858000"/>
           </a:xfrm>
           <a:prstGeom prst="rect">
             <a:avLst/>
@@ -10985,7 +10978,7 @@
     </p:spTree>
     <p:extLst>
       <p:ext uri="{BB962C8B-B14F-4D97-AF65-F5344CB8AC3E}">
-        <p14:creationId xmlns:p14="http://schemas.microsoft.com/office/powerpoint/2010/main" val="1556028876"/>
+        <p14:creationId xmlns:p14="http://schemas.microsoft.com/office/powerpoint/2010/main" val="1290909651"/>
       </p:ext>
     </p:extLst>
   </p:cSld>
@@ -11029,6 +11022,121 @@
           <a:p>
             <a:r>
               <a:rPr lang="en-US" dirty="0"/>
+              <a:t>Component 2: App</a:t>
+            </a:r>
+          </a:p>
+        </p:txBody>
+      </p:sp>
+      <p:sp>
+        <p:nvSpPr>
+          <p:cNvPr id="3" name="Content Placeholder 2"/>
+          <p:cNvSpPr>
+            <a:spLocks noGrp="1"/>
+          </p:cNvSpPr>
+          <p:nvPr>
+            <p:ph idx="1"/>
+          </p:nvPr>
+        </p:nvSpPr>
+        <p:spPr/>
+        <p:txBody>
+          <a:bodyPr/>
+          <a:lstStyle/>
+          <a:p>
+            <a:r>
+              <a:rPr lang="en-US" dirty="0"/>
+              <a:t>Settings</a:t>
+            </a:r>
+          </a:p>
+        </p:txBody>
+      </p:sp>
+      <p:pic>
+        <p:nvPicPr>
+          <p:cNvPr id="3074" name="Picture 2" descr="https://raw.githubusercontent.com/jdkirklanduwyo/SeniorDesignGroup2/441a0e4cf39d426c760276834308665462a94059/Documents/Settings.png"/>
+          <p:cNvPicPr>
+            <a:picLocks noChangeAspect="1" noChangeArrowheads="1"/>
+          </p:cNvPicPr>
+          <p:nvPr/>
+        </p:nvPicPr>
+        <p:blipFill>
+          <a:blip r:embed="rId2">
+            <a:extLst>
+              <a:ext uri="{28A0092B-C50C-407E-A947-70E740481C1C}">
+                <a14:useLocalDpi xmlns:a14="http://schemas.microsoft.com/office/drawing/2010/main" val="0"/>
+              </a:ext>
+            </a:extLst>
+          </a:blip>
+          <a:srcRect/>
+          <a:stretch>
+            <a:fillRect/>
+          </a:stretch>
+        </p:blipFill>
+        <p:spPr bwMode="auto">
+          <a:xfrm>
+            <a:off x="7648074" y="0"/>
+            <a:ext cx="4114800" cy="6858000"/>
+          </a:xfrm>
+          <a:prstGeom prst="rect">
+            <a:avLst/>
+          </a:prstGeom>
+          <a:noFill/>
+          <a:extLst>
+            <a:ext uri="{909E8E84-426E-40DD-AFC4-6F175D3DCCD1}">
+              <a14:hiddenFill xmlns:a14="http://schemas.microsoft.com/office/drawing/2010/main">
+                <a:solidFill>
+                  <a:srgbClr val="FFFFFF"/>
+                </a:solidFill>
+              </a14:hiddenFill>
+            </a:ext>
+          </a:extLst>
+        </p:spPr>
+      </p:pic>
+    </p:spTree>
+    <p:extLst>
+      <p:ext uri="{BB962C8B-B14F-4D97-AF65-F5344CB8AC3E}">
+        <p14:creationId xmlns:p14="http://schemas.microsoft.com/office/powerpoint/2010/main" val="3280193882"/>
+      </p:ext>
+    </p:extLst>
+  </p:cSld>
+  <p:clrMapOvr>
+    <a:masterClrMapping/>
+  </p:clrMapOvr>
+</p:sld>
+</file>
+
+<file path=ppt/slides/slide12.xml><?xml version="1.0" encoding="utf-8"?>
+<p:sld xmlns:a="http://schemas.openxmlformats.org/drawingml/2006/main" xmlns:r="http://schemas.openxmlformats.org/officeDocument/2006/relationships" xmlns:p="http://schemas.openxmlformats.org/presentationml/2006/main">
+  <p:cSld>
+    <p:spTree>
+      <p:nvGrpSpPr>
+        <p:cNvPr id="1" name=""/>
+        <p:cNvGrpSpPr/>
+        <p:nvPr/>
+      </p:nvGrpSpPr>
+      <p:grpSpPr>
+        <a:xfrm>
+          <a:off x="0" y="0"/>
+          <a:ext cx="0" cy="0"/>
+          <a:chOff x="0" y="0"/>
+          <a:chExt cx="0" cy="0"/>
+        </a:xfrm>
+      </p:grpSpPr>
+      <p:sp>
+        <p:nvSpPr>
+          <p:cNvPr id="2" name="Title 1"/>
+          <p:cNvSpPr>
+            <a:spLocks noGrp="1"/>
+          </p:cNvSpPr>
+          <p:nvPr>
+            <p:ph type="title"/>
+          </p:nvPr>
+        </p:nvSpPr>
+        <p:spPr/>
+        <p:txBody>
+          <a:bodyPr/>
+          <a:lstStyle/>
+          <a:p>
+            <a:r>
+              <a:rPr lang="en-US" dirty="0"/>
               <a:t>Component 3: Backend</a:t>
             </a:r>
           </a:p>
@@ -11079,7 +11187,7 @@
 </p:sld>
 </file>
 
-<file path=ppt/slides/slide12.xml><?xml version="1.0" encoding="utf-8"?>
+<file path=ppt/slides/slide13.xml><?xml version="1.0" encoding="utf-8"?>
 <p:sld xmlns:a="http://schemas.openxmlformats.org/drawingml/2006/main" xmlns:r="http://schemas.openxmlformats.org/officeDocument/2006/relationships" xmlns:p="http://schemas.openxmlformats.org/presentationml/2006/main">
   <p:cSld>
     <p:spTree>
@@ -11237,77 +11345,6 @@
 </p:sld>
 </file>
 
-<file path=ppt/slides/slide13.xml><?xml version="1.0" encoding="utf-8"?>
-<p:sld xmlns:a="http://schemas.openxmlformats.org/drawingml/2006/main" xmlns:r="http://schemas.openxmlformats.org/officeDocument/2006/relationships" xmlns:p="http://schemas.openxmlformats.org/presentationml/2006/main">
-  <p:cSld>
-    <p:spTree>
-      <p:nvGrpSpPr>
-        <p:cNvPr id="1" name=""/>
-        <p:cNvGrpSpPr/>
-        <p:nvPr/>
-      </p:nvGrpSpPr>
-      <p:grpSpPr>
-        <a:xfrm>
-          <a:off x="0" y="0"/>
-          <a:ext cx="0" cy="0"/>
-          <a:chOff x="0" y="0"/>
-          <a:chExt cx="0" cy="0"/>
-        </a:xfrm>
-      </p:grpSpPr>
-      <p:sp>
-        <p:nvSpPr>
-          <p:cNvPr id="2" name="Title 1"/>
-          <p:cNvSpPr>
-            <a:spLocks noGrp="1"/>
-          </p:cNvSpPr>
-          <p:nvPr>
-            <p:ph type="title"/>
-          </p:nvPr>
-        </p:nvSpPr>
-        <p:spPr/>
-        <p:txBody>
-          <a:bodyPr/>
-          <a:lstStyle/>
-          <a:p>
-            <a:r>
-              <a:rPr lang="en-US" dirty="0"/>
-              <a:t>Decision Tree</a:t>
-            </a:r>
-          </a:p>
-        </p:txBody>
-      </p:sp>
-      <p:sp>
-        <p:nvSpPr>
-          <p:cNvPr id="3" name="Content Placeholder 2"/>
-          <p:cNvSpPr>
-            <a:spLocks noGrp="1"/>
-          </p:cNvSpPr>
-          <p:nvPr>
-            <p:ph idx="1"/>
-          </p:nvPr>
-        </p:nvSpPr>
-        <p:spPr/>
-        <p:txBody>
-          <a:bodyPr/>
-          <a:lstStyle/>
-          <a:p>
-            <a:endParaRPr lang="en-US"/>
-          </a:p>
-        </p:txBody>
-      </p:sp>
-    </p:spTree>
-    <p:extLst>
-      <p:ext uri="{BB962C8B-B14F-4D97-AF65-F5344CB8AC3E}">
-        <p14:creationId xmlns:p14="http://schemas.microsoft.com/office/powerpoint/2010/main" val="1186725986"/>
-      </p:ext>
-    </p:extLst>
-  </p:cSld>
-  <p:clrMapOvr>
-    <a:masterClrMapping/>
-  </p:clrMapOvr>
-</p:sld>
-</file>
-
 <file path=ppt/slides/slide14.xml><?xml version="1.0" encoding="utf-8"?>
 <p:sld xmlns:a="http://schemas.openxmlformats.org/drawingml/2006/main" xmlns:r="http://schemas.openxmlformats.org/officeDocument/2006/relationships" xmlns:p="http://schemas.openxmlformats.org/presentationml/2006/main">
   <p:cSld>
@@ -11342,7 +11379,7 @@
           <a:p>
             <a:r>
               <a:rPr lang="en-US" dirty="0"/>
-              <a:t>Difficulties</a:t>
+              <a:t>Decision Tree</a:t>
             </a:r>
           </a:p>
         </p:txBody>
@@ -11357,43 +11394,200 @@
             <p:ph idx="1"/>
           </p:nvPr>
         </p:nvSpPr>
-        <p:spPr/>
+        <p:spPr>
+          <a:xfrm>
+            <a:off x="2589211" y="1443789"/>
+            <a:ext cx="8058735" cy="5233737"/>
+          </a:xfrm>
+        </p:spPr>
         <p:txBody>
-          <a:bodyPr/>
+          <a:bodyPr>
+            <a:normAutofit fontScale="47500" lnSpcReduction="20000"/>
+          </a:bodyPr>
           <a:lstStyle/>
           <a:p>
-            <a:r>
-              <a:rPr lang="en-US" dirty="0"/>
-              <a:t>Cabling and </a:t>
-            </a:r>
-            <a:r>
-              <a:rPr lang="en-US" dirty="0" err="1"/>
-              <a:t>WiFi</a:t>
-            </a:r>
+            <a:pPr marL="0" indent="0">
+              <a:buNone/>
+            </a:pPr>
+            <a:r>
+              <a:rPr lang="en-US" sz="2500" dirty="0"/>
+              <a:t>[X1 &lt; 288.000]</a:t>
+            </a:r>
+          </a:p>
+          <a:p>
+            <a:pPr marL="0" indent="0">
+              <a:buNone/>
+            </a:pPr>
+            <a:r>
+              <a:rPr lang="en-US" sz="2500" dirty="0"/>
+              <a:t> 	[X1 &lt; 221.000]</a:t>
+            </a:r>
+          </a:p>
+          <a:p>
+            <a:pPr marL="0" indent="0">
+              <a:buNone/>
+            </a:pPr>
+            <a:r>
+              <a:rPr lang="en-US" sz="2500" dirty="0"/>
+              <a:t>  		[X1 &lt; 114.000]</a:t>
+            </a:r>
+          </a:p>
+          <a:p>
+            <a:pPr marL="0" indent="0">
+              <a:buNone/>
+            </a:pPr>
+            <a:r>
+              <a:rPr lang="en-US" sz="2500" dirty="0"/>
+              <a:t> 			 [1]</a:t>
+            </a:r>
+          </a:p>
+          <a:p>
+            <a:pPr marL="0" indent="0">
+              <a:buNone/>
+            </a:pPr>
+            <a:r>
+              <a:rPr lang="en-US" sz="2500" dirty="0"/>
+              <a:t>  			 [1]</a:t>
+            </a:r>
+          </a:p>
+          <a:p>
+            <a:pPr marL="0" indent="0">
+              <a:buNone/>
+            </a:pPr>
+            <a:r>
+              <a:rPr lang="en-US" sz="2500" dirty="0"/>
+              <a:t> 		 [X1 &lt; 221.000]</a:t>
+            </a:r>
+          </a:p>
+          <a:p>
+            <a:pPr marL="0" indent="0">
+              <a:buNone/>
+            </a:pPr>
+            <a:r>
+              <a:rPr lang="en-US" sz="2500" dirty="0"/>
+              <a:t> 	 		[1]</a:t>
+            </a:r>
+          </a:p>
+          <a:p>
+            <a:pPr marL="0" indent="0">
+              <a:buNone/>
+            </a:pPr>
+            <a:r>
+              <a:rPr lang="en-US" sz="2500" dirty="0"/>
+              <a:t>   			[1]</a:t>
+            </a:r>
+          </a:p>
+          <a:p>
+            <a:pPr marL="0" indent="0">
+              <a:buNone/>
+            </a:pPr>
+            <a:r>
+              <a:rPr lang="en-US" sz="2500" dirty="0"/>
+              <a:t> [X2 &lt; 86.000]</a:t>
+            </a:r>
+          </a:p>
+          <a:p>
+            <a:pPr marL="0" indent="0">
+              <a:buNone/>
+            </a:pPr>
+            <a:r>
+              <a:rPr lang="en-US" sz="2500" dirty="0"/>
+              <a:t>  	[X3 &lt; 24.000]</a:t>
+            </a:r>
+          </a:p>
+          <a:p>
+            <a:pPr marL="0" indent="0">
+              <a:buNone/>
+            </a:pPr>
+            <a:r>
+              <a:rPr lang="en-US" sz="2500" dirty="0"/>
+              <a:t>  		 [X1 &lt; 356.000]</a:t>
+            </a:r>
+          </a:p>
+          <a:p>
+            <a:pPr marL="0" indent="0">
+              <a:buNone/>
+            </a:pPr>
+            <a:r>
+              <a:rPr lang="en-US" sz="2500" dirty="0"/>
+              <a:t>  			 [4]</a:t>
+            </a:r>
+          </a:p>
+          <a:p>
+            <a:pPr marL="0" indent="0">
+              <a:buNone/>
+            </a:pPr>
+            <a:r>
+              <a:rPr lang="en-US" sz="2500" dirty="0"/>
+              <a:t>  			 [4]</a:t>
+            </a:r>
+          </a:p>
+          <a:p>
+            <a:pPr marL="0" indent="0">
+              <a:buNone/>
+            </a:pPr>
+            <a:r>
+              <a:rPr lang="en-US" sz="2500" dirty="0"/>
+              <a:t>  		 [X1 &lt; 288.000]</a:t>
+            </a:r>
+          </a:p>
+          <a:p>
+            <a:pPr marL="0" indent="0">
+              <a:buNone/>
+            </a:pPr>
+            <a:r>
+              <a:rPr lang="en-US" sz="2500" dirty="0"/>
+              <a:t>   		 	[0]</a:t>
+            </a:r>
+          </a:p>
+          <a:p>
+            <a:pPr marL="0" indent="0">
+              <a:buNone/>
+            </a:pPr>
+            <a:r>
+              <a:rPr lang="en-US" sz="2500" dirty="0"/>
+              <a:t>   			[0]</a:t>
+            </a:r>
+          </a:p>
+          <a:p>
+            <a:pPr marL="0" indent="0">
+              <a:buNone/>
+            </a:pPr>
+            <a:r>
+              <a:rPr lang="en-US" sz="2500" dirty="0"/>
+              <a:t>	[X1 &lt; 364.000]</a:t>
+            </a:r>
+          </a:p>
+          <a:p>
+            <a:pPr marL="0" indent="0">
+              <a:buNone/>
+            </a:pPr>
+            <a:r>
+              <a:rPr lang="en-US" sz="2500" dirty="0"/>
+              <a:t>  		[3]</a:t>
+            </a:r>
+          </a:p>
+          <a:p>
+            <a:pPr marL="0" indent="0">
+              <a:buNone/>
+            </a:pPr>
+            <a:r>
+              <a:rPr lang="en-US" sz="2500" dirty="0"/>
+              <a:t> 		[3]</a:t>
+            </a:r>
+          </a:p>
+          <a:p>
+            <a:pPr marL="0" indent="0">
+              <a:buNone/>
+            </a:pPr>
             <a:endParaRPr lang="en-US" dirty="0"/>
-          </a:p>
-          <a:p>
-            <a:r>
-              <a:rPr lang="en-US" dirty="0" err="1"/>
-              <a:t>ReST</a:t>
-            </a:r>
-            <a:r>
-              <a:rPr lang="en-US" dirty="0"/>
-              <a:t> communication</a:t>
-            </a:r>
-          </a:p>
-          <a:p>
-            <a:r>
-              <a:rPr lang="en-US" dirty="0"/>
-              <a:t>Backend</a:t>
-            </a:r>
           </a:p>
         </p:txBody>
       </p:sp>
     </p:spTree>
     <p:extLst>
       <p:ext uri="{BB962C8B-B14F-4D97-AF65-F5344CB8AC3E}">
-        <p14:creationId xmlns:p14="http://schemas.microsoft.com/office/powerpoint/2010/main" val="2728654477"/>
+        <p14:creationId xmlns:p14="http://schemas.microsoft.com/office/powerpoint/2010/main" val="1186725986"/>
       </p:ext>
     </p:extLst>
   </p:cSld>
@@ -11437,7 +11631,7 @@
           <a:p>
             <a:r>
               <a:rPr lang="en-US" dirty="0"/>
-              <a:t>Version changes: Hardware</a:t>
+              <a:t>Difficulties</a:t>
             </a:r>
           </a:p>
         </p:txBody>
@@ -11459,40 +11653,28 @@
           <a:p>
             <a:r>
               <a:rPr lang="en-US" dirty="0"/>
-              <a:t>Sensors</a:t>
-            </a:r>
-          </a:p>
-          <a:p>
-            <a:r>
-              <a:rPr lang="en-US" dirty="0"/>
-              <a:t>Sensor/Camera</a:t>
-            </a:r>
-          </a:p>
-          <a:p>
-            <a:r>
-              <a:rPr lang="en-US" dirty="0"/>
-              <a:t>Noise reduced sensors and </a:t>
-            </a:r>
+              <a:t>Cabling and </a:t>
+            </a:r>
+            <a:r>
+              <a:rPr lang="en-US" dirty="0" err="1"/>
+              <a:t>WiFi</a:t>
+            </a:r>
+            <a:endParaRPr lang="en-US" dirty="0"/>
+          </a:p>
+          <a:p>
             <a:r>
               <a:rPr lang="en-US" dirty="0" err="1"/>
               <a:t>ReST</a:t>
             </a:r>
             <a:r>
               <a:rPr lang="en-US" dirty="0"/>
-              <a:t> code</a:t>
-            </a:r>
-          </a:p>
-          <a:p>
-            <a:r>
-              <a:rPr lang="en-US" dirty="0" err="1"/>
-              <a:t>WiFi</a:t>
-            </a:r>
-            <a:endParaRPr lang="en-US" dirty="0"/>
+              <a:t> communication</a:t>
+            </a:r>
           </a:p>
           <a:p>
             <a:r>
               <a:rPr lang="en-US" dirty="0"/>
-              <a:t>Solenoids</a:t>
+              <a:t>Backend</a:t>
             </a:r>
           </a:p>
         </p:txBody>
@@ -11500,7 +11682,7 @@
     </p:spTree>
     <p:extLst>
       <p:ext uri="{BB962C8B-B14F-4D97-AF65-F5344CB8AC3E}">
-        <p14:creationId xmlns:p14="http://schemas.microsoft.com/office/powerpoint/2010/main" val="1654266336"/>
+        <p14:creationId xmlns:p14="http://schemas.microsoft.com/office/powerpoint/2010/main" val="2728654477"/>
       </p:ext>
     </p:extLst>
   </p:cSld>
@@ -11544,7 +11726,7 @@
           <a:p>
             <a:r>
               <a:rPr lang="en-US" dirty="0"/>
-              <a:t>Version changes: App</a:t>
+              <a:t>Version changes: Hardware</a:t>
             </a:r>
           </a:p>
         </p:txBody>
@@ -11566,38 +11748,48 @@
           <a:p>
             <a:r>
               <a:rPr lang="en-US" dirty="0"/>
-              <a:t>Plant info display</a:t>
-            </a:r>
-          </a:p>
-          <a:p>
+              <a:t>Sensors</a:t>
+            </a:r>
+          </a:p>
+          <a:p>
+            <a:r>
+              <a:rPr lang="en-US" dirty="0"/>
+              <a:t>Sensor/Camera</a:t>
+            </a:r>
+          </a:p>
+          <a:p>
+            <a:r>
+              <a:rPr lang="en-US" dirty="0"/>
+              <a:t>Noise reduced sensors and </a:t>
+            </a:r>
             <a:r>
               <a:rPr lang="en-US" dirty="0" err="1"/>
               <a:t>ReST</a:t>
             </a:r>
             <a:r>
               <a:rPr lang="en-US" dirty="0"/>
-              <a:t> server pull</a:t>
+              <a:t> code</a:t>
             </a:r>
           </a:p>
           <a:p>
             <a:r>
               <a:rPr lang="en-US" dirty="0" err="1"/>
-              <a:t>ReST</a:t>
-            </a:r>
+              <a:t>WiFi</a:t>
+            </a:r>
+            <a:endParaRPr lang="en-US" dirty="0"/>
+          </a:p>
+          <a:p>
             <a:r>
               <a:rPr lang="en-US" dirty="0"/>
-              <a:t> server update</a:t>
-            </a:r>
-          </a:p>
-          <a:p>
-            <a:endParaRPr lang="en-US" dirty="0"/>
+              <a:t>Solenoids</a:t>
+            </a:r>
           </a:p>
         </p:txBody>
       </p:sp>
     </p:spTree>
     <p:extLst>
       <p:ext uri="{BB962C8B-B14F-4D97-AF65-F5344CB8AC3E}">
-        <p14:creationId xmlns:p14="http://schemas.microsoft.com/office/powerpoint/2010/main" val="1628140214"/>
+        <p14:creationId xmlns:p14="http://schemas.microsoft.com/office/powerpoint/2010/main" val="1654266336"/>
       </p:ext>
     </p:extLst>
   </p:cSld>
@@ -11641,6 +11833,103 @@
           <a:p>
             <a:r>
               <a:rPr lang="en-US" dirty="0"/>
+              <a:t>Version changes: App</a:t>
+            </a:r>
+          </a:p>
+        </p:txBody>
+      </p:sp>
+      <p:sp>
+        <p:nvSpPr>
+          <p:cNvPr id="3" name="Content Placeholder 2"/>
+          <p:cNvSpPr>
+            <a:spLocks noGrp="1"/>
+          </p:cNvSpPr>
+          <p:nvPr>
+            <p:ph idx="1"/>
+          </p:nvPr>
+        </p:nvSpPr>
+        <p:spPr/>
+        <p:txBody>
+          <a:bodyPr/>
+          <a:lstStyle/>
+          <a:p>
+            <a:r>
+              <a:rPr lang="en-US" dirty="0"/>
+              <a:t>Plant info display</a:t>
+            </a:r>
+          </a:p>
+          <a:p>
+            <a:r>
+              <a:rPr lang="en-US" dirty="0" err="1"/>
+              <a:t>ReST</a:t>
+            </a:r>
+            <a:r>
+              <a:rPr lang="en-US" dirty="0"/>
+              <a:t> server pull</a:t>
+            </a:r>
+          </a:p>
+          <a:p>
+            <a:r>
+              <a:rPr lang="en-US" dirty="0" err="1"/>
+              <a:t>ReST</a:t>
+            </a:r>
+            <a:r>
+              <a:rPr lang="en-US" dirty="0"/>
+              <a:t> server update</a:t>
+            </a:r>
+          </a:p>
+          <a:p>
+            <a:endParaRPr lang="en-US" dirty="0"/>
+          </a:p>
+        </p:txBody>
+      </p:sp>
+    </p:spTree>
+    <p:extLst>
+      <p:ext uri="{BB962C8B-B14F-4D97-AF65-F5344CB8AC3E}">
+        <p14:creationId xmlns:p14="http://schemas.microsoft.com/office/powerpoint/2010/main" val="1628140214"/>
+      </p:ext>
+    </p:extLst>
+  </p:cSld>
+  <p:clrMapOvr>
+    <a:masterClrMapping/>
+  </p:clrMapOvr>
+</p:sld>
+</file>
+
+<file path=ppt/slides/slide18.xml><?xml version="1.0" encoding="utf-8"?>
+<p:sld xmlns:a="http://schemas.openxmlformats.org/drawingml/2006/main" xmlns:r="http://schemas.openxmlformats.org/officeDocument/2006/relationships" xmlns:p="http://schemas.openxmlformats.org/presentationml/2006/main">
+  <p:cSld>
+    <p:spTree>
+      <p:nvGrpSpPr>
+        <p:cNvPr id="1" name=""/>
+        <p:cNvGrpSpPr/>
+        <p:nvPr/>
+      </p:nvGrpSpPr>
+      <p:grpSpPr>
+        <a:xfrm>
+          <a:off x="0" y="0"/>
+          <a:ext cx="0" cy="0"/>
+          <a:chOff x="0" y="0"/>
+          <a:chExt cx="0" cy="0"/>
+        </a:xfrm>
+      </p:grpSpPr>
+      <p:sp>
+        <p:nvSpPr>
+          <p:cNvPr id="2" name="Title 1"/>
+          <p:cNvSpPr>
+            <a:spLocks noGrp="1"/>
+          </p:cNvSpPr>
+          <p:nvPr>
+            <p:ph type="title"/>
+          </p:nvPr>
+        </p:nvSpPr>
+        <p:spPr/>
+        <p:txBody>
+          <a:bodyPr/>
+          <a:lstStyle/>
+          <a:p>
+            <a:r>
+              <a:rPr lang="en-US" dirty="0"/>
               <a:t>Version changes: Backend</a:t>
             </a:r>
           </a:p>
@@ -11688,7 +11977,7 @@
 </p:sld>
 </file>
 
-<file path=ppt/slides/slide18.xml><?xml version="1.0" encoding="utf-8"?>
+<file path=ppt/slides/slide19.xml><?xml version="1.0" encoding="utf-8"?>
 <p:sld xmlns:a="http://schemas.openxmlformats.org/drawingml/2006/main" xmlns:r="http://schemas.openxmlformats.org/officeDocument/2006/relationships" xmlns:p="http://schemas.openxmlformats.org/presentationml/2006/main">
   <p:cSld>
     <p:spTree>
@@ -11933,12 +12222,8 @@
           </a:p>
           <a:p>
             <a:r>
-              <a:rPr lang="en-US" dirty="0" err="1"/>
-              <a:t>WiFi</a:t>
-            </a:r>
-            <a:r>
               <a:rPr lang="en-US" dirty="0"/>
-              <a:t> shield</a:t>
+              <a:t>Wi-Fi shield</a:t>
             </a:r>
           </a:p>
           <a:p>
@@ -12079,7 +12364,6 @@
               <a:rPr lang="en-US" dirty="0"/>
               <a:t>Component 1: Hardware</a:t>
             </a:r>
-            <a:endParaRPr lang="en-US" dirty="0"/>
           </a:p>
         </p:txBody>
       </p:sp>
@@ -12159,7 +12443,7 @@
           <a:p>
             <a:r>
               <a:rPr lang="en-US" dirty="0"/>
-              <a:t>Component 1: Hardware</a:t>
+              <a:t>Component 2: App</a:t>
             </a:r>
           </a:p>
         </p:txBody>
@@ -12181,15 +12465,60 @@
           <a:p>
             <a:r>
               <a:rPr lang="en-US" dirty="0"/>
-              <a:t>Pixy picture</a:t>
-            </a:r>
+              <a:t>Main Screen</a:t>
+            </a:r>
+          </a:p>
+          <a:p>
+            <a:pPr lvl="1"/>
+            <a:endParaRPr lang="en-US" dirty="0"/>
           </a:p>
         </p:txBody>
       </p:sp>
+      <p:pic>
+        <p:nvPicPr>
+          <p:cNvPr id="1026" name="Picture 2" descr="https://raw.githubusercontent.com/jdkirklanduwyo/SeniorDesignGroup2/441a0e4cf39d426c760276834308665462a94059/Documents/StartScreen.png"/>
+          <p:cNvPicPr>
+            <a:picLocks noChangeAspect="1" noChangeArrowheads="1"/>
+          </p:cNvPicPr>
+          <p:nvPr/>
+        </p:nvPicPr>
+        <p:blipFill>
+          <a:blip r:embed="rId2">
+            <a:extLst>
+              <a:ext uri="{28A0092B-C50C-407E-A947-70E740481C1C}">
+                <a14:useLocalDpi xmlns:a14="http://schemas.microsoft.com/office/drawing/2010/main" val="0"/>
+              </a:ext>
+            </a:extLst>
+          </a:blip>
+          <a:srcRect/>
+          <a:stretch>
+            <a:fillRect/>
+          </a:stretch>
+        </p:blipFill>
+        <p:spPr bwMode="auto">
+          <a:xfrm>
+            <a:off x="7632032" y="0"/>
+            <a:ext cx="4114800" cy="6858000"/>
+          </a:xfrm>
+          <a:prstGeom prst="rect">
+            <a:avLst/>
+          </a:prstGeom>
+          <a:noFill/>
+          <a:extLst>
+            <a:ext uri="{909E8E84-426E-40DD-AFC4-6F175D3DCCD1}">
+              <a14:hiddenFill xmlns:a14="http://schemas.microsoft.com/office/drawing/2010/main">
+                <a:solidFill>
+                  <a:srgbClr val="FFFFFF"/>
+                </a:solidFill>
+              </a14:hiddenFill>
+            </a:ext>
+          </a:extLst>
+        </p:spPr>
+      </p:pic>
     </p:spTree>
     <p:extLst>
       <p:ext uri="{BB962C8B-B14F-4D97-AF65-F5344CB8AC3E}">
-        <p14:creationId xmlns:p14="http://schemas.microsoft.com/office/powerpoint/2010/main" val="2578441148"/>
+        <p14:creationId xmlns:p14="http://schemas.microsoft.com/office/powerpoint/2010/main" val="2933714770"/>
       </p:ext>
     </p:extLst>
   </p:cSld>
@@ -12255,49 +12584,56 @@
           <a:p>
             <a:r>
               <a:rPr lang="en-US" dirty="0"/>
-              <a:t>Plant health</a:t>
-            </a:r>
-          </a:p>
-          <a:p>
-            <a:pPr lvl="1"/>
-            <a:endParaRPr lang="en-US" dirty="0"/>
+              <a:t>Add Plant</a:t>
+            </a:r>
           </a:p>
         </p:txBody>
       </p:sp>
       <p:pic>
         <p:nvPicPr>
-          <p:cNvPr id="13" name="Picture 12"/>
+          <p:cNvPr id="2050" name="Picture 2" descr="https://raw.githubusercontent.com/jdkirklanduwyo/SeniorDesignGroup2/441a0e4cf39d426c760276834308665462a94059/Documents/AddPlant.png"/>
           <p:cNvPicPr>
-            <a:picLocks noChangeAspect="1"/>
+            <a:picLocks noChangeAspect="1" noChangeArrowheads="1"/>
           </p:cNvPicPr>
           <p:nvPr/>
         </p:nvPicPr>
         <p:blipFill>
-          <a:blip r:embed="rId2" cstate="hqprint">
+          <a:blip r:embed="rId2">
             <a:extLst>
               <a:ext uri="{28A0092B-C50C-407E-A947-70E740481C1C}">
                 <a14:useLocalDpi xmlns:a14="http://schemas.microsoft.com/office/drawing/2010/main" val="0"/>
               </a:ext>
             </a:extLst>
           </a:blip>
+          <a:srcRect/>
           <a:stretch>
             <a:fillRect/>
           </a:stretch>
         </p:blipFill>
-        <p:spPr>
+        <p:spPr bwMode="auto">
           <a:xfrm>
-            <a:off x="7639632" y="0"/>
-            <a:ext cx="3864980" cy="6871075"/>
+            <a:off x="7640781" y="0"/>
+            <a:ext cx="4107874" cy="6858000"/>
           </a:xfrm>
           <a:prstGeom prst="rect">
             <a:avLst/>
           </a:prstGeom>
+          <a:noFill/>
+          <a:extLst>
+            <a:ext uri="{909E8E84-426E-40DD-AFC4-6F175D3DCCD1}">
+              <a14:hiddenFill xmlns:a14="http://schemas.microsoft.com/office/drawing/2010/main">
+                <a:solidFill>
+                  <a:srgbClr val="FFFFFF"/>
+                </a:solidFill>
+              </a14:hiddenFill>
+            </a:ext>
+          </a:extLst>
         </p:spPr>
       </p:pic>
     </p:spTree>
     <p:extLst>
       <p:ext uri="{BB962C8B-B14F-4D97-AF65-F5344CB8AC3E}">
-        <p14:creationId xmlns:p14="http://schemas.microsoft.com/office/powerpoint/2010/main" val="2933714770"/>
+        <p14:creationId xmlns:p14="http://schemas.microsoft.com/office/powerpoint/2010/main" val="4265391792"/>
       </p:ext>
     </p:extLst>
   </p:cSld>
@@ -12363,21 +12699,21 @@
           <a:p>
             <a:r>
               <a:rPr lang="en-US" dirty="0"/>
-              <a:t>Sensor readings</a:t>
+              <a:t>View Plant</a:t>
             </a:r>
           </a:p>
         </p:txBody>
       </p:sp>
       <p:pic>
         <p:nvPicPr>
-          <p:cNvPr id="5" name="Picture 4"/>
+          <p:cNvPr id="4" name="Picture 3"/>
           <p:cNvPicPr>
             <a:picLocks noChangeAspect="1"/>
           </p:cNvPicPr>
           <p:nvPr/>
         </p:nvPicPr>
         <p:blipFill>
-          <a:blip r:embed="rId2" cstate="hqprint">
+          <a:blip r:embed="rId2">
             <a:extLst>
               <a:ext uri="{28A0092B-C50C-407E-A947-70E740481C1C}">
                 <a14:useLocalDpi xmlns:a14="http://schemas.microsoft.com/office/drawing/2010/main" val="0"/>
@@ -12390,8 +12726,8 @@
         </p:blipFill>
         <p:spPr>
           <a:xfrm>
-            <a:off x="7646987" y="0"/>
-            <a:ext cx="3857625" cy="6858000"/>
+            <a:off x="7633598" y="0"/>
+            <a:ext cx="4153742" cy="6858000"/>
           </a:xfrm>
           <a:prstGeom prst="rect">
             <a:avLst/>
@@ -12401,7 +12737,7 @@
     </p:spTree>
     <p:extLst>
       <p:ext uri="{BB962C8B-B14F-4D97-AF65-F5344CB8AC3E}">
-        <p14:creationId xmlns:p14="http://schemas.microsoft.com/office/powerpoint/2010/main" val="1290909651"/>
+        <p14:creationId xmlns:p14="http://schemas.microsoft.com/office/powerpoint/2010/main" val="3816589669"/>
       </p:ext>
     </p:extLst>
   </p:cSld>
@@ -12447,6 +12783,7 @@
               <a:rPr lang="en-US" dirty="0"/>
               <a:t>Component 2: App</a:t>
             </a:r>
+            <a:endParaRPr lang="en-US" dirty="0"/>
           </a:p>
         </p:txBody>
       </p:sp>
@@ -12467,45 +12804,56 @@
           <a:p>
             <a:r>
               <a:rPr lang="en-US" dirty="0"/>
-              <a:t>Settings</a:t>
+              <a:t>Rate Current Plant Health</a:t>
             </a:r>
           </a:p>
         </p:txBody>
       </p:sp>
       <p:pic>
         <p:nvPicPr>
-          <p:cNvPr id="5" name="Picture 4"/>
+          <p:cNvPr id="1026" name="Picture 2" descr="https://raw.githubusercontent.com/jdkirklanduwyo/SeniorDesignGroup2/441a0e4cf39d426c760276834308665462a94059/Documents/RatingScreen.png"/>
           <p:cNvPicPr>
-            <a:picLocks noChangeAspect="1"/>
+            <a:picLocks noChangeAspect="1" noChangeArrowheads="1"/>
           </p:cNvPicPr>
           <p:nvPr/>
         </p:nvPicPr>
         <p:blipFill>
-          <a:blip r:embed="rId2" cstate="hqprint">
+          <a:blip r:embed="rId2">
             <a:extLst>
               <a:ext uri="{28A0092B-C50C-407E-A947-70E740481C1C}">
                 <a14:useLocalDpi xmlns:a14="http://schemas.microsoft.com/office/drawing/2010/main" val="0"/>
               </a:ext>
             </a:extLst>
           </a:blip>
+          <a:srcRect/>
           <a:stretch>
             <a:fillRect/>
           </a:stretch>
         </p:blipFill>
-        <p:spPr>
+        <p:spPr bwMode="auto">
           <a:xfrm>
-            <a:off x="7646987" y="0"/>
-            <a:ext cx="3857625" cy="6858000"/>
+            <a:off x="7640783" y="0"/>
+            <a:ext cx="4114800" cy="6858000"/>
           </a:xfrm>
           <a:prstGeom prst="rect">
             <a:avLst/>
           </a:prstGeom>
+          <a:noFill/>
+          <a:extLst>
+            <a:ext uri="{909E8E84-426E-40DD-AFC4-6F175D3DCCD1}">
+              <a14:hiddenFill xmlns:a14="http://schemas.microsoft.com/office/drawing/2010/main">
+                <a:solidFill>
+                  <a:srgbClr val="FFFFFF"/>
+                </a:solidFill>
+              </a14:hiddenFill>
+            </a:ext>
+          </a:extLst>
         </p:spPr>
       </p:pic>
     </p:spTree>
     <p:extLst>
       <p:ext uri="{BB962C8B-B14F-4D97-AF65-F5344CB8AC3E}">
-        <p14:creationId xmlns:p14="http://schemas.microsoft.com/office/powerpoint/2010/main" val="3280193882"/>
+        <p14:creationId xmlns:p14="http://schemas.microsoft.com/office/powerpoint/2010/main" val="4262509917"/>
       </p:ext>
     </p:extLst>
   </p:cSld>
